--- a/5.pptx
+++ b/5.pptx
@@ -3,13 +3,14 @@
 <p:presentation xmlns:a="http://schemas.openxmlformats.org/drawingml/2006/main" xmlns:p="http://schemas.openxmlformats.org/presentationml/2006/main" xmlns:r="http://schemas.openxmlformats.org/officeDocument/2006/relationships" xmlns:p14="http://schemas.microsoft.com/office/powerpoint/2010/main" xmlns:p15="http://schemas.microsoft.com/office/powerpoint/2012/main" xmlns:mc="http://schemas.openxmlformats.org/markup-compatibility/2006">
   <p:sldMasterIdLst>
     <p:sldMasterId id="2147483648" r:id="rId2"/>
+    <p:sldMasterId id="2147483661" r:id="rId3"/>
   </p:sldMasterIdLst>
   <p:sldIdLst>
-    <p:sldId id="256" r:id="rId3"/>
-    <p:sldId id="257" r:id="rId4"/>
-    <p:sldId id="258" r:id="rId5"/>
-    <p:sldId id="259" r:id="rId6"/>
-    <p:sldId id="260" r:id="rId7"/>
+    <p:sldId id="256" r:id="rId4"/>
+    <p:sldId id="257" r:id="rId5"/>
+    <p:sldId id="258" r:id="rId6"/>
+    <p:sldId id="259" r:id="rId7"/>
+    <p:sldId id="260" r:id="rId8"/>
   </p:sldIdLst>
   <p:sldSz cx="10080625" cy="5670550"/>
   <p:notesSz cx="7772400" cy="10058400"/>
@@ -57,7 +58,7 @@
       </p:grpSpPr>
       <p:sp>
         <p:nvSpPr>
-          <p:cNvPr id="26" name="PlaceHolder 1"/>
+          <p:cNvPr id="23" name="PlaceHolder 1"/>
           <p:cNvSpPr>
             <a:spLocks noGrp="1"/>
           </p:cNvSpPr>
@@ -68,7 +69,7 @@
         <p:spPr>
           <a:xfrm>
             <a:off x="504000" y="226080"/>
-            <a:ext cx="9071640" cy="946440"/>
+            <a:ext cx="9071280" cy="946080"/>
           </a:xfrm>
           <a:prstGeom prst="rect">
             <a:avLst/>
@@ -88,7 +89,7 @@
       </p:sp>
       <p:sp>
         <p:nvSpPr>
-          <p:cNvPr id="27" name="PlaceHolder 2"/>
+          <p:cNvPr id="24" name="PlaceHolder 2"/>
           <p:cNvSpPr>
             <a:spLocks noGrp="1"/>
           </p:cNvSpPr>
@@ -99,26 +100,26 @@
         <p:spPr>
           <a:xfrm>
             <a:off x="504000" y="1326600"/>
-            <a:ext cx="9071640" cy="1568160"/>
-          </a:xfrm>
-          <a:prstGeom prst="rect">
-            <a:avLst/>
-          </a:prstGeom>
-        </p:spPr>
-        <p:txBody>
-          <a:bodyPr lIns="0" rIns="0" tIns="0" bIns="0">
-            <a:normAutofit/>
-          </a:bodyPr>
-          <a:p>
-            <a:endParaRPr b="0" lang="en-US" sz="3200" spc="-1" strike="noStrike">
-              <a:latin typeface="Arial"/>
-            </a:endParaRPr>
-          </a:p>
-        </p:txBody>
-      </p:sp>
-      <p:sp>
-        <p:nvSpPr>
-          <p:cNvPr id="28" name="PlaceHolder 3"/>
+            <a:ext cx="9071280" cy="1568160"/>
+          </a:xfrm>
+          <a:prstGeom prst="rect">
+            <a:avLst/>
+          </a:prstGeom>
+        </p:spPr>
+        <p:txBody>
+          <a:bodyPr lIns="0" rIns="0" tIns="0" bIns="0">
+            <a:normAutofit/>
+          </a:bodyPr>
+          <a:p>
+            <a:endParaRPr b="0" lang="en-US" sz="3200" spc="-1" strike="noStrike">
+              <a:latin typeface="Arial"/>
+            </a:endParaRPr>
+          </a:p>
+        </p:txBody>
+      </p:sp>
+      <p:sp>
+        <p:nvSpPr>
+          <p:cNvPr id="25" name="PlaceHolder 3"/>
           <p:cNvSpPr>
             <a:spLocks noGrp="1"/>
           </p:cNvSpPr>
@@ -129,7 +130,7 @@
         <p:spPr>
           <a:xfrm>
             <a:off x="504000" y="3044160"/>
-            <a:ext cx="9071640" cy="1568160"/>
+            <a:ext cx="9071280" cy="1568160"/>
           </a:xfrm>
           <a:prstGeom prst="rect">
             <a:avLst/>
@@ -170,7 +171,7 @@
       </p:grpSpPr>
       <p:sp>
         <p:nvSpPr>
-          <p:cNvPr id="29" name="PlaceHolder 1"/>
+          <p:cNvPr id="26" name="PlaceHolder 1"/>
           <p:cNvSpPr>
             <a:spLocks noGrp="1"/>
           </p:cNvSpPr>
@@ -181,7 +182,7 @@
         <p:spPr>
           <a:xfrm>
             <a:off x="504000" y="226080"/>
-            <a:ext cx="9071640" cy="946440"/>
+            <a:ext cx="9071280" cy="946080"/>
           </a:xfrm>
           <a:prstGeom prst="rect">
             <a:avLst/>
@@ -201,7 +202,7 @@
       </p:sp>
       <p:sp>
         <p:nvSpPr>
-          <p:cNvPr id="30" name="PlaceHolder 2"/>
+          <p:cNvPr id="27" name="PlaceHolder 2"/>
           <p:cNvSpPr>
             <a:spLocks noGrp="1"/>
           </p:cNvSpPr>
@@ -212,26 +213,26 @@
         <p:spPr>
           <a:xfrm>
             <a:off x="504000" y="1326600"/>
-            <a:ext cx="4426920" cy="1568160"/>
-          </a:xfrm>
-          <a:prstGeom prst="rect">
-            <a:avLst/>
-          </a:prstGeom>
-        </p:spPr>
-        <p:txBody>
-          <a:bodyPr lIns="0" rIns="0" tIns="0" bIns="0">
-            <a:normAutofit/>
-          </a:bodyPr>
-          <a:p>
-            <a:endParaRPr b="0" lang="en-US" sz="3200" spc="-1" strike="noStrike">
-              <a:latin typeface="Arial"/>
-            </a:endParaRPr>
-          </a:p>
-        </p:txBody>
-      </p:sp>
-      <p:sp>
-        <p:nvSpPr>
-          <p:cNvPr id="31" name="PlaceHolder 3"/>
+            <a:ext cx="4426560" cy="1568160"/>
+          </a:xfrm>
+          <a:prstGeom prst="rect">
+            <a:avLst/>
+          </a:prstGeom>
+        </p:spPr>
+        <p:txBody>
+          <a:bodyPr lIns="0" rIns="0" tIns="0" bIns="0">
+            <a:normAutofit/>
+          </a:bodyPr>
+          <a:p>
+            <a:endParaRPr b="0" lang="en-US" sz="3200" spc="-1" strike="noStrike">
+              <a:latin typeface="Arial"/>
+            </a:endParaRPr>
+          </a:p>
+        </p:txBody>
+      </p:sp>
+      <p:sp>
+        <p:nvSpPr>
+          <p:cNvPr id="28" name="PlaceHolder 3"/>
           <p:cNvSpPr>
             <a:spLocks noGrp="1"/>
           </p:cNvSpPr>
@@ -241,27 +242,27 @@
         </p:nvSpPr>
         <p:spPr>
           <a:xfrm>
-            <a:off x="5152680" y="1326600"/>
-            <a:ext cx="4426920" cy="1568160"/>
-          </a:xfrm>
-          <a:prstGeom prst="rect">
-            <a:avLst/>
-          </a:prstGeom>
-        </p:spPr>
-        <p:txBody>
-          <a:bodyPr lIns="0" rIns="0" tIns="0" bIns="0">
-            <a:normAutofit/>
-          </a:bodyPr>
-          <a:p>
-            <a:endParaRPr b="0" lang="en-US" sz="3200" spc="-1" strike="noStrike">
-              <a:latin typeface="Arial"/>
-            </a:endParaRPr>
-          </a:p>
-        </p:txBody>
-      </p:sp>
-      <p:sp>
-        <p:nvSpPr>
-          <p:cNvPr id="32" name="PlaceHolder 4"/>
+            <a:off x="5152320" y="1326600"/>
+            <a:ext cx="4426560" cy="1568160"/>
+          </a:xfrm>
+          <a:prstGeom prst="rect">
+            <a:avLst/>
+          </a:prstGeom>
+        </p:spPr>
+        <p:txBody>
+          <a:bodyPr lIns="0" rIns="0" tIns="0" bIns="0">
+            <a:normAutofit/>
+          </a:bodyPr>
+          <a:p>
+            <a:endParaRPr b="0" lang="en-US" sz="3200" spc="-1" strike="noStrike">
+              <a:latin typeface="Arial"/>
+            </a:endParaRPr>
+          </a:p>
+        </p:txBody>
+      </p:sp>
+      <p:sp>
+        <p:nvSpPr>
+          <p:cNvPr id="29" name="PlaceHolder 4"/>
           <p:cNvSpPr>
             <a:spLocks noGrp="1"/>
           </p:cNvSpPr>
@@ -272,26 +273,26 @@
         <p:spPr>
           <a:xfrm>
             <a:off x="504000" y="3044160"/>
-            <a:ext cx="4426920" cy="1568160"/>
-          </a:xfrm>
-          <a:prstGeom prst="rect">
-            <a:avLst/>
-          </a:prstGeom>
-        </p:spPr>
-        <p:txBody>
-          <a:bodyPr lIns="0" rIns="0" tIns="0" bIns="0">
-            <a:normAutofit/>
-          </a:bodyPr>
-          <a:p>
-            <a:endParaRPr b="0" lang="en-US" sz="3200" spc="-1" strike="noStrike">
-              <a:latin typeface="Arial"/>
-            </a:endParaRPr>
-          </a:p>
-        </p:txBody>
-      </p:sp>
-      <p:sp>
-        <p:nvSpPr>
-          <p:cNvPr id="33" name="PlaceHolder 5"/>
+            <a:ext cx="4426560" cy="1568160"/>
+          </a:xfrm>
+          <a:prstGeom prst="rect">
+            <a:avLst/>
+          </a:prstGeom>
+        </p:spPr>
+        <p:txBody>
+          <a:bodyPr lIns="0" rIns="0" tIns="0" bIns="0">
+            <a:normAutofit/>
+          </a:bodyPr>
+          <a:p>
+            <a:endParaRPr b="0" lang="en-US" sz="3200" spc="-1" strike="noStrike">
+              <a:latin typeface="Arial"/>
+            </a:endParaRPr>
+          </a:p>
+        </p:txBody>
+      </p:sp>
+      <p:sp>
+        <p:nvSpPr>
+          <p:cNvPr id="30" name="PlaceHolder 5"/>
           <p:cNvSpPr>
             <a:spLocks noGrp="1"/>
           </p:cNvSpPr>
@@ -301,8 +302,8 @@
         </p:nvSpPr>
         <p:spPr>
           <a:xfrm>
-            <a:off x="5152680" y="3044160"/>
-            <a:ext cx="4426920" cy="1568160"/>
+            <a:off x="5152320" y="3044160"/>
+            <a:ext cx="4426560" cy="1568160"/>
           </a:xfrm>
           <a:prstGeom prst="rect">
             <a:avLst/>
@@ -343,7 +344,7 @@
       </p:grpSpPr>
       <p:sp>
         <p:nvSpPr>
-          <p:cNvPr id="34" name="PlaceHolder 1"/>
+          <p:cNvPr id="31" name="PlaceHolder 1"/>
           <p:cNvSpPr>
             <a:spLocks noGrp="1"/>
           </p:cNvSpPr>
@@ -354,7 +355,7 @@
         <p:spPr>
           <a:xfrm>
             <a:off x="504000" y="226080"/>
-            <a:ext cx="9071640" cy="946440"/>
+            <a:ext cx="9071280" cy="946080"/>
           </a:xfrm>
           <a:prstGeom prst="rect">
             <a:avLst/>
@@ -374,7 +375,7 @@
       </p:sp>
       <p:sp>
         <p:nvSpPr>
-          <p:cNvPr id="35" name="PlaceHolder 2"/>
+          <p:cNvPr id="32" name="PlaceHolder 2"/>
           <p:cNvSpPr>
             <a:spLocks noGrp="1"/>
           </p:cNvSpPr>
@@ -404,7 +405,7 @@
       </p:sp>
       <p:sp>
         <p:nvSpPr>
-          <p:cNvPr id="36" name="PlaceHolder 3"/>
+          <p:cNvPr id="33" name="PlaceHolder 3"/>
           <p:cNvSpPr>
             <a:spLocks noGrp="1"/>
           </p:cNvSpPr>
@@ -434,7 +435,7 @@
       </p:sp>
       <p:sp>
         <p:nvSpPr>
-          <p:cNvPr id="37" name="PlaceHolder 4"/>
+          <p:cNvPr id="34" name="PlaceHolder 4"/>
           <p:cNvSpPr>
             <a:spLocks noGrp="1"/>
           </p:cNvSpPr>
@@ -464,7 +465,7 @@
       </p:sp>
       <p:sp>
         <p:nvSpPr>
-          <p:cNvPr id="38" name="PlaceHolder 5"/>
+          <p:cNvPr id="35" name="PlaceHolder 5"/>
           <p:cNvSpPr>
             <a:spLocks noGrp="1"/>
           </p:cNvSpPr>
@@ -494,7 +495,7 @@
       </p:sp>
       <p:sp>
         <p:nvSpPr>
-          <p:cNvPr id="39" name="PlaceHolder 6"/>
+          <p:cNvPr id="36" name="PlaceHolder 6"/>
           <p:cNvSpPr>
             <a:spLocks noGrp="1"/>
           </p:cNvSpPr>
@@ -524,7 +525,7 @@
       </p:sp>
       <p:sp>
         <p:nvSpPr>
-          <p:cNvPr id="40" name="PlaceHolder 7"/>
+          <p:cNvPr id="37" name="PlaceHolder 7"/>
           <p:cNvSpPr>
             <a:spLocks noGrp="1"/>
           </p:cNvSpPr>
@@ -536,6 +537,557 @@
           <a:xfrm>
             <a:off x="6638040" y="3044160"/>
             <a:ext cx="2920680" cy="1568160"/>
+          </a:xfrm>
+          <a:prstGeom prst="rect">
+            <a:avLst/>
+          </a:prstGeom>
+        </p:spPr>
+        <p:txBody>
+          <a:bodyPr lIns="0" rIns="0" tIns="0" bIns="0">
+            <a:normAutofit/>
+          </a:bodyPr>
+          <a:p>
+            <a:endParaRPr b="0" lang="en-US" sz="3200" spc="-1" strike="noStrike">
+              <a:latin typeface="Arial"/>
+            </a:endParaRPr>
+          </a:p>
+        </p:txBody>
+      </p:sp>
+    </p:spTree>
+  </p:cSld>
+</p:sldLayout>
+</file>
+
+<file path=ppt/slideLayouts/slideLayout13.xml><?xml version="1.0" encoding="utf-8"?>
+<p:sldLayout xmlns:a="http://schemas.openxmlformats.org/drawingml/2006/main" xmlns:p="http://schemas.openxmlformats.org/presentationml/2006/main" xmlns:r="http://schemas.openxmlformats.org/officeDocument/2006/relationships" xmlns:p14="http://schemas.microsoft.com/office/powerpoint/2010/main" xmlns:p15="http://schemas.microsoft.com/office/powerpoint/2012/main" xmlns:mc="http://schemas.openxmlformats.org/markup-compatibility/2006" type="blank" preserve="1">
+  <p:cSld name="Blank Slide">
+    <p:spTree>
+      <p:nvGrpSpPr>
+        <p:cNvPr id="1" name=""/>
+        <p:cNvGrpSpPr/>
+        <p:nvPr/>
+      </p:nvGrpSpPr>
+      <p:grpSpPr>
+        <a:xfrm>
+          <a:off x="0" y="0"/>
+          <a:ext cx="0" cy="0"/>
+          <a:chOff x="0" y="0"/>
+          <a:chExt cx="0" cy="0"/>
+        </a:xfrm>
+      </p:grpSpPr>
+    </p:spTree>
+  </p:cSld>
+</p:sldLayout>
+</file>
+
+<file path=ppt/slideLayouts/slideLayout14.xml><?xml version="1.0" encoding="utf-8"?>
+<p:sldLayout xmlns:a="http://schemas.openxmlformats.org/drawingml/2006/main" xmlns:p="http://schemas.openxmlformats.org/presentationml/2006/main" xmlns:r="http://schemas.openxmlformats.org/officeDocument/2006/relationships" xmlns:p14="http://schemas.microsoft.com/office/powerpoint/2010/main" xmlns:p15="http://schemas.microsoft.com/office/powerpoint/2012/main" xmlns:mc="http://schemas.openxmlformats.org/markup-compatibility/2006" type="tx" preserve="1">
+  <p:cSld name="Title Slide">
+    <p:spTree>
+      <p:nvGrpSpPr>
+        <p:cNvPr id="1" name=""/>
+        <p:cNvGrpSpPr/>
+        <p:nvPr/>
+      </p:nvGrpSpPr>
+      <p:grpSpPr>
+        <a:xfrm>
+          <a:off x="0" y="0"/>
+          <a:ext cx="0" cy="0"/>
+          <a:chOff x="0" y="0"/>
+          <a:chExt cx="0" cy="0"/>
+        </a:xfrm>
+      </p:grpSpPr>
+      <p:sp>
+        <p:nvSpPr>
+          <p:cNvPr id="40" name="PlaceHolder 1"/>
+          <p:cNvSpPr>
+            <a:spLocks noGrp="1"/>
+          </p:cNvSpPr>
+          <p:nvPr>
+            <p:ph type="title"/>
+          </p:nvPr>
+        </p:nvSpPr>
+        <p:spPr>
+          <a:xfrm>
+            <a:off x="504000" y="226080"/>
+            <a:ext cx="9071280" cy="946080"/>
+          </a:xfrm>
+          <a:prstGeom prst="rect">
+            <a:avLst/>
+          </a:prstGeom>
+        </p:spPr>
+        <p:txBody>
+          <a:bodyPr lIns="0" rIns="0" tIns="0" bIns="0" anchor="ctr">
+            <a:noAutofit/>
+          </a:bodyPr>
+          <a:p>
+            <a:pPr algn="ctr"/>
+            <a:endParaRPr b="0" lang="en-US" sz="4400" spc="-1" strike="noStrike">
+              <a:latin typeface="Arial"/>
+            </a:endParaRPr>
+          </a:p>
+        </p:txBody>
+      </p:sp>
+      <p:sp>
+        <p:nvSpPr>
+          <p:cNvPr id="41" name="PlaceHolder 2"/>
+          <p:cNvSpPr>
+            <a:spLocks noGrp="1"/>
+          </p:cNvSpPr>
+          <p:nvPr>
+            <p:ph type="subTitle"/>
+          </p:nvPr>
+        </p:nvSpPr>
+        <p:spPr>
+          <a:xfrm>
+            <a:off x="504000" y="1326600"/>
+            <a:ext cx="9071280" cy="3287880"/>
+          </a:xfrm>
+          <a:prstGeom prst="rect">
+            <a:avLst/>
+          </a:prstGeom>
+        </p:spPr>
+        <p:txBody>
+          <a:bodyPr lIns="0" rIns="0" tIns="0" bIns="0" anchor="ctr">
+            <a:noAutofit/>
+          </a:bodyPr>
+          <a:p>
+            <a:pPr algn="ctr"/>
+            <a:endParaRPr b="0" lang="en-US" sz="3200" spc="-1" strike="noStrike">
+              <a:latin typeface="Arial"/>
+            </a:endParaRPr>
+          </a:p>
+        </p:txBody>
+      </p:sp>
+    </p:spTree>
+  </p:cSld>
+</p:sldLayout>
+</file>
+
+<file path=ppt/slideLayouts/slideLayout15.xml><?xml version="1.0" encoding="utf-8"?>
+<p:sldLayout xmlns:a="http://schemas.openxmlformats.org/drawingml/2006/main" xmlns:p="http://schemas.openxmlformats.org/presentationml/2006/main" xmlns:r="http://schemas.openxmlformats.org/officeDocument/2006/relationships" xmlns:p14="http://schemas.microsoft.com/office/powerpoint/2010/main" xmlns:p15="http://schemas.microsoft.com/office/powerpoint/2012/main" xmlns:mc="http://schemas.openxmlformats.org/markup-compatibility/2006" type="obj" preserve="1">
+  <p:cSld name="Title, Content">
+    <p:spTree>
+      <p:nvGrpSpPr>
+        <p:cNvPr id="1" name=""/>
+        <p:cNvGrpSpPr/>
+        <p:nvPr/>
+      </p:nvGrpSpPr>
+      <p:grpSpPr>
+        <a:xfrm>
+          <a:off x="0" y="0"/>
+          <a:ext cx="0" cy="0"/>
+          <a:chOff x="0" y="0"/>
+          <a:chExt cx="0" cy="0"/>
+        </a:xfrm>
+      </p:grpSpPr>
+      <p:sp>
+        <p:nvSpPr>
+          <p:cNvPr id="42" name="PlaceHolder 1"/>
+          <p:cNvSpPr>
+            <a:spLocks noGrp="1"/>
+          </p:cNvSpPr>
+          <p:nvPr>
+            <p:ph type="title"/>
+          </p:nvPr>
+        </p:nvSpPr>
+        <p:spPr>
+          <a:xfrm>
+            <a:off x="504000" y="226080"/>
+            <a:ext cx="9071280" cy="946080"/>
+          </a:xfrm>
+          <a:prstGeom prst="rect">
+            <a:avLst/>
+          </a:prstGeom>
+        </p:spPr>
+        <p:txBody>
+          <a:bodyPr lIns="0" rIns="0" tIns="0" bIns="0" anchor="ctr">
+            <a:noAutofit/>
+          </a:bodyPr>
+          <a:p>
+            <a:pPr algn="ctr"/>
+            <a:endParaRPr b="0" lang="en-US" sz="4400" spc="-1" strike="noStrike">
+              <a:latin typeface="Arial"/>
+            </a:endParaRPr>
+          </a:p>
+        </p:txBody>
+      </p:sp>
+      <p:sp>
+        <p:nvSpPr>
+          <p:cNvPr id="43" name="PlaceHolder 2"/>
+          <p:cNvSpPr>
+            <a:spLocks noGrp="1"/>
+          </p:cNvSpPr>
+          <p:nvPr>
+            <p:ph type="body"/>
+          </p:nvPr>
+        </p:nvSpPr>
+        <p:spPr>
+          <a:xfrm>
+            <a:off x="504000" y="1326600"/>
+            <a:ext cx="9071280" cy="3287880"/>
+          </a:xfrm>
+          <a:prstGeom prst="rect">
+            <a:avLst/>
+          </a:prstGeom>
+        </p:spPr>
+        <p:txBody>
+          <a:bodyPr lIns="0" rIns="0" tIns="0" bIns="0">
+            <a:normAutofit/>
+          </a:bodyPr>
+          <a:p>
+            <a:endParaRPr b="0" lang="en-US" sz="3200" spc="-1" strike="noStrike">
+              <a:latin typeface="Arial"/>
+            </a:endParaRPr>
+          </a:p>
+        </p:txBody>
+      </p:sp>
+    </p:spTree>
+  </p:cSld>
+</p:sldLayout>
+</file>
+
+<file path=ppt/slideLayouts/slideLayout16.xml><?xml version="1.0" encoding="utf-8"?>
+<p:sldLayout xmlns:a="http://schemas.openxmlformats.org/drawingml/2006/main" xmlns:p="http://schemas.openxmlformats.org/presentationml/2006/main" xmlns:r="http://schemas.openxmlformats.org/officeDocument/2006/relationships" xmlns:p14="http://schemas.microsoft.com/office/powerpoint/2010/main" xmlns:p15="http://schemas.microsoft.com/office/powerpoint/2012/main" xmlns:mc="http://schemas.openxmlformats.org/markup-compatibility/2006" type="twoObj" preserve="1">
+  <p:cSld name="Title, 2 Content">
+    <p:spTree>
+      <p:nvGrpSpPr>
+        <p:cNvPr id="1" name=""/>
+        <p:cNvGrpSpPr/>
+        <p:nvPr/>
+      </p:nvGrpSpPr>
+      <p:grpSpPr>
+        <a:xfrm>
+          <a:off x="0" y="0"/>
+          <a:ext cx="0" cy="0"/>
+          <a:chOff x="0" y="0"/>
+          <a:chExt cx="0" cy="0"/>
+        </a:xfrm>
+      </p:grpSpPr>
+      <p:sp>
+        <p:nvSpPr>
+          <p:cNvPr id="44" name="PlaceHolder 1"/>
+          <p:cNvSpPr>
+            <a:spLocks noGrp="1"/>
+          </p:cNvSpPr>
+          <p:nvPr>
+            <p:ph type="title"/>
+          </p:nvPr>
+        </p:nvSpPr>
+        <p:spPr>
+          <a:xfrm>
+            <a:off x="504000" y="226080"/>
+            <a:ext cx="9071280" cy="946080"/>
+          </a:xfrm>
+          <a:prstGeom prst="rect">
+            <a:avLst/>
+          </a:prstGeom>
+        </p:spPr>
+        <p:txBody>
+          <a:bodyPr lIns="0" rIns="0" tIns="0" bIns="0" anchor="ctr">
+            <a:noAutofit/>
+          </a:bodyPr>
+          <a:p>
+            <a:pPr algn="ctr"/>
+            <a:endParaRPr b="0" lang="en-US" sz="4400" spc="-1" strike="noStrike">
+              <a:latin typeface="Arial"/>
+            </a:endParaRPr>
+          </a:p>
+        </p:txBody>
+      </p:sp>
+      <p:sp>
+        <p:nvSpPr>
+          <p:cNvPr id="45" name="PlaceHolder 2"/>
+          <p:cNvSpPr>
+            <a:spLocks noGrp="1"/>
+          </p:cNvSpPr>
+          <p:nvPr>
+            <p:ph type="body"/>
+          </p:nvPr>
+        </p:nvSpPr>
+        <p:spPr>
+          <a:xfrm>
+            <a:off x="504000" y="1326600"/>
+            <a:ext cx="4426560" cy="3287880"/>
+          </a:xfrm>
+          <a:prstGeom prst="rect">
+            <a:avLst/>
+          </a:prstGeom>
+        </p:spPr>
+        <p:txBody>
+          <a:bodyPr lIns="0" rIns="0" tIns="0" bIns="0">
+            <a:normAutofit/>
+          </a:bodyPr>
+          <a:p>
+            <a:endParaRPr b="0" lang="en-US" sz="3200" spc="-1" strike="noStrike">
+              <a:latin typeface="Arial"/>
+            </a:endParaRPr>
+          </a:p>
+        </p:txBody>
+      </p:sp>
+      <p:sp>
+        <p:nvSpPr>
+          <p:cNvPr id="46" name="PlaceHolder 3"/>
+          <p:cNvSpPr>
+            <a:spLocks noGrp="1"/>
+          </p:cNvSpPr>
+          <p:nvPr>
+            <p:ph type="body"/>
+          </p:nvPr>
+        </p:nvSpPr>
+        <p:spPr>
+          <a:xfrm>
+            <a:off x="5152320" y="1326600"/>
+            <a:ext cx="4426560" cy="3287880"/>
+          </a:xfrm>
+          <a:prstGeom prst="rect">
+            <a:avLst/>
+          </a:prstGeom>
+        </p:spPr>
+        <p:txBody>
+          <a:bodyPr lIns="0" rIns="0" tIns="0" bIns="0">
+            <a:normAutofit/>
+          </a:bodyPr>
+          <a:p>
+            <a:endParaRPr b="0" lang="en-US" sz="3200" spc="-1" strike="noStrike">
+              <a:latin typeface="Arial"/>
+            </a:endParaRPr>
+          </a:p>
+        </p:txBody>
+      </p:sp>
+    </p:spTree>
+  </p:cSld>
+</p:sldLayout>
+</file>
+
+<file path=ppt/slideLayouts/slideLayout17.xml><?xml version="1.0" encoding="utf-8"?>
+<p:sldLayout xmlns:a="http://schemas.openxmlformats.org/drawingml/2006/main" xmlns:p="http://schemas.openxmlformats.org/presentationml/2006/main" xmlns:r="http://schemas.openxmlformats.org/officeDocument/2006/relationships" xmlns:p14="http://schemas.microsoft.com/office/powerpoint/2010/main" xmlns:p15="http://schemas.microsoft.com/office/powerpoint/2012/main" xmlns:mc="http://schemas.openxmlformats.org/markup-compatibility/2006" type="titleOnly" preserve="1">
+  <p:cSld name="Title Only">
+    <p:spTree>
+      <p:nvGrpSpPr>
+        <p:cNvPr id="1" name=""/>
+        <p:cNvGrpSpPr/>
+        <p:nvPr/>
+      </p:nvGrpSpPr>
+      <p:grpSpPr>
+        <a:xfrm>
+          <a:off x="0" y="0"/>
+          <a:ext cx="0" cy="0"/>
+          <a:chOff x="0" y="0"/>
+          <a:chExt cx="0" cy="0"/>
+        </a:xfrm>
+      </p:grpSpPr>
+      <p:sp>
+        <p:nvSpPr>
+          <p:cNvPr id="47" name="PlaceHolder 1"/>
+          <p:cNvSpPr>
+            <a:spLocks noGrp="1"/>
+          </p:cNvSpPr>
+          <p:nvPr>
+            <p:ph type="title"/>
+          </p:nvPr>
+        </p:nvSpPr>
+        <p:spPr>
+          <a:xfrm>
+            <a:off x="504000" y="226080"/>
+            <a:ext cx="9071280" cy="946080"/>
+          </a:xfrm>
+          <a:prstGeom prst="rect">
+            <a:avLst/>
+          </a:prstGeom>
+        </p:spPr>
+        <p:txBody>
+          <a:bodyPr lIns="0" rIns="0" tIns="0" bIns="0" anchor="ctr">
+            <a:noAutofit/>
+          </a:bodyPr>
+          <a:p>
+            <a:pPr algn="ctr"/>
+            <a:endParaRPr b="0" lang="en-US" sz="4400" spc="-1" strike="noStrike">
+              <a:latin typeface="Arial"/>
+            </a:endParaRPr>
+          </a:p>
+        </p:txBody>
+      </p:sp>
+    </p:spTree>
+  </p:cSld>
+</p:sldLayout>
+</file>
+
+<file path=ppt/slideLayouts/slideLayout18.xml><?xml version="1.0" encoding="utf-8"?>
+<p:sldLayout xmlns:a="http://schemas.openxmlformats.org/drawingml/2006/main" xmlns:p="http://schemas.openxmlformats.org/presentationml/2006/main" xmlns:r="http://schemas.openxmlformats.org/officeDocument/2006/relationships" xmlns:p14="http://schemas.microsoft.com/office/powerpoint/2010/main" xmlns:p15="http://schemas.microsoft.com/office/powerpoint/2012/main" xmlns:mc="http://schemas.openxmlformats.org/markup-compatibility/2006" type="objOnly" preserve="1">
+  <p:cSld name="Centered Text">
+    <p:spTree>
+      <p:nvGrpSpPr>
+        <p:cNvPr id="1" name=""/>
+        <p:cNvGrpSpPr/>
+        <p:nvPr/>
+      </p:nvGrpSpPr>
+      <p:grpSpPr>
+        <a:xfrm>
+          <a:off x="0" y="0"/>
+          <a:ext cx="0" cy="0"/>
+          <a:chOff x="0" y="0"/>
+          <a:chExt cx="0" cy="0"/>
+        </a:xfrm>
+      </p:grpSpPr>
+      <p:sp>
+        <p:nvSpPr>
+          <p:cNvPr id="48" name="PlaceHolder 1"/>
+          <p:cNvSpPr>
+            <a:spLocks noGrp="1"/>
+          </p:cNvSpPr>
+          <p:nvPr>
+            <p:ph type="subTitle"/>
+          </p:nvPr>
+        </p:nvSpPr>
+        <p:spPr>
+          <a:xfrm>
+            <a:off x="504000" y="226080"/>
+            <a:ext cx="9071280" cy="4386600"/>
+          </a:xfrm>
+          <a:prstGeom prst="rect">
+            <a:avLst/>
+          </a:prstGeom>
+        </p:spPr>
+        <p:txBody>
+          <a:bodyPr lIns="0" rIns="0" tIns="0" bIns="0" anchor="ctr">
+            <a:noAutofit/>
+          </a:bodyPr>
+          <a:p>
+            <a:pPr algn="ctr"/>
+            <a:endParaRPr b="0" lang="en-US" sz="3200" spc="-1" strike="noStrike">
+              <a:latin typeface="Arial"/>
+            </a:endParaRPr>
+          </a:p>
+        </p:txBody>
+      </p:sp>
+    </p:spTree>
+  </p:cSld>
+</p:sldLayout>
+</file>
+
+<file path=ppt/slideLayouts/slideLayout19.xml><?xml version="1.0" encoding="utf-8"?>
+<p:sldLayout xmlns:a="http://schemas.openxmlformats.org/drawingml/2006/main" xmlns:p="http://schemas.openxmlformats.org/presentationml/2006/main" xmlns:r="http://schemas.openxmlformats.org/officeDocument/2006/relationships" xmlns:p14="http://schemas.microsoft.com/office/powerpoint/2010/main" xmlns:p15="http://schemas.microsoft.com/office/powerpoint/2012/main" xmlns:mc="http://schemas.openxmlformats.org/markup-compatibility/2006" type="twoObjAndObj" preserve="1">
+  <p:cSld name="Title, 2 Content and Content">
+    <p:spTree>
+      <p:nvGrpSpPr>
+        <p:cNvPr id="1" name=""/>
+        <p:cNvGrpSpPr/>
+        <p:nvPr/>
+      </p:nvGrpSpPr>
+      <p:grpSpPr>
+        <a:xfrm>
+          <a:off x="0" y="0"/>
+          <a:ext cx="0" cy="0"/>
+          <a:chOff x="0" y="0"/>
+          <a:chExt cx="0" cy="0"/>
+        </a:xfrm>
+      </p:grpSpPr>
+      <p:sp>
+        <p:nvSpPr>
+          <p:cNvPr id="49" name="PlaceHolder 1"/>
+          <p:cNvSpPr>
+            <a:spLocks noGrp="1"/>
+          </p:cNvSpPr>
+          <p:nvPr>
+            <p:ph type="title"/>
+          </p:nvPr>
+        </p:nvSpPr>
+        <p:spPr>
+          <a:xfrm>
+            <a:off x="504000" y="226080"/>
+            <a:ext cx="9071280" cy="946080"/>
+          </a:xfrm>
+          <a:prstGeom prst="rect">
+            <a:avLst/>
+          </a:prstGeom>
+        </p:spPr>
+        <p:txBody>
+          <a:bodyPr lIns="0" rIns="0" tIns="0" bIns="0" anchor="ctr">
+            <a:noAutofit/>
+          </a:bodyPr>
+          <a:p>
+            <a:pPr algn="ctr"/>
+            <a:endParaRPr b="0" lang="en-US" sz="4400" spc="-1" strike="noStrike">
+              <a:latin typeface="Arial"/>
+            </a:endParaRPr>
+          </a:p>
+        </p:txBody>
+      </p:sp>
+      <p:sp>
+        <p:nvSpPr>
+          <p:cNvPr id="50" name="PlaceHolder 2"/>
+          <p:cNvSpPr>
+            <a:spLocks noGrp="1"/>
+          </p:cNvSpPr>
+          <p:nvPr>
+            <p:ph type="body"/>
+          </p:nvPr>
+        </p:nvSpPr>
+        <p:spPr>
+          <a:xfrm>
+            <a:off x="504000" y="1326600"/>
+            <a:ext cx="4426560" cy="1568160"/>
+          </a:xfrm>
+          <a:prstGeom prst="rect">
+            <a:avLst/>
+          </a:prstGeom>
+        </p:spPr>
+        <p:txBody>
+          <a:bodyPr lIns="0" rIns="0" tIns="0" bIns="0">
+            <a:normAutofit/>
+          </a:bodyPr>
+          <a:p>
+            <a:endParaRPr b="0" lang="en-US" sz="3200" spc="-1" strike="noStrike">
+              <a:latin typeface="Arial"/>
+            </a:endParaRPr>
+          </a:p>
+        </p:txBody>
+      </p:sp>
+      <p:sp>
+        <p:nvSpPr>
+          <p:cNvPr id="51" name="PlaceHolder 3"/>
+          <p:cNvSpPr>
+            <a:spLocks noGrp="1"/>
+          </p:cNvSpPr>
+          <p:nvPr>
+            <p:ph type="body"/>
+          </p:nvPr>
+        </p:nvSpPr>
+        <p:spPr>
+          <a:xfrm>
+            <a:off x="5152320" y="1326600"/>
+            <a:ext cx="4426560" cy="3287880"/>
+          </a:xfrm>
+          <a:prstGeom prst="rect">
+            <a:avLst/>
+          </a:prstGeom>
+        </p:spPr>
+        <p:txBody>
+          <a:bodyPr lIns="0" rIns="0" tIns="0" bIns="0">
+            <a:normAutofit/>
+          </a:bodyPr>
+          <a:p>
+            <a:endParaRPr b="0" lang="en-US" sz="3200" spc="-1" strike="noStrike">
+              <a:latin typeface="Arial"/>
+            </a:endParaRPr>
+          </a:p>
+        </p:txBody>
+      </p:sp>
+      <p:sp>
+        <p:nvSpPr>
+          <p:cNvPr id="52" name="PlaceHolder 4"/>
+          <p:cNvSpPr>
+            <a:spLocks noGrp="1"/>
+          </p:cNvSpPr>
+          <p:nvPr>
+            <p:ph type="body"/>
+          </p:nvPr>
+        </p:nvSpPr>
+        <p:spPr>
+          <a:xfrm>
+            <a:off x="504000" y="3044160"/>
+            <a:ext cx="4426560" cy="1568160"/>
           </a:xfrm>
           <a:prstGeom prst="rect">
             <a:avLst/>
@@ -576,7 +1128,7 @@
       </p:grpSpPr>
       <p:sp>
         <p:nvSpPr>
-          <p:cNvPr id="5" name="PlaceHolder 1"/>
+          <p:cNvPr id="2" name="PlaceHolder 1"/>
           <p:cNvSpPr>
             <a:spLocks noGrp="1"/>
           </p:cNvSpPr>
@@ -587,7 +1139,7 @@
         <p:spPr>
           <a:xfrm>
             <a:off x="504000" y="226080"/>
-            <a:ext cx="9071640" cy="946440"/>
+            <a:ext cx="9071280" cy="946080"/>
           </a:xfrm>
           <a:prstGeom prst="rect">
             <a:avLst/>
@@ -607,7 +1159,7 @@
       </p:sp>
       <p:sp>
         <p:nvSpPr>
-          <p:cNvPr id="6" name="PlaceHolder 2"/>
+          <p:cNvPr id="3" name="PlaceHolder 2"/>
           <p:cNvSpPr>
             <a:spLocks noGrp="1"/>
           </p:cNvSpPr>
@@ -618,7 +1170,7 @@
         <p:spPr>
           <a:xfrm>
             <a:off x="504000" y="1326600"/>
-            <a:ext cx="9071640" cy="3288240"/>
+            <a:ext cx="9071280" cy="3287880"/>
           </a:xfrm>
           <a:prstGeom prst="rect">
             <a:avLst/>
@@ -630,6 +1182,811 @@
           </a:bodyPr>
           <a:p>
             <a:pPr algn="ctr"/>
+            <a:endParaRPr b="0" lang="en-US" sz="3200" spc="-1" strike="noStrike">
+              <a:latin typeface="Arial"/>
+            </a:endParaRPr>
+          </a:p>
+        </p:txBody>
+      </p:sp>
+    </p:spTree>
+  </p:cSld>
+</p:sldLayout>
+</file>
+
+<file path=ppt/slideLayouts/slideLayout20.xml><?xml version="1.0" encoding="utf-8"?>
+<p:sldLayout xmlns:a="http://schemas.openxmlformats.org/drawingml/2006/main" xmlns:p="http://schemas.openxmlformats.org/presentationml/2006/main" xmlns:r="http://schemas.openxmlformats.org/officeDocument/2006/relationships" xmlns:p14="http://schemas.microsoft.com/office/powerpoint/2010/main" xmlns:p15="http://schemas.microsoft.com/office/powerpoint/2012/main" xmlns:mc="http://schemas.openxmlformats.org/markup-compatibility/2006" type="objAndTwoObj" preserve="1">
+  <p:cSld name="Title Content and 2 Content">
+    <p:spTree>
+      <p:nvGrpSpPr>
+        <p:cNvPr id="1" name=""/>
+        <p:cNvGrpSpPr/>
+        <p:nvPr/>
+      </p:nvGrpSpPr>
+      <p:grpSpPr>
+        <a:xfrm>
+          <a:off x="0" y="0"/>
+          <a:ext cx="0" cy="0"/>
+          <a:chOff x="0" y="0"/>
+          <a:chExt cx="0" cy="0"/>
+        </a:xfrm>
+      </p:grpSpPr>
+      <p:sp>
+        <p:nvSpPr>
+          <p:cNvPr id="53" name="PlaceHolder 1"/>
+          <p:cNvSpPr>
+            <a:spLocks noGrp="1"/>
+          </p:cNvSpPr>
+          <p:nvPr>
+            <p:ph type="title"/>
+          </p:nvPr>
+        </p:nvSpPr>
+        <p:spPr>
+          <a:xfrm>
+            <a:off x="504000" y="226080"/>
+            <a:ext cx="9071280" cy="946080"/>
+          </a:xfrm>
+          <a:prstGeom prst="rect">
+            <a:avLst/>
+          </a:prstGeom>
+        </p:spPr>
+        <p:txBody>
+          <a:bodyPr lIns="0" rIns="0" tIns="0" bIns="0" anchor="ctr">
+            <a:noAutofit/>
+          </a:bodyPr>
+          <a:p>
+            <a:pPr algn="ctr"/>
+            <a:endParaRPr b="0" lang="en-US" sz="4400" spc="-1" strike="noStrike">
+              <a:latin typeface="Arial"/>
+            </a:endParaRPr>
+          </a:p>
+        </p:txBody>
+      </p:sp>
+      <p:sp>
+        <p:nvSpPr>
+          <p:cNvPr id="54" name="PlaceHolder 2"/>
+          <p:cNvSpPr>
+            <a:spLocks noGrp="1"/>
+          </p:cNvSpPr>
+          <p:nvPr>
+            <p:ph type="body"/>
+          </p:nvPr>
+        </p:nvSpPr>
+        <p:spPr>
+          <a:xfrm>
+            <a:off x="504000" y="1326600"/>
+            <a:ext cx="4426560" cy="3287880"/>
+          </a:xfrm>
+          <a:prstGeom prst="rect">
+            <a:avLst/>
+          </a:prstGeom>
+        </p:spPr>
+        <p:txBody>
+          <a:bodyPr lIns="0" rIns="0" tIns="0" bIns="0">
+            <a:normAutofit/>
+          </a:bodyPr>
+          <a:p>
+            <a:endParaRPr b="0" lang="en-US" sz="3200" spc="-1" strike="noStrike">
+              <a:latin typeface="Arial"/>
+            </a:endParaRPr>
+          </a:p>
+        </p:txBody>
+      </p:sp>
+      <p:sp>
+        <p:nvSpPr>
+          <p:cNvPr id="55" name="PlaceHolder 3"/>
+          <p:cNvSpPr>
+            <a:spLocks noGrp="1"/>
+          </p:cNvSpPr>
+          <p:nvPr>
+            <p:ph type="body"/>
+          </p:nvPr>
+        </p:nvSpPr>
+        <p:spPr>
+          <a:xfrm>
+            <a:off x="5152320" y="1326600"/>
+            <a:ext cx="4426560" cy="1568160"/>
+          </a:xfrm>
+          <a:prstGeom prst="rect">
+            <a:avLst/>
+          </a:prstGeom>
+        </p:spPr>
+        <p:txBody>
+          <a:bodyPr lIns="0" rIns="0" tIns="0" bIns="0">
+            <a:normAutofit/>
+          </a:bodyPr>
+          <a:p>
+            <a:endParaRPr b="0" lang="en-US" sz="3200" spc="-1" strike="noStrike">
+              <a:latin typeface="Arial"/>
+            </a:endParaRPr>
+          </a:p>
+        </p:txBody>
+      </p:sp>
+      <p:sp>
+        <p:nvSpPr>
+          <p:cNvPr id="56" name="PlaceHolder 4"/>
+          <p:cNvSpPr>
+            <a:spLocks noGrp="1"/>
+          </p:cNvSpPr>
+          <p:nvPr>
+            <p:ph type="body"/>
+          </p:nvPr>
+        </p:nvSpPr>
+        <p:spPr>
+          <a:xfrm>
+            <a:off x="5152320" y="3044160"/>
+            <a:ext cx="4426560" cy="1568160"/>
+          </a:xfrm>
+          <a:prstGeom prst="rect">
+            <a:avLst/>
+          </a:prstGeom>
+        </p:spPr>
+        <p:txBody>
+          <a:bodyPr lIns="0" rIns="0" tIns="0" bIns="0">
+            <a:normAutofit/>
+          </a:bodyPr>
+          <a:p>
+            <a:endParaRPr b="0" lang="en-US" sz="3200" spc="-1" strike="noStrike">
+              <a:latin typeface="Arial"/>
+            </a:endParaRPr>
+          </a:p>
+        </p:txBody>
+      </p:sp>
+    </p:spTree>
+  </p:cSld>
+</p:sldLayout>
+</file>
+
+<file path=ppt/slideLayouts/slideLayout21.xml><?xml version="1.0" encoding="utf-8"?>
+<p:sldLayout xmlns:a="http://schemas.openxmlformats.org/drawingml/2006/main" xmlns:p="http://schemas.openxmlformats.org/presentationml/2006/main" xmlns:r="http://schemas.openxmlformats.org/officeDocument/2006/relationships" xmlns:p14="http://schemas.microsoft.com/office/powerpoint/2010/main" xmlns:p15="http://schemas.microsoft.com/office/powerpoint/2012/main" xmlns:mc="http://schemas.openxmlformats.org/markup-compatibility/2006" type="twoObjOverTx" preserve="1">
+  <p:cSld name="Title, 2 Content over Content">
+    <p:spTree>
+      <p:nvGrpSpPr>
+        <p:cNvPr id="1" name=""/>
+        <p:cNvGrpSpPr/>
+        <p:nvPr/>
+      </p:nvGrpSpPr>
+      <p:grpSpPr>
+        <a:xfrm>
+          <a:off x="0" y="0"/>
+          <a:ext cx="0" cy="0"/>
+          <a:chOff x="0" y="0"/>
+          <a:chExt cx="0" cy="0"/>
+        </a:xfrm>
+      </p:grpSpPr>
+      <p:sp>
+        <p:nvSpPr>
+          <p:cNvPr id="57" name="PlaceHolder 1"/>
+          <p:cNvSpPr>
+            <a:spLocks noGrp="1"/>
+          </p:cNvSpPr>
+          <p:nvPr>
+            <p:ph type="title"/>
+          </p:nvPr>
+        </p:nvSpPr>
+        <p:spPr>
+          <a:xfrm>
+            <a:off x="504000" y="226080"/>
+            <a:ext cx="9071280" cy="946080"/>
+          </a:xfrm>
+          <a:prstGeom prst="rect">
+            <a:avLst/>
+          </a:prstGeom>
+        </p:spPr>
+        <p:txBody>
+          <a:bodyPr lIns="0" rIns="0" tIns="0" bIns="0" anchor="ctr">
+            <a:noAutofit/>
+          </a:bodyPr>
+          <a:p>
+            <a:pPr algn="ctr"/>
+            <a:endParaRPr b="0" lang="en-US" sz="4400" spc="-1" strike="noStrike">
+              <a:latin typeface="Arial"/>
+            </a:endParaRPr>
+          </a:p>
+        </p:txBody>
+      </p:sp>
+      <p:sp>
+        <p:nvSpPr>
+          <p:cNvPr id="58" name="PlaceHolder 2"/>
+          <p:cNvSpPr>
+            <a:spLocks noGrp="1"/>
+          </p:cNvSpPr>
+          <p:nvPr>
+            <p:ph type="body"/>
+          </p:nvPr>
+        </p:nvSpPr>
+        <p:spPr>
+          <a:xfrm>
+            <a:off x="504000" y="1326600"/>
+            <a:ext cx="4426560" cy="1568160"/>
+          </a:xfrm>
+          <a:prstGeom prst="rect">
+            <a:avLst/>
+          </a:prstGeom>
+        </p:spPr>
+        <p:txBody>
+          <a:bodyPr lIns="0" rIns="0" tIns="0" bIns="0">
+            <a:normAutofit/>
+          </a:bodyPr>
+          <a:p>
+            <a:endParaRPr b="0" lang="en-US" sz="3200" spc="-1" strike="noStrike">
+              <a:latin typeface="Arial"/>
+            </a:endParaRPr>
+          </a:p>
+        </p:txBody>
+      </p:sp>
+      <p:sp>
+        <p:nvSpPr>
+          <p:cNvPr id="59" name="PlaceHolder 3"/>
+          <p:cNvSpPr>
+            <a:spLocks noGrp="1"/>
+          </p:cNvSpPr>
+          <p:nvPr>
+            <p:ph type="body"/>
+          </p:nvPr>
+        </p:nvSpPr>
+        <p:spPr>
+          <a:xfrm>
+            <a:off x="5152320" y="1326600"/>
+            <a:ext cx="4426560" cy="1568160"/>
+          </a:xfrm>
+          <a:prstGeom prst="rect">
+            <a:avLst/>
+          </a:prstGeom>
+        </p:spPr>
+        <p:txBody>
+          <a:bodyPr lIns="0" rIns="0" tIns="0" bIns="0">
+            <a:normAutofit/>
+          </a:bodyPr>
+          <a:p>
+            <a:endParaRPr b="0" lang="en-US" sz="3200" spc="-1" strike="noStrike">
+              <a:latin typeface="Arial"/>
+            </a:endParaRPr>
+          </a:p>
+        </p:txBody>
+      </p:sp>
+      <p:sp>
+        <p:nvSpPr>
+          <p:cNvPr id="60" name="PlaceHolder 4"/>
+          <p:cNvSpPr>
+            <a:spLocks noGrp="1"/>
+          </p:cNvSpPr>
+          <p:nvPr>
+            <p:ph type="body"/>
+          </p:nvPr>
+        </p:nvSpPr>
+        <p:spPr>
+          <a:xfrm>
+            <a:off x="504000" y="3044160"/>
+            <a:ext cx="9071280" cy="1568160"/>
+          </a:xfrm>
+          <a:prstGeom prst="rect">
+            <a:avLst/>
+          </a:prstGeom>
+        </p:spPr>
+        <p:txBody>
+          <a:bodyPr lIns="0" rIns="0" tIns="0" bIns="0">
+            <a:normAutofit/>
+          </a:bodyPr>
+          <a:p>
+            <a:endParaRPr b="0" lang="en-US" sz="3200" spc="-1" strike="noStrike">
+              <a:latin typeface="Arial"/>
+            </a:endParaRPr>
+          </a:p>
+        </p:txBody>
+      </p:sp>
+    </p:spTree>
+  </p:cSld>
+</p:sldLayout>
+</file>
+
+<file path=ppt/slideLayouts/slideLayout22.xml><?xml version="1.0" encoding="utf-8"?>
+<p:sldLayout xmlns:a="http://schemas.openxmlformats.org/drawingml/2006/main" xmlns:p="http://schemas.openxmlformats.org/presentationml/2006/main" xmlns:r="http://schemas.openxmlformats.org/officeDocument/2006/relationships" xmlns:p14="http://schemas.microsoft.com/office/powerpoint/2010/main" xmlns:p15="http://schemas.microsoft.com/office/powerpoint/2012/main" xmlns:mc="http://schemas.openxmlformats.org/markup-compatibility/2006" type="objOverTx" preserve="1">
+  <p:cSld name="Title, Content over Content">
+    <p:spTree>
+      <p:nvGrpSpPr>
+        <p:cNvPr id="1" name=""/>
+        <p:cNvGrpSpPr/>
+        <p:nvPr/>
+      </p:nvGrpSpPr>
+      <p:grpSpPr>
+        <a:xfrm>
+          <a:off x="0" y="0"/>
+          <a:ext cx="0" cy="0"/>
+          <a:chOff x="0" y="0"/>
+          <a:chExt cx="0" cy="0"/>
+        </a:xfrm>
+      </p:grpSpPr>
+      <p:sp>
+        <p:nvSpPr>
+          <p:cNvPr id="61" name="PlaceHolder 1"/>
+          <p:cNvSpPr>
+            <a:spLocks noGrp="1"/>
+          </p:cNvSpPr>
+          <p:nvPr>
+            <p:ph type="title"/>
+          </p:nvPr>
+        </p:nvSpPr>
+        <p:spPr>
+          <a:xfrm>
+            <a:off x="504000" y="226080"/>
+            <a:ext cx="9071280" cy="946080"/>
+          </a:xfrm>
+          <a:prstGeom prst="rect">
+            <a:avLst/>
+          </a:prstGeom>
+        </p:spPr>
+        <p:txBody>
+          <a:bodyPr lIns="0" rIns="0" tIns="0" bIns="0" anchor="ctr">
+            <a:noAutofit/>
+          </a:bodyPr>
+          <a:p>
+            <a:pPr algn="ctr"/>
+            <a:endParaRPr b="0" lang="en-US" sz="4400" spc="-1" strike="noStrike">
+              <a:latin typeface="Arial"/>
+            </a:endParaRPr>
+          </a:p>
+        </p:txBody>
+      </p:sp>
+      <p:sp>
+        <p:nvSpPr>
+          <p:cNvPr id="62" name="PlaceHolder 2"/>
+          <p:cNvSpPr>
+            <a:spLocks noGrp="1"/>
+          </p:cNvSpPr>
+          <p:nvPr>
+            <p:ph type="body"/>
+          </p:nvPr>
+        </p:nvSpPr>
+        <p:spPr>
+          <a:xfrm>
+            <a:off x="504000" y="1326600"/>
+            <a:ext cx="9071280" cy="1568160"/>
+          </a:xfrm>
+          <a:prstGeom prst="rect">
+            <a:avLst/>
+          </a:prstGeom>
+        </p:spPr>
+        <p:txBody>
+          <a:bodyPr lIns="0" rIns="0" tIns="0" bIns="0">
+            <a:normAutofit/>
+          </a:bodyPr>
+          <a:p>
+            <a:endParaRPr b="0" lang="en-US" sz="3200" spc="-1" strike="noStrike">
+              <a:latin typeface="Arial"/>
+            </a:endParaRPr>
+          </a:p>
+        </p:txBody>
+      </p:sp>
+      <p:sp>
+        <p:nvSpPr>
+          <p:cNvPr id="63" name="PlaceHolder 3"/>
+          <p:cNvSpPr>
+            <a:spLocks noGrp="1"/>
+          </p:cNvSpPr>
+          <p:nvPr>
+            <p:ph type="body"/>
+          </p:nvPr>
+        </p:nvSpPr>
+        <p:spPr>
+          <a:xfrm>
+            <a:off x="504000" y="3044160"/>
+            <a:ext cx="9071280" cy="1568160"/>
+          </a:xfrm>
+          <a:prstGeom prst="rect">
+            <a:avLst/>
+          </a:prstGeom>
+        </p:spPr>
+        <p:txBody>
+          <a:bodyPr lIns="0" rIns="0" tIns="0" bIns="0">
+            <a:normAutofit/>
+          </a:bodyPr>
+          <a:p>
+            <a:endParaRPr b="0" lang="en-US" sz="3200" spc="-1" strike="noStrike">
+              <a:latin typeface="Arial"/>
+            </a:endParaRPr>
+          </a:p>
+        </p:txBody>
+      </p:sp>
+    </p:spTree>
+  </p:cSld>
+</p:sldLayout>
+</file>
+
+<file path=ppt/slideLayouts/slideLayout23.xml><?xml version="1.0" encoding="utf-8"?>
+<p:sldLayout xmlns:a="http://schemas.openxmlformats.org/drawingml/2006/main" xmlns:p="http://schemas.openxmlformats.org/presentationml/2006/main" xmlns:r="http://schemas.openxmlformats.org/officeDocument/2006/relationships" xmlns:p14="http://schemas.microsoft.com/office/powerpoint/2010/main" xmlns:p15="http://schemas.microsoft.com/office/powerpoint/2012/main" xmlns:mc="http://schemas.openxmlformats.org/markup-compatibility/2006" type="fourObj" preserve="1">
+  <p:cSld name="Title, 4 Content">
+    <p:spTree>
+      <p:nvGrpSpPr>
+        <p:cNvPr id="1" name=""/>
+        <p:cNvGrpSpPr/>
+        <p:nvPr/>
+      </p:nvGrpSpPr>
+      <p:grpSpPr>
+        <a:xfrm>
+          <a:off x="0" y="0"/>
+          <a:ext cx="0" cy="0"/>
+          <a:chOff x="0" y="0"/>
+          <a:chExt cx="0" cy="0"/>
+        </a:xfrm>
+      </p:grpSpPr>
+      <p:sp>
+        <p:nvSpPr>
+          <p:cNvPr id="64" name="PlaceHolder 1"/>
+          <p:cNvSpPr>
+            <a:spLocks noGrp="1"/>
+          </p:cNvSpPr>
+          <p:nvPr>
+            <p:ph type="title"/>
+          </p:nvPr>
+        </p:nvSpPr>
+        <p:spPr>
+          <a:xfrm>
+            <a:off x="504000" y="226080"/>
+            <a:ext cx="9071280" cy="946080"/>
+          </a:xfrm>
+          <a:prstGeom prst="rect">
+            <a:avLst/>
+          </a:prstGeom>
+        </p:spPr>
+        <p:txBody>
+          <a:bodyPr lIns="0" rIns="0" tIns="0" bIns="0" anchor="ctr">
+            <a:noAutofit/>
+          </a:bodyPr>
+          <a:p>
+            <a:pPr algn="ctr"/>
+            <a:endParaRPr b="0" lang="en-US" sz="4400" spc="-1" strike="noStrike">
+              <a:latin typeface="Arial"/>
+            </a:endParaRPr>
+          </a:p>
+        </p:txBody>
+      </p:sp>
+      <p:sp>
+        <p:nvSpPr>
+          <p:cNvPr id="65" name="PlaceHolder 2"/>
+          <p:cNvSpPr>
+            <a:spLocks noGrp="1"/>
+          </p:cNvSpPr>
+          <p:nvPr>
+            <p:ph type="body"/>
+          </p:nvPr>
+        </p:nvSpPr>
+        <p:spPr>
+          <a:xfrm>
+            <a:off x="504000" y="1326600"/>
+            <a:ext cx="4426560" cy="1568160"/>
+          </a:xfrm>
+          <a:prstGeom prst="rect">
+            <a:avLst/>
+          </a:prstGeom>
+        </p:spPr>
+        <p:txBody>
+          <a:bodyPr lIns="0" rIns="0" tIns="0" bIns="0">
+            <a:normAutofit/>
+          </a:bodyPr>
+          <a:p>
+            <a:endParaRPr b="0" lang="en-US" sz="3200" spc="-1" strike="noStrike">
+              <a:latin typeface="Arial"/>
+            </a:endParaRPr>
+          </a:p>
+        </p:txBody>
+      </p:sp>
+      <p:sp>
+        <p:nvSpPr>
+          <p:cNvPr id="66" name="PlaceHolder 3"/>
+          <p:cNvSpPr>
+            <a:spLocks noGrp="1"/>
+          </p:cNvSpPr>
+          <p:nvPr>
+            <p:ph type="body"/>
+          </p:nvPr>
+        </p:nvSpPr>
+        <p:spPr>
+          <a:xfrm>
+            <a:off x="5152320" y="1326600"/>
+            <a:ext cx="4426560" cy="1568160"/>
+          </a:xfrm>
+          <a:prstGeom prst="rect">
+            <a:avLst/>
+          </a:prstGeom>
+        </p:spPr>
+        <p:txBody>
+          <a:bodyPr lIns="0" rIns="0" tIns="0" bIns="0">
+            <a:normAutofit/>
+          </a:bodyPr>
+          <a:p>
+            <a:endParaRPr b="0" lang="en-US" sz="3200" spc="-1" strike="noStrike">
+              <a:latin typeface="Arial"/>
+            </a:endParaRPr>
+          </a:p>
+        </p:txBody>
+      </p:sp>
+      <p:sp>
+        <p:nvSpPr>
+          <p:cNvPr id="67" name="PlaceHolder 4"/>
+          <p:cNvSpPr>
+            <a:spLocks noGrp="1"/>
+          </p:cNvSpPr>
+          <p:nvPr>
+            <p:ph type="body"/>
+          </p:nvPr>
+        </p:nvSpPr>
+        <p:spPr>
+          <a:xfrm>
+            <a:off x="504000" y="3044160"/>
+            <a:ext cx="4426560" cy="1568160"/>
+          </a:xfrm>
+          <a:prstGeom prst="rect">
+            <a:avLst/>
+          </a:prstGeom>
+        </p:spPr>
+        <p:txBody>
+          <a:bodyPr lIns="0" rIns="0" tIns="0" bIns="0">
+            <a:normAutofit/>
+          </a:bodyPr>
+          <a:p>
+            <a:endParaRPr b="0" lang="en-US" sz="3200" spc="-1" strike="noStrike">
+              <a:latin typeface="Arial"/>
+            </a:endParaRPr>
+          </a:p>
+        </p:txBody>
+      </p:sp>
+      <p:sp>
+        <p:nvSpPr>
+          <p:cNvPr id="68" name="PlaceHolder 5"/>
+          <p:cNvSpPr>
+            <a:spLocks noGrp="1"/>
+          </p:cNvSpPr>
+          <p:nvPr>
+            <p:ph type="body"/>
+          </p:nvPr>
+        </p:nvSpPr>
+        <p:spPr>
+          <a:xfrm>
+            <a:off x="5152320" y="3044160"/>
+            <a:ext cx="4426560" cy="1568160"/>
+          </a:xfrm>
+          <a:prstGeom prst="rect">
+            <a:avLst/>
+          </a:prstGeom>
+        </p:spPr>
+        <p:txBody>
+          <a:bodyPr lIns="0" rIns="0" tIns="0" bIns="0">
+            <a:normAutofit/>
+          </a:bodyPr>
+          <a:p>
+            <a:endParaRPr b="0" lang="en-US" sz="3200" spc="-1" strike="noStrike">
+              <a:latin typeface="Arial"/>
+            </a:endParaRPr>
+          </a:p>
+        </p:txBody>
+      </p:sp>
+    </p:spTree>
+  </p:cSld>
+</p:sldLayout>
+</file>
+
+<file path=ppt/slideLayouts/slideLayout24.xml><?xml version="1.0" encoding="utf-8"?>
+<p:sldLayout xmlns:a="http://schemas.openxmlformats.org/drawingml/2006/main" xmlns:p="http://schemas.openxmlformats.org/presentationml/2006/main" xmlns:r="http://schemas.openxmlformats.org/officeDocument/2006/relationships" xmlns:p14="http://schemas.microsoft.com/office/powerpoint/2010/main" xmlns:p15="http://schemas.microsoft.com/office/powerpoint/2012/main" xmlns:mc="http://schemas.openxmlformats.org/markup-compatibility/2006" type="blank" preserve="1">
+  <p:cSld name="Title, 6 Content">
+    <p:spTree>
+      <p:nvGrpSpPr>
+        <p:cNvPr id="1" name=""/>
+        <p:cNvGrpSpPr/>
+        <p:nvPr/>
+      </p:nvGrpSpPr>
+      <p:grpSpPr>
+        <a:xfrm>
+          <a:off x="0" y="0"/>
+          <a:ext cx="0" cy="0"/>
+          <a:chOff x="0" y="0"/>
+          <a:chExt cx="0" cy="0"/>
+        </a:xfrm>
+      </p:grpSpPr>
+      <p:sp>
+        <p:nvSpPr>
+          <p:cNvPr id="69" name="PlaceHolder 1"/>
+          <p:cNvSpPr>
+            <a:spLocks noGrp="1"/>
+          </p:cNvSpPr>
+          <p:nvPr>
+            <p:ph type="title"/>
+          </p:nvPr>
+        </p:nvSpPr>
+        <p:spPr>
+          <a:xfrm>
+            <a:off x="504000" y="226080"/>
+            <a:ext cx="9071280" cy="946080"/>
+          </a:xfrm>
+          <a:prstGeom prst="rect">
+            <a:avLst/>
+          </a:prstGeom>
+        </p:spPr>
+        <p:txBody>
+          <a:bodyPr lIns="0" rIns="0" tIns="0" bIns="0" anchor="ctr">
+            <a:noAutofit/>
+          </a:bodyPr>
+          <a:p>
+            <a:pPr algn="ctr"/>
+            <a:endParaRPr b="0" lang="en-US" sz="4400" spc="-1" strike="noStrike">
+              <a:latin typeface="Arial"/>
+            </a:endParaRPr>
+          </a:p>
+        </p:txBody>
+      </p:sp>
+      <p:sp>
+        <p:nvSpPr>
+          <p:cNvPr id="70" name="PlaceHolder 2"/>
+          <p:cNvSpPr>
+            <a:spLocks noGrp="1"/>
+          </p:cNvSpPr>
+          <p:nvPr>
+            <p:ph type="body"/>
+          </p:nvPr>
+        </p:nvSpPr>
+        <p:spPr>
+          <a:xfrm>
+            <a:off x="504000" y="1326600"/>
+            <a:ext cx="2920680" cy="1568160"/>
+          </a:xfrm>
+          <a:prstGeom prst="rect">
+            <a:avLst/>
+          </a:prstGeom>
+        </p:spPr>
+        <p:txBody>
+          <a:bodyPr lIns="0" rIns="0" tIns="0" bIns="0">
+            <a:normAutofit/>
+          </a:bodyPr>
+          <a:p>
+            <a:endParaRPr b="0" lang="en-US" sz="3200" spc="-1" strike="noStrike">
+              <a:latin typeface="Arial"/>
+            </a:endParaRPr>
+          </a:p>
+        </p:txBody>
+      </p:sp>
+      <p:sp>
+        <p:nvSpPr>
+          <p:cNvPr id="71" name="PlaceHolder 3"/>
+          <p:cNvSpPr>
+            <a:spLocks noGrp="1"/>
+          </p:cNvSpPr>
+          <p:nvPr>
+            <p:ph type="body"/>
+          </p:nvPr>
+        </p:nvSpPr>
+        <p:spPr>
+          <a:xfrm>
+            <a:off x="3571200" y="1326600"/>
+            <a:ext cx="2920680" cy="1568160"/>
+          </a:xfrm>
+          <a:prstGeom prst="rect">
+            <a:avLst/>
+          </a:prstGeom>
+        </p:spPr>
+        <p:txBody>
+          <a:bodyPr lIns="0" rIns="0" tIns="0" bIns="0">
+            <a:normAutofit/>
+          </a:bodyPr>
+          <a:p>
+            <a:endParaRPr b="0" lang="en-US" sz="3200" spc="-1" strike="noStrike">
+              <a:latin typeface="Arial"/>
+            </a:endParaRPr>
+          </a:p>
+        </p:txBody>
+      </p:sp>
+      <p:sp>
+        <p:nvSpPr>
+          <p:cNvPr id="72" name="PlaceHolder 4"/>
+          <p:cNvSpPr>
+            <a:spLocks noGrp="1"/>
+          </p:cNvSpPr>
+          <p:nvPr>
+            <p:ph type="body"/>
+          </p:nvPr>
+        </p:nvSpPr>
+        <p:spPr>
+          <a:xfrm>
+            <a:off x="6638040" y="1326600"/>
+            <a:ext cx="2920680" cy="1568160"/>
+          </a:xfrm>
+          <a:prstGeom prst="rect">
+            <a:avLst/>
+          </a:prstGeom>
+        </p:spPr>
+        <p:txBody>
+          <a:bodyPr lIns="0" rIns="0" tIns="0" bIns="0">
+            <a:normAutofit/>
+          </a:bodyPr>
+          <a:p>
+            <a:endParaRPr b="0" lang="en-US" sz="3200" spc="-1" strike="noStrike">
+              <a:latin typeface="Arial"/>
+            </a:endParaRPr>
+          </a:p>
+        </p:txBody>
+      </p:sp>
+      <p:sp>
+        <p:nvSpPr>
+          <p:cNvPr id="73" name="PlaceHolder 5"/>
+          <p:cNvSpPr>
+            <a:spLocks noGrp="1"/>
+          </p:cNvSpPr>
+          <p:nvPr>
+            <p:ph type="body"/>
+          </p:nvPr>
+        </p:nvSpPr>
+        <p:spPr>
+          <a:xfrm>
+            <a:off x="504000" y="3044160"/>
+            <a:ext cx="2920680" cy="1568160"/>
+          </a:xfrm>
+          <a:prstGeom prst="rect">
+            <a:avLst/>
+          </a:prstGeom>
+        </p:spPr>
+        <p:txBody>
+          <a:bodyPr lIns="0" rIns="0" tIns="0" bIns="0">
+            <a:normAutofit/>
+          </a:bodyPr>
+          <a:p>
+            <a:endParaRPr b="0" lang="en-US" sz="3200" spc="-1" strike="noStrike">
+              <a:latin typeface="Arial"/>
+            </a:endParaRPr>
+          </a:p>
+        </p:txBody>
+      </p:sp>
+      <p:sp>
+        <p:nvSpPr>
+          <p:cNvPr id="74" name="PlaceHolder 6"/>
+          <p:cNvSpPr>
+            <a:spLocks noGrp="1"/>
+          </p:cNvSpPr>
+          <p:nvPr>
+            <p:ph type="body"/>
+          </p:nvPr>
+        </p:nvSpPr>
+        <p:spPr>
+          <a:xfrm>
+            <a:off x="3571200" y="3044160"/>
+            <a:ext cx="2920680" cy="1568160"/>
+          </a:xfrm>
+          <a:prstGeom prst="rect">
+            <a:avLst/>
+          </a:prstGeom>
+        </p:spPr>
+        <p:txBody>
+          <a:bodyPr lIns="0" rIns="0" tIns="0" bIns="0">
+            <a:normAutofit/>
+          </a:bodyPr>
+          <a:p>
+            <a:endParaRPr b="0" lang="en-US" sz="3200" spc="-1" strike="noStrike">
+              <a:latin typeface="Arial"/>
+            </a:endParaRPr>
+          </a:p>
+        </p:txBody>
+      </p:sp>
+      <p:sp>
+        <p:nvSpPr>
+          <p:cNvPr id="75" name="PlaceHolder 7"/>
+          <p:cNvSpPr>
+            <a:spLocks noGrp="1"/>
+          </p:cNvSpPr>
+          <p:nvPr>
+            <p:ph type="body"/>
+          </p:nvPr>
+        </p:nvSpPr>
+        <p:spPr>
+          <a:xfrm>
+            <a:off x="6638040" y="3044160"/>
+            <a:ext cx="2920680" cy="1568160"/>
+          </a:xfrm>
+          <a:prstGeom prst="rect">
+            <a:avLst/>
+          </a:prstGeom>
+        </p:spPr>
+        <p:txBody>
+          <a:bodyPr lIns="0" rIns="0" tIns="0" bIns="0">
+            <a:normAutofit/>
+          </a:bodyPr>
+          <a:p>
             <a:endParaRPr b="0" lang="en-US" sz="3200" spc="-1" strike="noStrike">
               <a:latin typeface="Arial"/>
             </a:endParaRPr>
@@ -660,7 +2017,7 @@
       </p:grpSpPr>
       <p:sp>
         <p:nvSpPr>
-          <p:cNvPr id="7" name="PlaceHolder 1"/>
+          <p:cNvPr id="4" name="PlaceHolder 1"/>
           <p:cNvSpPr>
             <a:spLocks noGrp="1"/>
           </p:cNvSpPr>
@@ -671,7 +2028,7 @@
         <p:spPr>
           <a:xfrm>
             <a:off x="504000" y="226080"/>
-            <a:ext cx="9071640" cy="946440"/>
+            <a:ext cx="9071280" cy="946080"/>
           </a:xfrm>
           <a:prstGeom prst="rect">
             <a:avLst/>
@@ -691,7 +2048,7 @@
       </p:sp>
       <p:sp>
         <p:nvSpPr>
-          <p:cNvPr id="8" name="PlaceHolder 2"/>
+          <p:cNvPr id="5" name="PlaceHolder 2"/>
           <p:cNvSpPr>
             <a:spLocks noGrp="1"/>
           </p:cNvSpPr>
@@ -702,7 +2059,7 @@
         <p:spPr>
           <a:xfrm>
             <a:off x="504000" y="1326600"/>
-            <a:ext cx="9071640" cy="3288240"/>
+            <a:ext cx="9071280" cy="3287880"/>
           </a:xfrm>
           <a:prstGeom prst="rect">
             <a:avLst/>
@@ -743,7 +2100,7 @@
       </p:grpSpPr>
       <p:sp>
         <p:nvSpPr>
-          <p:cNvPr id="9" name="PlaceHolder 1"/>
+          <p:cNvPr id="6" name="PlaceHolder 1"/>
           <p:cNvSpPr>
             <a:spLocks noGrp="1"/>
           </p:cNvSpPr>
@@ -754,7 +2111,7 @@
         <p:spPr>
           <a:xfrm>
             <a:off x="504000" y="226080"/>
-            <a:ext cx="9071640" cy="946440"/>
+            <a:ext cx="9071280" cy="946080"/>
           </a:xfrm>
           <a:prstGeom prst="rect">
             <a:avLst/>
@@ -774,7 +2131,7 @@
       </p:sp>
       <p:sp>
         <p:nvSpPr>
-          <p:cNvPr id="10" name="PlaceHolder 2"/>
+          <p:cNvPr id="7" name="PlaceHolder 2"/>
           <p:cNvSpPr>
             <a:spLocks noGrp="1"/>
           </p:cNvSpPr>
@@ -785,26 +2142,26 @@
         <p:spPr>
           <a:xfrm>
             <a:off x="504000" y="1326600"/>
-            <a:ext cx="4426920" cy="3288240"/>
-          </a:xfrm>
-          <a:prstGeom prst="rect">
-            <a:avLst/>
-          </a:prstGeom>
-        </p:spPr>
-        <p:txBody>
-          <a:bodyPr lIns="0" rIns="0" tIns="0" bIns="0">
-            <a:normAutofit/>
-          </a:bodyPr>
-          <a:p>
-            <a:endParaRPr b="0" lang="en-US" sz="3200" spc="-1" strike="noStrike">
-              <a:latin typeface="Arial"/>
-            </a:endParaRPr>
-          </a:p>
-        </p:txBody>
-      </p:sp>
-      <p:sp>
-        <p:nvSpPr>
-          <p:cNvPr id="11" name="PlaceHolder 3"/>
+            <a:ext cx="4426560" cy="3287880"/>
+          </a:xfrm>
+          <a:prstGeom prst="rect">
+            <a:avLst/>
+          </a:prstGeom>
+        </p:spPr>
+        <p:txBody>
+          <a:bodyPr lIns="0" rIns="0" tIns="0" bIns="0">
+            <a:normAutofit/>
+          </a:bodyPr>
+          <a:p>
+            <a:endParaRPr b="0" lang="en-US" sz="3200" spc="-1" strike="noStrike">
+              <a:latin typeface="Arial"/>
+            </a:endParaRPr>
+          </a:p>
+        </p:txBody>
+      </p:sp>
+      <p:sp>
+        <p:nvSpPr>
+          <p:cNvPr id="8" name="PlaceHolder 3"/>
           <p:cNvSpPr>
             <a:spLocks noGrp="1"/>
           </p:cNvSpPr>
@@ -814,8 +2171,8 @@
         </p:nvSpPr>
         <p:spPr>
           <a:xfrm>
-            <a:off x="5152680" y="1326600"/>
-            <a:ext cx="4426920" cy="3288240"/>
+            <a:off x="5152320" y="1326600"/>
+            <a:ext cx="4426560" cy="3287880"/>
           </a:xfrm>
           <a:prstGeom prst="rect">
             <a:avLst/>
@@ -856,7 +2213,7 @@
       </p:grpSpPr>
       <p:sp>
         <p:nvSpPr>
-          <p:cNvPr id="12" name="PlaceHolder 1"/>
+          <p:cNvPr id="9" name="PlaceHolder 1"/>
           <p:cNvSpPr>
             <a:spLocks noGrp="1"/>
           </p:cNvSpPr>
@@ -867,7 +2224,7 @@
         <p:spPr>
           <a:xfrm>
             <a:off x="504000" y="226080"/>
-            <a:ext cx="9071640" cy="946440"/>
+            <a:ext cx="9071280" cy="946080"/>
           </a:xfrm>
           <a:prstGeom prst="rect">
             <a:avLst/>
@@ -909,7 +2266,7 @@
       </p:grpSpPr>
       <p:sp>
         <p:nvSpPr>
-          <p:cNvPr id="13" name="PlaceHolder 1"/>
+          <p:cNvPr id="10" name="PlaceHolder 1"/>
           <p:cNvSpPr>
             <a:spLocks noGrp="1"/>
           </p:cNvSpPr>
@@ -920,7 +2277,7 @@
         <p:spPr>
           <a:xfrm>
             <a:off x="504000" y="226080"/>
-            <a:ext cx="9071640" cy="4388400"/>
+            <a:ext cx="9071280" cy="4386600"/>
           </a:xfrm>
           <a:prstGeom prst="rect">
             <a:avLst/>
@@ -962,7 +2319,7 @@
       </p:grpSpPr>
       <p:sp>
         <p:nvSpPr>
-          <p:cNvPr id="14" name="PlaceHolder 1"/>
+          <p:cNvPr id="11" name="PlaceHolder 1"/>
           <p:cNvSpPr>
             <a:spLocks noGrp="1"/>
           </p:cNvSpPr>
@@ -973,7 +2330,7 @@
         <p:spPr>
           <a:xfrm>
             <a:off x="504000" y="226080"/>
-            <a:ext cx="9071640" cy="946440"/>
+            <a:ext cx="9071280" cy="946080"/>
           </a:xfrm>
           <a:prstGeom prst="rect">
             <a:avLst/>
@@ -993,7 +2350,7 @@
       </p:sp>
       <p:sp>
         <p:nvSpPr>
-          <p:cNvPr id="15" name="PlaceHolder 2"/>
+          <p:cNvPr id="12" name="PlaceHolder 2"/>
           <p:cNvSpPr>
             <a:spLocks noGrp="1"/>
           </p:cNvSpPr>
@@ -1004,26 +2361,26 @@
         <p:spPr>
           <a:xfrm>
             <a:off x="504000" y="1326600"/>
-            <a:ext cx="4426920" cy="1568160"/>
-          </a:xfrm>
-          <a:prstGeom prst="rect">
-            <a:avLst/>
-          </a:prstGeom>
-        </p:spPr>
-        <p:txBody>
-          <a:bodyPr lIns="0" rIns="0" tIns="0" bIns="0">
-            <a:normAutofit/>
-          </a:bodyPr>
-          <a:p>
-            <a:endParaRPr b="0" lang="en-US" sz="3200" spc="-1" strike="noStrike">
-              <a:latin typeface="Arial"/>
-            </a:endParaRPr>
-          </a:p>
-        </p:txBody>
-      </p:sp>
-      <p:sp>
-        <p:nvSpPr>
-          <p:cNvPr id="16" name="PlaceHolder 3"/>
+            <a:ext cx="4426560" cy="1568160"/>
+          </a:xfrm>
+          <a:prstGeom prst="rect">
+            <a:avLst/>
+          </a:prstGeom>
+        </p:spPr>
+        <p:txBody>
+          <a:bodyPr lIns="0" rIns="0" tIns="0" bIns="0">
+            <a:normAutofit/>
+          </a:bodyPr>
+          <a:p>
+            <a:endParaRPr b="0" lang="en-US" sz="3200" spc="-1" strike="noStrike">
+              <a:latin typeface="Arial"/>
+            </a:endParaRPr>
+          </a:p>
+        </p:txBody>
+      </p:sp>
+      <p:sp>
+        <p:nvSpPr>
+          <p:cNvPr id="13" name="PlaceHolder 3"/>
           <p:cNvSpPr>
             <a:spLocks noGrp="1"/>
           </p:cNvSpPr>
@@ -1033,27 +2390,27 @@
         </p:nvSpPr>
         <p:spPr>
           <a:xfrm>
-            <a:off x="5152680" y="1326600"/>
-            <a:ext cx="4426920" cy="3288240"/>
-          </a:xfrm>
-          <a:prstGeom prst="rect">
-            <a:avLst/>
-          </a:prstGeom>
-        </p:spPr>
-        <p:txBody>
-          <a:bodyPr lIns="0" rIns="0" tIns="0" bIns="0">
-            <a:normAutofit/>
-          </a:bodyPr>
-          <a:p>
-            <a:endParaRPr b="0" lang="en-US" sz="3200" spc="-1" strike="noStrike">
-              <a:latin typeface="Arial"/>
-            </a:endParaRPr>
-          </a:p>
-        </p:txBody>
-      </p:sp>
-      <p:sp>
-        <p:nvSpPr>
-          <p:cNvPr id="17" name="PlaceHolder 4"/>
+            <a:off x="5152320" y="1326600"/>
+            <a:ext cx="4426560" cy="3287880"/>
+          </a:xfrm>
+          <a:prstGeom prst="rect">
+            <a:avLst/>
+          </a:prstGeom>
+        </p:spPr>
+        <p:txBody>
+          <a:bodyPr lIns="0" rIns="0" tIns="0" bIns="0">
+            <a:normAutofit/>
+          </a:bodyPr>
+          <a:p>
+            <a:endParaRPr b="0" lang="en-US" sz="3200" spc="-1" strike="noStrike">
+              <a:latin typeface="Arial"/>
+            </a:endParaRPr>
+          </a:p>
+        </p:txBody>
+      </p:sp>
+      <p:sp>
+        <p:nvSpPr>
+          <p:cNvPr id="14" name="PlaceHolder 4"/>
           <p:cNvSpPr>
             <a:spLocks noGrp="1"/>
           </p:cNvSpPr>
@@ -1064,7 +2421,7 @@
         <p:spPr>
           <a:xfrm>
             <a:off x="504000" y="3044160"/>
-            <a:ext cx="4426920" cy="1568160"/>
+            <a:ext cx="4426560" cy="1568160"/>
           </a:xfrm>
           <a:prstGeom prst="rect">
             <a:avLst/>
@@ -1105,7 +2462,7 @@
       </p:grpSpPr>
       <p:sp>
         <p:nvSpPr>
-          <p:cNvPr id="18" name="PlaceHolder 1"/>
+          <p:cNvPr id="15" name="PlaceHolder 1"/>
           <p:cNvSpPr>
             <a:spLocks noGrp="1"/>
           </p:cNvSpPr>
@@ -1116,7 +2473,7 @@
         <p:spPr>
           <a:xfrm>
             <a:off x="504000" y="226080"/>
-            <a:ext cx="9071640" cy="946440"/>
+            <a:ext cx="9071280" cy="946080"/>
           </a:xfrm>
           <a:prstGeom prst="rect">
             <a:avLst/>
@@ -1136,7 +2493,7 @@
       </p:sp>
       <p:sp>
         <p:nvSpPr>
-          <p:cNvPr id="19" name="PlaceHolder 2"/>
+          <p:cNvPr id="16" name="PlaceHolder 2"/>
           <p:cNvSpPr>
             <a:spLocks noGrp="1"/>
           </p:cNvSpPr>
@@ -1147,26 +2504,26 @@
         <p:spPr>
           <a:xfrm>
             <a:off x="504000" y="1326600"/>
-            <a:ext cx="4426920" cy="3288240"/>
-          </a:xfrm>
-          <a:prstGeom prst="rect">
-            <a:avLst/>
-          </a:prstGeom>
-        </p:spPr>
-        <p:txBody>
-          <a:bodyPr lIns="0" rIns="0" tIns="0" bIns="0">
-            <a:normAutofit/>
-          </a:bodyPr>
-          <a:p>
-            <a:endParaRPr b="0" lang="en-US" sz="3200" spc="-1" strike="noStrike">
-              <a:latin typeface="Arial"/>
-            </a:endParaRPr>
-          </a:p>
-        </p:txBody>
-      </p:sp>
-      <p:sp>
-        <p:nvSpPr>
-          <p:cNvPr id="20" name="PlaceHolder 3"/>
+            <a:ext cx="4426560" cy="3287880"/>
+          </a:xfrm>
+          <a:prstGeom prst="rect">
+            <a:avLst/>
+          </a:prstGeom>
+        </p:spPr>
+        <p:txBody>
+          <a:bodyPr lIns="0" rIns="0" tIns="0" bIns="0">
+            <a:normAutofit/>
+          </a:bodyPr>
+          <a:p>
+            <a:endParaRPr b="0" lang="en-US" sz="3200" spc="-1" strike="noStrike">
+              <a:latin typeface="Arial"/>
+            </a:endParaRPr>
+          </a:p>
+        </p:txBody>
+      </p:sp>
+      <p:sp>
+        <p:nvSpPr>
+          <p:cNvPr id="17" name="PlaceHolder 3"/>
           <p:cNvSpPr>
             <a:spLocks noGrp="1"/>
           </p:cNvSpPr>
@@ -1176,27 +2533,27 @@
         </p:nvSpPr>
         <p:spPr>
           <a:xfrm>
-            <a:off x="5152680" y="1326600"/>
-            <a:ext cx="4426920" cy="1568160"/>
-          </a:xfrm>
-          <a:prstGeom prst="rect">
-            <a:avLst/>
-          </a:prstGeom>
-        </p:spPr>
-        <p:txBody>
-          <a:bodyPr lIns="0" rIns="0" tIns="0" bIns="0">
-            <a:normAutofit/>
-          </a:bodyPr>
-          <a:p>
-            <a:endParaRPr b="0" lang="en-US" sz="3200" spc="-1" strike="noStrike">
-              <a:latin typeface="Arial"/>
-            </a:endParaRPr>
-          </a:p>
-        </p:txBody>
-      </p:sp>
-      <p:sp>
-        <p:nvSpPr>
-          <p:cNvPr id="21" name="PlaceHolder 4"/>
+            <a:off x="5152320" y="1326600"/>
+            <a:ext cx="4426560" cy="1568160"/>
+          </a:xfrm>
+          <a:prstGeom prst="rect">
+            <a:avLst/>
+          </a:prstGeom>
+        </p:spPr>
+        <p:txBody>
+          <a:bodyPr lIns="0" rIns="0" tIns="0" bIns="0">
+            <a:normAutofit/>
+          </a:bodyPr>
+          <a:p>
+            <a:endParaRPr b="0" lang="en-US" sz="3200" spc="-1" strike="noStrike">
+              <a:latin typeface="Arial"/>
+            </a:endParaRPr>
+          </a:p>
+        </p:txBody>
+      </p:sp>
+      <p:sp>
+        <p:nvSpPr>
+          <p:cNvPr id="18" name="PlaceHolder 4"/>
           <p:cNvSpPr>
             <a:spLocks noGrp="1"/>
           </p:cNvSpPr>
@@ -1206,8 +2563,8 @@
         </p:nvSpPr>
         <p:spPr>
           <a:xfrm>
-            <a:off x="5152680" y="3044160"/>
-            <a:ext cx="4426920" cy="1568160"/>
+            <a:off x="5152320" y="3044160"/>
+            <a:ext cx="4426560" cy="1568160"/>
           </a:xfrm>
           <a:prstGeom prst="rect">
             <a:avLst/>
@@ -1248,7 +2605,7 @@
       </p:grpSpPr>
       <p:sp>
         <p:nvSpPr>
-          <p:cNvPr id="22" name="PlaceHolder 1"/>
+          <p:cNvPr id="19" name="PlaceHolder 1"/>
           <p:cNvSpPr>
             <a:spLocks noGrp="1"/>
           </p:cNvSpPr>
@@ -1259,7 +2616,7 @@
         <p:spPr>
           <a:xfrm>
             <a:off x="504000" y="226080"/>
-            <a:ext cx="9071640" cy="946440"/>
+            <a:ext cx="9071280" cy="946080"/>
           </a:xfrm>
           <a:prstGeom prst="rect">
             <a:avLst/>
@@ -1279,7 +2636,7 @@
       </p:sp>
       <p:sp>
         <p:nvSpPr>
-          <p:cNvPr id="23" name="PlaceHolder 2"/>
+          <p:cNvPr id="20" name="PlaceHolder 2"/>
           <p:cNvSpPr>
             <a:spLocks noGrp="1"/>
           </p:cNvSpPr>
@@ -1290,26 +2647,26 @@
         <p:spPr>
           <a:xfrm>
             <a:off x="504000" y="1326600"/>
-            <a:ext cx="4426920" cy="1568160"/>
-          </a:xfrm>
-          <a:prstGeom prst="rect">
-            <a:avLst/>
-          </a:prstGeom>
-        </p:spPr>
-        <p:txBody>
-          <a:bodyPr lIns="0" rIns="0" tIns="0" bIns="0">
-            <a:normAutofit/>
-          </a:bodyPr>
-          <a:p>
-            <a:endParaRPr b="0" lang="en-US" sz="3200" spc="-1" strike="noStrike">
-              <a:latin typeface="Arial"/>
-            </a:endParaRPr>
-          </a:p>
-        </p:txBody>
-      </p:sp>
-      <p:sp>
-        <p:nvSpPr>
-          <p:cNvPr id="24" name="PlaceHolder 3"/>
+            <a:ext cx="4426560" cy="1568160"/>
+          </a:xfrm>
+          <a:prstGeom prst="rect">
+            <a:avLst/>
+          </a:prstGeom>
+        </p:spPr>
+        <p:txBody>
+          <a:bodyPr lIns="0" rIns="0" tIns="0" bIns="0">
+            <a:normAutofit/>
+          </a:bodyPr>
+          <a:p>
+            <a:endParaRPr b="0" lang="en-US" sz="3200" spc="-1" strike="noStrike">
+              <a:latin typeface="Arial"/>
+            </a:endParaRPr>
+          </a:p>
+        </p:txBody>
+      </p:sp>
+      <p:sp>
+        <p:nvSpPr>
+          <p:cNvPr id="21" name="PlaceHolder 3"/>
           <p:cNvSpPr>
             <a:spLocks noGrp="1"/>
           </p:cNvSpPr>
@@ -1319,27 +2676,27 @@
         </p:nvSpPr>
         <p:spPr>
           <a:xfrm>
-            <a:off x="5152680" y="1326600"/>
-            <a:ext cx="4426920" cy="1568160"/>
-          </a:xfrm>
-          <a:prstGeom prst="rect">
-            <a:avLst/>
-          </a:prstGeom>
-        </p:spPr>
-        <p:txBody>
-          <a:bodyPr lIns="0" rIns="0" tIns="0" bIns="0">
-            <a:normAutofit/>
-          </a:bodyPr>
-          <a:p>
-            <a:endParaRPr b="0" lang="en-US" sz="3200" spc="-1" strike="noStrike">
-              <a:latin typeface="Arial"/>
-            </a:endParaRPr>
-          </a:p>
-        </p:txBody>
-      </p:sp>
-      <p:sp>
-        <p:nvSpPr>
-          <p:cNvPr id="25" name="PlaceHolder 4"/>
+            <a:off x="5152320" y="1326600"/>
+            <a:ext cx="4426560" cy="1568160"/>
+          </a:xfrm>
+          <a:prstGeom prst="rect">
+            <a:avLst/>
+          </a:prstGeom>
+        </p:spPr>
+        <p:txBody>
+          <a:bodyPr lIns="0" rIns="0" tIns="0" bIns="0">
+            <a:normAutofit/>
+          </a:bodyPr>
+          <a:p>
+            <a:endParaRPr b="0" lang="en-US" sz="3200" spc="-1" strike="noStrike">
+              <a:latin typeface="Arial"/>
+            </a:endParaRPr>
+          </a:p>
+        </p:txBody>
+      </p:sp>
+      <p:sp>
+        <p:nvSpPr>
+          <p:cNvPr id="22" name="PlaceHolder 4"/>
           <p:cNvSpPr>
             <a:spLocks noGrp="1"/>
           </p:cNvSpPr>
@@ -1350,7 +2707,7 @@
         <p:spPr>
           <a:xfrm>
             <a:off x="504000" y="3044160"/>
-            <a:ext cx="9071640" cy="1568160"/>
+            <a:ext cx="9071280" cy="1568160"/>
           </a:xfrm>
           <a:prstGeom prst="rect">
             <a:avLst/>
@@ -1402,7 +2759,7 @@
         <p:spPr>
           <a:xfrm>
             <a:off x="504000" y="226080"/>
-            <a:ext cx="9071640" cy="946440"/>
+            <a:ext cx="9071280" cy="946080"/>
           </a:xfrm>
           <a:prstGeom prst="rect">
             <a:avLst/>
@@ -1413,14 +2770,13 @@
             <a:noAutofit/>
           </a:bodyPr>
           <a:p>
-            <a:pPr algn="ctr"/>
-            <a:r>
-              <a:rPr b="0" lang="en-US" sz="4400" spc="-1" strike="noStrike">
+            <a:r>
+              <a:rPr b="0" lang="en-US" sz="1800" spc="-1" strike="noStrike">
                 <a:latin typeface="Arial"/>
               </a:rPr>
               <a:t>Click to edit the title text format</a:t>
             </a:r>
-            <a:endParaRPr b="0" lang="en-US" sz="4400" spc="-1" strike="noStrike">
+            <a:endParaRPr b="0" lang="en-US" sz="1800" spc="-1" strike="noStrike">
               <a:latin typeface="Arial"/>
             </a:endParaRPr>
           </a:p>
@@ -1439,7 +2795,7 @@
         <p:spPr>
           <a:xfrm>
             <a:off x="504000" y="1326600"/>
-            <a:ext cx="9071640" cy="3288240"/>
+            <a:ext cx="9072000" cy="3288600"/>
           </a:xfrm>
           <a:prstGeom prst="rect">
             <a:avLst/>
@@ -1601,116 +2957,6 @@
             </a:r>
             <a:endParaRPr b="0" lang="en-US" sz="2000" spc="-1" strike="noStrike">
               <a:latin typeface="Arial"/>
-            </a:endParaRPr>
-          </a:p>
-        </p:txBody>
-      </p:sp>
-      <p:sp>
-        <p:nvSpPr>
-          <p:cNvPr id="2" name="PlaceHolder 3"/>
-          <p:cNvSpPr>
-            <a:spLocks noGrp="1"/>
-          </p:cNvSpPr>
-          <p:nvPr>
-            <p:ph type="dt"/>
-          </p:nvPr>
-        </p:nvSpPr>
-        <p:spPr>
-          <a:xfrm>
-            <a:off x="504000" y="5165280"/>
-            <a:ext cx="2348280" cy="390600"/>
-          </a:xfrm>
-          <a:prstGeom prst="rect">
-            <a:avLst/>
-          </a:prstGeom>
-        </p:spPr>
-        <p:txBody>
-          <a:bodyPr lIns="0" rIns="0" tIns="0" bIns="0">
-            <a:noAutofit/>
-          </a:bodyPr>
-          <a:p>
-            <a:r>
-              <a:rPr b="0" lang="en-US" sz="1400" spc="-1" strike="noStrike">
-                <a:latin typeface="Times New Roman"/>
-              </a:rPr>
-              <a:t>&lt;date/time&gt;</a:t>
-            </a:r>
-            <a:endParaRPr b="0" lang="en-US" sz="1400" spc="-1" strike="noStrike">
-              <a:latin typeface="Times New Roman"/>
-            </a:endParaRPr>
-          </a:p>
-        </p:txBody>
-      </p:sp>
-      <p:sp>
-        <p:nvSpPr>
-          <p:cNvPr id="3" name="PlaceHolder 4"/>
-          <p:cNvSpPr>
-            <a:spLocks noGrp="1"/>
-          </p:cNvSpPr>
-          <p:nvPr>
-            <p:ph type="ftr"/>
-          </p:nvPr>
-        </p:nvSpPr>
-        <p:spPr>
-          <a:xfrm>
-            <a:off x="3447360" y="5165280"/>
-            <a:ext cx="3195000" cy="390600"/>
-          </a:xfrm>
-          <a:prstGeom prst="rect">
-            <a:avLst/>
-          </a:prstGeom>
-        </p:spPr>
-        <p:txBody>
-          <a:bodyPr lIns="0" rIns="0" tIns="0" bIns="0">
-            <a:noAutofit/>
-          </a:bodyPr>
-          <a:p>
-            <a:pPr algn="ctr"/>
-            <a:r>
-              <a:rPr b="0" lang="en-US" sz="1400" spc="-1" strike="noStrike">
-                <a:latin typeface="Times New Roman"/>
-              </a:rPr>
-              <a:t>&lt;footer&gt;</a:t>
-            </a:r>
-            <a:endParaRPr b="0" lang="en-US" sz="1400" spc="-1" strike="noStrike">
-              <a:latin typeface="Times New Roman"/>
-            </a:endParaRPr>
-          </a:p>
-        </p:txBody>
-      </p:sp>
-      <p:sp>
-        <p:nvSpPr>
-          <p:cNvPr id="4" name="PlaceHolder 5"/>
-          <p:cNvSpPr>
-            <a:spLocks noGrp="1"/>
-          </p:cNvSpPr>
-          <p:nvPr>
-            <p:ph type="sldNum"/>
-          </p:nvPr>
-        </p:nvSpPr>
-        <p:spPr>
-          <a:xfrm>
-            <a:off x="7227360" y="5165280"/>
-            <a:ext cx="2348280" cy="390600"/>
-          </a:xfrm>
-          <a:prstGeom prst="rect">
-            <a:avLst/>
-          </a:prstGeom>
-        </p:spPr>
-        <p:txBody>
-          <a:bodyPr lIns="0" rIns="0" tIns="0" bIns="0">
-            <a:noAutofit/>
-          </a:bodyPr>
-          <a:p>
-            <a:pPr algn="r"/>
-            <a:fld id="{7657939D-2CAC-40A5-84BD-FBA2AB1D09C2}" type="slidenum">
-              <a:rPr b="0" lang="en-US" sz="1400" spc="-1" strike="noStrike">
-                <a:latin typeface="Times New Roman"/>
-              </a:rPr>
-              <a:t>&lt;number&gt;</a:t>
-            </a:fld>
-            <a:endParaRPr b="0" lang="en-US" sz="1400" spc="-1" strike="noStrike">
-              <a:latin typeface="Times New Roman"/>
             </a:endParaRPr>
           </a:p>
         </p:txBody>
@@ -1731,6 +2977,258 @@
     <p:sldLayoutId id="2147483658" r:id="rId11"/>
     <p:sldLayoutId id="2147483659" r:id="rId12"/>
     <p:sldLayoutId id="2147483660" r:id="rId13"/>
+  </p:sldLayoutIdLst>
+</p:sldMaster>
+</file>
+
+<file path=ppt/slideMasters/slideMaster2.xml><?xml version="1.0" encoding="utf-8"?>
+<p:sldMaster xmlns:a="http://schemas.openxmlformats.org/drawingml/2006/main" xmlns:p="http://schemas.openxmlformats.org/presentationml/2006/main" xmlns:r="http://schemas.openxmlformats.org/officeDocument/2006/relationships" xmlns:p14="http://schemas.microsoft.com/office/powerpoint/2010/main" xmlns:p15="http://schemas.microsoft.com/office/powerpoint/2012/main" xmlns:mc="http://schemas.openxmlformats.org/markup-compatibility/2006">
+  <p:cSld>
+    <p:spTree>
+      <p:nvGrpSpPr>
+        <p:cNvPr id="1" name=""/>
+        <p:cNvGrpSpPr/>
+        <p:nvPr/>
+      </p:nvGrpSpPr>
+      <p:grpSpPr>
+        <a:xfrm>
+          <a:off x="0" y="0"/>
+          <a:ext cx="0" cy="0"/>
+          <a:chOff x="0" y="0"/>
+          <a:chExt cx="0" cy="0"/>
+        </a:xfrm>
+      </p:grpSpPr>
+      <p:sp>
+        <p:nvSpPr>
+          <p:cNvPr id="38" name="PlaceHolder 1"/>
+          <p:cNvSpPr>
+            <a:spLocks noGrp="1"/>
+          </p:cNvSpPr>
+          <p:nvPr>
+            <p:ph type="title"/>
+          </p:nvPr>
+        </p:nvSpPr>
+        <p:spPr>
+          <a:xfrm>
+            <a:off x="504000" y="226080"/>
+            <a:ext cx="9071280" cy="946080"/>
+          </a:xfrm>
+          <a:prstGeom prst="rect">
+            <a:avLst/>
+          </a:prstGeom>
+        </p:spPr>
+        <p:txBody>
+          <a:bodyPr lIns="0" rIns="0" tIns="0" bIns="0" anchor="ctr">
+            <a:noAutofit/>
+          </a:bodyPr>
+          <a:p>
+            <a:r>
+              <a:rPr b="0" lang="en-US" sz="1800" spc="-1" strike="noStrike">
+                <a:latin typeface="Arial"/>
+              </a:rPr>
+              <a:t>Click to edit the title text format</a:t>
+            </a:r>
+            <a:endParaRPr b="0" lang="en-US" sz="1800" spc="-1" strike="noStrike">
+              <a:latin typeface="Arial"/>
+            </a:endParaRPr>
+          </a:p>
+        </p:txBody>
+      </p:sp>
+      <p:sp>
+        <p:nvSpPr>
+          <p:cNvPr id="39" name="PlaceHolder 2"/>
+          <p:cNvSpPr>
+            <a:spLocks noGrp="1"/>
+          </p:cNvSpPr>
+          <p:nvPr>
+            <p:ph type="body"/>
+          </p:nvPr>
+        </p:nvSpPr>
+        <p:spPr>
+          <a:xfrm>
+            <a:off x="504000" y="1326600"/>
+            <a:ext cx="9071280" cy="3287880"/>
+          </a:xfrm>
+          <a:prstGeom prst="rect">
+            <a:avLst/>
+          </a:prstGeom>
+        </p:spPr>
+        <p:txBody>
+          <a:bodyPr lIns="0" rIns="0" tIns="0" bIns="0">
+            <a:normAutofit/>
+          </a:bodyPr>
+          <a:p>
+            <a:pPr marL="432000" indent="-324000">
+              <a:spcBef>
+                <a:spcPts val="1417"/>
+              </a:spcBef>
+              <a:buClr>
+                <a:srgbClr val="000000"/>
+              </a:buClr>
+              <a:buSzPct val="45000"/>
+              <a:buFont typeface="Wingdings" charset="2"/>
+              <a:buChar char=""/>
+            </a:pPr>
+            <a:r>
+              <a:rPr b="0" lang="en-US" sz="1800" spc="-1" strike="noStrike">
+                <a:latin typeface="Arial"/>
+              </a:rPr>
+              <a:t>Click to edit the outline text format</a:t>
+            </a:r>
+            <a:endParaRPr b="0" lang="en-US" sz="1800" spc="-1" strike="noStrike">
+              <a:latin typeface="Arial"/>
+            </a:endParaRPr>
+          </a:p>
+          <a:p>
+            <a:pPr lvl="1" marL="864000" indent="-324000">
+              <a:spcBef>
+                <a:spcPts val="1134"/>
+              </a:spcBef>
+              <a:buClr>
+                <a:srgbClr val="000000"/>
+              </a:buClr>
+              <a:buSzPct val="75000"/>
+              <a:buFont typeface="Symbol" charset="2"/>
+              <a:buChar char=""/>
+            </a:pPr>
+            <a:r>
+              <a:rPr b="0" lang="en-US" sz="1800" spc="-1" strike="noStrike">
+                <a:latin typeface="Arial"/>
+              </a:rPr>
+              <a:t>Second Outline Level</a:t>
+            </a:r>
+            <a:endParaRPr b="0" lang="en-US" sz="1800" spc="-1" strike="noStrike">
+              <a:latin typeface="Arial"/>
+            </a:endParaRPr>
+          </a:p>
+          <a:p>
+            <a:pPr lvl="2" marL="1296000" indent="-288000">
+              <a:spcBef>
+                <a:spcPts val="850"/>
+              </a:spcBef>
+              <a:buClr>
+                <a:srgbClr val="000000"/>
+              </a:buClr>
+              <a:buSzPct val="45000"/>
+              <a:buFont typeface="Wingdings" charset="2"/>
+              <a:buChar char=""/>
+            </a:pPr>
+            <a:r>
+              <a:rPr b="0" lang="en-US" sz="1800" spc="-1" strike="noStrike">
+                <a:latin typeface="Arial"/>
+              </a:rPr>
+              <a:t>Third Outline Level</a:t>
+            </a:r>
+            <a:endParaRPr b="0" lang="en-US" sz="1800" spc="-1" strike="noStrike">
+              <a:latin typeface="Arial"/>
+            </a:endParaRPr>
+          </a:p>
+          <a:p>
+            <a:pPr lvl="3" marL="1728000" indent="-216000">
+              <a:spcBef>
+                <a:spcPts val="567"/>
+              </a:spcBef>
+              <a:buClr>
+                <a:srgbClr val="000000"/>
+              </a:buClr>
+              <a:buSzPct val="75000"/>
+              <a:buFont typeface="Symbol" charset="2"/>
+              <a:buChar char=""/>
+            </a:pPr>
+            <a:r>
+              <a:rPr b="0" lang="en-US" sz="1800" spc="-1" strike="noStrike">
+                <a:latin typeface="Arial"/>
+              </a:rPr>
+              <a:t>Fourth Outline Level</a:t>
+            </a:r>
+            <a:endParaRPr b="0" lang="en-US" sz="1800" spc="-1" strike="noStrike">
+              <a:latin typeface="Arial"/>
+            </a:endParaRPr>
+          </a:p>
+          <a:p>
+            <a:pPr lvl="4" marL="2160000" indent="-216000">
+              <a:spcBef>
+                <a:spcPts val="283"/>
+              </a:spcBef>
+              <a:buClr>
+                <a:srgbClr val="000000"/>
+              </a:buClr>
+              <a:buSzPct val="45000"/>
+              <a:buFont typeface="Wingdings" charset="2"/>
+              <a:buChar char=""/>
+            </a:pPr>
+            <a:r>
+              <a:rPr b="0" lang="en-US" sz="1800" spc="-1" strike="noStrike">
+                <a:latin typeface="Arial"/>
+              </a:rPr>
+              <a:t>Fifth Outline Level</a:t>
+            </a:r>
+            <a:endParaRPr b="0" lang="en-US" sz="1800" spc="-1" strike="noStrike">
+              <a:latin typeface="Arial"/>
+            </a:endParaRPr>
+          </a:p>
+          <a:p>
+            <a:pPr lvl="5" marL="2592000" indent="-216000">
+              <a:spcBef>
+                <a:spcPts val="283"/>
+              </a:spcBef>
+              <a:buClr>
+                <a:srgbClr val="000000"/>
+              </a:buClr>
+              <a:buSzPct val="45000"/>
+              <a:buFont typeface="Wingdings" charset="2"/>
+              <a:buChar char=""/>
+            </a:pPr>
+            <a:r>
+              <a:rPr b="0" lang="en-US" sz="1800" spc="-1" strike="noStrike">
+                <a:latin typeface="Arial"/>
+              </a:rPr>
+              <a:t>Sixth Outline Level</a:t>
+            </a:r>
+            <a:endParaRPr b="0" lang="en-US" sz="1800" spc="-1" strike="noStrike">
+              <a:latin typeface="Arial"/>
+            </a:endParaRPr>
+          </a:p>
+          <a:p>
+            <a:pPr lvl="6" marL="3024000" indent="-216000">
+              <a:spcBef>
+                <a:spcPts val="283"/>
+              </a:spcBef>
+              <a:buClr>
+                <a:srgbClr val="000000"/>
+              </a:buClr>
+              <a:buSzPct val="45000"/>
+              <a:buFont typeface="Wingdings" charset="2"/>
+              <a:buChar char=""/>
+            </a:pPr>
+            <a:r>
+              <a:rPr b="0" lang="en-US" sz="1800" spc="-1" strike="noStrike">
+                <a:latin typeface="Arial"/>
+              </a:rPr>
+              <a:t>Seventh Outline Level</a:t>
+            </a:r>
+            <a:endParaRPr b="0" lang="en-US" sz="1800" spc="-1" strike="noStrike">
+              <a:latin typeface="Arial"/>
+            </a:endParaRPr>
+          </a:p>
+        </p:txBody>
+      </p:sp>
+    </p:spTree>
+  </p:cSld>
+  <p:clrMap bg1="lt1" bg2="lt2" tx1="dk1" tx2="dk2" accent1="accent1" accent2="accent2" accent3="accent3" accent4="accent4" accent5="accent5" accent6="accent6" hlink="hlink" folHlink="folHlink"/>
+  <p:sldLayoutIdLst>
+    <p:sldLayoutId id="2147483662" r:id="rId2"/>
+    <p:sldLayoutId id="2147483663" r:id="rId3"/>
+    <p:sldLayoutId id="2147483664" r:id="rId4"/>
+    <p:sldLayoutId id="2147483665" r:id="rId5"/>
+    <p:sldLayoutId id="2147483666" r:id="rId6"/>
+    <p:sldLayoutId id="2147483667" r:id="rId7"/>
+    <p:sldLayoutId id="2147483668" r:id="rId8"/>
+    <p:sldLayoutId id="2147483669" r:id="rId9"/>
+    <p:sldLayoutId id="2147483670" r:id="rId10"/>
+    <p:sldLayoutId id="2147483671" r:id="rId11"/>
+    <p:sldLayoutId id="2147483672" r:id="rId12"/>
+    <p:sldLayoutId id="2147483673" r:id="rId13"/>
   </p:sldLayoutIdLst>
 </p:sldMaster>
 </file>
@@ -1754,14 +3252,14 @@
       </p:grpSpPr>
       <p:sp>
         <p:nvSpPr>
-          <p:cNvPr id="41" name=""/>
-          <p:cNvSpPr txBox="1"/>
+          <p:cNvPr id="76" name=""/>
+          <p:cNvSpPr/>
           <p:nvPr/>
         </p:nvSpPr>
         <p:spPr>
           <a:xfrm>
             <a:off x="504000" y="226080"/>
-            <a:ext cx="9071640" cy="2288520"/>
+            <a:ext cx="9071280" cy="2288160"/>
           </a:xfrm>
           <a:prstGeom prst="rect">
             <a:avLst/>
@@ -1771,12 +3269,22 @@
             <a:noFill/>
           </a:ln>
         </p:spPr>
+        <p:style>
+          <a:lnRef idx="0"/>
+          <a:fillRef idx="0"/>
+          <a:effectRef idx="0"/>
+          <a:fontRef idx="minor"/>
+        </p:style>
         <p:txBody>
           <a:bodyPr lIns="0" rIns="0" tIns="0" bIns="0" anchor="ctr">
             <a:noAutofit/>
           </a:bodyPr>
           <a:p>
-            <a:pPr algn="ctr"/>
+            <a:pPr algn="ctr">
+              <a:lnSpc>
+                <a:spcPct val="100000"/>
+              </a:lnSpc>
+            </a:pPr>
             <a:r>
               <a:rPr b="1" lang="en-US" sz="8000" spc="-1" strike="noStrike">
                 <a:solidFill>
@@ -1788,6 +3296,9 @@
             </a:r>
             <a:r>
               <a:rPr b="0" lang="en-US" sz="4400" spc="-1" strike="noStrike">
+                <a:solidFill>
+                  <a:srgbClr val="2a6099"/>
+                </a:solidFill>
                 <a:latin typeface="Arial"/>
               </a:rPr>
               <a:t> </a:t>
@@ -1800,14 +3311,14 @@
       </p:sp>
       <p:sp>
         <p:nvSpPr>
-          <p:cNvPr id="42" name=""/>
-          <p:cNvSpPr txBox="1"/>
+          <p:cNvPr id="77" name=""/>
+          <p:cNvSpPr/>
           <p:nvPr/>
         </p:nvSpPr>
         <p:spPr>
           <a:xfrm>
             <a:off x="504000" y="2971800"/>
-            <a:ext cx="9071640" cy="1643040"/>
+            <a:ext cx="9071280" cy="1642680"/>
           </a:xfrm>
           <a:prstGeom prst="rect">
             <a:avLst/>
@@ -1817,17 +3328,27 @@
             <a:noFill/>
           </a:ln>
         </p:spPr>
+        <p:style>
+          <a:lnRef idx="0"/>
+          <a:fillRef idx="0"/>
+          <a:effectRef idx="0"/>
+          <a:fontRef idx="minor"/>
+        </p:style>
         <p:txBody>
           <a:bodyPr lIns="0" rIns="0" tIns="0" bIns="0" anchor="ctr">
             <a:noAutofit/>
           </a:bodyPr>
           <a:p>
-            <a:pPr algn="ctr"/>
+            <a:pPr algn="ctr">
+              <a:lnSpc>
+                <a:spcPct val="100000"/>
+              </a:lnSpc>
+            </a:pPr>
             <a:r>
               <a:rPr b="0" lang="en-US" sz="3200" spc="-1" strike="noStrike">
                 <a:latin typeface="Arial"/>
               </a:rPr>
-              <a:t>Bài 5: thực hành xây dựng lớp Nhanvien  </a:t>
+              <a:t>Bài 5: Các bước cơ bản để xây dựng 1 lớp trong Java  </a:t>
             </a:r>
             <a:endParaRPr b="0" lang="en-US" sz="3200" spc="-1" strike="noStrike">
               <a:latin typeface="Arial"/>
@@ -1867,14 +3388,14 @@
       </p:grpSpPr>
       <p:sp>
         <p:nvSpPr>
-          <p:cNvPr id="43" name=""/>
-          <p:cNvSpPr txBox="1"/>
+          <p:cNvPr id="78" name=""/>
+          <p:cNvSpPr/>
           <p:nvPr/>
         </p:nvSpPr>
         <p:spPr>
           <a:xfrm>
             <a:off x="504000" y="226080"/>
-            <a:ext cx="9071640" cy="946440"/>
+            <a:ext cx="9071280" cy="946080"/>
           </a:xfrm>
           <a:prstGeom prst="rect">
             <a:avLst/>
@@ -1884,12 +3405,22 @@
             <a:noFill/>
           </a:ln>
         </p:spPr>
+        <p:style>
+          <a:lnRef idx="0"/>
+          <a:fillRef idx="0"/>
+          <a:effectRef idx="0"/>
+          <a:fontRef idx="minor"/>
+        </p:style>
         <p:txBody>
           <a:bodyPr lIns="0" rIns="0" tIns="0" bIns="0" anchor="ctr">
             <a:noAutofit/>
           </a:bodyPr>
           <a:p>
-            <a:pPr algn="ctr"/>
+            <a:pPr algn="ctr">
+              <a:lnSpc>
+                <a:spcPct val="100000"/>
+              </a:lnSpc>
+            </a:pPr>
             <a:r>
               <a:rPr b="0" lang="en-US" sz="3600" spc="-1" strike="noStrike">
                 <a:latin typeface="Arial"/>
@@ -1910,14 +3441,14 @@
       </p:sp>
       <p:sp>
         <p:nvSpPr>
-          <p:cNvPr id="44" name=""/>
-          <p:cNvSpPr txBox="1"/>
+          <p:cNvPr id="79" name=""/>
+          <p:cNvSpPr/>
           <p:nvPr/>
         </p:nvSpPr>
         <p:spPr>
           <a:xfrm>
             <a:off x="504000" y="1326600"/>
-            <a:ext cx="9071640" cy="3288240"/>
+            <a:ext cx="9071280" cy="3287880"/>
           </a:xfrm>
           <a:prstGeom prst="rect">
             <a:avLst/>
@@ -1927,12 +3458,21 @@
             <a:noFill/>
           </a:ln>
         </p:spPr>
+        <p:style>
+          <a:lnRef idx="0"/>
+          <a:fillRef idx="0"/>
+          <a:effectRef idx="0"/>
+          <a:fontRef idx="minor"/>
+        </p:style>
         <p:txBody>
           <a:bodyPr lIns="0" rIns="0" tIns="0" bIns="0">
             <a:normAutofit fontScale="65000"/>
           </a:bodyPr>
           <a:p>
-            <a:pPr marL="432000" indent="-324000">
+            <a:pPr marL="432000" indent="-323640">
+              <a:lnSpc>
+                <a:spcPct val="100000"/>
+              </a:lnSpc>
               <a:spcBef>
                 <a:spcPts val="1417"/>
               </a:spcBef>
@@ -1954,7 +3494,10 @@
             </a:endParaRPr>
           </a:p>
           <a:p>
-            <a:pPr lvl="1" marL="864000" indent="-324000">
+            <a:pPr lvl="1" marL="864000" indent="-323640">
+              <a:lnSpc>
+                <a:spcPct val="100000"/>
+              </a:lnSpc>
               <a:spcBef>
                 <a:spcPts val="1134"/>
               </a:spcBef>
@@ -1962,7 +3505,7 @@
                 <a:srgbClr val="000000"/>
               </a:buClr>
               <a:buSzPct val="75000"/>
-              <a:buFont typeface="Symbol" charset="2"/>
+              <a:buFont typeface="Symbol"/>
               <a:buChar char=""/>
             </a:pPr>
             <a:r>
@@ -1976,7 +3519,10 @@
             </a:endParaRPr>
           </a:p>
           <a:p>
-            <a:pPr lvl="1" marL="864000" indent="-324000">
+            <a:pPr lvl="1" marL="864000" indent="-323640">
+              <a:lnSpc>
+                <a:spcPct val="100000"/>
+              </a:lnSpc>
               <a:spcBef>
                 <a:spcPts val="1134"/>
               </a:spcBef>
@@ -1984,7 +3530,7 @@
                 <a:srgbClr val="000000"/>
               </a:buClr>
               <a:buSzPct val="75000"/>
-              <a:buFont typeface="Symbol" charset="2"/>
+              <a:buFont typeface="Symbol"/>
               <a:buChar char=""/>
             </a:pPr>
             <a:r>
@@ -1998,7 +3544,10 @@
             </a:endParaRPr>
           </a:p>
           <a:p>
-            <a:pPr lvl="1" marL="864000" indent="-324000">
+            <a:pPr lvl="1" marL="864000" indent="-323640">
+              <a:lnSpc>
+                <a:spcPct val="100000"/>
+              </a:lnSpc>
               <a:spcBef>
                 <a:spcPts val="1134"/>
               </a:spcBef>
@@ -2006,7 +3555,7 @@
                 <a:srgbClr val="000000"/>
               </a:buClr>
               <a:buSzPct val="75000"/>
-              <a:buFont typeface="Symbol" charset="2"/>
+              <a:buFont typeface="Symbol"/>
               <a:buChar char=""/>
             </a:pPr>
             <a:r>
@@ -2026,7 +3575,10 @@
             </a:endParaRPr>
           </a:p>
           <a:p>
-            <a:pPr lvl="1" marL="864000" indent="-324000">
+            <a:pPr lvl="1" marL="864000" indent="-323640">
+              <a:lnSpc>
+                <a:spcPct val="100000"/>
+              </a:lnSpc>
               <a:spcBef>
                 <a:spcPts val="1134"/>
               </a:spcBef>
@@ -2034,7 +3586,7 @@
                 <a:srgbClr val="000000"/>
               </a:buClr>
               <a:buSzPct val="75000"/>
-              <a:buFont typeface="Symbol" charset="2"/>
+              <a:buFont typeface="Symbol"/>
               <a:buChar char=""/>
             </a:pPr>
             <a:r>
@@ -2048,7 +3600,10 @@
             </a:endParaRPr>
           </a:p>
           <a:p>
-            <a:pPr lvl="1" marL="864000" indent="-324000">
+            <a:pPr lvl="1" marL="864000" indent="-323640">
+              <a:lnSpc>
+                <a:spcPct val="100000"/>
+              </a:lnSpc>
               <a:spcBef>
                 <a:spcPts val="1134"/>
               </a:spcBef>
@@ -2056,7 +3611,7 @@
                 <a:srgbClr val="000000"/>
               </a:buClr>
               <a:buSzPct val="75000"/>
-              <a:buFont typeface="Symbol" charset="2"/>
+              <a:buFont typeface="Symbol"/>
               <a:buChar char=""/>
             </a:pPr>
             <a:r>
@@ -2070,7 +3625,10 @@
             </a:endParaRPr>
           </a:p>
           <a:p>
-            <a:pPr lvl="1" marL="864000" indent="-324000">
+            <a:pPr lvl="1" marL="864000" indent="-323640">
+              <a:lnSpc>
+                <a:spcPct val="100000"/>
+              </a:lnSpc>
               <a:spcBef>
                 <a:spcPts val="1134"/>
               </a:spcBef>
@@ -2078,7 +3636,7 @@
                 <a:srgbClr val="000000"/>
               </a:buClr>
               <a:buSzPct val="75000"/>
-              <a:buFont typeface="Symbol" charset="2"/>
+              <a:buFont typeface="Symbol"/>
               <a:buChar char=""/>
             </a:pPr>
             <a:r>
@@ -2098,7 +3656,10 @@
             </a:endParaRPr>
           </a:p>
           <a:p>
-            <a:pPr marL="432000" indent="-324000">
+            <a:pPr marL="432000" indent="-323640">
+              <a:lnSpc>
+                <a:spcPct val="100000"/>
+              </a:lnSpc>
               <a:spcBef>
                 <a:spcPts val="1417"/>
               </a:spcBef>
@@ -2153,14 +3714,14 @@
       </p:grpSpPr>
       <p:sp>
         <p:nvSpPr>
-          <p:cNvPr id="45" name=""/>
-          <p:cNvSpPr txBox="1"/>
+          <p:cNvPr id="80" name=""/>
+          <p:cNvSpPr/>
           <p:nvPr/>
         </p:nvSpPr>
         <p:spPr>
           <a:xfrm>
             <a:off x="504000" y="226080"/>
-            <a:ext cx="9071640" cy="946440"/>
+            <a:ext cx="9071280" cy="946080"/>
           </a:xfrm>
           <a:prstGeom prst="rect">
             <a:avLst/>
@@ -2170,12 +3731,22 @@
             <a:noFill/>
           </a:ln>
         </p:spPr>
+        <p:style>
+          <a:lnRef idx="0"/>
+          <a:fillRef idx="0"/>
+          <a:effectRef idx="0"/>
+          <a:fontRef idx="minor"/>
+        </p:style>
         <p:txBody>
           <a:bodyPr lIns="0" rIns="0" tIns="0" bIns="0" anchor="ctr">
             <a:noAutofit/>
           </a:bodyPr>
           <a:p>
-            <a:pPr algn="ctr"/>
+            <a:pPr algn="ctr">
+              <a:lnSpc>
+                <a:spcPct val="100000"/>
+              </a:lnSpc>
+            </a:pPr>
             <a:r>
               <a:rPr b="0" lang="en-US" sz="4400" spc="-1" strike="noStrike">
                 <a:latin typeface="Arial"/>
@@ -2190,14 +3761,14 @@
       </p:sp>
       <p:sp>
         <p:nvSpPr>
-          <p:cNvPr id="46" name=""/>
-          <p:cNvSpPr txBox="1"/>
+          <p:cNvPr id="81" name=""/>
+          <p:cNvSpPr/>
           <p:nvPr/>
         </p:nvSpPr>
         <p:spPr>
           <a:xfrm>
             <a:off x="504000" y="1326600"/>
-            <a:ext cx="9071640" cy="3288240"/>
+            <a:ext cx="9071280" cy="3287880"/>
           </a:xfrm>
           <a:prstGeom prst="rect">
             <a:avLst/>
@@ -2207,12 +3778,21 @@
             <a:noFill/>
           </a:ln>
         </p:spPr>
+        <p:style>
+          <a:lnRef idx="0"/>
+          <a:fillRef idx="0"/>
+          <a:effectRef idx="0"/>
+          <a:fontRef idx="minor"/>
+        </p:style>
         <p:txBody>
           <a:bodyPr lIns="0" rIns="0" tIns="0" bIns="0">
             <a:normAutofit fontScale="21000"/>
           </a:bodyPr>
           <a:p>
-            <a:pPr marL="432000" indent="-324000">
+            <a:pPr marL="432000" indent="-323640">
+              <a:lnSpc>
+                <a:spcPct val="100000"/>
+              </a:lnSpc>
               <a:spcBef>
                 <a:spcPts val="1417"/>
               </a:spcBef>
@@ -2234,7 +3814,10 @@
             </a:endParaRPr>
           </a:p>
           <a:p>
-            <a:pPr marL="432000" indent="-324000">
+            <a:pPr marL="432000" indent="-323640">
+              <a:lnSpc>
+                <a:spcPct val="100000"/>
+              </a:lnSpc>
               <a:spcBef>
                 <a:spcPts val="1417"/>
               </a:spcBef>
@@ -2249,26 +3832,17 @@
               <a:rPr b="0" lang="en-US" sz="3200" spc="-1" strike="noStrike">
                 <a:latin typeface="Arial"/>
               </a:rPr>
-              <a:t>thì các bạn sẽ thấy rằng Java định nghĩa các </a:t>
-            </a:r>
-            <a:r>
-              <a:rPr b="0" lang="en-US" sz="3200" spc="-1" strike="noStrike">
-                <a:latin typeface="Arial"/>
-              </a:rPr>
-              <a:t>phương thức ngay trong lớp chứ không định </a:t>
-            </a:r>
-            <a:r>
-              <a:rPr b="0" lang="en-US" sz="3200" spc="-1" strike="noStrike">
-                <a:latin typeface="Arial"/>
-              </a:rPr>
-              <a:t>nghĩa ở bên ngoài như C++</a:t>
-            </a:r>
-            <a:endParaRPr b="0" lang="en-US" sz="3200" spc="-1" strike="noStrike">
-              <a:latin typeface="Arial"/>
-            </a:endParaRPr>
-          </a:p>
-          <a:p>
-            <a:pPr marL="432000" indent="-324000">
+              <a:t>thì các bạn sẽ thấy rằng Java định nghĩa các phương thức ngay trong lớp chứ không định nghĩa ở bên ngoài như C++</a:t>
+            </a:r>
+            <a:endParaRPr b="0" lang="en-US" sz="3200" spc="-1" strike="noStrike">
+              <a:latin typeface="Arial"/>
+            </a:endParaRPr>
+          </a:p>
+          <a:p>
+            <a:pPr marL="432000" indent="-323640">
+              <a:lnSpc>
+                <a:spcPct val="100000"/>
+              </a:lnSpc>
               <a:spcBef>
                 <a:spcPts val="1417"/>
               </a:spcBef>
@@ -2283,44 +3857,17 @@
               <a:rPr b="0" lang="en-US" sz="3200" spc="-1" strike="noStrike">
                 <a:latin typeface="Arial"/>
               </a:rPr>
-              <a:t>C++ có khái niệm inline “nội tuyến” để thiết lập </a:t>
-            </a:r>
-            <a:r>
-              <a:rPr b="0" lang="en-US" sz="3200" spc="-1" strike="noStrike">
-                <a:latin typeface="Arial"/>
-              </a:rPr>
-              <a:t>cho những hàm ngắn và hay sử dụng có thể </a:t>
-            </a:r>
-            <a:r>
-              <a:rPr b="0" lang="en-US" sz="3200" spc="-1" strike="noStrike">
-                <a:latin typeface="Arial"/>
-              </a:rPr>
-              <a:t>được nằm ngay trong vùng gần với vị trí hiện </a:t>
-            </a:r>
-            <a:r>
-              <a:rPr b="0" lang="en-US" sz="3200" spc="-1" strike="noStrike">
-                <a:latin typeface="Arial"/>
-              </a:rPr>
-              <a:t>tại của con trỏ chương trình PC hay là program </a:t>
-            </a:r>
-            <a:r>
-              <a:rPr b="0" lang="en-US" sz="3200" spc="-1" strike="noStrike">
-                <a:latin typeface="Arial"/>
-              </a:rPr>
-              <a:t>counter, cái này thì nó có chút liên quan đến </a:t>
-            </a:r>
-            <a:r>
-              <a:rPr b="0" lang="en-US" sz="3200" spc="-1" strike="noStrike">
-                <a:latin typeface="Arial"/>
-              </a:rPr>
-              <a:t>hợp ngữ “assembly” và máy turing </a:t>
-            </a:r>
-            <a:endParaRPr b="0" lang="en-US" sz="3200" spc="-1" strike="noStrike">
-              <a:latin typeface="Arial"/>
-            </a:endParaRPr>
-          </a:p>
-          <a:p>
-            <a:pPr marL="432000" indent="-324000">
+              <a:t>C++ có khái niệm inline “nội tuyến” để thiết lập cho những hàm ngắn và hay sử dụng có thể được nằm ngay trong vùng gần với vị trí hiện tại của con trỏ chương trình PC hay là program counter, cái này thì nó có chút liên quan đến hợp ngữ “assembly” và máy turing </a:t>
+            </a:r>
+            <a:endParaRPr b="0" lang="en-US" sz="3200" spc="-1" strike="noStrike">
+              <a:latin typeface="Arial"/>
+            </a:endParaRPr>
+          </a:p>
+          <a:p>
+            <a:pPr marL="432000" indent="-323640">
+              <a:lnSpc>
+                <a:spcPct val="100000"/>
+              </a:lnSpc>
               <a:spcBef>
                 <a:spcPts val="1417"/>
               </a:spcBef>
@@ -2335,38 +3882,17 @@
               <a:rPr b="0" lang="en-US" sz="3200" spc="-1" strike="noStrike">
                 <a:latin typeface="Arial"/>
               </a:rPr>
-              <a:t>trong Java thì JIT - just-in-time  compiler sẽ tự </a:t>
-            </a:r>
-            <a:r>
-              <a:rPr b="0" lang="en-US" sz="3200" spc="-1" strike="noStrike">
-                <a:latin typeface="Arial"/>
-              </a:rPr>
-              <a:t>động chọn những phương thức nào phù hợp </a:t>
-            </a:r>
-            <a:r>
-              <a:rPr b="0" lang="en-US" sz="3200" spc="-1" strike="noStrike">
-                <a:latin typeface="Arial"/>
-              </a:rPr>
-              <a:t>để thiết lập thành nội tuyến còn không sẽ để là </a:t>
-            </a:r>
-            <a:r>
-              <a:rPr b="0" lang="en-US" sz="3200" spc="-1" strike="noStrike">
-                <a:latin typeface="Arial"/>
-              </a:rPr>
-              <a:t>ngoại tuyến , JIT dùng để biến mã byte code </a:t>
-            </a:r>
-            <a:r>
-              <a:rPr b="0" lang="en-US" sz="3200" spc="-1" strike="noStrike">
-                <a:latin typeface="Arial"/>
-              </a:rPr>
-              <a:t>thành mã máy </a:t>
-            </a:r>
-            <a:endParaRPr b="0" lang="en-US" sz="3200" spc="-1" strike="noStrike">
-              <a:latin typeface="Arial"/>
-            </a:endParaRPr>
-          </a:p>
-          <a:p>
-            <a:pPr marL="432000" indent="-324000">
+              <a:t>trong Java thì JIT - just-in-time  compiler sẽ tự động chọn những phương thức nào phù hợp để thiết lập thành nội tuyến còn không sẽ để là ngoại tuyến , JIT dùng để biến mã byte code thành mã máy </a:t>
+            </a:r>
+            <a:endParaRPr b="0" lang="en-US" sz="3200" spc="-1" strike="noStrike">
+              <a:latin typeface="Arial"/>
+            </a:endParaRPr>
+          </a:p>
+          <a:p>
+            <a:pPr marL="432000" indent="-323640">
+              <a:lnSpc>
+                <a:spcPct val="100000"/>
+              </a:lnSpc>
               <a:spcBef>
                 <a:spcPts val="1417"/>
               </a:spcBef>
@@ -2381,20 +3907,17 @@
               <a:rPr b="0" lang="en-US" sz="3200" spc="-1" strike="noStrike">
                 <a:latin typeface="Arial"/>
               </a:rPr>
-              <a:t>chính vì lý do đó mà Oracle jdk luôn chạy </a:t>
-            </a:r>
-            <a:r>
-              <a:rPr b="0" lang="en-US" sz="3200" spc="-1" strike="noStrike">
-                <a:latin typeface="Arial"/>
-              </a:rPr>
-              <a:t>nhanh và êm hơn openjdk</a:t>
-            </a:r>
-            <a:endParaRPr b="0" lang="en-US" sz="3200" spc="-1" strike="noStrike">
-              <a:latin typeface="Arial"/>
-            </a:endParaRPr>
-          </a:p>
-          <a:p>
-            <a:pPr marL="432000" indent="-324000">
+              <a:t>chính vì lý do đó mà Oracle jdk luôn chạy nhanh và êm hơn openjdk</a:t>
+            </a:r>
+            <a:endParaRPr b="0" lang="en-US" sz="3200" spc="-1" strike="noStrike">
+              <a:latin typeface="Arial"/>
+            </a:endParaRPr>
+          </a:p>
+          <a:p>
+            <a:pPr marL="432000" indent="-323640">
+              <a:lnSpc>
+                <a:spcPct val="100000"/>
+              </a:lnSpc>
               <a:spcBef>
                 <a:spcPts val="1417"/>
               </a:spcBef>
@@ -2449,14 +3972,14 @@
       </p:grpSpPr>
       <p:sp>
         <p:nvSpPr>
-          <p:cNvPr id="47" name=""/>
-          <p:cNvSpPr txBox="1"/>
+          <p:cNvPr id="82" name=""/>
+          <p:cNvSpPr/>
           <p:nvPr/>
         </p:nvSpPr>
         <p:spPr>
           <a:xfrm>
             <a:off x="504000" y="226080"/>
-            <a:ext cx="9071640" cy="946440"/>
+            <a:ext cx="9071280" cy="946080"/>
           </a:xfrm>
           <a:prstGeom prst="rect">
             <a:avLst/>
@@ -2466,12 +3989,22 @@
             <a:noFill/>
           </a:ln>
         </p:spPr>
+        <p:style>
+          <a:lnRef idx="0"/>
+          <a:fillRef idx="0"/>
+          <a:effectRef idx="0"/>
+          <a:fontRef idx="minor"/>
+        </p:style>
         <p:txBody>
           <a:bodyPr lIns="0" rIns="0" tIns="0" bIns="0" anchor="ctr">
             <a:noAutofit/>
           </a:bodyPr>
           <a:p>
-            <a:pPr algn="ctr"/>
+            <a:pPr algn="ctr">
+              <a:lnSpc>
+                <a:spcPct val="100000"/>
+              </a:lnSpc>
+            </a:pPr>
             <a:r>
               <a:rPr b="0" lang="en-US" sz="4400" spc="-1" strike="noStrike">
                 <a:latin typeface="Arial"/>
@@ -2486,14 +4019,14 @@
       </p:sp>
       <p:sp>
         <p:nvSpPr>
-          <p:cNvPr id="48" name=""/>
-          <p:cNvSpPr txBox="1"/>
+          <p:cNvPr id="83" name=""/>
+          <p:cNvSpPr/>
           <p:nvPr/>
         </p:nvSpPr>
         <p:spPr>
           <a:xfrm>
             <a:off x="504000" y="1326600"/>
-            <a:ext cx="9071640" cy="3288240"/>
+            <a:ext cx="9071280" cy="3287880"/>
           </a:xfrm>
           <a:prstGeom prst="rect">
             <a:avLst/>
@@ -2503,12 +4036,21 @@
             <a:noFill/>
           </a:ln>
         </p:spPr>
+        <p:style>
+          <a:lnRef idx="0"/>
+          <a:fillRef idx="0"/>
+          <a:effectRef idx="0"/>
+          <a:fontRef idx="minor"/>
+        </p:style>
         <p:txBody>
           <a:bodyPr lIns="0" rIns="0" tIns="0" bIns="0">
             <a:normAutofit fontScale="34000"/>
           </a:bodyPr>
           <a:p>
-            <a:pPr marL="432000" indent="-324000">
+            <a:pPr marL="432000" indent="-323640">
+              <a:lnSpc>
+                <a:spcPct val="100000"/>
+              </a:lnSpc>
               <a:spcBef>
                 <a:spcPts val="1417"/>
               </a:spcBef>
@@ -2523,20 +4065,17 @@
               <a:rPr b="0" lang="en-US" sz="3200" spc="-1" strike="noStrike">
                 <a:latin typeface="Arial"/>
               </a:rPr>
-              <a:t>chúng ta thực hiện việc quá tải phương thức </a:t>
-            </a:r>
-            <a:r>
-              <a:rPr b="0" lang="en-US" sz="3200" spc="-1" strike="noStrike">
-                <a:latin typeface="Arial"/>
-              </a:rPr>
-              <a:t>equals</a:t>
-            </a:r>
-            <a:endParaRPr b="0" lang="en-US" sz="3200" spc="-1" strike="noStrike">
-              <a:latin typeface="Arial"/>
-            </a:endParaRPr>
-          </a:p>
-          <a:p>
-            <a:pPr marL="432000" indent="-324000">
+              <a:t>chúng ta thực hiện việc quá tải phương thức equals</a:t>
+            </a:r>
+            <a:endParaRPr b="0" lang="en-US" sz="3200" spc="-1" strike="noStrike">
+              <a:latin typeface="Arial"/>
+            </a:endParaRPr>
+          </a:p>
+          <a:p>
+            <a:pPr marL="432000" indent="-323640">
+              <a:lnSpc>
+                <a:spcPct val="100000"/>
+              </a:lnSpc>
               <a:spcBef>
                 <a:spcPts val="1417"/>
               </a:spcBef>
@@ -2558,7 +4097,10 @@
             </a:endParaRPr>
           </a:p>
           <a:p>
-            <a:pPr marL="432000" indent="-324000">
+            <a:pPr marL="432000" indent="-323640">
+              <a:lnSpc>
+                <a:spcPct val="100000"/>
+              </a:lnSpc>
               <a:spcBef>
                 <a:spcPts val="1417"/>
               </a:spcBef>
@@ -2586,7 +4128,10 @@
             </a:endParaRPr>
           </a:p>
           <a:p>
-            <a:pPr marL="432000" indent="-324000">
+            <a:pPr marL="432000" indent="-323640">
+              <a:lnSpc>
+                <a:spcPct val="100000"/>
+              </a:lnSpc>
               <a:spcBef>
                 <a:spcPts val="1417"/>
               </a:spcBef>
@@ -2608,7 +4153,10 @@
             </a:endParaRPr>
           </a:p>
           <a:p>
-            <a:pPr marL="432000" indent="-324000">
+            <a:pPr marL="432000" indent="-323640">
+              <a:lnSpc>
+                <a:spcPct val="100000"/>
+              </a:lnSpc>
               <a:spcBef>
                 <a:spcPts val="1417"/>
               </a:spcBef>
@@ -2630,7 +4178,10 @@
             </a:endParaRPr>
           </a:p>
           <a:p>
-            <a:pPr marL="432000" indent="-324000">
+            <a:pPr marL="432000" indent="-323640">
+              <a:lnSpc>
+                <a:spcPct val="100000"/>
+              </a:lnSpc>
               <a:spcBef>
                 <a:spcPts val="1417"/>
               </a:spcBef>
@@ -2652,7 +4203,10 @@
             </a:endParaRPr>
           </a:p>
           <a:p>
-            <a:pPr marL="432000" indent="-324000">
+            <a:pPr marL="432000" indent="-323640">
+              <a:lnSpc>
+                <a:spcPct val="100000"/>
+              </a:lnSpc>
               <a:spcBef>
                 <a:spcPts val="1417"/>
               </a:spcBef>
@@ -2674,7 +4228,10 @@
             </a:endParaRPr>
           </a:p>
           <a:p>
-            <a:pPr marL="432000" indent="-324000">
+            <a:pPr marL="432000" indent="-323640">
+              <a:lnSpc>
+                <a:spcPct val="100000"/>
+              </a:lnSpc>
               <a:spcBef>
                 <a:spcPts val="1417"/>
               </a:spcBef>
@@ -2696,7 +4253,10 @@
             </a:endParaRPr>
           </a:p>
           <a:p>
-            <a:pPr marL="432000" indent="-324000">
+            <a:pPr marL="432000" indent="-323640">
+              <a:lnSpc>
+                <a:spcPct val="100000"/>
+              </a:lnSpc>
               <a:spcBef>
                 <a:spcPts val="1417"/>
               </a:spcBef>
@@ -2718,7 +4278,10 @@
             </a:endParaRPr>
           </a:p>
           <a:p>
-            <a:pPr marL="432000" indent="-324000">
+            <a:pPr marL="432000" indent="-323640">
+              <a:lnSpc>
+                <a:spcPct val="100000"/>
+              </a:lnSpc>
               <a:spcBef>
                 <a:spcPts val="1417"/>
               </a:spcBef>
@@ -2773,14 +4336,14 @@
       </p:grpSpPr>
       <p:sp>
         <p:nvSpPr>
-          <p:cNvPr id="49" name=""/>
-          <p:cNvSpPr txBox="1"/>
+          <p:cNvPr id="84" name=""/>
+          <p:cNvSpPr/>
           <p:nvPr/>
         </p:nvSpPr>
         <p:spPr>
           <a:xfrm>
             <a:off x="504000" y="226080"/>
-            <a:ext cx="9071640" cy="946440"/>
+            <a:ext cx="9071280" cy="946080"/>
           </a:xfrm>
           <a:prstGeom prst="rect">
             <a:avLst/>
@@ -2790,12 +4353,22 @@
             <a:noFill/>
           </a:ln>
         </p:spPr>
+        <p:style>
+          <a:lnRef idx="0"/>
+          <a:fillRef idx="0"/>
+          <a:effectRef idx="0"/>
+          <a:fontRef idx="minor"/>
+        </p:style>
         <p:txBody>
           <a:bodyPr lIns="0" rIns="0" tIns="0" bIns="0" anchor="ctr">
             <a:noAutofit/>
           </a:bodyPr>
           <a:p>
-            <a:pPr algn="ctr"/>
+            <a:pPr algn="ctr">
+              <a:lnSpc>
+                <a:spcPct val="100000"/>
+              </a:lnSpc>
+            </a:pPr>
             <a:r>
               <a:rPr b="0" lang="en-US" sz="4400" spc="-1" strike="noStrike">
                 <a:latin typeface="Arial"/>
@@ -2810,14 +4383,14 @@
       </p:sp>
       <p:sp>
         <p:nvSpPr>
-          <p:cNvPr id="50" name=""/>
-          <p:cNvSpPr txBox="1"/>
+          <p:cNvPr id="85" name=""/>
+          <p:cNvSpPr/>
           <p:nvPr/>
         </p:nvSpPr>
         <p:spPr>
           <a:xfrm>
             <a:off x="504000" y="1326600"/>
-            <a:ext cx="9071640" cy="3288240"/>
+            <a:ext cx="9071280" cy="3287880"/>
           </a:xfrm>
           <a:prstGeom prst="rect">
             <a:avLst/>
@@ -2827,12 +4400,21 @@
             <a:noFill/>
           </a:ln>
         </p:spPr>
-        <p:txBody>
-          <a:bodyPr lIns="0" rIns="0" tIns="0" bIns="0">
-            <a:normAutofit/>
-          </a:bodyPr>
-          <a:p>
-            <a:pPr marL="432000" indent="-324000">
+        <p:style>
+          <a:lnRef idx="0"/>
+          <a:fillRef idx="0"/>
+          <a:effectRef idx="0"/>
+          <a:fontRef idx="minor"/>
+        </p:style>
+        <p:txBody>
+          <a:bodyPr lIns="0" rIns="0" tIns="0" bIns="0">
+            <a:normAutofit/>
+          </a:bodyPr>
+          <a:p>
+            <a:pPr marL="432000" indent="-323640">
+              <a:lnSpc>
+                <a:spcPct val="100000"/>
+              </a:lnSpc>
               <a:spcBef>
                 <a:spcPts val="1417"/>
               </a:spcBef>
@@ -2854,7 +4436,10 @@
             </a:endParaRPr>
           </a:p>
           <a:p>
-            <a:pPr marL="432000" indent="-324000">
+            <a:pPr marL="432000" indent="-323640">
+              <a:lnSpc>
+                <a:spcPct val="100000"/>
+              </a:lnSpc>
               <a:spcBef>
                 <a:spcPts val="1417"/>
               </a:spcBef>
@@ -3114,4 +4699,230 @@
     </a:fmtScheme>
   </a:themeElements>
 </a:theme>
+</file>
+
+<file path=ppt/theme/theme2.xml><?xml version="1.0" encoding="utf-8"?>
+<a:theme xmlns:a="http://schemas.openxmlformats.org/drawingml/2006/main" name="Office Theme">
+  <a:themeElements>
+    <a:clrScheme name="Office">
+      <a:dk1>
+        <a:sysClr val="windowText" lastClr="000000"/>
+      </a:dk1>
+      <a:lt1>
+        <a:sysClr val="window" lastClr="FFFFFF"/>
+      </a:lt1>
+      <a:dk2>
+        <a:srgbClr val="1f497d"/>
+      </a:dk2>
+      <a:lt2>
+        <a:srgbClr val="eeece1"/>
+      </a:lt2>
+      <a:accent1>
+        <a:srgbClr val="4f81bd"/>
+      </a:accent1>
+      <a:accent2>
+        <a:srgbClr val="c0504d"/>
+      </a:accent2>
+      <a:accent3>
+        <a:srgbClr val="9bbb59"/>
+      </a:accent3>
+      <a:accent4>
+        <a:srgbClr val="8064a2"/>
+      </a:accent4>
+      <a:accent5>
+        <a:srgbClr val="4bacc6"/>
+      </a:accent5>
+      <a:accent6>
+        <a:srgbClr val="f79646"/>
+      </a:accent6>
+      <a:hlink>
+        <a:srgbClr val="0000ff"/>
+      </a:hlink>
+      <a:folHlink>
+        <a:srgbClr val="800080"/>
+      </a:folHlink>
+    </a:clrScheme>
+    <a:fontScheme name="Office">
+      <a:majorFont>
+        <a:latin typeface="Arial"/>
+        <a:ea typeface="DejaVu Sans"/>
+        <a:cs typeface="DejaVu Sans"/>
+      </a:majorFont>
+      <a:minorFont>
+        <a:latin typeface="Arial"/>
+        <a:ea typeface="DejaVu Sans"/>
+        <a:cs typeface="DejaVu Sans"/>
+      </a:minorFont>
+    </a:fontScheme>
+    <a:fmtScheme name="Office">
+      <a:fillStyleLst>
+        <a:solidFill>
+          <a:schemeClr val="phClr"/>
+        </a:solidFill>
+        <a:gradFill rotWithShape="1">
+          <a:gsLst>
+            <a:gs pos="0">
+              <a:schemeClr val="phClr">
+                <a:tint val="50000"/>
+                <a:satMod val="300000"/>
+              </a:schemeClr>
+            </a:gs>
+            <a:gs pos="35000">
+              <a:schemeClr val="phClr">
+                <a:tint val="37000"/>
+                <a:satMod val="300000"/>
+              </a:schemeClr>
+            </a:gs>
+            <a:gs pos="100000">
+              <a:schemeClr val="phClr">
+                <a:tint val="15000"/>
+                <a:satMod val="350000"/>
+              </a:schemeClr>
+            </a:gs>
+          </a:gsLst>
+          <a:lin ang="16200000" scaled="1"/>
+        </a:gradFill>
+        <a:gradFill rotWithShape="1">
+          <a:gsLst>
+            <a:gs pos="0">
+              <a:schemeClr val="phClr">
+                <a:shade val="51000"/>
+                <a:satMod val="130000"/>
+              </a:schemeClr>
+            </a:gs>
+            <a:gs pos="80000">
+              <a:schemeClr val="phClr">
+                <a:shade val="93000"/>
+                <a:satMod val="130000"/>
+              </a:schemeClr>
+            </a:gs>
+            <a:gs pos="100000">
+              <a:schemeClr val="phClr">
+                <a:shade val="94000"/>
+                <a:satMod val="135000"/>
+              </a:schemeClr>
+            </a:gs>
+          </a:gsLst>
+          <a:lin ang="16200000" scaled="0"/>
+        </a:gradFill>
+      </a:fillStyleLst>
+      <a:lnStyleLst>
+        <a:ln w="9525" cap="flat" cmpd="sng" algn="ctr">
+          <a:solidFill>
+            <a:schemeClr val="phClr">
+              <a:shade val="95000"/>
+              <a:satMod val="105000"/>
+            </a:schemeClr>
+          </a:solidFill>
+          <a:prstDash val="solid"/>
+          <a:miter/>
+        </a:ln>
+        <a:ln w="25400" cap="flat" cmpd="sng" algn="ctr">
+          <a:solidFill>
+            <a:schemeClr val="phClr"/>
+          </a:solidFill>
+          <a:prstDash val="solid"/>
+          <a:miter/>
+        </a:ln>
+        <a:ln w="38100" cap="flat" cmpd="sng" algn="ctr">
+          <a:solidFill>
+            <a:schemeClr val="phClr"/>
+          </a:solidFill>
+          <a:prstDash val="solid"/>
+          <a:miter/>
+        </a:ln>
+      </a:lnStyleLst>
+      <a:effectStyleLst>
+        <a:effectStyle>
+          <a:effectLst>
+            <a:outerShdw blurRad="40000" dist="20000" dir="5400000" rotWithShape="0">
+              <a:srgbClr val="000000">
+                <a:alpha val="38000"/>
+              </a:srgbClr>
+            </a:outerShdw>
+          </a:effectLst>
+        </a:effectStyle>
+        <a:effectStyle>
+          <a:effectLst>
+            <a:outerShdw blurRad="40000" dist="23000" dir="5400000" rotWithShape="0">
+              <a:srgbClr val="000000">
+                <a:alpha val="35000"/>
+              </a:srgbClr>
+            </a:outerShdw>
+          </a:effectLst>
+        </a:effectStyle>
+        <a:effectStyle>
+          <a:effectLst>
+            <a:outerShdw blurRad="40000" dist="23000" dir="5400000" rotWithShape="0">
+              <a:srgbClr val="000000">
+                <a:alpha val="35000"/>
+              </a:srgbClr>
+            </a:outerShdw>
+          </a:effectLst>
+          <a:scene3d>
+            <a:camera prst="orthographicFront">
+              <a:rot lat="0" lon="0" rev="0"/>
+            </a:camera>
+            <a:lightRig rig="threePt" dir="t">
+              <a:rot lat="0" lon="0" rev="1200000"/>
+            </a:lightRig>
+          </a:scene3d>
+          <a:sp3d>
+            <a:bevelT w="63500" h="25400"/>
+          </a:sp3d>
+        </a:effectStyle>
+      </a:effectStyleLst>
+      <a:bgFillStyleLst>
+        <a:solidFill>
+          <a:schemeClr val="phClr"/>
+        </a:solidFill>
+        <a:gradFill rotWithShape="1">
+          <a:gsLst>
+            <a:gs pos="0">
+              <a:schemeClr val="phClr">
+                <a:tint val="40000"/>
+                <a:satMod val="350000"/>
+              </a:schemeClr>
+            </a:gs>
+            <a:gs pos="40000">
+              <a:schemeClr val="phClr">
+                <a:tint val="45000"/>
+                <a:shade val="99000"/>
+                <a:satMod val="350000"/>
+              </a:schemeClr>
+            </a:gs>
+            <a:gs pos="100000">
+              <a:schemeClr val="phClr">
+                <a:shade val="20000"/>
+                <a:satMod val="255000"/>
+              </a:schemeClr>
+            </a:gs>
+          </a:gsLst>
+          <a:path path="circle">
+            <a:fillToRect l="50000" t="-80000" r="50000" b="180000"/>
+          </a:path>
+        </a:gradFill>
+        <a:gradFill rotWithShape="1">
+          <a:gsLst>
+            <a:gs pos="0">
+              <a:schemeClr val="phClr">
+                <a:tint val="80000"/>
+                <a:satMod val="300000"/>
+              </a:schemeClr>
+            </a:gs>
+            <a:gs pos="100000">
+              <a:schemeClr val="phClr">
+                <a:shade val="30000"/>
+                <a:satMod val="200000"/>
+              </a:schemeClr>
+            </a:gs>
+          </a:gsLst>
+          <a:path path="circle">
+            <a:fillToRect l="50000" t="50000" r="50000" b="50000"/>
+          </a:path>
+        </a:gradFill>
+      </a:bgFillStyleLst>
+    </a:fmtScheme>
+  </a:themeElements>
+</a:theme>
 </file>
--- a/5.pptx
+++ b/5.pptx
@@ -1,24 +1,118 @@
 
 <file path=ppt/presentation.xml><?xml version="1.0" encoding="utf-8"?>
-<p:presentation xmlns:a="http://schemas.openxmlformats.org/drawingml/2006/main" xmlns:p="http://schemas.openxmlformats.org/presentationml/2006/main" xmlns:r="http://schemas.openxmlformats.org/officeDocument/2006/relationships" xmlns:p14="http://schemas.microsoft.com/office/powerpoint/2010/main" xmlns:p15="http://schemas.microsoft.com/office/powerpoint/2012/main" xmlns:mc="http://schemas.openxmlformats.org/markup-compatibility/2006">
+<p:presentation xmlns:a="http://schemas.openxmlformats.org/drawingml/2006/main" xmlns:r="http://schemas.openxmlformats.org/officeDocument/2006/relationships" xmlns:p="http://schemas.openxmlformats.org/presentationml/2006/main">
   <p:sldMasterIdLst>
-    <p:sldMasterId id="2147483648" r:id="rId2"/>
+    <p:sldMasterId id="2147483648" r:id="rId1"/>
     <p:sldMasterId id="2147483661" r:id="rId3"/>
+    <p:sldMasterId id="2147483674" r:id="rId4"/>
   </p:sldMasterIdLst>
   <p:sldIdLst>
-    <p:sldId id="256" r:id="rId4"/>
-    <p:sldId id="257" r:id="rId5"/>
-    <p:sldId id="258" r:id="rId6"/>
-    <p:sldId id="259" r:id="rId7"/>
-    <p:sldId id="260" r:id="rId8"/>
+    <p:sldId id="256" r:id="rId5"/>
+    <p:sldId id="257" r:id="rId6"/>
+    <p:sldId id="263" r:id="rId7"/>
+    <p:sldId id="258" r:id="rId8"/>
+    <p:sldId id="259" r:id="rId9"/>
+    <p:sldId id="260" r:id="rId10"/>
   </p:sldIdLst>
   <p:sldSz cx="10080625" cy="5670550"/>
   <p:notesSz cx="7772400" cy="10058400"/>
+  <p:defaultTextStyle>
+    <a:lvl1pPr marL="0" algn="l" defTabSz="914400" rtl="0" eaLnBrk="1" latinLnBrk="0" hangingPunct="1">
+      <a:defRPr sz="1800" kern="1200">
+        <a:solidFill>
+          <a:schemeClr val="tx1"/>
+        </a:solidFill>
+        <a:latin typeface="+mn-lt"/>
+        <a:ea typeface="+mn-ea"/>
+        <a:cs typeface="+mn-cs"/>
+      </a:defRPr>
+    </a:lvl1pPr>
+    <a:lvl2pPr marL="457200" algn="l" defTabSz="914400" rtl="0" eaLnBrk="1" latinLnBrk="0" hangingPunct="1">
+      <a:defRPr sz="1800" kern="1200">
+        <a:solidFill>
+          <a:schemeClr val="tx1"/>
+        </a:solidFill>
+        <a:latin typeface="+mn-lt"/>
+        <a:ea typeface="+mn-ea"/>
+        <a:cs typeface="+mn-cs"/>
+      </a:defRPr>
+    </a:lvl2pPr>
+    <a:lvl3pPr marL="914400" algn="l" defTabSz="914400" rtl="0" eaLnBrk="1" latinLnBrk="0" hangingPunct="1">
+      <a:defRPr sz="1800" kern="1200">
+        <a:solidFill>
+          <a:schemeClr val="tx1"/>
+        </a:solidFill>
+        <a:latin typeface="+mn-lt"/>
+        <a:ea typeface="+mn-ea"/>
+        <a:cs typeface="+mn-cs"/>
+      </a:defRPr>
+    </a:lvl3pPr>
+    <a:lvl4pPr marL="1371600" algn="l" defTabSz="914400" rtl="0" eaLnBrk="1" latinLnBrk="0" hangingPunct="1">
+      <a:defRPr sz="1800" kern="1200">
+        <a:solidFill>
+          <a:schemeClr val="tx1"/>
+        </a:solidFill>
+        <a:latin typeface="+mn-lt"/>
+        <a:ea typeface="+mn-ea"/>
+        <a:cs typeface="+mn-cs"/>
+      </a:defRPr>
+    </a:lvl4pPr>
+    <a:lvl5pPr marL="1828800" algn="l" defTabSz="914400" rtl="0" eaLnBrk="1" latinLnBrk="0" hangingPunct="1">
+      <a:defRPr sz="1800" kern="1200">
+        <a:solidFill>
+          <a:schemeClr val="tx1"/>
+        </a:solidFill>
+        <a:latin typeface="+mn-lt"/>
+        <a:ea typeface="+mn-ea"/>
+        <a:cs typeface="+mn-cs"/>
+      </a:defRPr>
+    </a:lvl5pPr>
+    <a:lvl6pPr marL="2286000" algn="l" defTabSz="914400" rtl="0" eaLnBrk="1" latinLnBrk="0" hangingPunct="1">
+      <a:defRPr sz="1800" kern="1200">
+        <a:solidFill>
+          <a:schemeClr val="tx1"/>
+        </a:solidFill>
+        <a:latin typeface="+mn-lt"/>
+        <a:ea typeface="+mn-ea"/>
+        <a:cs typeface="+mn-cs"/>
+      </a:defRPr>
+    </a:lvl6pPr>
+    <a:lvl7pPr marL="2743200" algn="l" defTabSz="914400" rtl="0" eaLnBrk="1" latinLnBrk="0" hangingPunct="1">
+      <a:defRPr sz="1800" kern="1200">
+        <a:solidFill>
+          <a:schemeClr val="tx1"/>
+        </a:solidFill>
+        <a:latin typeface="+mn-lt"/>
+        <a:ea typeface="+mn-ea"/>
+        <a:cs typeface="+mn-cs"/>
+      </a:defRPr>
+    </a:lvl7pPr>
+    <a:lvl8pPr marL="3200400" algn="l" defTabSz="914400" rtl="0" eaLnBrk="1" latinLnBrk="0" hangingPunct="1">
+      <a:defRPr sz="1800" kern="1200">
+        <a:solidFill>
+          <a:schemeClr val="tx1"/>
+        </a:solidFill>
+        <a:latin typeface="+mn-lt"/>
+        <a:ea typeface="+mn-ea"/>
+        <a:cs typeface="+mn-cs"/>
+      </a:defRPr>
+    </a:lvl8pPr>
+    <a:lvl9pPr marL="3657600" algn="l" defTabSz="914400" rtl="0" eaLnBrk="1" latinLnBrk="0" hangingPunct="1">
+      <a:defRPr sz="1800" kern="1200">
+        <a:solidFill>
+          <a:schemeClr val="tx1"/>
+        </a:solidFill>
+        <a:latin typeface="+mn-lt"/>
+        <a:ea typeface="+mn-ea"/>
+        <a:cs typeface="+mn-cs"/>
+      </a:defRPr>
+    </a:lvl9pPr>
+  </p:defaultTextStyle>
 </p:presentation>
 </file>
 
 <file path=ppt/slideLayouts/slideLayout1.xml><?xml version="1.0" encoding="utf-8"?>
-<p:sldLayout xmlns:a="http://schemas.openxmlformats.org/drawingml/2006/main" xmlns:p="http://schemas.openxmlformats.org/presentationml/2006/main" xmlns:r="http://schemas.openxmlformats.org/officeDocument/2006/relationships" xmlns:p14="http://schemas.microsoft.com/office/powerpoint/2010/main" xmlns:p15="http://schemas.microsoft.com/office/powerpoint/2012/main" xmlns:mc="http://schemas.openxmlformats.org/markup-compatibility/2006" type="blank" preserve="1">
+<p:sldLayout xmlns:a="http://schemas.openxmlformats.org/drawingml/2006/main" xmlns:r="http://schemas.openxmlformats.org/officeDocument/2006/relationships" xmlns:p="http://schemas.openxmlformats.org/presentationml/2006/main" type="blank" preserve="1">
   <p:cSld name="Blank Slide">
     <p:spTree>
       <p:nvGrpSpPr>
@@ -36,11 +130,14 @@
       </p:grpSpPr>
     </p:spTree>
   </p:cSld>
+  <p:clrMapOvr>
+    <a:masterClrMapping/>
+  </p:clrMapOvr>
 </p:sldLayout>
 </file>
 
 <file path=ppt/slideLayouts/slideLayout10.xml><?xml version="1.0" encoding="utf-8"?>
-<p:sldLayout xmlns:a="http://schemas.openxmlformats.org/drawingml/2006/main" xmlns:p="http://schemas.openxmlformats.org/presentationml/2006/main" xmlns:r="http://schemas.openxmlformats.org/officeDocument/2006/relationships" xmlns:p14="http://schemas.microsoft.com/office/powerpoint/2010/main" xmlns:p15="http://schemas.microsoft.com/office/powerpoint/2012/main" xmlns:mc="http://schemas.openxmlformats.org/markup-compatibility/2006" type="objOverTx" preserve="1">
+<p:sldLayout xmlns:a="http://schemas.openxmlformats.org/drawingml/2006/main" xmlns:r="http://schemas.openxmlformats.org/officeDocument/2006/relationships" xmlns:p="http://schemas.openxmlformats.org/presentationml/2006/main" type="objOverTx" preserve="1">
   <p:cSld name="Title, Content over Content">
     <p:spTree>
       <p:nvGrpSpPr>
@@ -76,13 +173,13 @@
           </a:prstGeom>
         </p:spPr>
         <p:txBody>
-          <a:bodyPr lIns="0" rIns="0" tIns="0" bIns="0" anchor="ctr">
+          <a:bodyPr lIns="0" tIns="0" rIns="0" bIns="0" anchor="ctr">
             <a:noAutofit/>
           </a:bodyPr>
           <a:p>
             <a:pPr algn="ctr"/>
-            <a:endParaRPr b="0" lang="en-US" sz="4400" spc="-1" strike="noStrike">
-              <a:latin typeface="Arial"/>
+            <a:endParaRPr lang="en-US" sz="4400" b="0" strike="noStrike" spc="-1">
+              <a:latin typeface="Arial" panose="020B0604020202020204"/>
             </a:endParaRPr>
           </a:p>
         </p:txBody>
@@ -107,12 +204,12 @@
           </a:prstGeom>
         </p:spPr>
         <p:txBody>
-          <a:bodyPr lIns="0" rIns="0" tIns="0" bIns="0">
-            <a:normAutofit/>
-          </a:bodyPr>
-          <a:p>
-            <a:endParaRPr b="0" lang="en-US" sz="3200" spc="-1" strike="noStrike">
-              <a:latin typeface="Arial"/>
+          <a:bodyPr lIns="0" tIns="0" rIns="0" bIns="0">
+            <a:normAutofit/>
+          </a:bodyPr>
+          <a:p>
+            <a:endParaRPr lang="en-US" sz="3200" b="0" strike="noStrike" spc="-1">
+              <a:latin typeface="Arial" panose="020B0604020202020204"/>
             </a:endParaRPr>
           </a:p>
         </p:txBody>
@@ -137,23 +234,26 @@
           </a:prstGeom>
         </p:spPr>
         <p:txBody>
-          <a:bodyPr lIns="0" rIns="0" tIns="0" bIns="0">
-            <a:normAutofit/>
-          </a:bodyPr>
-          <a:p>
-            <a:endParaRPr b="0" lang="en-US" sz="3200" spc="-1" strike="noStrike">
-              <a:latin typeface="Arial"/>
+          <a:bodyPr lIns="0" tIns="0" rIns="0" bIns="0">
+            <a:normAutofit/>
+          </a:bodyPr>
+          <a:p>
+            <a:endParaRPr lang="en-US" sz="3200" b="0" strike="noStrike" spc="-1">
+              <a:latin typeface="Arial" panose="020B0604020202020204"/>
             </a:endParaRPr>
           </a:p>
         </p:txBody>
       </p:sp>
     </p:spTree>
   </p:cSld>
+  <p:clrMapOvr>
+    <a:masterClrMapping/>
+  </p:clrMapOvr>
 </p:sldLayout>
 </file>
 
 <file path=ppt/slideLayouts/slideLayout11.xml><?xml version="1.0" encoding="utf-8"?>
-<p:sldLayout xmlns:a="http://schemas.openxmlformats.org/drawingml/2006/main" xmlns:p="http://schemas.openxmlformats.org/presentationml/2006/main" xmlns:r="http://schemas.openxmlformats.org/officeDocument/2006/relationships" xmlns:p14="http://schemas.microsoft.com/office/powerpoint/2010/main" xmlns:p15="http://schemas.microsoft.com/office/powerpoint/2012/main" xmlns:mc="http://schemas.openxmlformats.org/markup-compatibility/2006" type="fourObj" preserve="1">
+<p:sldLayout xmlns:a="http://schemas.openxmlformats.org/drawingml/2006/main" xmlns:r="http://schemas.openxmlformats.org/officeDocument/2006/relationships" xmlns:p="http://schemas.openxmlformats.org/presentationml/2006/main" type="fourObj" preserve="1">
   <p:cSld name="Title, 4 Content">
     <p:spTree>
       <p:nvGrpSpPr>
@@ -189,13 +289,13 @@
           </a:prstGeom>
         </p:spPr>
         <p:txBody>
-          <a:bodyPr lIns="0" rIns="0" tIns="0" bIns="0" anchor="ctr">
+          <a:bodyPr lIns="0" tIns="0" rIns="0" bIns="0" anchor="ctr">
             <a:noAutofit/>
           </a:bodyPr>
           <a:p>
             <a:pPr algn="ctr"/>
-            <a:endParaRPr b="0" lang="en-US" sz="4400" spc="-1" strike="noStrike">
-              <a:latin typeface="Arial"/>
+            <a:endParaRPr lang="en-US" sz="4400" b="0" strike="noStrike" spc="-1">
+              <a:latin typeface="Arial" panose="020B0604020202020204"/>
             </a:endParaRPr>
           </a:p>
         </p:txBody>
@@ -220,12 +320,12 @@
           </a:prstGeom>
         </p:spPr>
         <p:txBody>
-          <a:bodyPr lIns="0" rIns="0" tIns="0" bIns="0">
-            <a:normAutofit/>
-          </a:bodyPr>
-          <a:p>
-            <a:endParaRPr b="0" lang="en-US" sz="3200" spc="-1" strike="noStrike">
-              <a:latin typeface="Arial"/>
+          <a:bodyPr lIns="0" tIns="0" rIns="0" bIns="0">
+            <a:normAutofit/>
+          </a:bodyPr>
+          <a:p>
+            <a:endParaRPr lang="en-US" sz="3200" b="0" strike="noStrike" spc="-1">
+              <a:latin typeface="Arial" panose="020B0604020202020204"/>
             </a:endParaRPr>
           </a:p>
         </p:txBody>
@@ -250,12 +350,12 @@
           </a:prstGeom>
         </p:spPr>
         <p:txBody>
-          <a:bodyPr lIns="0" rIns="0" tIns="0" bIns="0">
-            <a:normAutofit/>
-          </a:bodyPr>
-          <a:p>
-            <a:endParaRPr b="0" lang="en-US" sz="3200" spc="-1" strike="noStrike">
-              <a:latin typeface="Arial"/>
+          <a:bodyPr lIns="0" tIns="0" rIns="0" bIns="0">
+            <a:normAutofit/>
+          </a:bodyPr>
+          <a:p>
+            <a:endParaRPr lang="en-US" sz="3200" b="0" strike="noStrike" spc="-1">
+              <a:latin typeface="Arial" panose="020B0604020202020204"/>
             </a:endParaRPr>
           </a:p>
         </p:txBody>
@@ -280,12 +380,12 @@
           </a:prstGeom>
         </p:spPr>
         <p:txBody>
-          <a:bodyPr lIns="0" rIns="0" tIns="0" bIns="0">
-            <a:normAutofit/>
-          </a:bodyPr>
-          <a:p>
-            <a:endParaRPr b="0" lang="en-US" sz="3200" spc="-1" strike="noStrike">
-              <a:latin typeface="Arial"/>
+          <a:bodyPr lIns="0" tIns="0" rIns="0" bIns="0">
+            <a:normAutofit/>
+          </a:bodyPr>
+          <a:p>
+            <a:endParaRPr lang="en-US" sz="3200" b="0" strike="noStrike" spc="-1">
+              <a:latin typeface="Arial" panose="020B0604020202020204"/>
             </a:endParaRPr>
           </a:p>
         </p:txBody>
@@ -310,23 +410,26 @@
           </a:prstGeom>
         </p:spPr>
         <p:txBody>
-          <a:bodyPr lIns="0" rIns="0" tIns="0" bIns="0">
-            <a:normAutofit/>
-          </a:bodyPr>
-          <a:p>
-            <a:endParaRPr b="0" lang="en-US" sz="3200" spc="-1" strike="noStrike">
-              <a:latin typeface="Arial"/>
+          <a:bodyPr lIns="0" tIns="0" rIns="0" bIns="0">
+            <a:normAutofit/>
+          </a:bodyPr>
+          <a:p>
+            <a:endParaRPr lang="en-US" sz="3200" b="0" strike="noStrike" spc="-1">
+              <a:latin typeface="Arial" panose="020B0604020202020204"/>
             </a:endParaRPr>
           </a:p>
         </p:txBody>
       </p:sp>
     </p:spTree>
   </p:cSld>
+  <p:clrMapOvr>
+    <a:masterClrMapping/>
+  </p:clrMapOvr>
 </p:sldLayout>
 </file>
 
 <file path=ppt/slideLayouts/slideLayout12.xml><?xml version="1.0" encoding="utf-8"?>
-<p:sldLayout xmlns:a="http://schemas.openxmlformats.org/drawingml/2006/main" xmlns:p="http://schemas.openxmlformats.org/presentationml/2006/main" xmlns:r="http://schemas.openxmlformats.org/officeDocument/2006/relationships" xmlns:p14="http://schemas.microsoft.com/office/powerpoint/2010/main" xmlns:p15="http://schemas.microsoft.com/office/powerpoint/2012/main" xmlns:mc="http://schemas.openxmlformats.org/markup-compatibility/2006" type="blank" preserve="1">
+<p:sldLayout xmlns:a="http://schemas.openxmlformats.org/drawingml/2006/main" xmlns:r="http://schemas.openxmlformats.org/officeDocument/2006/relationships" xmlns:p="http://schemas.openxmlformats.org/presentationml/2006/main" type="blank" preserve="1">
   <p:cSld name="Title, 6 Content">
     <p:spTree>
       <p:nvGrpSpPr>
@@ -362,13 +465,13 @@
           </a:prstGeom>
         </p:spPr>
         <p:txBody>
-          <a:bodyPr lIns="0" rIns="0" tIns="0" bIns="0" anchor="ctr">
+          <a:bodyPr lIns="0" tIns="0" rIns="0" bIns="0" anchor="ctr">
             <a:noAutofit/>
           </a:bodyPr>
           <a:p>
             <a:pPr algn="ctr"/>
-            <a:endParaRPr b="0" lang="en-US" sz="4400" spc="-1" strike="noStrike">
-              <a:latin typeface="Arial"/>
+            <a:endParaRPr lang="en-US" sz="4400" b="0" strike="noStrike" spc="-1">
+              <a:latin typeface="Arial" panose="020B0604020202020204"/>
             </a:endParaRPr>
           </a:p>
         </p:txBody>
@@ -393,12 +496,12 @@
           </a:prstGeom>
         </p:spPr>
         <p:txBody>
-          <a:bodyPr lIns="0" rIns="0" tIns="0" bIns="0">
-            <a:normAutofit/>
-          </a:bodyPr>
-          <a:p>
-            <a:endParaRPr b="0" lang="en-US" sz="3200" spc="-1" strike="noStrike">
-              <a:latin typeface="Arial"/>
+          <a:bodyPr lIns="0" tIns="0" rIns="0" bIns="0">
+            <a:normAutofit/>
+          </a:bodyPr>
+          <a:p>
+            <a:endParaRPr lang="en-US" sz="3200" b="0" strike="noStrike" spc="-1">
+              <a:latin typeface="Arial" panose="020B0604020202020204"/>
             </a:endParaRPr>
           </a:p>
         </p:txBody>
@@ -423,12 +526,12 @@
           </a:prstGeom>
         </p:spPr>
         <p:txBody>
-          <a:bodyPr lIns="0" rIns="0" tIns="0" bIns="0">
-            <a:normAutofit/>
-          </a:bodyPr>
-          <a:p>
-            <a:endParaRPr b="0" lang="en-US" sz="3200" spc="-1" strike="noStrike">
-              <a:latin typeface="Arial"/>
+          <a:bodyPr lIns="0" tIns="0" rIns="0" bIns="0">
+            <a:normAutofit/>
+          </a:bodyPr>
+          <a:p>
+            <a:endParaRPr lang="en-US" sz="3200" b="0" strike="noStrike" spc="-1">
+              <a:latin typeface="Arial" panose="020B0604020202020204"/>
             </a:endParaRPr>
           </a:p>
         </p:txBody>
@@ -453,12 +556,12 @@
           </a:prstGeom>
         </p:spPr>
         <p:txBody>
-          <a:bodyPr lIns="0" rIns="0" tIns="0" bIns="0">
-            <a:normAutofit/>
-          </a:bodyPr>
-          <a:p>
-            <a:endParaRPr b="0" lang="en-US" sz="3200" spc="-1" strike="noStrike">
-              <a:latin typeface="Arial"/>
+          <a:bodyPr lIns="0" tIns="0" rIns="0" bIns="0">
+            <a:normAutofit/>
+          </a:bodyPr>
+          <a:p>
+            <a:endParaRPr lang="en-US" sz="3200" b="0" strike="noStrike" spc="-1">
+              <a:latin typeface="Arial" panose="020B0604020202020204"/>
             </a:endParaRPr>
           </a:p>
         </p:txBody>
@@ -483,12 +586,12 @@
           </a:prstGeom>
         </p:spPr>
         <p:txBody>
-          <a:bodyPr lIns="0" rIns="0" tIns="0" bIns="0">
-            <a:normAutofit/>
-          </a:bodyPr>
-          <a:p>
-            <a:endParaRPr b="0" lang="en-US" sz="3200" spc="-1" strike="noStrike">
-              <a:latin typeface="Arial"/>
+          <a:bodyPr lIns="0" tIns="0" rIns="0" bIns="0">
+            <a:normAutofit/>
+          </a:bodyPr>
+          <a:p>
+            <a:endParaRPr lang="en-US" sz="3200" b="0" strike="noStrike" spc="-1">
+              <a:latin typeface="Arial" panose="020B0604020202020204"/>
             </a:endParaRPr>
           </a:p>
         </p:txBody>
@@ -513,12 +616,12 @@
           </a:prstGeom>
         </p:spPr>
         <p:txBody>
-          <a:bodyPr lIns="0" rIns="0" tIns="0" bIns="0">
-            <a:normAutofit/>
-          </a:bodyPr>
-          <a:p>
-            <a:endParaRPr b="0" lang="en-US" sz="3200" spc="-1" strike="noStrike">
-              <a:latin typeface="Arial"/>
+          <a:bodyPr lIns="0" tIns="0" rIns="0" bIns="0">
+            <a:normAutofit/>
+          </a:bodyPr>
+          <a:p>
+            <a:endParaRPr lang="en-US" sz="3200" b="0" strike="noStrike" spc="-1">
+              <a:latin typeface="Arial" panose="020B0604020202020204"/>
             </a:endParaRPr>
           </a:p>
         </p:txBody>
@@ -543,23 +646,26 @@
           </a:prstGeom>
         </p:spPr>
         <p:txBody>
-          <a:bodyPr lIns="0" rIns="0" tIns="0" bIns="0">
-            <a:normAutofit/>
-          </a:bodyPr>
-          <a:p>
-            <a:endParaRPr b="0" lang="en-US" sz="3200" spc="-1" strike="noStrike">
-              <a:latin typeface="Arial"/>
+          <a:bodyPr lIns="0" tIns="0" rIns="0" bIns="0">
+            <a:normAutofit/>
+          </a:bodyPr>
+          <a:p>
+            <a:endParaRPr lang="en-US" sz="3200" b="0" strike="noStrike" spc="-1">
+              <a:latin typeface="Arial" panose="020B0604020202020204"/>
             </a:endParaRPr>
           </a:p>
         </p:txBody>
       </p:sp>
     </p:spTree>
   </p:cSld>
+  <p:clrMapOvr>
+    <a:masterClrMapping/>
+  </p:clrMapOvr>
 </p:sldLayout>
 </file>
 
 <file path=ppt/slideLayouts/slideLayout13.xml><?xml version="1.0" encoding="utf-8"?>
-<p:sldLayout xmlns:a="http://schemas.openxmlformats.org/drawingml/2006/main" xmlns:p="http://schemas.openxmlformats.org/presentationml/2006/main" xmlns:r="http://schemas.openxmlformats.org/officeDocument/2006/relationships" xmlns:p14="http://schemas.microsoft.com/office/powerpoint/2010/main" xmlns:p15="http://schemas.microsoft.com/office/powerpoint/2012/main" xmlns:mc="http://schemas.openxmlformats.org/markup-compatibility/2006" type="blank" preserve="1">
+<p:sldLayout xmlns:a="http://schemas.openxmlformats.org/drawingml/2006/main" xmlns:r="http://schemas.openxmlformats.org/officeDocument/2006/relationships" xmlns:p="http://schemas.openxmlformats.org/presentationml/2006/main" type="blank" preserve="1">
   <p:cSld name="Blank Slide">
     <p:spTree>
       <p:nvGrpSpPr>
@@ -577,11 +683,14 @@
       </p:grpSpPr>
     </p:spTree>
   </p:cSld>
+  <p:clrMapOvr>
+    <a:masterClrMapping/>
+  </p:clrMapOvr>
 </p:sldLayout>
 </file>
 
 <file path=ppt/slideLayouts/slideLayout14.xml><?xml version="1.0" encoding="utf-8"?>
-<p:sldLayout xmlns:a="http://schemas.openxmlformats.org/drawingml/2006/main" xmlns:p="http://schemas.openxmlformats.org/presentationml/2006/main" xmlns:r="http://schemas.openxmlformats.org/officeDocument/2006/relationships" xmlns:p14="http://schemas.microsoft.com/office/powerpoint/2010/main" xmlns:p15="http://schemas.microsoft.com/office/powerpoint/2012/main" xmlns:mc="http://schemas.openxmlformats.org/markup-compatibility/2006" type="tx" preserve="1">
+<p:sldLayout xmlns:a="http://schemas.openxmlformats.org/drawingml/2006/main" xmlns:r="http://schemas.openxmlformats.org/officeDocument/2006/relationships" xmlns:p="http://schemas.openxmlformats.org/presentationml/2006/main" type="tx" preserve="1">
   <p:cSld name="Title Slide">
     <p:spTree>
       <p:nvGrpSpPr>
@@ -617,13 +726,13 @@
           </a:prstGeom>
         </p:spPr>
         <p:txBody>
-          <a:bodyPr lIns="0" rIns="0" tIns="0" bIns="0" anchor="ctr">
+          <a:bodyPr lIns="0" tIns="0" rIns="0" bIns="0" anchor="ctr">
             <a:noAutofit/>
           </a:bodyPr>
           <a:p>
             <a:pPr algn="ctr"/>
-            <a:endParaRPr b="0" lang="en-US" sz="4400" spc="-1" strike="noStrike">
-              <a:latin typeface="Arial"/>
+            <a:endParaRPr lang="en-US" sz="4400" b="0" strike="noStrike" spc="-1">
+              <a:latin typeface="Arial" panose="020B0604020202020204"/>
             </a:endParaRPr>
           </a:p>
         </p:txBody>
@@ -648,24 +757,27 @@
           </a:prstGeom>
         </p:spPr>
         <p:txBody>
-          <a:bodyPr lIns="0" rIns="0" tIns="0" bIns="0" anchor="ctr">
+          <a:bodyPr lIns="0" tIns="0" rIns="0" bIns="0" anchor="ctr">
             <a:noAutofit/>
           </a:bodyPr>
           <a:p>
             <a:pPr algn="ctr"/>
-            <a:endParaRPr b="0" lang="en-US" sz="3200" spc="-1" strike="noStrike">
-              <a:latin typeface="Arial"/>
+            <a:endParaRPr lang="en-US" sz="3200" b="0" strike="noStrike" spc="-1">
+              <a:latin typeface="Arial" panose="020B0604020202020204"/>
             </a:endParaRPr>
           </a:p>
         </p:txBody>
       </p:sp>
     </p:spTree>
   </p:cSld>
+  <p:clrMapOvr>
+    <a:masterClrMapping/>
+  </p:clrMapOvr>
 </p:sldLayout>
 </file>
 
 <file path=ppt/slideLayouts/slideLayout15.xml><?xml version="1.0" encoding="utf-8"?>
-<p:sldLayout xmlns:a="http://schemas.openxmlformats.org/drawingml/2006/main" xmlns:p="http://schemas.openxmlformats.org/presentationml/2006/main" xmlns:r="http://schemas.openxmlformats.org/officeDocument/2006/relationships" xmlns:p14="http://schemas.microsoft.com/office/powerpoint/2010/main" xmlns:p15="http://schemas.microsoft.com/office/powerpoint/2012/main" xmlns:mc="http://schemas.openxmlformats.org/markup-compatibility/2006" type="obj" preserve="1">
+<p:sldLayout xmlns:a="http://schemas.openxmlformats.org/drawingml/2006/main" xmlns:r="http://schemas.openxmlformats.org/officeDocument/2006/relationships" xmlns:p="http://schemas.openxmlformats.org/presentationml/2006/main" type="obj" preserve="1">
   <p:cSld name="Title, Content">
     <p:spTree>
       <p:nvGrpSpPr>
@@ -701,13 +813,13 @@
           </a:prstGeom>
         </p:spPr>
         <p:txBody>
-          <a:bodyPr lIns="0" rIns="0" tIns="0" bIns="0" anchor="ctr">
+          <a:bodyPr lIns="0" tIns="0" rIns="0" bIns="0" anchor="ctr">
             <a:noAutofit/>
           </a:bodyPr>
           <a:p>
             <a:pPr algn="ctr"/>
-            <a:endParaRPr b="0" lang="en-US" sz="4400" spc="-1" strike="noStrike">
-              <a:latin typeface="Arial"/>
+            <a:endParaRPr lang="en-US" sz="4400" b="0" strike="noStrike" spc="-1">
+              <a:latin typeface="Arial" panose="020B0604020202020204"/>
             </a:endParaRPr>
           </a:p>
         </p:txBody>
@@ -732,23 +844,26 @@
           </a:prstGeom>
         </p:spPr>
         <p:txBody>
-          <a:bodyPr lIns="0" rIns="0" tIns="0" bIns="0">
-            <a:normAutofit/>
-          </a:bodyPr>
-          <a:p>
-            <a:endParaRPr b="0" lang="en-US" sz="3200" spc="-1" strike="noStrike">
-              <a:latin typeface="Arial"/>
+          <a:bodyPr lIns="0" tIns="0" rIns="0" bIns="0">
+            <a:normAutofit/>
+          </a:bodyPr>
+          <a:p>
+            <a:endParaRPr lang="en-US" sz="3200" b="0" strike="noStrike" spc="-1">
+              <a:latin typeface="Arial" panose="020B0604020202020204"/>
             </a:endParaRPr>
           </a:p>
         </p:txBody>
       </p:sp>
     </p:spTree>
   </p:cSld>
+  <p:clrMapOvr>
+    <a:masterClrMapping/>
+  </p:clrMapOvr>
 </p:sldLayout>
 </file>
 
 <file path=ppt/slideLayouts/slideLayout16.xml><?xml version="1.0" encoding="utf-8"?>
-<p:sldLayout xmlns:a="http://schemas.openxmlformats.org/drawingml/2006/main" xmlns:p="http://schemas.openxmlformats.org/presentationml/2006/main" xmlns:r="http://schemas.openxmlformats.org/officeDocument/2006/relationships" xmlns:p14="http://schemas.microsoft.com/office/powerpoint/2010/main" xmlns:p15="http://schemas.microsoft.com/office/powerpoint/2012/main" xmlns:mc="http://schemas.openxmlformats.org/markup-compatibility/2006" type="twoObj" preserve="1">
+<p:sldLayout xmlns:a="http://schemas.openxmlformats.org/drawingml/2006/main" xmlns:r="http://schemas.openxmlformats.org/officeDocument/2006/relationships" xmlns:p="http://schemas.openxmlformats.org/presentationml/2006/main" type="twoObj" preserve="1">
   <p:cSld name="Title, 2 Content">
     <p:spTree>
       <p:nvGrpSpPr>
@@ -784,13 +899,13 @@
           </a:prstGeom>
         </p:spPr>
         <p:txBody>
-          <a:bodyPr lIns="0" rIns="0" tIns="0" bIns="0" anchor="ctr">
+          <a:bodyPr lIns="0" tIns="0" rIns="0" bIns="0" anchor="ctr">
             <a:noAutofit/>
           </a:bodyPr>
           <a:p>
             <a:pPr algn="ctr"/>
-            <a:endParaRPr b="0" lang="en-US" sz="4400" spc="-1" strike="noStrike">
-              <a:latin typeface="Arial"/>
+            <a:endParaRPr lang="en-US" sz="4400" b="0" strike="noStrike" spc="-1">
+              <a:latin typeface="Arial" panose="020B0604020202020204"/>
             </a:endParaRPr>
           </a:p>
         </p:txBody>
@@ -815,12 +930,12 @@
           </a:prstGeom>
         </p:spPr>
         <p:txBody>
-          <a:bodyPr lIns="0" rIns="0" tIns="0" bIns="0">
-            <a:normAutofit/>
-          </a:bodyPr>
-          <a:p>
-            <a:endParaRPr b="0" lang="en-US" sz="3200" spc="-1" strike="noStrike">
-              <a:latin typeface="Arial"/>
+          <a:bodyPr lIns="0" tIns="0" rIns="0" bIns="0">
+            <a:normAutofit/>
+          </a:bodyPr>
+          <a:p>
+            <a:endParaRPr lang="en-US" sz="3200" b="0" strike="noStrike" spc="-1">
+              <a:latin typeface="Arial" panose="020B0604020202020204"/>
             </a:endParaRPr>
           </a:p>
         </p:txBody>
@@ -845,23 +960,26 @@
           </a:prstGeom>
         </p:spPr>
         <p:txBody>
-          <a:bodyPr lIns="0" rIns="0" tIns="0" bIns="0">
-            <a:normAutofit/>
-          </a:bodyPr>
-          <a:p>
-            <a:endParaRPr b="0" lang="en-US" sz="3200" spc="-1" strike="noStrike">
-              <a:latin typeface="Arial"/>
+          <a:bodyPr lIns="0" tIns="0" rIns="0" bIns="0">
+            <a:normAutofit/>
+          </a:bodyPr>
+          <a:p>
+            <a:endParaRPr lang="en-US" sz="3200" b="0" strike="noStrike" spc="-1">
+              <a:latin typeface="Arial" panose="020B0604020202020204"/>
             </a:endParaRPr>
           </a:p>
         </p:txBody>
       </p:sp>
     </p:spTree>
   </p:cSld>
+  <p:clrMapOvr>
+    <a:masterClrMapping/>
+  </p:clrMapOvr>
 </p:sldLayout>
 </file>
 
 <file path=ppt/slideLayouts/slideLayout17.xml><?xml version="1.0" encoding="utf-8"?>
-<p:sldLayout xmlns:a="http://schemas.openxmlformats.org/drawingml/2006/main" xmlns:p="http://schemas.openxmlformats.org/presentationml/2006/main" xmlns:r="http://schemas.openxmlformats.org/officeDocument/2006/relationships" xmlns:p14="http://schemas.microsoft.com/office/powerpoint/2010/main" xmlns:p15="http://schemas.microsoft.com/office/powerpoint/2012/main" xmlns:mc="http://schemas.openxmlformats.org/markup-compatibility/2006" type="titleOnly" preserve="1">
+<p:sldLayout xmlns:a="http://schemas.openxmlformats.org/drawingml/2006/main" xmlns:r="http://schemas.openxmlformats.org/officeDocument/2006/relationships" xmlns:p="http://schemas.openxmlformats.org/presentationml/2006/main" type="titleOnly" preserve="1">
   <p:cSld name="Title Only">
     <p:spTree>
       <p:nvGrpSpPr>
@@ -897,24 +1015,27 @@
           </a:prstGeom>
         </p:spPr>
         <p:txBody>
-          <a:bodyPr lIns="0" rIns="0" tIns="0" bIns="0" anchor="ctr">
+          <a:bodyPr lIns="0" tIns="0" rIns="0" bIns="0" anchor="ctr">
             <a:noAutofit/>
           </a:bodyPr>
           <a:p>
             <a:pPr algn="ctr"/>
-            <a:endParaRPr b="0" lang="en-US" sz="4400" spc="-1" strike="noStrike">
-              <a:latin typeface="Arial"/>
+            <a:endParaRPr lang="en-US" sz="4400" b="0" strike="noStrike" spc="-1">
+              <a:latin typeface="Arial" panose="020B0604020202020204"/>
             </a:endParaRPr>
           </a:p>
         </p:txBody>
       </p:sp>
     </p:spTree>
   </p:cSld>
+  <p:clrMapOvr>
+    <a:masterClrMapping/>
+  </p:clrMapOvr>
 </p:sldLayout>
 </file>
 
 <file path=ppt/slideLayouts/slideLayout18.xml><?xml version="1.0" encoding="utf-8"?>
-<p:sldLayout xmlns:a="http://schemas.openxmlformats.org/drawingml/2006/main" xmlns:p="http://schemas.openxmlformats.org/presentationml/2006/main" xmlns:r="http://schemas.openxmlformats.org/officeDocument/2006/relationships" xmlns:p14="http://schemas.microsoft.com/office/powerpoint/2010/main" xmlns:p15="http://schemas.microsoft.com/office/powerpoint/2012/main" xmlns:mc="http://schemas.openxmlformats.org/markup-compatibility/2006" type="objOnly" preserve="1">
+<p:sldLayout xmlns:a="http://schemas.openxmlformats.org/drawingml/2006/main" xmlns:r="http://schemas.openxmlformats.org/officeDocument/2006/relationships" xmlns:p="http://schemas.openxmlformats.org/presentationml/2006/main" type="objOnly" preserve="1">
   <p:cSld name="Centered Text">
     <p:spTree>
       <p:nvGrpSpPr>
@@ -950,24 +1071,27 @@
           </a:prstGeom>
         </p:spPr>
         <p:txBody>
-          <a:bodyPr lIns="0" rIns="0" tIns="0" bIns="0" anchor="ctr">
+          <a:bodyPr lIns="0" tIns="0" rIns="0" bIns="0" anchor="ctr">
             <a:noAutofit/>
           </a:bodyPr>
           <a:p>
             <a:pPr algn="ctr"/>
-            <a:endParaRPr b="0" lang="en-US" sz="3200" spc="-1" strike="noStrike">
-              <a:latin typeface="Arial"/>
+            <a:endParaRPr lang="en-US" sz="3200" b="0" strike="noStrike" spc="-1">
+              <a:latin typeface="Arial" panose="020B0604020202020204"/>
             </a:endParaRPr>
           </a:p>
         </p:txBody>
       </p:sp>
     </p:spTree>
   </p:cSld>
+  <p:clrMapOvr>
+    <a:masterClrMapping/>
+  </p:clrMapOvr>
 </p:sldLayout>
 </file>
 
 <file path=ppt/slideLayouts/slideLayout19.xml><?xml version="1.0" encoding="utf-8"?>
-<p:sldLayout xmlns:a="http://schemas.openxmlformats.org/drawingml/2006/main" xmlns:p="http://schemas.openxmlformats.org/presentationml/2006/main" xmlns:r="http://schemas.openxmlformats.org/officeDocument/2006/relationships" xmlns:p14="http://schemas.microsoft.com/office/powerpoint/2010/main" xmlns:p15="http://schemas.microsoft.com/office/powerpoint/2012/main" xmlns:mc="http://schemas.openxmlformats.org/markup-compatibility/2006" type="twoObjAndObj" preserve="1">
+<p:sldLayout xmlns:a="http://schemas.openxmlformats.org/drawingml/2006/main" xmlns:r="http://schemas.openxmlformats.org/officeDocument/2006/relationships" xmlns:p="http://schemas.openxmlformats.org/presentationml/2006/main" type="twoObjAndObj" preserve="1">
   <p:cSld name="Title, 2 Content and Content">
     <p:spTree>
       <p:nvGrpSpPr>
@@ -1003,13 +1127,13 @@
           </a:prstGeom>
         </p:spPr>
         <p:txBody>
-          <a:bodyPr lIns="0" rIns="0" tIns="0" bIns="0" anchor="ctr">
+          <a:bodyPr lIns="0" tIns="0" rIns="0" bIns="0" anchor="ctr">
             <a:noAutofit/>
           </a:bodyPr>
           <a:p>
             <a:pPr algn="ctr"/>
-            <a:endParaRPr b="0" lang="en-US" sz="4400" spc="-1" strike="noStrike">
-              <a:latin typeface="Arial"/>
+            <a:endParaRPr lang="en-US" sz="4400" b="0" strike="noStrike" spc="-1">
+              <a:latin typeface="Arial" panose="020B0604020202020204"/>
             </a:endParaRPr>
           </a:p>
         </p:txBody>
@@ -1034,12 +1158,12 @@
           </a:prstGeom>
         </p:spPr>
         <p:txBody>
-          <a:bodyPr lIns="0" rIns="0" tIns="0" bIns="0">
-            <a:normAutofit/>
-          </a:bodyPr>
-          <a:p>
-            <a:endParaRPr b="0" lang="en-US" sz="3200" spc="-1" strike="noStrike">
-              <a:latin typeface="Arial"/>
+          <a:bodyPr lIns="0" tIns="0" rIns="0" bIns="0">
+            <a:normAutofit/>
+          </a:bodyPr>
+          <a:p>
+            <a:endParaRPr lang="en-US" sz="3200" b="0" strike="noStrike" spc="-1">
+              <a:latin typeface="Arial" panose="020B0604020202020204"/>
             </a:endParaRPr>
           </a:p>
         </p:txBody>
@@ -1064,12 +1188,12 @@
           </a:prstGeom>
         </p:spPr>
         <p:txBody>
-          <a:bodyPr lIns="0" rIns="0" tIns="0" bIns="0">
-            <a:normAutofit/>
-          </a:bodyPr>
-          <a:p>
-            <a:endParaRPr b="0" lang="en-US" sz="3200" spc="-1" strike="noStrike">
-              <a:latin typeface="Arial"/>
+          <a:bodyPr lIns="0" tIns="0" rIns="0" bIns="0">
+            <a:normAutofit/>
+          </a:bodyPr>
+          <a:p>
+            <a:endParaRPr lang="en-US" sz="3200" b="0" strike="noStrike" spc="-1">
+              <a:latin typeface="Arial" panose="020B0604020202020204"/>
             </a:endParaRPr>
           </a:p>
         </p:txBody>
@@ -1094,23 +1218,26 @@
           </a:prstGeom>
         </p:spPr>
         <p:txBody>
-          <a:bodyPr lIns="0" rIns="0" tIns="0" bIns="0">
-            <a:normAutofit/>
-          </a:bodyPr>
-          <a:p>
-            <a:endParaRPr b="0" lang="en-US" sz="3200" spc="-1" strike="noStrike">
-              <a:latin typeface="Arial"/>
+          <a:bodyPr lIns="0" tIns="0" rIns="0" bIns="0">
+            <a:normAutofit/>
+          </a:bodyPr>
+          <a:p>
+            <a:endParaRPr lang="en-US" sz="3200" b="0" strike="noStrike" spc="-1">
+              <a:latin typeface="Arial" panose="020B0604020202020204"/>
             </a:endParaRPr>
           </a:p>
         </p:txBody>
       </p:sp>
     </p:spTree>
   </p:cSld>
+  <p:clrMapOvr>
+    <a:masterClrMapping/>
+  </p:clrMapOvr>
 </p:sldLayout>
 </file>
 
 <file path=ppt/slideLayouts/slideLayout2.xml><?xml version="1.0" encoding="utf-8"?>
-<p:sldLayout xmlns:a="http://schemas.openxmlformats.org/drawingml/2006/main" xmlns:p="http://schemas.openxmlformats.org/presentationml/2006/main" xmlns:r="http://schemas.openxmlformats.org/officeDocument/2006/relationships" xmlns:p14="http://schemas.microsoft.com/office/powerpoint/2010/main" xmlns:p15="http://schemas.microsoft.com/office/powerpoint/2012/main" xmlns:mc="http://schemas.openxmlformats.org/markup-compatibility/2006" type="tx" preserve="1">
+<p:sldLayout xmlns:a="http://schemas.openxmlformats.org/drawingml/2006/main" xmlns:r="http://schemas.openxmlformats.org/officeDocument/2006/relationships" xmlns:p="http://schemas.openxmlformats.org/presentationml/2006/main" type="tx" preserve="1">
   <p:cSld name="Title Slide">
     <p:spTree>
       <p:nvGrpSpPr>
@@ -1146,13 +1273,13 @@
           </a:prstGeom>
         </p:spPr>
         <p:txBody>
-          <a:bodyPr lIns="0" rIns="0" tIns="0" bIns="0" anchor="ctr">
+          <a:bodyPr lIns="0" tIns="0" rIns="0" bIns="0" anchor="ctr">
             <a:noAutofit/>
           </a:bodyPr>
           <a:p>
             <a:pPr algn="ctr"/>
-            <a:endParaRPr b="0" lang="en-US" sz="4400" spc="-1" strike="noStrike">
-              <a:latin typeface="Arial"/>
+            <a:endParaRPr lang="en-US" sz="4400" b="0" strike="noStrike" spc="-1">
+              <a:latin typeface="Arial" panose="020B0604020202020204"/>
             </a:endParaRPr>
           </a:p>
         </p:txBody>
@@ -1177,24 +1304,27 @@
           </a:prstGeom>
         </p:spPr>
         <p:txBody>
-          <a:bodyPr lIns="0" rIns="0" tIns="0" bIns="0" anchor="ctr">
+          <a:bodyPr lIns="0" tIns="0" rIns="0" bIns="0" anchor="ctr">
             <a:noAutofit/>
           </a:bodyPr>
           <a:p>
             <a:pPr algn="ctr"/>
-            <a:endParaRPr b="0" lang="en-US" sz="3200" spc="-1" strike="noStrike">
-              <a:latin typeface="Arial"/>
+            <a:endParaRPr lang="en-US" sz="3200" b="0" strike="noStrike" spc="-1">
+              <a:latin typeface="Arial" panose="020B0604020202020204"/>
             </a:endParaRPr>
           </a:p>
         </p:txBody>
       </p:sp>
     </p:spTree>
   </p:cSld>
+  <p:clrMapOvr>
+    <a:masterClrMapping/>
+  </p:clrMapOvr>
 </p:sldLayout>
 </file>
 
 <file path=ppt/slideLayouts/slideLayout20.xml><?xml version="1.0" encoding="utf-8"?>
-<p:sldLayout xmlns:a="http://schemas.openxmlformats.org/drawingml/2006/main" xmlns:p="http://schemas.openxmlformats.org/presentationml/2006/main" xmlns:r="http://schemas.openxmlformats.org/officeDocument/2006/relationships" xmlns:p14="http://schemas.microsoft.com/office/powerpoint/2010/main" xmlns:p15="http://schemas.microsoft.com/office/powerpoint/2012/main" xmlns:mc="http://schemas.openxmlformats.org/markup-compatibility/2006" type="objAndTwoObj" preserve="1">
+<p:sldLayout xmlns:a="http://schemas.openxmlformats.org/drawingml/2006/main" xmlns:r="http://schemas.openxmlformats.org/officeDocument/2006/relationships" xmlns:p="http://schemas.openxmlformats.org/presentationml/2006/main" type="objAndTwoObj" preserve="1">
   <p:cSld name="Title Content and 2 Content">
     <p:spTree>
       <p:nvGrpSpPr>
@@ -1230,13 +1360,13 @@
           </a:prstGeom>
         </p:spPr>
         <p:txBody>
-          <a:bodyPr lIns="0" rIns="0" tIns="0" bIns="0" anchor="ctr">
+          <a:bodyPr lIns="0" tIns="0" rIns="0" bIns="0" anchor="ctr">
             <a:noAutofit/>
           </a:bodyPr>
           <a:p>
             <a:pPr algn="ctr"/>
-            <a:endParaRPr b="0" lang="en-US" sz="4400" spc="-1" strike="noStrike">
-              <a:latin typeface="Arial"/>
+            <a:endParaRPr lang="en-US" sz="4400" b="0" strike="noStrike" spc="-1">
+              <a:latin typeface="Arial" panose="020B0604020202020204"/>
             </a:endParaRPr>
           </a:p>
         </p:txBody>
@@ -1261,12 +1391,12 @@
           </a:prstGeom>
         </p:spPr>
         <p:txBody>
-          <a:bodyPr lIns="0" rIns="0" tIns="0" bIns="0">
-            <a:normAutofit/>
-          </a:bodyPr>
-          <a:p>
-            <a:endParaRPr b="0" lang="en-US" sz="3200" spc="-1" strike="noStrike">
-              <a:latin typeface="Arial"/>
+          <a:bodyPr lIns="0" tIns="0" rIns="0" bIns="0">
+            <a:normAutofit/>
+          </a:bodyPr>
+          <a:p>
+            <a:endParaRPr lang="en-US" sz="3200" b="0" strike="noStrike" spc="-1">
+              <a:latin typeface="Arial" panose="020B0604020202020204"/>
             </a:endParaRPr>
           </a:p>
         </p:txBody>
@@ -1291,12 +1421,12 @@
           </a:prstGeom>
         </p:spPr>
         <p:txBody>
-          <a:bodyPr lIns="0" rIns="0" tIns="0" bIns="0">
-            <a:normAutofit/>
-          </a:bodyPr>
-          <a:p>
-            <a:endParaRPr b="0" lang="en-US" sz="3200" spc="-1" strike="noStrike">
-              <a:latin typeface="Arial"/>
+          <a:bodyPr lIns="0" tIns="0" rIns="0" bIns="0">
+            <a:normAutofit/>
+          </a:bodyPr>
+          <a:p>
+            <a:endParaRPr lang="en-US" sz="3200" b="0" strike="noStrike" spc="-1">
+              <a:latin typeface="Arial" panose="020B0604020202020204"/>
             </a:endParaRPr>
           </a:p>
         </p:txBody>
@@ -1321,23 +1451,26 @@
           </a:prstGeom>
         </p:spPr>
         <p:txBody>
-          <a:bodyPr lIns="0" rIns="0" tIns="0" bIns="0">
-            <a:normAutofit/>
-          </a:bodyPr>
-          <a:p>
-            <a:endParaRPr b="0" lang="en-US" sz="3200" spc="-1" strike="noStrike">
-              <a:latin typeface="Arial"/>
+          <a:bodyPr lIns="0" tIns="0" rIns="0" bIns="0">
+            <a:normAutofit/>
+          </a:bodyPr>
+          <a:p>
+            <a:endParaRPr lang="en-US" sz="3200" b="0" strike="noStrike" spc="-1">
+              <a:latin typeface="Arial" panose="020B0604020202020204"/>
             </a:endParaRPr>
           </a:p>
         </p:txBody>
       </p:sp>
     </p:spTree>
   </p:cSld>
+  <p:clrMapOvr>
+    <a:masterClrMapping/>
+  </p:clrMapOvr>
 </p:sldLayout>
 </file>
 
 <file path=ppt/slideLayouts/slideLayout21.xml><?xml version="1.0" encoding="utf-8"?>
-<p:sldLayout xmlns:a="http://schemas.openxmlformats.org/drawingml/2006/main" xmlns:p="http://schemas.openxmlformats.org/presentationml/2006/main" xmlns:r="http://schemas.openxmlformats.org/officeDocument/2006/relationships" xmlns:p14="http://schemas.microsoft.com/office/powerpoint/2010/main" xmlns:p15="http://schemas.microsoft.com/office/powerpoint/2012/main" xmlns:mc="http://schemas.openxmlformats.org/markup-compatibility/2006" type="twoObjOverTx" preserve="1">
+<p:sldLayout xmlns:a="http://schemas.openxmlformats.org/drawingml/2006/main" xmlns:r="http://schemas.openxmlformats.org/officeDocument/2006/relationships" xmlns:p="http://schemas.openxmlformats.org/presentationml/2006/main" type="twoObjOverTx" preserve="1">
   <p:cSld name="Title, 2 Content over Content">
     <p:spTree>
       <p:nvGrpSpPr>
@@ -1373,13 +1506,13 @@
           </a:prstGeom>
         </p:spPr>
         <p:txBody>
-          <a:bodyPr lIns="0" rIns="0" tIns="0" bIns="0" anchor="ctr">
+          <a:bodyPr lIns="0" tIns="0" rIns="0" bIns="0" anchor="ctr">
             <a:noAutofit/>
           </a:bodyPr>
           <a:p>
             <a:pPr algn="ctr"/>
-            <a:endParaRPr b="0" lang="en-US" sz="4400" spc="-1" strike="noStrike">
-              <a:latin typeface="Arial"/>
+            <a:endParaRPr lang="en-US" sz="4400" b="0" strike="noStrike" spc="-1">
+              <a:latin typeface="Arial" panose="020B0604020202020204"/>
             </a:endParaRPr>
           </a:p>
         </p:txBody>
@@ -1404,12 +1537,12 @@
           </a:prstGeom>
         </p:spPr>
         <p:txBody>
-          <a:bodyPr lIns="0" rIns="0" tIns="0" bIns="0">
-            <a:normAutofit/>
-          </a:bodyPr>
-          <a:p>
-            <a:endParaRPr b="0" lang="en-US" sz="3200" spc="-1" strike="noStrike">
-              <a:latin typeface="Arial"/>
+          <a:bodyPr lIns="0" tIns="0" rIns="0" bIns="0">
+            <a:normAutofit/>
+          </a:bodyPr>
+          <a:p>
+            <a:endParaRPr lang="en-US" sz="3200" b="0" strike="noStrike" spc="-1">
+              <a:latin typeface="Arial" panose="020B0604020202020204"/>
             </a:endParaRPr>
           </a:p>
         </p:txBody>
@@ -1434,12 +1567,12 @@
           </a:prstGeom>
         </p:spPr>
         <p:txBody>
-          <a:bodyPr lIns="0" rIns="0" tIns="0" bIns="0">
-            <a:normAutofit/>
-          </a:bodyPr>
-          <a:p>
-            <a:endParaRPr b="0" lang="en-US" sz="3200" spc="-1" strike="noStrike">
-              <a:latin typeface="Arial"/>
+          <a:bodyPr lIns="0" tIns="0" rIns="0" bIns="0">
+            <a:normAutofit/>
+          </a:bodyPr>
+          <a:p>
+            <a:endParaRPr lang="en-US" sz="3200" b="0" strike="noStrike" spc="-1">
+              <a:latin typeface="Arial" panose="020B0604020202020204"/>
             </a:endParaRPr>
           </a:p>
         </p:txBody>
@@ -1464,23 +1597,26 @@
           </a:prstGeom>
         </p:spPr>
         <p:txBody>
-          <a:bodyPr lIns="0" rIns="0" tIns="0" bIns="0">
-            <a:normAutofit/>
-          </a:bodyPr>
-          <a:p>
-            <a:endParaRPr b="0" lang="en-US" sz="3200" spc="-1" strike="noStrike">
-              <a:latin typeface="Arial"/>
+          <a:bodyPr lIns="0" tIns="0" rIns="0" bIns="0">
+            <a:normAutofit/>
+          </a:bodyPr>
+          <a:p>
+            <a:endParaRPr lang="en-US" sz="3200" b="0" strike="noStrike" spc="-1">
+              <a:latin typeface="Arial" panose="020B0604020202020204"/>
             </a:endParaRPr>
           </a:p>
         </p:txBody>
       </p:sp>
     </p:spTree>
   </p:cSld>
+  <p:clrMapOvr>
+    <a:masterClrMapping/>
+  </p:clrMapOvr>
 </p:sldLayout>
 </file>
 
 <file path=ppt/slideLayouts/slideLayout22.xml><?xml version="1.0" encoding="utf-8"?>
-<p:sldLayout xmlns:a="http://schemas.openxmlformats.org/drawingml/2006/main" xmlns:p="http://schemas.openxmlformats.org/presentationml/2006/main" xmlns:r="http://schemas.openxmlformats.org/officeDocument/2006/relationships" xmlns:p14="http://schemas.microsoft.com/office/powerpoint/2010/main" xmlns:p15="http://schemas.microsoft.com/office/powerpoint/2012/main" xmlns:mc="http://schemas.openxmlformats.org/markup-compatibility/2006" type="objOverTx" preserve="1">
+<p:sldLayout xmlns:a="http://schemas.openxmlformats.org/drawingml/2006/main" xmlns:r="http://schemas.openxmlformats.org/officeDocument/2006/relationships" xmlns:p="http://schemas.openxmlformats.org/presentationml/2006/main" type="objOverTx" preserve="1">
   <p:cSld name="Title, Content over Content">
     <p:spTree>
       <p:nvGrpSpPr>
@@ -1516,13 +1652,13 @@
           </a:prstGeom>
         </p:spPr>
         <p:txBody>
-          <a:bodyPr lIns="0" rIns="0" tIns="0" bIns="0" anchor="ctr">
+          <a:bodyPr lIns="0" tIns="0" rIns="0" bIns="0" anchor="ctr">
             <a:noAutofit/>
           </a:bodyPr>
           <a:p>
             <a:pPr algn="ctr"/>
-            <a:endParaRPr b="0" lang="en-US" sz="4400" spc="-1" strike="noStrike">
-              <a:latin typeface="Arial"/>
+            <a:endParaRPr lang="en-US" sz="4400" b="0" strike="noStrike" spc="-1">
+              <a:latin typeface="Arial" panose="020B0604020202020204"/>
             </a:endParaRPr>
           </a:p>
         </p:txBody>
@@ -1547,12 +1683,12 @@
           </a:prstGeom>
         </p:spPr>
         <p:txBody>
-          <a:bodyPr lIns="0" rIns="0" tIns="0" bIns="0">
-            <a:normAutofit/>
-          </a:bodyPr>
-          <a:p>
-            <a:endParaRPr b="0" lang="en-US" sz="3200" spc="-1" strike="noStrike">
-              <a:latin typeface="Arial"/>
+          <a:bodyPr lIns="0" tIns="0" rIns="0" bIns="0">
+            <a:normAutofit/>
+          </a:bodyPr>
+          <a:p>
+            <a:endParaRPr lang="en-US" sz="3200" b="0" strike="noStrike" spc="-1">
+              <a:latin typeface="Arial" panose="020B0604020202020204"/>
             </a:endParaRPr>
           </a:p>
         </p:txBody>
@@ -1577,23 +1713,26 @@
           </a:prstGeom>
         </p:spPr>
         <p:txBody>
-          <a:bodyPr lIns="0" rIns="0" tIns="0" bIns="0">
-            <a:normAutofit/>
-          </a:bodyPr>
-          <a:p>
-            <a:endParaRPr b="0" lang="en-US" sz="3200" spc="-1" strike="noStrike">
-              <a:latin typeface="Arial"/>
+          <a:bodyPr lIns="0" tIns="0" rIns="0" bIns="0">
+            <a:normAutofit/>
+          </a:bodyPr>
+          <a:p>
+            <a:endParaRPr lang="en-US" sz="3200" b="0" strike="noStrike" spc="-1">
+              <a:latin typeface="Arial" panose="020B0604020202020204"/>
             </a:endParaRPr>
           </a:p>
         </p:txBody>
       </p:sp>
     </p:spTree>
   </p:cSld>
+  <p:clrMapOvr>
+    <a:masterClrMapping/>
+  </p:clrMapOvr>
 </p:sldLayout>
 </file>
 
 <file path=ppt/slideLayouts/slideLayout23.xml><?xml version="1.0" encoding="utf-8"?>
-<p:sldLayout xmlns:a="http://schemas.openxmlformats.org/drawingml/2006/main" xmlns:p="http://schemas.openxmlformats.org/presentationml/2006/main" xmlns:r="http://schemas.openxmlformats.org/officeDocument/2006/relationships" xmlns:p14="http://schemas.microsoft.com/office/powerpoint/2010/main" xmlns:p15="http://schemas.microsoft.com/office/powerpoint/2012/main" xmlns:mc="http://schemas.openxmlformats.org/markup-compatibility/2006" type="fourObj" preserve="1">
+<p:sldLayout xmlns:a="http://schemas.openxmlformats.org/drawingml/2006/main" xmlns:r="http://schemas.openxmlformats.org/officeDocument/2006/relationships" xmlns:p="http://schemas.openxmlformats.org/presentationml/2006/main" type="fourObj" preserve="1">
   <p:cSld name="Title, 4 Content">
     <p:spTree>
       <p:nvGrpSpPr>
@@ -1629,13 +1768,13 @@
           </a:prstGeom>
         </p:spPr>
         <p:txBody>
-          <a:bodyPr lIns="0" rIns="0" tIns="0" bIns="0" anchor="ctr">
+          <a:bodyPr lIns="0" tIns="0" rIns="0" bIns="0" anchor="ctr">
             <a:noAutofit/>
           </a:bodyPr>
           <a:p>
             <a:pPr algn="ctr"/>
-            <a:endParaRPr b="0" lang="en-US" sz="4400" spc="-1" strike="noStrike">
-              <a:latin typeface="Arial"/>
+            <a:endParaRPr lang="en-US" sz="4400" b="0" strike="noStrike" spc="-1">
+              <a:latin typeface="Arial" panose="020B0604020202020204"/>
             </a:endParaRPr>
           </a:p>
         </p:txBody>
@@ -1660,12 +1799,12 @@
           </a:prstGeom>
         </p:spPr>
         <p:txBody>
-          <a:bodyPr lIns="0" rIns="0" tIns="0" bIns="0">
-            <a:normAutofit/>
-          </a:bodyPr>
-          <a:p>
-            <a:endParaRPr b="0" lang="en-US" sz="3200" spc="-1" strike="noStrike">
-              <a:latin typeface="Arial"/>
+          <a:bodyPr lIns="0" tIns="0" rIns="0" bIns="0">
+            <a:normAutofit/>
+          </a:bodyPr>
+          <a:p>
+            <a:endParaRPr lang="en-US" sz="3200" b="0" strike="noStrike" spc="-1">
+              <a:latin typeface="Arial" panose="020B0604020202020204"/>
             </a:endParaRPr>
           </a:p>
         </p:txBody>
@@ -1690,12 +1829,12 @@
           </a:prstGeom>
         </p:spPr>
         <p:txBody>
-          <a:bodyPr lIns="0" rIns="0" tIns="0" bIns="0">
-            <a:normAutofit/>
-          </a:bodyPr>
-          <a:p>
-            <a:endParaRPr b="0" lang="en-US" sz="3200" spc="-1" strike="noStrike">
-              <a:latin typeface="Arial"/>
+          <a:bodyPr lIns="0" tIns="0" rIns="0" bIns="0">
+            <a:normAutofit/>
+          </a:bodyPr>
+          <a:p>
+            <a:endParaRPr lang="en-US" sz="3200" b="0" strike="noStrike" spc="-1">
+              <a:latin typeface="Arial" panose="020B0604020202020204"/>
             </a:endParaRPr>
           </a:p>
         </p:txBody>
@@ -1720,12 +1859,12 @@
           </a:prstGeom>
         </p:spPr>
         <p:txBody>
-          <a:bodyPr lIns="0" rIns="0" tIns="0" bIns="0">
-            <a:normAutofit/>
-          </a:bodyPr>
-          <a:p>
-            <a:endParaRPr b="0" lang="en-US" sz="3200" spc="-1" strike="noStrike">
-              <a:latin typeface="Arial"/>
+          <a:bodyPr lIns="0" tIns="0" rIns="0" bIns="0">
+            <a:normAutofit/>
+          </a:bodyPr>
+          <a:p>
+            <a:endParaRPr lang="en-US" sz="3200" b="0" strike="noStrike" spc="-1">
+              <a:latin typeface="Arial" panose="020B0604020202020204"/>
             </a:endParaRPr>
           </a:p>
         </p:txBody>
@@ -1750,23 +1889,26 @@
           </a:prstGeom>
         </p:spPr>
         <p:txBody>
-          <a:bodyPr lIns="0" rIns="0" tIns="0" bIns="0">
-            <a:normAutofit/>
-          </a:bodyPr>
-          <a:p>
-            <a:endParaRPr b="0" lang="en-US" sz="3200" spc="-1" strike="noStrike">
-              <a:latin typeface="Arial"/>
+          <a:bodyPr lIns="0" tIns="0" rIns="0" bIns="0">
+            <a:normAutofit/>
+          </a:bodyPr>
+          <a:p>
+            <a:endParaRPr lang="en-US" sz="3200" b="0" strike="noStrike" spc="-1">
+              <a:latin typeface="Arial" panose="020B0604020202020204"/>
             </a:endParaRPr>
           </a:p>
         </p:txBody>
       </p:sp>
     </p:spTree>
   </p:cSld>
+  <p:clrMapOvr>
+    <a:masterClrMapping/>
+  </p:clrMapOvr>
 </p:sldLayout>
 </file>
 
 <file path=ppt/slideLayouts/slideLayout24.xml><?xml version="1.0" encoding="utf-8"?>
-<p:sldLayout xmlns:a="http://schemas.openxmlformats.org/drawingml/2006/main" xmlns:p="http://schemas.openxmlformats.org/presentationml/2006/main" xmlns:r="http://schemas.openxmlformats.org/officeDocument/2006/relationships" xmlns:p14="http://schemas.microsoft.com/office/powerpoint/2010/main" xmlns:p15="http://schemas.microsoft.com/office/powerpoint/2012/main" xmlns:mc="http://schemas.openxmlformats.org/markup-compatibility/2006" type="blank" preserve="1">
+<p:sldLayout xmlns:a="http://schemas.openxmlformats.org/drawingml/2006/main" xmlns:r="http://schemas.openxmlformats.org/officeDocument/2006/relationships" xmlns:p="http://schemas.openxmlformats.org/presentationml/2006/main" type="blank" preserve="1">
   <p:cSld name="Title, 6 Content">
     <p:spTree>
       <p:nvGrpSpPr>
@@ -1802,13 +1944,13 @@
           </a:prstGeom>
         </p:spPr>
         <p:txBody>
-          <a:bodyPr lIns="0" rIns="0" tIns="0" bIns="0" anchor="ctr">
+          <a:bodyPr lIns="0" tIns="0" rIns="0" bIns="0" anchor="ctr">
             <a:noAutofit/>
           </a:bodyPr>
           <a:p>
             <a:pPr algn="ctr"/>
-            <a:endParaRPr b="0" lang="en-US" sz="4400" spc="-1" strike="noStrike">
-              <a:latin typeface="Arial"/>
+            <a:endParaRPr lang="en-US" sz="4400" b="0" strike="noStrike" spc="-1">
+              <a:latin typeface="Arial" panose="020B0604020202020204"/>
             </a:endParaRPr>
           </a:p>
         </p:txBody>
@@ -1833,12 +1975,12 @@
           </a:prstGeom>
         </p:spPr>
         <p:txBody>
-          <a:bodyPr lIns="0" rIns="0" tIns="0" bIns="0">
-            <a:normAutofit/>
-          </a:bodyPr>
-          <a:p>
-            <a:endParaRPr b="0" lang="en-US" sz="3200" spc="-1" strike="noStrike">
-              <a:latin typeface="Arial"/>
+          <a:bodyPr lIns="0" tIns="0" rIns="0" bIns="0">
+            <a:normAutofit/>
+          </a:bodyPr>
+          <a:p>
+            <a:endParaRPr lang="en-US" sz="3200" b="0" strike="noStrike" spc="-1">
+              <a:latin typeface="Arial" panose="020B0604020202020204"/>
             </a:endParaRPr>
           </a:p>
         </p:txBody>
@@ -1863,12 +2005,12 @@
           </a:prstGeom>
         </p:spPr>
         <p:txBody>
-          <a:bodyPr lIns="0" rIns="0" tIns="0" bIns="0">
-            <a:normAutofit/>
-          </a:bodyPr>
-          <a:p>
-            <a:endParaRPr b="0" lang="en-US" sz="3200" spc="-1" strike="noStrike">
-              <a:latin typeface="Arial"/>
+          <a:bodyPr lIns="0" tIns="0" rIns="0" bIns="0">
+            <a:normAutofit/>
+          </a:bodyPr>
+          <a:p>
+            <a:endParaRPr lang="en-US" sz="3200" b="0" strike="noStrike" spc="-1">
+              <a:latin typeface="Arial" panose="020B0604020202020204"/>
             </a:endParaRPr>
           </a:p>
         </p:txBody>
@@ -1893,12 +2035,12 @@
           </a:prstGeom>
         </p:spPr>
         <p:txBody>
-          <a:bodyPr lIns="0" rIns="0" tIns="0" bIns="0">
-            <a:normAutofit/>
-          </a:bodyPr>
-          <a:p>
-            <a:endParaRPr b="0" lang="en-US" sz="3200" spc="-1" strike="noStrike">
-              <a:latin typeface="Arial"/>
+          <a:bodyPr lIns="0" tIns="0" rIns="0" bIns="0">
+            <a:normAutofit/>
+          </a:bodyPr>
+          <a:p>
+            <a:endParaRPr lang="en-US" sz="3200" b="0" strike="noStrike" spc="-1">
+              <a:latin typeface="Arial" panose="020B0604020202020204"/>
             </a:endParaRPr>
           </a:p>
         </p:txBody>
@@ -1923,12 +2065,12 @@
           </a:prstGeom>
         </p:spPr>
         <p:txBody>
-          <a:bodyPr lIns="0" rIns="0" tIns="0" bIns="0">
-            <a:normAutofit/>
-          </a:bodyPr>
-          <a:p>
-            <a:endParaRPr b="0" lang="en-US" sz="3200" spc="-1" strike="noStrike">
-              <a:latin typeface="Arial"/>
+          <a:bodyPr lIns="0" tIns="0" rIns="0" bIns="0">
+            <a:normAutofit/>
+          </a:bodyPr>
+          <a:p>
+            <a:endParaRPr lang="en-US" sz="3200" b="0" strike="noStrike" spc="-1">
+              <a:latin typeface="Arial" panose="020B0604020202020204"/>
             </a:endParaRPr>
           </a:p>
         </p:txBody>
@@ -1953,12 +2095,12 @@
           </a:prstGeom>
         </p:spPr>
         <p:txBody>
-          <a:bodyPr lIns="0" rIns="0" tIns="0" bIns="0">
-            <a:normAutofit/>
-          </a:bodyPr>
-          <a:p>
-            <a:endParaRPr b="0" lang="en-US" sz="3200" spc="-1" strike="noStrike">
-              <a:latin typeface="Arial"/>
+          <a:bodyPr lIns="0" tIns="0" rIns="0" bIns="0">
+            <a:normAutofit/>
+          </a:bodyPr>
+          <a:p>
+            <a:endParaRPr lang="en-US" sz="3200" b="0" strike="noStrike" spc="-1">
+              <a:latin typeface="Arial" panose="020B0604020202020204"/>
             </a:endParaRPr>
           </a:p>
         </p:txBody>
@@ -1983,23 +2125,138 @@
           </a:prstGeom>
         </p:spPr>
         <p:txBody>
-          <a:bodyPr lIns="0" rIns="0" tIns="0" bIns="0">
-            <a:normAutofit/>
-          </a:bodyPr>
-          <a:p>
-            <a:endParaRPr b="0" lang="en-US" sz="3200" spc="-1" strike="noStrike">
-              <a:latin typeface="Arial"/>
+          <a:bodyPr lIns="0" tIns="0" rIns="0" bIns="0">
+            <a:normAutofit/>
+          </a:bodyPr>
+          <a:p>
+            <a:endParaRPr lang="en-US" sz="3200" b="0" strike="noStrike" spc="-1">
+              <a:latin typeface="Arial" panose="020B0604020202020204"/>
             </a:endParaRPr>
           </a:p>
         </p:txBody>
       </p:sp>
     </p:spTree>
   </p:cSld>
+  <p:clrMapOvr>
+    <a:masterClrMapping/>
+  </p:clrMapOvr>
 </p:sldLayout>
 </file>
 
-<file path=ppt/slideLayouts/slideLayout3.xml><?xml version="1.0" encoding="utf-8"?>
-<p:sldLayout xmlns:a="http://schemas.openxmlformats.org/drawingml/2006/main" xmlns:p="http://schemas.openxmlformats.org/presentationml/2006/main" xmlns:r="http://schemas.openxmlformats.org/officeDocument/2006/relationships" xmlns:p14="http://schemas.microsoft.com/office/powerpoint/2010/main" xmlns:p15="http://schemas.microsoft.com/office/powerpoint/2012/main" xmlns:mc="http://schemas.openxmlformats.org/markup-compatibility/2006" type="obj" preserve="1">
+<file path=ppt/slideLayouts/slideLayout25.xml><?xml version="1.0" encoding="utf-8"?>
+<p:sldLayout xmlns:a="http://schemas.openxmlformats.org/drawingml/2006/main" xmlns:r="http://schemas.openxmlformats.org/officeDocument/2006/relationships" xmlns:p="http://schemas.openxmlformats.org/presentationml/2006/main" type="blank" preserve="1">
+  <p:cSld name="Blank Slide">
+    <p:spTree>
+      <p:nvGrpSpPr>
+        <p:cNvPr id="1" name=""/>
+        <p:cNvGrpSpPr/>
+        <p:nvPr/>
+      </p:nvGrpSpPr>
+      <p:grpSpPr>
+        <a:xfrm>
+          <a:off x="0" y="0"/>
+          <a:ext cx="0" cy="0"/>
+          <a:chOff x="0" y="0"/>
+          <a:chExt cx="0" cy="0"/>
+        </a:xfrm>
+      </p:grpSpPr>
+    </p:spTree>
+  </p:cSld>
+  <p:clrMapOvr>
+    <a:masterClrMapping/>
+  </p:clrMapOvr>
+</p:sldLayout>
+</file>
+
+<file path=ppt/slideLayouts/slideLayout26.xml><?xml version="1.0" encoding="utf-8"?>
+<p:sldLayout xmlns:a="http://schemas.openxmlformats.org/drawingml/2006/main" xmlns:r="http://schemas.openxmlformats.org/officeDocument/2006/relationships" xmlns:p="http://schemas.openxmlformats.org/presentationml/2006/main" type="tx" preserve="1">
+  <p:cSld name="Title Slide">
+    <p:spTree>
+      <p:nvGrpSpPr>
+        <p:cNvPr id="1" name=""/>
+        <p:cNvGrpSpPr/>
+        <p:nvPr/>
+      </p:nvGrpSpPr>
+      <p:grpSpPr>
+        <a:xfrm>
+          <a:off x="0" y="0"/>
+          <a:ext cx="0" cy="0"/>
+          <a:chOff x="0" y="0"/>
+          <a:chExt cx="0" cy="0"/>
+        </a:xfrm>
+      </p:grpSpPr>
+      <p:sp>
+        <p:nvSpPr>
+          <p:cNvPr id="40" name="PlaceHolder 1"/>
+          <p:cNvSpPr>
+            <a:spLocks noGrp="1"/>
+          </p:cNvSpPr>
+          <p:nvPr>
+            <p:ph type="title"/>
+          </p:nvPr>
+        </p:nvSpPr>
+        <p:spPr>
+          <a:xfrm>
+            <a:off x="504000" y="226080"/>
+            <a:ext cx="9071280" cy="946080"/>
+          </a:xfrm>
+          <a:prstGeom prst="rect">
+            <a:avLst/>
+          </a:prstGeom>
+        </p:spPr>
+        <p:txBody>
+          <a:bodyPr lIns="0" tIns="0" rIns="0" bIns="0" anchor="ctr">
+            <a:noAutofit/>
+          </a:bodyPr>
+          <a:p>
+            <a:pPr algn="ctr"/>
+            <a:endParaRPr lang="en-US" sz="4400" b="0" strike="noStrike" spc="-1">
+              <a:latin typeface="Arial" panose="020B0604020202020204"/>
+            </a:endParaRPr>
+          </a:p>
+        </p:txBody>
+      </p:sp>
+      <p:sp>
+        <p:nvSpPr>
+          <p:cNvPr id="41" name="PlaceHolder 2"/>
+          <p:cNvSpPr>
+            <a:spLocks noGrp="1"/>
+          </p:cNvSpPr>
+          <p:nvPr>
+            <p:ph type="subTitle"/>
+          </p:nvPr>
+        </p:nvSpPr>
+        <p:spPr>
+          <a:xfrm>
+            <a:off x="504000" y="1326600"/>
+            <a:ext cx="9071280" cy="3287880"/>
+          </a:xfrm>
+          <a:prstGeom prst="rect">
+            <a:avLst/>
+          </a:prstGeom>
+        </p:spPr>
+        <p:txBody>
+          <a:bodyPr lIns="0" tIns="0" rIns="0" bIns="0" anchor="ctr">
+            <a:noAutofit/>
+          </a:bodyPr>
+          <a:p>
+            <a:pPr algn="ctr"/>
+            <a:endParaRPr lang="en-US" sz="3200" b="0" strike="noStrike" spc="-1">
+              <a:latin typeface="Arial" panose="020B0604020202020204"/>
+            </a:endParaRPr>
+          </a:p>
+        </p:txBody>
+      </p:sp>
+    </p:spTree>
+  </p:cSld>
+  <p:clrMapOvr>
+    <a:masterClrMapping/>
+  </p:clrMapOvr>
+</p:sldLayout>
+</file>
+
+<file path=ppt/slideLayouts/slideLayout27.xml><?xml version="1.0" encoding="utf-8"?>
+<p:sldLayout xmlns:a="http://schemas.openxmlformats.org/drawingml/2006/main" xmlns:r="http://schemas.openxmlformats.org/officeDocument/2006/relationships" xmlns:p="http://schemas.openxmlformats.org/presentationml/2006/main" type="obj" preserve="1">
   <p:cSld name="Title, Content">
     <p:spTree>
       <p:nvGrpSpPr>
@@ -2017,7 +2274,7 @@
       </p:grpSpPr>
       <p:sp>
         <p:nvSpPr>
-          <p:cNvPr id="4" name="PlaceHolder 1"/>
+          <p:cNvPr id="42" name="PlaceHolder 1"/>
           <p:cNvSpPr>
             <a:spLocks noGrp="1"/>
           </p:cNvSpPr>
@@ -2035,20 +2292,20 @@
           </a:prstGeom>
         </p:spPr>
         <p:txBody>
-          <a:bodyPr lIns="0" rIns="0" tIns="0" bIns="0" anchor="ctr">
+          <a:bodyPr lIns="0" tIns="0" rIns="0" bIns="0" anchor="ctr">
             <a:noAutofit/>
           </a:bodyPr>
           <a:p>
             <a:pPr algn="ctr"/>
-            <a:endParaRPr b="0" lang="en-US" sz="4400" spc="-1" strike="noStrike">
-              <a:latin typeface="Arial"/>
-            </a:endParaRPr>
-          </a:p>
-        </p:txBody>
-      </p:sp>
-      <p:sp>
-        <p:nvSpPr>
-          <p:cNvPr id="5" name="PlaceHolder 2"/>
+            <a:endParaRPr lang="en-US" sz="4400" b="0" strike="noStrike" spc="-1">
+              <a:latin typeface="Arial" panose="020B0604020202020204"/>
+            </a:endParaRPr>
+          </a:p>
+        </p:txBody>
+      </p:sp>
+      <p:sp>
+        <p:nvSpPr>
+          <p:cNvPr id="43" name="PlaceHolder 2"/>
           <p:cNvSpPr>
             <a:spLocks noGrp="1"/>
           </p:cNvSpPr>
@@ -2066,23 +2323,26 @@
           </a:prstGeom>
         </p:spPr>
         <p:txBody>
-          <a:bodyPr lIns="0" rIns="0" tIns="0" bIns="0">
-            <a:normAutofit/>
-          </a:bodyPr>
-          <a:p>
-            <a:endParaRPr b="0" lang="en-US" sz="3200" spc="-1" strike="noStrike">
-              <a:latin typeface="Arial"/>
+          <a:bodyPr lIns="0" tIns="0" rIns="0" bIns="0">
+            <a:normAutofit/>
+          </a:bodyPr>
+          <a:p>
+            <a:endParaRPr lang="en-US" sz="3200" b="0" strike="noStrike" spc="-1">
+              <a:latin typeface="Arial" panose="020B0604020202020204"/>
             </a:endParaRPr>
           </a:p>
         </p:txBody>
       </p:sp>
     </p:spTree>
   </p:cSld>
+  <p:clrMapOvr>
+    <a:masterClrMapping/>
+  </p:clrMapOvr>
 </p:sldLayout>
 </file>
 
-<file path=ppt/slideLayouts/slideLayout4.xml><?xml version="1.0" encoding="utf-8"?>
-<p:sldLayout xmlns:a="http://schemas.openxmlformats.org/drawingml/2006/main" xmlns:p="http://schemas.openxmlformats.org/presentationml/2006/main" xmlns:r="http://schemas.openxmlformats.org/officeDocument/2006/relationships" xmlns:p14="http://schemas.microsoft.com/office/powerpoint/2010/main" xmlns:p15="http://schemas.microsoft.com/office/powerpoint/2012/main" xmlns:mc="http://schemas.openxmlformats.org/markup-compatibility/2006" type="twoObj" preserve="1">
+<file path=ppt/slideLayouts/slideLayout28.xml><?xml version="1.0" encoding="utf-8"?>
+<p:sldLayout xmlns:a="http://schemas.openxmlformats.org/drawingml/2006/main" xmlns:r="http://schemas.openxmlformats.org/officeDocument/2006/relationships" xmlns:p="http://schemas.openxmlformats.org/presentationml/2006/main" type="twoObj" preserve="1">
   <p:cSld name="Title, 2 Content">
     <p:spTree>
       <p:nvGrpSpPr>
@@ -2100,7 +2360,7 @@
       </p:grpSpPr>
       <p:sp>
         <p:nvSpPr>
-          <p:cNvPr id="6" name="PlaceHolder 1"/>
+          <p:cNvPr id="44" name="PlaceHolder 1"/>
           <p:cNvSpPr>
             <a:spLocks noGrp="1"/>
           </p:cNvSpPr>
@@ -2118,20 +2378,20 @@
           </a:prstGeom>
         </p:spPr>
         <p:txBody>
-          <a:bodyPr lIns="0" rIns="0" tIns="0" bIns="0" anchor="ctr">
+          <a:bodyPr lIns="0" tIns="0" rIns="0" bIns="0" anchor="ctr">
             <a:noAutofit/>
           </a:bodyPr>
           <a:p>
             <a:pPr algn="ctr"/>
-            <a:endParaRPr b="0" lang="en-US" sz="4400" spc="-1" strike="noStrike">
-              <a:latin typeface="Arial"/>
-            </a:endParaRPr>
-          </a:p>
-        </p:txBody>
-      </p:sp>
-      <p:sp>
-        <p:nvSpPr>
-          <p:cNvPr id="7" name="PlaceHolder 2"/>
+            <a:endParaRPr lang="en-US" sz="4400" b="0" strike="noStrike" spc="-1">
+              <a:latin typeface="Arial" panose="020B0604020202020204"/>
+            </a:endParaRPr>
+          </a:p>
+        </p:txBody>
+      </p:sp>
+      <p:sp>
+        <p:nvSpPr>
+          <p:cNvPr id="45" name="PlaceHolder 2"/>
           <p:cNvSpPr>
             <a:spLocks noGrp="1"/>
           </p:cNvSpPr>
@@ -2149,19 +2409,19 @@
           </a:prstGeom>
         </p:spPr>
         <p:txBody>
-          <a:bodyPr lIns="0" rIns="0" tIns="0" bIns="0">
-            <a:normAutofit/>
-          </a:bodyPr>
-          <a:p>
-            <a:endParaRPr b="0" lang="en-US" sz="3200" spc="-1" strike="noStrike">
-              <a:latin typeface="Arial"/>
-            </a:endParaRPr>
-          </a:p>
-        </p:txBody>
-      </p:sp>
-      <p:sp>
-        <p:nvSpPr>
-          <p:cNvPr id="8" name="PlaceHolder 3"/>
+          <a:bodyPr lIns="0" tIns="0" rIns="0" bIns="0">
+            <a:normAutofit/>
+          </a:bodyPr>
+          <a:p>
+            <a:endParaRPr lang="en-US" sz="3200" b="0" strike="noStrike" spc="-1">
+              <a:latin typeface="Arial" panose="020B0604020202020204"/>
+            </a:endParaRPr>
+          </a:p>
+        </p:txBody>
+      </p:sp>
+      <p:sp>
+        <p:nvSpPr>
+          <p:cNvPr id="46" name="PlaceHolder 3"/>
           <p:cNvSpPr>
             <a:spLocks noGrp="1"/>
           </p:cNvSpPr>
@@ -2179,23 +2439,26 @@
           </a:prstGeom>
         </p:spPr>
         <p:txBody>
-          <a:bodyPr lIns="0" rIns="0" tIns="0" bIns="0">
-            <a:normAutofit/>
-          </a:bodyPr>
-          <a:p>
-            <a:endParaRPr b="0" lang="en-US" sz="3200" spc="-1" strike="noStrike">
-              <a:latin typeface="Arial"/>
+          <a:bodyPr lIns="0" tIns="0" rIns="0" bIns="0">
+            <a:normAutofit/>
+          </a:bodyPr>
+          <a:p>
+            <a:endParaRPr lang="en-US" sz="3200" b="0" strike="noStrike" spc="-1">
+              <a:latin typeface="Arial" panose="020B0604020202020204"/>
             </a:endParaRPr>
           </a:p>
         </p:txBody>
       </p:sp>
     </p:spTree>
   </p:cSld>
+  <p:clrMapOvr>
+    <a:masterClrMapping/>
+  </p:clrMapOvr>
 </p:sldLayout>
 </file>
 
-<file path=ppt/slideLayouts/slideLayout5.xml><?xml version="1.0" encoding="utf-8"?>
-<p:sldLayout xmlns:a="http://schemas.openxmlformats.org/drawingml/2006/main" xmlns:p="http://schemas.openxmlformats.org/presentationml/2006/main" xmlns:r="http://schemas.openxmlformats.org/officeDocument/2006/relationships" xmlns:p14="http://schemas.microsoft.com/office/powerpoint/2010/main" xmlns:p15="http://schemas.microsoft.com/office/powerpoint/2012/main" xmlns:mc="http://schemas.openxmlformats.org/markup-compatibility/2006" type="titleOnly" preserve="1">
+<file path=ppt/slideLayouts/slideLayout29.xml><?xml version="1.0" encoding="utf-8"?>
+<p:sldLayout xmlns:a="http://schemas.openxmlformats.org/drawingml/2006/main" xmlns:r="http://schemas.openxmlformats.org/officeDocument/2006/relationships" xmlns:p="http://schemas.openxmlformats.org/presentationml/2006/main" type="titleOnly" preserve="1">
   <p:cSld name="Title Only">
     <p:spTree>
       <p:nvGrpSpPr>
@@ -2213,7 +2476,7 @@
       </p:grpSpPr>
       <p:sp>
         <p:nvSpPr>
-          <p:cNvPr id="9" name="PlaceHolder 1"/>
+          <p:cNvPr id="47" name="PlaceHolder 1"/>
           <p:cNvSpPr>
             <a:spLocks noGrp="1"/>
           </p:cNvSpPr>
@@ -2231,24 +2494,113 @@
           </a:prstGeom>
         </p:spPr>
         <p:txBody>
-          <a:bodyPr lIns="0" rIns="0" tIns="0" bIns="0" anchor="ctr">
+          <a:bodyPr lIns="0" tIns="0" rIns="0" bIns="0" anchor="ctr">
             <a:noAutofit/>
           </a:bodyPr>
           <a:p>
             <a:pPr algn="ctr"/>
-            <a:endParaRPr b="0" lang="en-US" sz="4400" spc="-1" strike="noStrike">
-              <a:latin typeface="Arial"/>
+            <a:endParaRPr lang="en-US" sz="4400" b="0" strike="noStrike" spc="-1">
+              <a:latin typeface="Arial" panose="020B0604020202020204"/>
             </a:endParaRPr>
           </a:p>
         </p:txBody>
       </p:sp>
     </p:spTree>
   </p:cSld>
+  <p:clrMapOvr>
+    <a:masterClrMapping/>
+  </p:clrMapOvr>
 </p:sldLayout>
 </file>
 
-<file path=ppt/slideLayouts/slideLayout6.xml><?xml version="1.0" encoding="utf-8"?>
-<p:sldLayout xmlns:a="http://schemas.openxmlformats.org/drawingml/2006/main" xmlns:p="http://schemas.openxmlformats.org/presentationml/2006/main" xmlns:r="http://schemas.openxmlformats.org/officeDocument/2006/relationships" xmlns:p14="http://schemas.microsoft.com/office/powerpoint/2010/main" xmlns:p15="http://schemas.microsoft.com/office/powerpoint/2012/main" xmlns:mc="http://schemas.openxmlformats.org/markup-compatibility/2006" type="objOnly" preserve="1">
+<file path=ppt/slideLayouts/slideLayout3.xml><?xml version="1.0" encoding="utf-8"?>
+<p:sldLayout xmlns:a="http://schemas.openxmlformats.org/drawingml/2006/main" xmlns:r="http://schemas.openxmlformats.org/officeDocument/2006/relationships" xmlns:p="http://schemas.openxmlformats.org/presentationml/2006/main" type="obj" preserve="1">
+  <p:cSld name="Title, Content">
+    <p:spTree>
+      <p:nvGrpSpPr>
+        <p:cNvPr id="1" name=""/>
+        <p:cNvGrpSpPr/>
+        <p:nvPr/>
+      </p:nvGrpSpPr>
+      <p:grpSpPr>
+        <a:xfrm>
+          <a:off x="0" y="0"/>
+          <a:ext cx="0" cy="0"/>
+          <a:chOff x="0" y="0"/>
+          <a:chExt cx="0" cy="0"/>
+        </a:xfrm>
+      </p:grpSpPr>
+      <p:sp>
+        <p:nvSpPr>
+          <p:cNvPr id="4" name="PlaceHolder 1"/>
+          <p:cNvSpPr>
+            <a:spLocks noGrp="1"/>
+          </p:cNvSpPr>
+          <p:nvPr>
+            <p:ph type="title"/>
+          </p:nvPr>
+        </p:nvSpPr>
+        <p:spPr>
+          <a:xfrm>
+            <a:off x="504000" y="226080"/>
+            <a:ext cx="9071280" cy="946080"/>
+          </a:xfrm>
+          <a:prstGeom prst="rect">
+            <a:avLst/>
+          </a:prstGeom>
+        </p:spPr>
+        <p:txBody>
+          <a:bodyPr lIns="0" tIns="0" rIns="0" bIns="0" anchor="ctr">
+            <a:noAutofit/>
+          </a:bodyPr>
+          <a:p>
+            <a:pPr algn="ctr"/>
+            <a:endParaRPr lang="en-US" sz="4400" b="0" strike="noStrike" spc="-1">
+              <a:latin typeface="Arial" panose="020B0604020202020204"/>
+            </a:endParaRPr>
+          </a:p>
+        </p:txBody>
+      </p:sp>
+      <p:sp>
+        <p:nvSpPr>
+          <p:cNvPr id="5" name="PlaceHolder 2"/>
+          <p:cNvSpPr>
+            <a:spLocks noGrp="1"/>
+          </p:cNvSpPr>
+          <p:nvPr>
+            <p:ph type="body"/>
+          </p:nvPr>
+        </p:nvSpPr>
+        <p:spPr>
+          <a:xfrm>
+            <a:off x="504000" y="1326600"/>
+            <a:ext cx="9071280" cy="3287880"/>
+          </a:xfrm>
+          <a:prstGeom prst="rect">
+            <a:avLst/>
+          </a:prstGeom>
+        </p:spPr>
+        <p:txBody>
+          <a:bodyPr lIns="0" tIns="0" rIns="0" bIns="0">
+            <a:normAutofit/>
+          </a:bodyPr>
+          <a:p>
+            <a:endParaRPr lang="en-US" sz="3200" b="0" strike="noStrike" spc="-1">
+              <a:latin typeface="Arial" panose="020B0604020202020204"/>
+            </a:endParaRPr>
+          </a:p>
+        </p:txBody>
+      </p:sp>
+    </p:spTree>
+  </p:cSld>
+  <p:clrMapOvr>
+    <a:masterClrMapping/>
+  </p:clrMapOvr>
+</p:sldLayout>
+</file>
+
+<file path=ppt/slideLayouts/slideLayout30.xml><?xml version="1.0" encoding="utf-8"?>
+<p:sldLayout xmlns:a="http://schemas.openxmlformats.org/drawingml/2006/main" xmlns:r="http://schemas.openxmlformats.org/officeDocument/2006/relationships" xmlns:p="http://schemas.openxmlformats.org/presentationml/2006/main" type="objOnly" preserve="1">
   <p:cSld name="Centered Text">
     <p:spTree>
       <p:nvGrpSpPr>
@@ -2266,7 +2618,7 @@
       </p:grpSpPr>
       <p:sp>
         <p:nvSpPr>
-          <p:cNvPr id="10" name="PlaceHolder 1"/>
+          <p:cNvPr id="48" name="PlaceHolder 1"/>
           <p:cNvSpPr>
             <a:spLocks noGrp="1"/>
           </p:cNvSpPr>
@@ -2284,24 +2636,27 @@
           </a:prstGeom>
         </p:spPr>
         <p:txBody>
-          <a:bodyPr lIns="0" rIns="0" tIns="0" bIns="0" anchor="ctr">
+          <a:bodyPr lIns="0" tIns="0" rIns="0" bIns="0" anchor="ctr">
             <a:noAutofit/>
           </a:bodyPr>
           <a:p>
             <a:pPr algn="ctr"/>
-            <a:endParaRPr b="0" lang="en-US" sz="3200" spc="-1" strike="noStrike">
-              <a:latin typeface="Arial"/>
+            <a:endParaRPr lang="en-US" sz="3200" b="0" strike="noStrike" spc="-1">
+              <a:latin typeface="Arial" panose="020B0604020202020204"/>
             </a:endParaRPr>
           </a:p>
         </p:txBody>
       </p:sp>
     </p:spTree>
   </p:cSld>
+  <p:clrMapOvr>
+    <a:masterClrMapping/>
+  </p:clrMapOvr>
 </p:sldLayout>
 </file>
 
-<file path=ppt/slideLayouts/slideLayout7.xml><?xml version="1.0" encoding="utf-8"?>
-<p:sldLayout xmlns:a="http://schemas.openxmlformats.org/drawingml/2006/main" xmlns:p="http://schemas.openxmlformats.org/presentationml/2006/main" xmlns:r="http://schemas.openxmlformats.org/officeDocument/2006/relationships" xmlns:p14="http://schemas.microsoft.com/office/powerpoint/2010/main" xmlns:p15="http://schemas.microsoft.com/office/powerpoint/2012/main" xmlns:mc="http://schemas.openxmlformats.org/markup-compatibility/2006" type="twoObjAndObj" preserve="1">
+<file path=ppt/slideLayouts/slideLayout31.xml><?xml version="1.0" encoding="utf-8"?>
+<p:sldLayout xmlns:a="http://schemas.openxmlformats.org/drawingml/2006/main" xmlns:r="http://schemas.openxmlformats.org/officeDocument/2006/relationships" xmlns:p="http://schemas.openxmlformats.org/presentationml/2006/main" type="twoObjAndObj" preserve="1">
   <p:cSld name="Title, 2 Content and Content">
     <p:spTree>
       <p:nvGrpSpPr>
@@ -2319,7 +2674,7 @@
       </p:grpSpPr>
       <p:sp>
         <p:nvSpPr>
-          <p:cNvPr id="11" name="PlaceHolder 1"/>
+          <p:cNvPr id="49" name="PlaceHolder 1"/>
           <p:cNvSpPr>
             <a:spLocks noGrp="1"/>
           </p:cNvSpPr>
@@ -2337,20 +2692,20 @@
           </a:prstGeom>
         </p:spPr>
         <p:txBody>
-          <a:bodyPr lIns="0" rIns="0" tIns="0" bIns="0" anchor="ctr">
+          <a:bodyPr lIns="0" tIns="0" rIns="0" bIns="0" anchor="ctr">
             <a:noAutofit/>
           </a:bodyPr>
           <a:p>
             <a:pPr algn="ctr"/>
-            <a:endParaRPr b="0" lang="en-US" sz="4400" spc="-1" strike="noStrike">
-              <a:latin typeface="Arial"/>
-            </a:endParaRPr>
-          </a:p>
-        </p:txBody>
-      </p:sp>
-      <p:sp>
-        <p:nvSpPr>
-          <p:cNvPr id="12" name="PlaceHolder 2"/>
+            <a:endParaRPr lang="en-US" sz="4400" b="0" strike="noStrike" spc="-1">
+              <a:latin typeface="Arial" panose="020B0604020202020204"/>
+            </a:endParaRPr>
+          </a:p>
+        </p:txBody>
+      </p:sp>
+      <p:sp>
+        <p:nvSpPr>
+          <p:cNvPr id="50" name="PlaceHolder 2"/>
           <p:cNvSpPr>
             <a:spLocks noGrp="1"/>
           </p:cNvSpPr>
@@ -2368,19 +2723,19 @@
           </a:prstGeom>
         </p:spPr>
         <p:txBody>
-          <a:bodyPr lIns="0" rIns="0" tIns="0" bIns="0">
-            <a:normAutofit/>
-          </a:bodyPr>
-          <a:p>
-            <a:endParaRPr b="0" lang="en-US" sz="3200" spc="-1" strike="noStrike">
-              <a:latin typeface="Arial"/>
-            </a:endParaRPr>
-          </a:p>
-        </p:txBody>
-      </p:sp>
-      <p:sp>
-        <p:nvSpPr>
-          <p:cNvPr id="13" name="PlaceHolder 3"/>
+          <a:bodyPr lIns="0" tIns="0" rIns="0" bIns="0">
+            <a:normAutofit/>
+          </a:bodyPr>
+          <a:p>
+            <a:endParaRPr lang="en-US" sz="3200" b="0" strike="noStrike" spc="-1">
+              <a:latin typeface="Arial" panose="020B0604020202020204"/>
+            </a:endParaRPr>
+          </a:p>
+        </p:txBody>
+      </p:sp>
+      <p:sp>
+        <p:nvSpPr>
+          <p:cNvPr id="51" name="PlaceHolder 3"/>
           <p:cNvSpPr>
             <a:spLocks noGrp="1"/>
           </p:cNvSpPr>
@@ -2398,19 +2753,19 @@
           </a:prstGeom>
         </p:spPr>
         <p:txBody>
-          <a:bodyPr lIns="0" rIns="0" tIns="0" bIns="0">
-            <a:normAutofit/>
-          </a:bodyPr>
-          <a:p>
-            <a:endParaRPr b="0" lang="en-US" sz="3200" spc="-1" strike="noStrike">
-              <a:latin typeface="Arial"/>
-            </a:endParaRPr>
-          </a:p>
-        </p:txBody>
-      </p:sp>
-      <p:sp>
-        <p:nvSpPr>
-          <p:cNvPr id="14" name="PlaceHolder 4"/>
+          <a:bodyPr lIns="0" tIns="0" rIns="0" bIns="0">
+            <a:normAutofit/>
+          </a:bodyPr>
+          <a:p>
+            <a:endParaRPr lang="en-US" sz="3200" b="0" strike="noStrike" spc="-1">
+              <a:latin typeface="Arial" panose="020B0604020202020204"/>
+            </a:endParaRPr>
+          </a:p>
+        </p:txBody>
+      </p:sp>
+      <p:sp>
+        <p:nvSpPr>
+          <p:cNvPr id="52" name="PlaceHolder 4"/>
           <p:cNvSpPr>
             <a:spLocks noGrp="1"/>
           </p:cNvSpPr>
@@ -2428,23 +2783,26 @@
           </a:prstGeom>
         </p:spPr>
         <p:txBody>
-          <a:bodyPr lIns="0" rIns="0" tIns="0" bIns="0">
-            <a:normAutofit/>
-          </a:bodyPr>
-          <a:p>
-            <a:endParaRPr b="0" lang="en-US" sz="3200" spc="-1" strike="noStrike">
-              <a:latin typeface="Arial"/>
+          <a:bodyPr lIns="0" tIns="0" rIns="0" bIns="0">
+            <a:normAutofit/>
+          </a:bodyPr>
+          <a:p>
+            <a:endParaRPr lang="en-US" sz="3200" b="0" strike="noStrike" spc="-1">
+              <a:latin typeface="Arial" panose="020B0604020202020204"/>
             </a:endParaRPr>
           </a:p>
         </p:txBody>
       </p:sp>
     </p:spTree>
   </p:cSld>
+  <p:clrMapOvr>
+    <a:masterClrMapping/>
+  </p:clrMapOvr>
 </p:sldLayout>
 </file>
 
-<file path=ppt/slideLayouts/slideLayout8.xml><?xml version="1.0" encoding="utf-8"?>
-<p:sldLayout xmlns:a="http://schemas.openxmlformats.org/drawingml/2006/main" xmlns:p="http://schemas.openxmlformats.org/presentationml/2006/main" xmlns:r="http://schemas.openxmlformats.org/officeDocument/2006/relationships" xmlns:p14="http://schemas.microsoft.com/office/powerpoint/2010/main" xmlns:p15="http://schemas.microsoft.com/office/powerpoint/2012/main" xmlns:mc="http://schemas.openxmlformats.org/markup-compatibility/2006" type="objAndTwoObj" preserve="1">
+<file path=ppt/slideLayouts/slideLayout32.xml><?xml version="1.0" encoding="utf-8"?>
+<p:sldLayout xmlns:a="http://schemas.openxmlformats.org/drawingml/2006/main" xmlns:r="http://schemas.openxmlformats.org/officeDocument/2006/relationships" xmlns:p="http://schemas.openxmlformats.org/presentationml/2006/main" type="objAndTwoObj" preserve="1">
   <p:cSld name="Title Content and 2 Content">
     <p:spTree>
       <p:nvGrpSpPr>
@@ -2462,7 +2820,7 @@
       </p:grpSpPr>
       <p:sp>
         <p:nvSpPr>
-          <p:cNvPr id="15" name="PlaceHolder 1"/>
+          <p:cNvPr id="53" name="PlaceHolder 1"/>
           <p:cNvSpPr>
             <a:spLocks noGrp="1"/>
           </p:cNvSpPr>
@@ -2480,20 +2838,20 @@
           </a:prstGeom>
         </p:spPr>
         <p:txBody>
-          <a:bodyPr lIns="0" rIns="0" tIns="0" bIns="0" anchor="ctr">
+          <a:bodyPr lIns="0" tIns="0" rIns="0" bIns="0" anchor="ctr">
             <a:noAutofit/>
           </a:bodyPr>
           <a:p>
             <a:pPr algn="ctr"/>
-            <a:endParaRPr b="0" lang="en-US" sz="4400" spc="-1" strike="noStrike">
-              <a:latin typeface="Arial"/>
-            </a:endParaRPr>
-          </a:p>
-        </p:txBody>
-      </p:sp>
-      <p:sp>
-        <p:nvSpPr>
-          <p:cNvPr id="16" name="PlaceHolder 2"/>
+            <a:endParaRPr lang="en-US" sz="4400" b="0" strike="noStrike" spc="-1">
+              <a:latin typeface="Arial" panose="020B0604020202020204"/>
+            </a:endParaRPr>
+          </a:p>
+        </p:txBody>
+      </p:sp>
+      <p:sp>
+        <p:nvSpPr>
+          <p:cNvPr id="54" name="PlaceHolder 2"/>
           <p:cNvSpPr>
             <a:spLocks noGrp="1"/>
           </p:cNvSpPr>
@@ -2511,19 +2869,19 @@
           </a:prstGeom>
         </p:spPr>
         <p:txBody>
-          <a:bodyPr lIns="0" rIns="0" tIns="0" bIns="0">
-            <a:normAutofit/>
-          </a:bodyPr>
-          <a:p>
-            <a:endParaRPr b="0" lang="en-US" sz="3200" spc="-1" strike="noStrike">
-              <a:latin typeface="Arial"/>
-            </a:endParaRPr>
-          </a:p>
-        </p:txBody>
-      </p:sp>
-      <p:sp>
-        <p:nvSpPr>
-          <p:cNvPr id="17" name="PlaceHolder 3"/>
+          <a:bodyPr lIns="0" tIns="0" rIns="0" bIns="0">
+            <a:normAutofit/>
+          </a:bodyPr>
+          <a:p>
+            <a:endParaRPr lang="en-US" sz="3200" b="0" strike="noStrike" spc="-1">
+              <a:latin typeface="Arial" panose="020B0604020202020204"/>
+            </a:endParaRPr>
+          </a:p>
+        </p:txBody>
+      </p:sp>
+      <p:sp>
+        <p:nvSpPr>
+          <p:cNvPr id="55" name="PlaceHolder 3"/>
           <p:cNvSpPr>
             <a:spLocks noGrp="1"/>
           </p:cNvSpPr>
@@ -2541,19 +2899,19 @@
           </a:prstGeom>
         </p:spPr>
         <p:txBody>
-          <a:bodyPr lIns="0" rIns="0" tIns="0" bIns="0">
-            <a:normAutofit/>
-          </a:bodyPr>
-          <a:p>
-            <a:endParaRPr b="0" lang="en-US" sz="3200" spc="-1" strike="noStrike">
-              <a:latin typeface="Arial"/>
-            </a:endParaRPr>
-          </a:p>
-        </p:txBody>
-      </p:sp>
-      <p:sp>
-        <p:nvSpPr>
-          <p:cNvPr id="18" name="PlaceHolder 4"/>
+          <a:bodyPr lIns="0" tIns="0" rIns="0" bIns="0">
+            <a:normAutofit/>
+          </a:bodyPr>
+          <a:p>
+            <a:endParaRPr lang="en-US" sz="3200" b="0" strike="noStrike" spc="-1">
+              <a:latin typeface="Arial" panose="020B0604020202020204"/>
+            </a:endParaRPr>
+          </a:p>
+        </p:txBody>
+      </p:sp>
+      <p:sp>
+        <p:nvSpPr>
+          <p:cNvPr id="56" name="PlaceHolder 4"/>
           <p:cNvSpPr>
             <a:spLocks noGrp="1"/>
           </p:cNvSpPr>
@@ -2571,23 +2929,26 @@
           </a:prstGeom>
         </p:spPr>
         <p:txBody>
-          <a:bodyPr lIns="0" rIns="0" tIns="0" bIns="0">
-            <a:normAutofit/>
-          </a:bodyPr>
-          <a:p>
-            <a:endParaRPr b="0" lang="en-US" sz="3200" spc="-1" strike="noStrike">
-              <a:latin typeface="Arial"/>
+          <a:bodyPr lIns="0" tIns="0" rIns="0" bIns="0">
+            <a:normAutofit/>
+          </a:bodyPr>
+          <a:p>
+            <a:endParaRPr lang="en-US" sz="3200" b="0" strike="noStrike" spc="-1">
+              <a:latin typeface="Arial" panose="020B0604020202020204"/>
             </a:endParaRPr>
           </a:p>
         </p:txBody>
       </p:sp>
     </p:spTree>
   </p:cSld>
+  <p:clrMapOvr>
+    <a:masterClrMapping/>
+  </p:clrMapOvr>
 </p:sldLayout>
 </file>
 
-<file path=ppt/slideLayouts/slideLayout9.xml><?xml version="1.0" encoding="utf-8"?>
-<p:sldLayout xmlns:a="http://schemas.openxmlformats.org/drawingml/2006/main" xmlns:p="http://schemas.openxmlformats.org/presentationml/2006/main" xmlns:r="http://schemas.openxmlformats.org/officeDocument/2006/relationships" xmlns:p14="http://schemas.microsoft.com/office/powerpoint/2010/main" xmlns:p15="http://schemas.microsoft.com/office/powerpoint/2012/main" xmlns:mc="http://schemas.openxmlformats.org/markup-compatibility/2006" type="twoObjOverTx" preserve="1">
+<file path=ppt/slideLayouts/slideLayout33.xml><?xml version="1.0" encoding="utf-8"?>
+<p:sldLayout xmlns:a="http://schemas.openxmlformats.org/drawingml/2006/main" xmlns:r="http://schemas.openxmlformats.org/officeDocument/2006/relationships" xmlns:p="http://schemas.openxmlformats.org/presentationml/2006/main" type="twoObjOverTx" preserve="1">
   <p:cSld name="Title, 2 Content over Content">
     <p:spTree>
       <p:nvGrpSpPr>
@@ -2605,7 +2966,7 @@
       </p:grpSpPr>
       <p:sp>
         <p:nvSpPr>
-          <p:cNvPr id="19" name="PlaceHolder 1"/>
+          <p:cNvPr id="57" name="PlaceHolder 1"/>
           <p:cNvSpPr>
             <a:spLocks noGrp="1"/>
           </p:cNvSpPr>
@@ -2623,20 +2984,20 @@
           </a:prstGeom>
         </p:spPr>
         <p:txBody>
-          <a:bodyPr lIns="0" rIns="0" tIns="0" bIns="0" anchor="ctr">
+          <a:bodyPr lIns="0" tIns="0" rIns="0" bIns="0" anchor="ctr">
             <a:noAutofit/>
           </a:bodyPr>
           <a:p>
             <a:pPr algn="ctr"/>
-            <a:endParaRPr b="0" lang="en-US" sz="4400" spc="-1" strike="noStrike">
-              <a:latin typeface="Arial"/>
-            </a:endParaRPr>
-          </a:p>
-        </p:txBody>
-      </p:sp>
-      <p:sp>
-        <p:nvSpPr>
-          <p:cNvPr id="20" name="PlaceHolder 2"/>
+            <a:endParaRPr lang="en-US" sz="4400" b="0" strike="noStrike" spc="-1">
+              <a:latin typeface="Arial" panose="020B0604020202020204"/>
+            </a:endParaRPr>
+          </a:p>
+        </p:txBody>
+      </p:sp>
+      <p:sp>
+        <p:nvSpPr>
+          <p:cNvPr id="58" name="PlaceHolder 2"/>
           <p:cNvSpPr>
             <a:spLocks noGrp="1"/>
           </p:cNvSpPr>
@@ -2654,19 +3015,19 @@
           </a:prstGeom>
         </p:spPr>
         <p:txBody>
-          <a:bodyPr lIns="0" rIns="0" tIns="0" bIns="0">
-            <a:normAutofit/>
-          </a:bodyPr>
-          <a:p>
-            <a:endParaRPr b="0" lang="en-US" sz="3200" spc="-1" strike="noStrike">
-              <a:latin typeface="Arial"/>
-            </a:endParaRPr>
-          </a:p>
-        </p:txBody>
-      </p:sp>
-      <p:sp>
-        <p:nvSpPr>
-          <p:cNvPr id="21" name="PlaceHolder 3"/>
+          <a:bodyPr lIns="0" tIns="0" rIns="0" bIns="0">
+            <a:normAutofit/>
+          </a:bodyPr>
+          <a:p>
+            <a:endParaRPr lang="en-US" sz="3200" b="0" strike="noStrike" spc="-1">
+              <a:latin typeface="Arial" panose="020B0604020202020204"/>
+            </a:endParaRPr>
+          </a:p>
+        </p:txBody>
+      </p:sp>
+      <p:sp>
+        <p:nvSpPr>
+          <p:cNvPr id="59" name="PlaceHolder 3"/>
           <p:cNvSpPr>
             <a:spLocks noGrp="1"/>
           </p:cNvSpPr>
@@ -2684,19 +3045,19 @@
           </a:prstGeom>
         </p:spPr>
         <p:txBody>
-          <a:bodyPr lIns="0" rIns="0" tIns="0" bIns="0">
-            <a:normAutofit/>
-          </a:bodyPr>
-          <a:p>
-            <a:endParaRPr b="0" lang="en-US" sz="3200" spc="-1" strike="noStrike">
-              <a:latin typeface="Arial"/>
-            </a:endParaRPr>
-          </a:p>
-        </p:txBody>
-      </p:sp>
-      <p:sp>
-        <p:nvSpPr>
-          <p:cNvPr id="22" name="PlaceHolder 4"/>
+          <a:bodyPr lIns="0" tIns="0" rIns="0" bIns="0">
+            <a:normAutofit/>
+          </a:bodyPr>
+          <a:p>
+            <a:endParaRPr lang="en-US" sz="3200" b="0" strike="noStrike" spc="-1">
+              <a:latin typeface="Arial" panose="020B0604020202020204"/>
+            </a:endParaRPr>
+          </a:p>
+        </p:txBody>
+      </p:sp>
+      <p:sp>
+        <p:nvSpPr>
+          <p:cNvPr id="60" name="PlaceHolder 4"/>
           <p:cNvSpPr>
             <a:spLocks noGrp="1"/>
           </p:cNvSpPr>
@@ -2714,23 +3075,2006 @@
           </a:prstGeom>
         </p:spPr>
         <p:txBody>
-          <a:bodyPr lIns="0" rIns="0" tIns="0" bIns="0">
-            <a:normAutofit/>
-          </a:bodyPr>
-          <a:p>
-            <a:endParaRPr b="0" lang="en-US" sz="3200" spc="-1" strike="noStrike">
-              <a:latin typeface="Arial"/>
+          <a:bodyPr lIns="0" tIns="0" rIns="0" bIns="0">
+            <a:normAutofit/>
+          </a:bodyPr>
+          <a:p>
+            <a:endParaRPr lang="en-US" sz="3200" b="0" strike="noStrike" spc="-1">
+              <a:latin typeface="Arial" panose="020B0604020202020204"/>
             </a:endParaRPr>
           </a:p>
         </p:txBody>
       </p:sp>
     </p:spTree>
   </p:cSld>
+  <p:clrMapOvr>
+    <a:masterClrMapping/>
+  </p:clrMapOvr>
+</p:sldLayout>
+</file>
+
+<file path=ppt/slideLayouts/slideLayout34.xml><?xml version="1.0" encoding="utf-8"?>
+<p:sldLayout xmlns:a="http://schemas.openxmlformats.org/drawingml/2006/main" xmlns:r="http://schemas.openxmlformats.org/officeDocument/2006/relationships" xmlns:p="http://schemas.openxmlformats.org/presentationml/2006/main" type="objOverTx" preserve="1">
+  <p:cSld name="Title, Content over Content">
+    <p:spTree>
+      <p:nvGrpSpPr>
+        <p:cNvPr id="1" name=""/>
+        <p:cNvGrpSpPr/>
+        <p:nvPr/>
+      </p:nvGrpSpPr>
+      <p:grpSpPr>
+        <a:xfrm>
+          <a:off x="0" y="0"/>
+          <a:ext cx="0" cy="0"/>
+          <a:chOff x="0" y="0"/>
+          <a:chExt cx="0" cy="0"/>
+        </a:xfrm>
+      </p:grpSpPr>
+      <p:sp>
+        <p:nvSpPr>
+          <p:cNvPr id="61" name="PlaceHolder 1"/>
+          <p:cNvSpPr>
+            <a:spLocks noGrp="1"/>
+          </p:cNvSpPr>
+          <p:nvPr>
+            <p:ph type="title"/>
+          </p:nvPr>
+        </p:nvSpPr>
+        <p:spPr>
+          <a:xfrm>
+            <a:off x="504000" y="226080"/>
+            <a:ext cx="9071280" cy="946080"/>
+          </a:xfrm>
+          <a:prstGeom prst="rect">
+            <a:avLst/>
+          </a:prstGeom>
+        </p:spPr>
+        <p:txBody>
+          <a:bodyPr lIns="0" tIns="0" rIns="0" bIns="0" anchor="ctr">
+            <a:noAutofit/>
+          </a:bodyPr>
+          <a:p>
+            <a:pPr algn="ctr"/>
+            <a:endParaRPr lang="en-US" sz="4400" b="0" strike="noStrike" spc="-1">
+              <a:latin typeface="Arial" panose="020B0604020202020204"/>
+            </a:endParaRPr>
+          </a:p>
+        </p:txBody>
+      </p:sp>
+      <p:sp>
+        <p:nvSpPr>
+          <p:cNvPr id="62" name="PlaceHolder 2"/>
+          <p:cNvSpPr>
+            <a:spLocks noGrp="1"/>
+          </p:cNvSpPr>
+          <p:nvPr>
+            <p:ph type="body"/>
+          </p:nvPr>
+        </p:nvSpPr>
+        <p:spPr>
+          <a:xfrm>
+            <a:off x="504000" y="1326600"/>
+            <a:ext cx="9071280" cy="1568160"/>
+          </a:xfrm>
+          <a:prstGeom prst="rect">
+            <a:avLst/>
+          </a:prstGeom>
+        </p:spPr>
+        <p:txBody>
+          <a:bodyPr lIns="0" tIns="0" rIns="0" bIns="0">
+            <a:normAutofit/>
+          </a:bodyPr>
+          <a:p>
+            <a:endParaRPr lang="en-US" sz="3200" b="0" strike="noStrike" spc="-1">
+              <a:latin typeface="Arial" panose="020B0604020202020204"/>
+            </a:endParaRPr>
+          </a:p>
+        </p:txBody>
+      </p:sp>
+      <p:sp>
+        <p:nvSpPr>
+          <p:cNvPr id="63" name="PlaceHolder 3"/>
+          <p:cNvSpPr>
+            <a:spLocks noGrp="1"/>
+          </p:cNvSpPr>
+          <p:nvPr>
+            <p:ph type="body"/>
+          </p:nvPr>
+        </p:nvSpPr>
+        <p:spPr>
+          <a:xfrm>
+            <a:off x="504000" y="3044160"/>
+            <a:ext cx="9071280" cy="1568160"/>
+          </a:xfrm>
+          <a:prstGeom prst="rect">
+            <a:avLst/>
+          </a:prstGeom>
+        </p:spPr>
+        <p:txBody>
+          <a:bodyPr lIns="0" tIns="0" rIns="0" bIns="0">
+            <a:normAutofit/>
+          </a:bodyPr>
+          <a:p>
+            <a:endParaRPr lang="en-US" sz="3200" b="0" strike="noStrike" spc="-1">
+              <a:latin typeface="Arial" panose="020B0604020202020204"/>
+            </a:endParaRPr>
+          </a:p>
+        </p:txBody>
+      </p:sp>
+    </p:spTree>
+  </p:cSld>
+  <p:clrMapOvr>
+    <a:masterClrMapping/>
+  </p:clrMapOvr>
+</p:sldLayout>
+</file>
+
+<file path=ppt/slideLayouts/slideLayout35.xml><?xml version="1.0" encoding="utf-8"?>
+<p:sldLayout xmlns:a="http://schemas.openxmlformats.org/drawingml/2006/main" xmlns:r="http://schemas.openxmlformats.org/officeDocument/2006/relationships" xmlns:p="http://schemas.openxmlformats.org/presentationml/2006/main" type="fourObj" preserve="1">
+  <p:cSld name="Title, 4 Content">
+    <p:spTree>
+      <p:nvGrpSpPr>
+        <p:cNvPr id="1" name=""/>
+        <p:cNvGrpSpPr/>
+        <p:nvPr/>
+      </p:nvGrpSpPr>
+      <p:grpSpPr>
+        <a:xfrm>
+          <a:off x="0" y="0"/>
+          <a:ext cx="0" cy="0"/>
+          <a:chOff x="0" y="0"/>
+          <a:chExt cx="0" cy="0"/>
+        </a:xfrm>
+      </p:grpSpPr>
+      <p:sp>
+        <p:nvSpPr>
+          <p:cNvPr id="64" name="PlaceHolder 1"/>
+          <p:cNvSpPr>
+            <a:spLocks noGrp="1"/>
+          </p:cNvSpPr>
+          <p:nvPr>
+            <p:ph type="title"/>
+          </p:nvPr>
+        </p:nvSpPr>
+        <p:spPr>
+          <a:xfrm>
+            <a:off x="504000" y="226080"/>
+            <a:ext cx="9071280" cy="946080"/>
+          </a:xfrm>
+          <a:prstGeom prst="rect">
+            <a:avLst/>
+          </a:prstGeom>
+        </p:spPr>
+        <p:txBody>
+          <a:bodyPr lIns="0" tIns="0" rIns="0" bIns="0" anchor="ctr">
+            <a:noAutofit/>
+          </a:bodyPr>
+          <a:p>
+            <a:pPr algn="ctr"/>
+            <a:endParaRPr lang="en-US" sz="4400" b="0" strike="noStrike" spc="-1">
+              <a:latin typeface="Arial" panose="020B0604020202020204"/>
+            </a:endParaRPr>
+          </a:p>
+        </p:txBody>
+      </p:sp>
+      <p:sp>
+        <p:nvSpPr>
+          <p:cNvPr id="65" name="PlaceHolder 2"/>
+          <p:cNvSpPr>
+            <a:spLocks noGrp="1"/>
+          </p:cNvSpPr>
+          <p:nvPr>
+            <p:ph type="body"/>
+          </p:nvPr>
+        </p:nvSpPr>
+        <p:spPr>
+          <a:xfrm>
+            <a:off x="504000" y="1326600"/>
+            <a:ext cx="4426560" cy="1568160"/>
+          </a:xfrm>
+          <a:prstGeom prst="rect">
+            <a:avLst/>
+          </a:prstGeom>
+        </p:spPr>
+        <p:txBody>
+          <a:bodyPr lIns="0" tIns="0" rIns="0" bIns="0">
+            <a:normAutofit/>
+          </a:bodyPr>
+          <a:p>
+            <a:endParaRPr lang="en-US" sz="3200" b="0" strike="noStrike" spc="-1">
+              <a:latin typeface="Arial" panose="020B0604020202020204"/>
+            </a:endParaRPr>
+          </a:p>
+        </p:txBody>
+      </p:sp>
+      <p:sp>
+        <p:nvSpPr>
+          <p:cNvPr id="66" name="PlaceHolder 3"/>
+          <p:cNvSpPr>
+            <a:spLocks noGrp="1"/>
+          </p:cNvSpPr>
+          <p:nvPr>
+            <p:ph type="body"/>
+          </p:nvPr>
+        </p:nvSpPr>
+        <p:spPr>
+          <a:xfrm>
+            <a:off x="5152320" y="1326600"/>
+            <a:ext cx="4426560" cy="1568160"/>
+          </a:xfrm>
+          <a:prstGeom prst="rect">
+            <a:avLst/>
+          </a:prstGeom>
+        </p:spPr>
+        <p:txBody>
+          <a:bodyPr lIns="0" tIns="0" rIns="0" bIns="0">
+            <a:normAutofit/>
+          </a:bodyPr>
+          <a:p>
+            <a:endParaRPr lang="en-US" sz="3200" b="0" strike="noStrike" spc="-1">
+              <a:latin typeface="Arial" panose="020B0604020202020204"/>
+            </a:endParaRPr>
+          </a:p>
+        </p:txBody>
+      </p:sp>
+      <p:sp>
+        <p:nvSpPr>
+          <p:cNvPr id="67" name="PlaceHolder 4"/>
+          <p:cNvSpPr>
+            <a:spLocks noGrp="1"/>
+          </p:cNvSpPr>
+          <p:nvPr>
+            <p:ph type="body"/>
+          </p:nvPr>
+        </p:nvSpPr>
+        <p:spPr>
+          <a:xfrm>
+            <a:off x="504000" y="3044160"/>
+            <a:ext cx="4426560" cy="1568160"/>
+          </a:xfrm>
+          <a:prstGeom prst="rect">
+            <a:avLst/>
+          </a:prstGeom>
+        </p:spPr>
+        <p:txBody>
+          <a:bodyPr lIns="0" tIns="0" rIns="0" bIns="0">
+            <a:normAutofit/>
+          </a:bodyPr>
+          <a:p>
+            <a:endParaRPr lang="en-US" sz="3200" b="0" strike="noStrike" spc="-1">
+              <a:latin typeface="Arial" panose="020B0604020202020204"/>
+            </a:endParaRPr>
+          </a:p>
+        </p:txBody>
+      </p:sp>
+      <p:sp>
+        <p:nvSpPr>
+          <p:cNvPr id="68" name="PlaceHolder 5"/>
+          <p:cNvSpPr>
+            <a:spLocks noGrp="1"/>
+          </p:cNvSpPr>
+          <p:nvPr>
+            <p:ph type="body"/>
+          </p:nvPr>
+        </p:nvSpPr>
+        <p:spPr>
+          <a:xfrm>
+            <a:off x="5152320" y="3044160"/>
+            <a:ext cx="4426560" cy="1568160"/>
+          </a:xfrm>
+          <a:prstGeom prst="rect">
+            <a:avLst/>
+          </a:prstGeom>
+        </p:spPr>
+        <p:txBody>
+          <a:bodyPr lIns="0" tIns="0" rIns="0" bIns="0">
+            <a:normAutofit/>
+          </a:bodyPr>
+          <a:p>
+            <a:endParaRPr lang="en-US" sz="3200" b="0" strike="noStrike" spc="-1">
+              <a:latin typeface="Arial" panose="020B0604020202020204"/>
+            </a:endParaRPr>
+          </a:p>
+        </p:txBody>
+      </p:sp>
+    </p:spTree>
+  </p:cSld>
+  <p:clrMapOvr>
+    <a:masterClrMapping/>
+  </p:clrMapOvr>
+</p:sldLayout>
+</file>
+
+<file path=ppt/slideLayouts/slideLayout36.xml><?xml version="1.0" encoding="utf-8"?>
+<p:sldLayout xmlns:a="http://schemas.openxmlformats.org/drawingml/2006/main" xmlns:r="http://schemas.openxmlformats.org/officeDocument/2006/relationships" xmlns:p="http://schemas.openxmlformats.org/presentationml/2006/main" type="blank" preserve="1">
+  <p:cSld name="Title, 6 Content">
+    <p:spTree>
+      <p:nvGrpSpPr>
+        <p:cNvPr id="1" name=""/>
+        <p:cNvGrpSpPr/>
+        <p:nvPr/>
+      </p:nvGrpSpPr>
+      <p:grpSpPr>
+        <a:xfrm>
+          <a:off x="0" y="0"/>
+          <a:ext cx="0" cy="0"/>
+          <a:chOff x="0" y="0"/>
+          <a:chExt cx="0" cy="0"/>
+        </a:xfrm>
+      </p:grpSpPr>
+      <p:sp>
+        <p:nvSpPr>
+          <p:cNvPr id="69" name="PlaceHolder 1"/>
+          <p:cNvSpPr>
+            <a:spLocks noGrp="1"/>
+          </p:cNvSpPr>
+          <p:nvPr>
+            <p:ph type="title"/>
+          </p:nvPr>
+        </p:nvSpPr>
+        <p:spPr>
+          <a:xfrm>
+            <a:off x="504000" y="226080"/>
+            <a:ext cx="9071280" cy="946080"/>
+          </a:xfrm>
+          <a:prstGeom prst="rect">
+            <a:avLst/>
+          </a:prstGeom>
+        </p:spPr>
+        <p:txBody>
+          <a:bodyPr lIns="0" tIns="0" rIns="0" bIns="0" anchor="ctr">
+            <a:noAutofit/>
+          </a:bodyPr>
+          <a:p>
+            <a:pPr algn="ctr"/>
+            <a:endParaRPr lang="en-US" sz="4400" b="0" strike="noStrike" spc="-1">
+              <a:latin typeface="Arial" panose="020B0604020202020204"/>
+            </a:endParaRPr>
+          </a:p>
+        </p:txBody>
+      </p:sp>
+      <p:sp>
+        <p:nvSpPr>
+          <p:cNvPr id="70" name="PlaceHolder 2"/>
+          <p:cNvSpPr>
+            <a:spLocks noGrp="1"/>
+          </p:cNvSpPr>
+          <p:nvPr>
+            <p:ph type="body"/>
+          </p:nvPr>
+        </p:nvSpPr>
+        <p:spPr>
+          <a:xfrm>
+            <a:off x="504000" y="1326600"/>
+            <a:ext cx="2920680" cy="1568160"/>
+          </a:xfrm>
+          <a:prstGeom prst="rect">
+            <a:avLst/>
+          </a:prstGeom>
+        </p:spPr>
+        <p:txBody>
+          <a:bodyPr lIns="0" tIns="0" rIns="0" bIns="0">
+            <a:normAutofit/>
+          </a:bodyPr>
+          <a:p>
+            <a:endParaRPr lang="en-US" sz="3200" b="0" strike="noStrike" spc="-1">
+              <a:latin typeface="Arial" panose="020B0604020202020204"/>
+            </a:endParaRPr>
+          </a:p>
+        </p:txBody>
+      </p:sp>
+      <p:sp>
+        <p:nvSpPr>
+          <p:cNvPr id="71" name="PlaceHolder 3"/>
+          <p:cNvSpPr>
+            <a:spLocks noGrp="1"/>
+          </p:cNvSpPr>
+          <p:nvPr>
+            <p:ph type="body"/>
+          </p:nvPr>
+        </p:nvSpPr>
+        <p:spPr>
+          <a:xfrm>
+            <a:off x="3571200" y="1326600"/>
+            <a:ext cx="2920680" cy="1568160"/>
+          </a:xfrm>
+          <a:prstGeom prst="rect">
+            <a:avLst/>
+          </a:prstGeom>
+        </p:spPr>
+        <p:txBody>
+          <a:bodyPr lIns="0" tIns="0" rIns="0" bIns="0">
+            <a:normAutofit/>
+          </a:bodyPr>
+          <a:p>
+            <a:endParaRPr lang="en-US" sz="3200" b="0" strike="noStrike" spc="-1">
+              <a:latin typeface="Arial" panose="020B0604020202020204"/>
+            </a:endParaRPr>
+          </a:p>
+        </p:txBody>
+      </p:sp>
+      <p:sp>
+        <p:nvSpPr>
+          <p:cNvPr id="72" name="PlaceHolder 4"/>
+          <p:cNvSpPr>
+            <a:spLocks noGrp="1"/>
+          </p:cNvSpPr>
+          <p:nvPr>
+            <p:ph type="body"/>
+          </p:nvPr>
+        </p:nvSpPr>
+        <p:spPr>
+          <a:xfrm>
+            <a:off x="6638040" y="1326600"/>
+            <a:ext cx="2920680" cy="1568160"/>
+          </a:xfrm>
+          <a:prstGeom prst="rect">
+            <a:avLst/>
+          </a:prstGeom>
+        </p:spPr>
+        <p:txBody>
+          <a:bodyPr lIns="0" tIns="0" rIns="0" bIns="0">
+            <a:normAutofit/>
+          </a:bodyPr>
+          <a:p>
+            <a:endParaRPr lang="en-US" sz="3200" b="0" strike="noStrike" spc="-1">
+              <a:latin typeface="Arial" panose="020B0604020202020204"/>
+            </a:endParaRPr>
+          </a:p>
+        </p:txBody>
+      </p:sp>
+      <p:sp>
+        <p:nvSpPr>
+          <p:cNvPr id="73" name="PlaceHolder 5"/>
+          <p:cNvSpPr>
+            <a:spLocks noGrp="1"/>
+          </p:cNvSpPr>
+          <p:nvPr>
+            <p:ph type="body"/>
+          </p:nvPr>
+        </p:nvSpPr>
+        <p:spPr>
+          <a:xfrm>
+            <a:off x="504000" y="3044160"/>
+            <a:ext cx="2920680" cy="1568160"/>
+          </a:xfrm>
+          <a:prstGeom prst="rect">
+            <a:avLst/>
+          </a:prstGeom>
+        </p:spPr>
+        <p:txBody>
+          <a:bodyPr lIns="0" tIns="0" rIns="0" bIns="0">
+            <a:normAutofit/>
+          </a:bodyPr>
+          <a:p>
+            <a:endParaRPr lang="en-US" sz="3200" b="0" strike="noStrike" spc="-1">
+              <a:latin typeface="Arial" panose="020B0604020202020204"/>
+            </a:endParaRPr>
+          </a:p>
+        </p:txBody>
+      </p:sp>
+      <p:sp>
+        <p:nvSpPr>
+          <p:cNvPr id="74" name="PlaceHolder 6"/>
+          <p:cNvSpPr>
+            <a:spLocks noGrp="1"/>
+          </p:cNvSpPr>
+          <p:nvPr>
+            <p:ph type="body"/>
+          </p:nvPr>
+        </p:nvSpPr>
+        <p:spPr>
+          <a:xfrm>
+            <a:off x="3571200" y="3044160"/>
+            <a:ext cx="2920680" cy="1568160"/>
+          </a:xfrm>
+          <a:prstGeom prst="rect">
+            <a:avLst/>
+          </a:prstGeom>
+        </p:spPr>
+        <p:txBody>
+          <a:bodyPr lIns="0" tIns="0" rIns="0" bIns="0">
+            <a:normAutofit/>
+          </a:bodyPr>
+          <a:p>
+            <a:endParaRPr lang="en-US" sz="3200" b="0" strike="noStrike" spc="-1">
+              <a:latin typeface="Arial" panose="020B0604020202020204"/>
+            </a:endParaRPr>
+          </a:p>
+        </p:txBody>
+      </p:sp>
+      <p:sp>
+        <p:nvSpPr>
+          <p:cNvPr id="75" name="PlaceHolder 7"/>
+          <p:cNvSpPr>
+            <a:spLocks noGrp="1"/>
+          </p:cNvSpPr>
+          <p:nvPr>
+            <p:ph type="body"/>
+          </p:nvPr>
+        </p:nvSpPr>
+        <p:spPr>
+          <a:xfrm>
+            <a:off x="6638040" y="3044160"/>
+            <a:ext cx="2920680" cy="1568160"/>
+          </a:xfrm>
+          <a:prstGeom prst="rect">
+            <a:avLst/>
+          </a:prstGeom>
+        </p:spPr>
+        <p:txBody>
+          <a:bodyPr lIns="0" tIns="0" rIns="0" bIns="0">
+            <a:normAutofit/>
+          </a:bodyPr>
+          <a:p>
+            <a:endParaRPr lang="en-US" sz="3200" b="0" strike="noStrike" spc="-1">
+              <a:latin typeface="Arial" panose="020B0604020202020204"/>
+            </a:endParaRPr>
+          </a:p>
+        </p:txBody>
+      </p:sp>
+    </p:spTree>
+  </p:cSld>
+  <p:clrMapOvr>
+    <a:masterClrMapping/>
+  </p:clrMapOvr>
+</p:sldLayout>
+</file>
+
+<file path=ppt/slideLayouts/slideLayout4.xml><?xml version="1.0" encoding="utf-8"?>
+<p:sldLayout xmlns:a="http://schemas.openxmlformats.org/drawingml/2006/main" xmlns:r="http://schemas.openxmlformats.org/officeDocument/2006/relationships" xmlns:p="http://schemas.openxmlformats.org/presentationml/2006/main" type="twoObj" preserve="1">
+  <p:cSld name="Title, 2 Content">
+    <p:spTree>
+      <p:nvGrpSpPr>
+        <p:cNvPr id="1" name=""/>
+        <p:cNvGrpSpPr/>
+        <p:nvPr/>
+      </p:nvGrpSpPr>
+      <p:grpSpPr>
+        <a:xfrm>
+          <a:off x="0" y="0"/>
+          <a:ext cx="0" cy="0"/>
+          <a:chOff x="0" y="0"/>
+          <a:chExt cx="0" cy="0"/>
+        </a:xfrm>
+      </p:grpSpPr>
+      <p:sp>
+        <p:nvSpPr>
+          <p:cNvPr id="6" name="PlaceHolder 1"/>
+          <p:cNvSpPr>
+            <a:spLocks noGrp="1"/>
+          </p:cNvSpPr>
+          <p:nvPr>
+            <p:ph type="title"/>
+          </p:nvPr>
+        </p:nvSpPr>
+        <p:spPr>
+          <a:xfrm>
+            <a:off x="504000" y="226080"/>
+            <a:ext cx="9071280" cy="946080"/>
+          </a:xfrm>
+          <a:prstGeom prst="rect">
+            <a:avLst/>
+          </a:prstGeom>
+        </p:spPr>
+        <p:txBody>
+          <a:bodyPr lIns="0" tIns="0" rIns="0" bIns="0" anchor="ctr">
+            <a:noAutofit/>
+          </a:bodyPr>
+          <a:p>
+            <a:pPr algn="ctr"/>
+            <a:endParaRPr lang="en-US" sz="4400" b="0" strike="noStrike" spc="-1">
+              <a:latin typeface="Arial" panose="020B0604020202020204"/>
+            </a:endParaRPr>
+          </a:p>
+        </p:txBody>
+      </p:sp>
+      <p:sp>
+        <p:nvSpPr>
+          <p:cNvPr id="7" name="PlaceHolder 2"/>
+          <p:cNvSpPr>
+            <a:spLocks noGrp="1"/>
+          </p:cNvSpPr>
+          <p:nvPr>
+            <p:ph type="body"/>
+          </p:nvPr>
+        </p:nvSpPr>
+        <p:spPr>
+          <a:xfrm>
+            <a:off x="504000" y="1326600"/>
+            <a:ext cx="4426560" cy="3287880"/>
+          </a:xfrm>
+          <a:prstGeom prst="rect">
+            <a:avLst/>
+          </a:prstGeom>
+        </p:spPr>
+        <p:txBody>
+          <a:bodyPr lIns="0" tIns="0" rIns="0" bIns="0">
+            <a:normAutofit/>
+          </a:bodyPr>
+          <a:p>
+            <a:endParaRPr lang="en-US" sz="3200" b="0" strike="noStrike" spc="-1">
+              <a:latin typeface="Arial" panose="020B0604020202020204"/>
+            </a:endParaRPr>
+          </a:p>
+        </p:txBody>
+      </p:sp>
+      <p:sp>
+        <p:nvSpPr>
+          <p:cNvPr id="8" name="PlaceHolder 3"/>
+          <p:cNvSpPr>
+            <a:spLocks noGrp="1"/>
+          </p:cNvSpPr>
+          <p:nvPr>
+            <p:ph type="body"/>
+          </p:nvPr>
+        </p:nvSpPr>
+        <p:spPr>
+          <a:xfrm>
+            <a:off x="5152320" y="1326600"/>
+            <a:ext cx="4426560" cy="3287880"/>
+          </a:xfrm>
+          <a:prstGeom prst="rect">
+            <a:avLst/>
+          </a:prstGeom>
+        </p:spPr>
+        <p:txBody>
+          <a:bodyPr lIns="0" tIns="0" rIns="0" bIns="0">
+            <a:normAutofit/>
+          </a:bodyPr>
+          <a:p>
+            <a:endParaRPr lang="en-US" sz="3200" b="0" strike="noStrike" spc="-1">
+              <a:latin typeface="Arial" panose="020B0604020202020204"/>
+            </a:endParaRPr>
+          </a:p>
+        </p:txBody>
+      </p:sp>
+    </p:spTree>
+  </p:cSld>
+  <p:clrMapOvr>
+    <a:masterClrMapping/>
+  </p:clrMapOvr>
+</p:sldLayout>
+</file>
+
+<file path=ppt/slideLayouts/slideLayout5.xml><?xml version="1.0" encoding="utf-8"?>
+<p:sldLayout xmlns:a="http://schemas.openxmlformats.org/drawingml/2006/main" xmlns:r="http://schemas.openxmlformats.org/officeDocument/2006/relationships" xmlns:p="http://schemas.openxmlformats.org/presentationml/2006/main" type="titleOnly" preserve="1">
+  <p:cSld name="Title Only">
+    <p:spTree>
+      <p:nvGrpSpPr>
+        <p:cNvPr id="1" name=""/>
+        <p:cNvGrpSpPr/>
+        <p:nvPr/>
+      </p:nvGrpSpPr>
+      <p:grpSpPr>
+        <a:xfrm>
+          <a:off x="0" y="0"/>
+          <a:ext cx="0" cy="0"/>
+          <a:chOff x="0" y="0"/>
+          <a:chExt cx="0" cy="0"/>
+        </a:xfrm>
+      </p:grpSpPr>
+      <p:sp>
+        <p:nvSpPr>
+          <p:cNvPr id="9" name="PlaceHolder 1"/>
+          <p:cNvSpPr>
+            <a:spLocks noGrp="1"/>
+          </p:cNvSpPr>
+          <p:nvPr>
+            <p:ph type="title"/>
+          </p:nvPr>
+        </p:nvSpPr>
+        <p:spPr>
+          <a:xfrm>
+            <a:off x="504000" y="226080"/>
+            <a:ext cx="9071280" cy="946080"/>
+          </a:xfrm>
+          <a:prstGeom prst="rect">
+            <a:avLst/>
+          </a:prstGeom>
+        </p:spPr>
+        <p:txBody>
+          <a:bodyPr lIns="0" tIns="0" rIns="0" bIns="0" anchor="ctr">
+            <a:noAutofit/>
+          </a:bodyPr>
+          <a:p>
+            <a:pPr algn="ctr"/>
+            <a:endParaRPr lang="en-US" sz="4400" b="0" strike="noStrike" spc="-1">
+              <a:latin typeface="Arial" panose="020B0604020202020204"/>
+            </a:endParaRPr>
+          </a:p>
+        </p:txBody>
+      </p:sp>
+    </p:spTree>
+  </p:cSld>
+  <p:clrMapOvr>
+    <a:masterClrMapping/>
+  </p:clrMapOvr>
+</p:sldLayout>
+</file>
+
+<file path=ppt/slideLayouts/slideLayout6.xml><?xml version="1.0" encoding="utf-8"?>
+<p:sldLayout xmlns:a="http://schemas.openxmlformats.org/drawingml/2006/main" xmlns:r="http://schemas.openxmlformats.org/officeDocument/2006/relationships" xmlns:p="http://schemas.openxmlformats.org/presentationml/2006/main" type="objOnly" preserve="1">
+  <p:cSld name="Centered Text">
+    <p:spTree>
+      <p:nvGrpSpPr>
+        <p:cNvPr id="1" name=""/>
+        <p:cNvGrpSpPr/>
+        <p:nvPr/>
+      </p:nvGrpSpPr>
+      <p:grpSpPr>
+        <a:xfrm>
+          <a:off x="0" y="0"/>
+          <a:ext cx="0" cy="0"/>
+          <a:chOff x="0" y="0"/>
+          <a:chExt cx="0" cy="0"/>
+        </a:xfrm>
+      </p:grpSpPr>
+      <p:sp>
+        <p:nvSpPr>
+          <p:cNvPr id="10" name="PlaceHolder 1"/>
+          <p:cNvSpPr>
+            <a:spLocks noGrp="1"/>
+          </p:cNvSpPr>
+          <p:nvPr>
+            <p:ph type="subTitle"/>
+          </p:nvPr>
+        </p:nvSpPr>
+        <p:spPr>
+          <a:xfrm>
+            <a:off x="504000" y="226080"/>
+            <a:ext cx="9071280" cy="4386600"/>
+          </a:xfrm>
+          <a:prstGeom prst="rect">
+            <a:avLst/>
+          </a:prstGeom>
+        </p:spPr>
+        <p:txBody>
+          <a:bodyPr lIns="0" tIns="0" rIns="0" bIns="0" anchor="ctr">
+            <a:noAutofit/>
+          </a:bodyPr>
+          <a:p>
+            <a:pPr algn="ctr"/>
+            <a:endParaRPr lang="en-US" sz="3200" b="0" strike="noStrike" spc="-1">
+              <a:latin typeface="Arial" panose="020B0604020202020204"/>
+            </a:endParaRPr>
+          </a:p>
+        </p:txBody>
+      </p:sp>
+    </p:spTree>
+  </p:cSld>
+  <p:clrMapOvr>
+    <a:masterClrMapping/>
+  </p:clrMapOvr>
+</p:sldLayout>
+</file>
+
+<file path=ppt/slideLayouts/slideLayout7.xml><?xml version="1.0" encoding="utf-8"?>
+<p:sldLayout xmlns:a="http://schemas.openxmlformats.org/drawingml/2006/main" xmlns:r="http://schemas.openxmlformats.org/officeDocument/2006/relationships" xmlns:p="http://schemas.openxmlformats.org/presentationml/2006/main" type="twoObjAndObj" preserve="1">
+  <p:cSld name="Title, 2 Content and Content">
+    <p:spTree>
+      <p:nvGrpSpPr>
+        <p:cNvPr id="1" name=""/>
+        <p:cNvGrpSpPr/>
+        <p:nvPr/>
+      </p:nvGrpSpPr>
+      <p:grpSpPr>
+        <a:xfrm>
+          <a:off x="0" y="0"/>
+          <a:ext cx="0" cy="0"/>
+          <a:chOff x="0" y="0"/>
+          <a:chExt cx="0" cy="0"/>
+        </a:xfrm>
+      </p:grpSpPr>
+      <p:sp>
+        <p:nvSpPr>
+          <p:cNvPr id="11" name="PlaceHolder 1"/>
+          <p:cNvSpPr>
+            <a:spLocks noGrp="1"/>
+          </p:cNvSpPr>
+          <p:nvPr>
+            <p:ph type="title"/>
+          </p:nvPr>
+        </p:nvSpPr>
+        <p:spPr>
+          <a:xfrm>
+            <a:off x="504000" y="226080"/>
+            <a:ext cx="9071280" cy="946080"/>
+          </a:xfrm>
+          <a:prstGeom prst="rect">
+            <a:avLst/>
+          </a:prstGeom>
+        </p:spPr>
+        <p:txBody>
+          <a:bodyPr lIns="0" tIns="0" rIns="0" bIns="0" anchor="ctr">
+            <a:noAutofit/>
+          </a:bodyPr>
+          <a:p>
+            <a:pPr algn="ctr"/>
+            <a:endParaRPr lang="en-US" sz="4400" b="0" strike="noStrike" spc="-1">
+              <a:latin typeface="Arial" panose="020B0604020202020204"/>
+            </a:endParaRPr>
+          </a:p>
+        </p:txBody>
+      </p:sp>
+      <p:sp>
+        <p:nvSpPr>
+          <p:cNvPr id="12" name="PlaceHolder 2"/>
+          <p:cNvSpPr>
+            <a:spLocks noGrp="1"/>
+          </p:cNvSpPr>
+          <p:nvPr>
+            <p:ph type="body"/>
+          </p:nvPr>
+        </p:nvSpPr>
+        <p:spPr>
+          <a:xfrm>
+            <a:off x="504000" y="1326600"/>
+            <a:ext cx="4426560" cy="1568160"/>
+          </a:xfrm>
+          <a:prstGeom prst="rect">
+            <a:avLst/>
+          </a:prstGeom>
+        </p:spPr>
+        <p:txBody>
+          <a:bodyPr lIns="0" tIns="0" rIns="0" bIns="0">
+            <a:normAutofit/>
+          </a:bodyPr>
+          <a:p>
+            <a:endParaRPr lang="en-US" sz="3200" b="0" strike="noStrike" spc="-1">
+              <a:latin typeface="Arial" panose="020B0604020202020204"/>
+            </a:endParaRPr>
+          </a:p>
+        </p:txBody>
+      </p:sp>
+      <p:sp>
+        <p:nvSpPr>
+          <p:cNvPr id="13" name="PlaceHolder 3"/>
+          <p:cNvSpPr>
+            <a:spLocks noGrp="1"/>
+          </p:cNvSpPr>
+          <p:nvPr>
+            <p:ph type="body"/>
+          </p:nvPr>
+        </p:nvSpPr>
+        <p:spPr>
+          <a:xfrm>
+            <a:off x="5152320" y="1326600"/>
+            <a:ext cx="4426560" cy="3287880"/>
+          </a:xfrm>
+          <a:prstGeom prst="rect">
+            <a:avLst/>
+          </a:prstGeom>
+        </p:spPr>
+        <p:txBody>
+          <a:bodyPr lIns="0" tIns="0" rIns="0" bIns="0">
+            <a:normAutofit/>
+          </a:bodyPr>
+          <a:p>
+            <a:endParaRPr lang="en-US" sz="3200" b="0" strike="noStrike" spc="-1">
+              <a:latin typeface="Arial" panose="020B0604020202020204"/>
+            </a:endParaRPr>
+          </a:p>
+        </p:txBody>
+      </p:sp>
+      <p:sp>
+        <p:nvSpPr>
+          <p:cNvPr id="14" name="PlaceHolder 4"/>
+          <p:cNvSpPr>
+            <a:spLocks noGrp="1"/>
+          </p:cNvSpPr>
+          <p:nvPr>
+            <p:ph type="body"/>
+          </p:nvPr>
+        </p:nvSpPr>
+        <p:spPr>
+          <a:xfrm>
+            <a:off x="504000" y="3044160"/>
+            <a:ext cx="4426560" cy="1568160"/>
+          </a:xfrm>
+          <a:prstGeom prst="rect">
+            <a:avLst/>
+          </a:prstGeom>
+        </p:spPr>
+        <p:txBody>
+          <a:bodyPr lIns="0" tIns="0" rIns="0" bIns="0">
+            <a:normAutofit/>
+          </a:bodyPr>
+          <a:p>
+            <a:endParaRPr lang="en-US" sz="3200" b="0" strike="noStrike" spc="-1">
+              <a:latin typeface="Arial" panose="020B0604020202020204"/>
+            </a:endParaRPr>
+          </a:p>
+        </p:txBody>
+      </p:sp>
+    </p:spTree>
+  </p:cSld>
+  <p:clrMapOvr>
+    <a:masterClrMapping/>
+  </p:clrMapOvr>
+</p:sldLayout>
+</file>
+
+<file path=ppt/slideLayouts/slideLayout8.xml><?xml version="1.0" encoding="utf-8"?>
+<p:sldLayout xmlns:a="http://schemas.openxmlformats.org/drawingml/2006/main" xmlns:r="http://schemas.openxmlformats.org/officeDocument/2006/relationships" xmlns:p="http://schemas.openxmlformats.org/presentationml/2006/main" type="objAndTwoObj" preserve="1">
+  <p:cSld name="Title Content and 2 Content">
+    <p:spTree>
+      <p:nvGrpSpPr>
+        <p:cNvPr id="1" name=""/>
+        <p:cNvGrpSpPr/>
+        <p:nvPr/>
+      </p:nvGrpSpPr>
+      <p:grpSpPr>
+        <a:xfrm>
+          <a:off x="0" y="0"/>
+          <a:ext cx="0" cy="0"/>
+          <a:chOff x="0" y="0"/>
+          <a:chExt cx="0" cy="0"/>
+        </a:xfrm>
+      </p:grpSpPr>
+      <p:sp>
+        <p:nvSpPr>
+          <p:cNvPr id="15" name="PlaceHolder 1"/>
+          <p:cNvSpPr>
+            <a:spLocks noGrp="1"/>
+          </p:cNvSpPr>
+          <p:nvPr>
+            <p:ph type="title"/>
+          </p:nvPr>
+        </p:nvSpPr>
+        <p:spPr>
+          <a:xfrm>
+            <a:off x="504000" y="226080"/>
+            <a:ext cx="9071280" cy="946080"/>
+          </a:xfrm>
+          <a:prstGeom prst="rect">
+            <a:avLst/>
+          </a:prstGeom>
+        </p:spPr>
+        <p:txBody>
+          <a:bodyPr lIns="0" tIns="0" rIns="0" bIns="0" anchor="ctr">
+            <a:noAutofit/>
+          </a:bodyPr>
+          <a:p>
+            <a:pPr algn="ctr"/>
+            <a:endParaRPr lang="en-US" sz="4400" b="0" strike="noStrike" spc="-1">
+              <a:latin typeface="Arial" panose="020B0604020202020204"/>
+            </a:endParaRPr>
+          </a:p>
+        </p:txBody>
+      </p:sp>
+      <p:sp>
+        <p:nvSpPr>
+          <p:cNvPr id="16" name="PlaceHolder 2"/>
+          <p:cNvSpPr>
+            <a:spLocks noGrp="1"/>
+          </p:cNvSpPr>
+          <p:nvPr>
+            <p:ph type="body"/>
+          </p:nvPr>
+        </p:nvSpPr>
+        <p:spPr>
+          <a:xfrm>
+            <a:off x="504000" y="1326600"/>
+            <a:ext cx="4426560" cy="3287880"/>
+          </a:xfrm>
+          <a:prstGeom prst="rect">
+            <a:avLst/>
+          </a:prstGeom>
+        </p:spPr>
+        <p:txBody>
+          <a:bodyPr lIns="0" tIns="0" rIns="0" bIns="0">
+            <a:normAutofit/>
+          </a:bodyPr>
+          <a:p>
+            <a:endParaRPr lang="en-US" sz="3200" b="0" strike="noStrike" spc="-1">
+              <a:latin typeface="Arial" panose="020B0604020202020204"/>
+            </a:endParaRPr>
+          </a:p>
+        </p:txBody>
+      </p:sp>
+      <p:sp>
+        <p:nvSpPr>
+          <p:cNvPr id="17" name="PlaceHolder 3"/>
+          <p:cNvSpPr>
+            <a:spLocks noGrp="1"/>
+          </p:cNvSpPr>
+          <p:nvPr>
+            <p:ph type="body"/>
+          </p:nvPr>
+        </p:nvSpPr>
+        <p:spPr>
+          <a:xfrm>
+            <a:off x="5152320" y="1326600"/>
+            <a:ext cx="4426560" cy="1568160"/>
+          </a:xfrm>
+          <a:prstGeom prst="rect">
+            <a:avLst/>
+          </a:prstGeom>
+        </p:spPr>
+        <p:txBody>
+          <a:bodyPr lIns="0" tIns="0" rIns="0" bIns="0">
+            <a:normAutofit/>
+          </a:bodyPr>
+          <a:p>
+            <a:endParaRPr lang="en-US" sz="3200" b="0" strike="noStrike" spc="-1">
+              <a:latin typeface="Arial" panose="020B0604020202020204"/>
+            </a:endParaRPr>
+          </a:p>
+        </p:txBody>
+      </p:sp>
+      <p:sp>
+        <p:nvSpPr>
+          <p:cNvPr id="18" name="PlaceHolder 4"/>
+          <p:cNvSpPr>
+            <a:spLocks noGrp="1"/>
+          </p:cNvSpPr>
+          <p:nvPr>
+            <p:ph type="body"/>
+          </p:nvPr>
+        </p:nvSpPr>
+        <p:spPr>
+          <a:xfrm>
+            <a:off x="5152320" y="3044160"/>
+            <a:ext cx="4426560" cy="1568160"/>
+          </a:xfrm>
+          <a:prstGeom prst="rect">
+            <a:avLst/>
+          </a:prstGeom>
+        </p:spPr>
+        <p:txBody>
+          <a:bodyPr lIns="0" tIns="0" rIns="0" bIns="0">
+            <a:normAutofit/>
+          </a:bodyPr>
+          <a:p>
+            <a:endParaRPr lang="en-US" sz="3200" b="0" strike="noStrike" spc="-1">
+              <a:latin typeface="Arial" panose="020B0604020202020204"/>
+            </a:endParaRPr>
+          </a:p>
+        </p:txBody>
+      </p:sp>
+    </p:spTree>
+  </p:cSld>
+  <p:clrMapOvr>
+    <a:masterClrMapping/>
+  </p:clrMapOvr>
+</p:sldLayout>
+</file>
+
+<file path=ppt/slideLayouts/slideLayout9.xml><?xml version="1.0" encoding="utf-8"?>
+<p:sldLayout xmlns:a="http://schemas.openxmlformats.org/drawingml/2006/main" xmlns:r="http://schemas.openxmlformats.org/officeDocument/2006/relationships" xmlns:p="http://schemas.openxmlformats.org/presentationml/2006/main" type="twoObjOverTx" preserve="1">
+  <p:cSld name="Title, 2 Content over Content">
+    <p:spTree>
+      <p:nvGrpSpPr>
+        <p:cNvPr id="1" name=""/>
+        <p:cNvGrpSpPr/>
+        <p:nvPr/>
+      </p:nvGrpSpPr>
+      <p:grpSpPr>
+        <a:xfrm>
+          <a:off x="0" y="0"/>
+          <a:ext cx="0" cy="0"/>
+          <a:chOff x="0" y="0"/>
+          <a:chExt cx="0" cy="0"/>
+        </a:xfrm>
+      </p:grpSpPr>
+      <p:sp>
+        <p:nvSpPr>
+          <p:cNvPr id="19" name="PlaceHolder 1"/>
+          <p:cNvSpPr>
+            <a:spLocks noGrp="1"/>
+          </p:cNvSpPr>
+          <p:nvPr>
+            <p:ph type="title"/>
+          </p:nvPr>
+        </p:nvSpPr>
+        <p:spPr>
+          <a:xfrm>
+            <a:off x="504000" y="226080"/>
+            <a:ext cx="9071280" cy="946080"/>
+          </a:xfrm>
+          <a:prstGeom prst="rect">
+            <a:avLst/>
+          </a:prstGeom>
+        </p:spPr>
+        <p:txBody>
+          <a:bodyPr lIns="0" tIns="0" rIns="0" bIns="0" anchor="ctr">
+            <a:noAutofit/>
+          </a:bodyPr>
+          <a:p>
+            <a:pPr algn="ctr"/>
+            <a:endParaRPr lang="en-US" sz="4400" b="0" strike="noStrike" spc="-1">
+              <a:latin typeface="Arial" panose="020B0604020202020204"/>
+            </a:endParaRPr>
+          </a:p>
+        </p:txBody>
+      </p:sp>
+      <p:sp>
+        <p:nvSpPr>
+          <p:cNvPr id="20" name="PlaceHolder 2"/>
+          <p:cNvSpPr>
+            <a:spLocks noGrp="1"/>
+          </p:cNvSpPr>
+          <p:nvPr>
+            <p:ph type="body"/>
+          </p:nvPr>
+        </p:nvSpPr>
+        <p:spPr>
+          <a:xfrm>
+            <a:off x="504000" y="1326600"/>
+            <a:ext cx="4426560" cy="1568160"/>
+          </a:xfrm>
+          <a:prstGeom prst="rect">
+            <a:avLst/>
+          </a:prstGeom>
+        </p:spPr>
+        <p:txBody>
+          <a:bodyPr lIns="0" tIns="0" rIns="0" bIns="0">
+            <a:normAutofit/>
+          </a:bodyPr>
+          <a:p>
+            <a:endParaRPr lang="en-US" sz="3200" b="0" strike="noStrike" spc="-1">
+              <a:latin typeface="Arial" panose="020B0604020202020204"/>
+            </a:endParaRPr>
+          </a:p>
+        </p:txBody>
+      </p:sp>
+      <p:sp>
+        <p:nvSpPr>
+          <p:cNvPr id="21" name="PlaceHolder 3"/>
+          <p:cNvSpPr>
+            <a:spLocks noGrp="1"/>
+          </p:cNvSpPr>
+          <p:nvPr>
+            <p:ph type="body"/>
+          </p:nvPr>
+        </p:nvSpPr>
+        <p:spPr>
+          <a:xfrm>
+            <a:off x="5152320" y="1326600"/>
+            <a:ext cx="4426560" cy="1568160"/>
+          </a:xfrm>
+          <a:prstGeom prst="rect">
+            <a:avLst/>
+          </a:prstGeom>
+        </p:spPr>
+        <p:txBody>
+          <a:bodyPr lIns="0" tIns="0" rIns="0" bIns="0">
+            <a:normAutofit/>
+          </a:bodyPr>
+          <a:p>
+            <a:endParaRPr lang="en-US" sz="3200" b="0" strike="noStrike" spc="-1">
+              <a:latin typeface="Arial" panose="020B0604020202020204"/>
+            </a:endParaRPr>
+          </a:p>
+        </p:txBody>
+      </p:sp>
+      <p:sp>
+        <p:nvSpPr>
+          <p:cNvPr id="22" name="PlaceHolder 4"/>
+          <p:cNvSpPr>
+            <a:spLocks noGrp="1"/>
+          </p:cNvSpPr>
+          <p:nvPr>
+            <p:ph type="body"/>
+          </p:nvPr>
+        </p:nvSpPr>
+        <p:spPr>
+          <a:xfrm>
+            <a:off x="504000" y="3044160"/>
+            <a:ext cx="9071280" cy="1568160"/>
+          </a:xfrm>
+          <a:prstGeom prst="rect">
+            <a:avLst/>
+          </a:prstGeom>
+        </p:spPr>
+        <p:txBody>
+          <a:bodyPr lIns="0" tIns="0" rIns="0" bIns="0">
+            <a:normAutofit/>
+          </a:bodyPr>
+          <a:p>
+            <a:endParaRPr lang="en-US" sz="3200" b="0" strike="noStrike" spc="-1">
+              <a:latin typeface="Arial" panose="020B0604020202020204"/>
+            </a:endParaRPr>
+          </a:p>
+        </p:txBody>
+      </p:sp>
+    </p:spTree>
+  </p:cSld>
+  <p:clrMapOvr>
+    <a:masterClrMapping/>
+  </p:clrMapOvr>
 </p:sldLayout>
 </file>
 
 <file path=ppt/slideMasters/slideMaster1.xml><?xml version="1.0" encoding="utf-8"?>
-<p:sldMaster xmlns:a="http://schemas.openxmlformats.org/drawingml/2006/main" xmlns:p="http://schemas.openxmlformats.org/presentationml/2006/main" xmlns:r="http://schemas.openxmlformats.org/officeDocument/2006/relationships" xmlns:p14="http://schemas.microsoft.com/office/powerpoint/2010/main" xmlns:p15="http://schemas.microsoft.com/office/powerpoint/2012/main" xmlns:mc="http://schemas.openxmlformats.org/markup-compatibility/2006">
+<p:sldMaster xmlns:a="http://schemas.openxmlformats.org/drawingml/2006/main" xmlns:r="http://schemas.openxmlformats.org/officeDocument/2006/relationships" xmlns:p="http://schemas.openxmlformats.org/presentationml/2006/main">
+  <p:cSld>
+    <p:bg>
+      <p:bgRef idx="1001">
+        <a:schemeClr val="bg1"/>
+      </p:bgRef>
+    </p:bg>
+    <p:spTree>
+      <p:nvGrpSpPr>
+        <p:cNvPr id="1" name=""/>
+        <p:cNvGrpSpPr/>
+        <p:nvPr/>
+      </p:nvGrpSpPr>
+      <p:grpSpPr>
+        <a:xfrm>
+          <a:off x="0" y="0"/>
+          <a:ext cx="0" cy="0"/>
+          <a:chOff x="0" y="0"/>
+          <a:chExt cx="0" cy="0"/>
+        </a:xfrm>
+      </p:grpSpPr>
+      <p:sp>
+        <p:nvSpPr>
+          <p:cNvPr id="0" name="PlaceHolder 1"/>
+          <p:cNvSpPr>
+            <a:spLocks noGrp="1"/>
+          </p:cNvSpPr>
+          <p:nvPr>
+            <p:ph type="title"/>
+          </p:nvPr>
+        </p:nvSpPr>
+        <p:spPr>
+          <a:xfrm>
+            <a:off x="504000" y="226080"/>
+            <a:ext cx="9071280" cy="946080"/>
+          </a:xfrm>
+          <a:prstGeom prst="rect">
+            <a:avLst/>
+          </a:prstGeom>
+        </p:spPr>
+        <p:txBody>
+          <a:bodyPr lIns="0" tIns="0" rIns="0" bIns="0" anchor="ctr">
+            <a:noAutofit/>
+          </a:bodyPr>
+          <a:p>
+            <a:r>
+              <a:rPr lang="en-US" sz="1800" b="0" strike="noStrike" spc="-1">
+                <a:latin typeface="Arial" panose="020B0604020202020204"/>
+              </a:rPr>
+              <a:t>Click to edit the title text format</a:t>
+            </a:r>
+            <a:endParaRPr lang="en-US" sz="1800" b="0" strike="noStrike" spc="-1">
+              <a:latin typeface="Arial" panose="020B0604020202020204"/>
+            </a:endParaRPr>
+          </a:p>
+        </p:txBody>
+      </p:sp>
+      <p:sp>
+        <p:nvSpPr>
+          <p:cNvPr id="2" name="PlaceHolder 2"/>
+          <p:cNvSpPr>
+            <a:spLocks noGrp="1"/>
+          </p:cNvSpPr>
+          <p:nvPr>
+            <p:ph type="body"/>
+          </p:nvPr>
+        </p:nvSpPr>
+        <p:spPr>
+          <a:xfrm>
+            <a:off x="504000" y="1326600"/>
+            <a:ext cx="9072000" cy="3288600"/>
+          </a:xfrm>
+          <a:prstGeom prst="rect">
+            <a:avLst/>
+          </a:prstGeom>
+        </p:spPr>
+        <p:txBody>
+          <a:bodyPr lIns="0" tIns="0" rIns="0" bIns="0">
+            <a:normAutofit/>
+          </a:bodyPr>
+          <a:p>
+            <a:pPr marL="431800" indent="-323850">
+              <a:spcBef>
+                <a:spcPts val="1415"/>
+              </a:spcBef>
+              <a:buClr>
+                <a:srgbClr val="000000"/>
+              </a:buClr>
+              <a:buSzPct val="45000"/>
+              <a:buFont typeface="Wingdings" panose="05000000000000000000" pitchFamily="2" charset="2"/>
+              <a:buChar char=""/>
+            </a:pPr>
+            <a:r>
+              <a:rPr lang="en-US" sz="3200" b="0" strike="noStrike" spc="-1">
+                <a:latin typeface="Arial" panose="020B0604020202020204"/>
+              </a:rPr>
+              <a:t>Click to edit the outline text format</a:t>
+            </a:r>
+            <a:endParaRPr lang="en-US" sz="3200" b="0" strike="noStrike" spc="-1">
+              <a:latin typeface="Arial" panose="020B0604020202020204"/>
+            </a:endParaRPr>
+          </a:p>
+          <a:p>
+            <a:pPr marL="864235" lvl="1" indent="-323850">
+              <a:spcBef>
+                <a:spcPts val="1135"/>
+              </a:spcBef>
+              <a:buClr>
+                <a:srgbClr val="000000"/>
+              </a:buClr>
+              <a:buSzPct val="75000"/>
+              <a:buFont typeface="Symbol" panose="05050102010706020507" charset="2"/>
+              <a:buChar char=""/>
+            </a:pPr>
+            <a:r>
+              <a:rPr lang="en-US" sz="2800" b="0" strike="noStrike" spc="-1">
+                <a:latin typeface="Arial" panose="020B0604020202020204"/>
+              </a:rPr>
+              <a:t>Second Outline Level</a:t>
+            </a:r>
+            <a:endParaRPr lang="en-US" sz="2800" b="0" strike="noStrike" spc="-1">
+              <a:latin typeface="Arial" panose="020B0604020202020204"/>
+            </a:endParaRPr>
+          </a:p>
+          <a:p>
+            <a:pPr marL="1296035" lvl="2" indent="-288290">
+              <a:spcBef>
+                <a:spcPts val="850"/>
+              </a:spcBef>
+              <a:buClr>
+                <a:srgbClr val="000000"/>
+              </a:buClr>
+              <a:buSzPct val="45000"/>
+              <a:buFont typeface="Wingdings" panose="05000000000000000000" pitchFamily="2" charset="2"/>
+              <a:buChar char=""/>
+            </a:pPr>
+            <a:r>
+              <a:rPr lang="en-US" sz="2400" b="0" strike="noStrike" spc="-1">
+                <a:latin typeface="Arial" panose="020B0604020202020204"/>
+              </a:rPr>
+              <a:t>Third Outline Level</a:t>
+            </a:r>
+            <a:endParaRPr lang="en-US" sz="2400" b="0" strike="noStrike" spc="-1">
+              <a:latin typeface="Arial" panose="020B0604020202020204"/>
+            </a:endParaRPr>
+          </a:p>
+          <a:p>
+            <a:pPr marL="1727835" lvl="3" indent="-215900">
+              <a:spcBef>
+                <a:spcPts val="565"/>
+              </a:spcBef>
+              <a:buClr>
+                <a:srgbClr val="000000"/>
+              </a:buClr>
+              <a:buSzPct val="75000"/>
+              <a:buFont typeface="Symbol" panose="05050102010706020507" charset="2"/>
+              <a:buChar char=""/>
+            </a:pPr>
+            <a:r>
+              <a:rPr lang="en-US" sz="2000" b="0" strike="noStrike" spc="-1">
+                <a:latin typeface="Arial" panose="020B0604020202020204"/>
+              </a:rPr>
+              <a:t>Fourth Outline Level</a:t>
+            </a:r>
+            <a:endParaRPr lang="en-US" sz="2000" b="0" strike="noStrike" spc="-1">
+              <a:latin typeface="Arial" panose="020B0604020202020204"/>
+            </a:endParaRPr>
+          </a:p>
+          <a:p>
+            <a:pPr marL="2160270" lvl="4" indent="-215900">
+              <a:spcBef>
+                <a:spcPts val="285"/>
+              </a:spcBef>
+              <a:buClr>
+                <a:srgbClr val="000000"/>
+              </a:buClr>
+              <a:buSzPct val="45000"/>
+              <a:buFont typeface="Wingdings" panose="05000000000000000000" pitchFamily="2" charset="2"/>
+              <a:buChar char=""/>
+            </a:pPr>
+            <a:r>
+              <a:rPr lang="en-US" sz="2000" b="0" strike="noStrike" spc="-1">
+                <a:latin typeface="Arial" panose="020B0604020202020204"/>
+              </a:rPr>
+              <a:t>Fifth Outline Level</a:t>
+            </a:r>
+            <a:endParaRPr lang="en-US" sz="2000" b="0" strike="noStrike" spc="-1">
+              <a:latin typeface="Arial" panose="020B0604020202020204"/>
+            </a:endParaRPr>
+          </a:p>
+          <a:p>
+            <a:pPr marL="2592070" lvl="5" indent="-215900">
+              <a:spcBef>
+                <a:spcPts val="285"/>
+              </a:spcBef>
+              <a:buClr>
+                <a:srgbClr val="000000"/>
+              </a:buClr>
+              <a:buSzPct val="45000"/>
+              <a:buFont typeface="Wingdings" panose="05000000000000000000" pitchFamily="2" charset="2"/>
+              <a:buChar char=""/>
+            </a:pPr>
+            <a:r>
+              <a:rPr lang="en-US" sz="2000" b="0" strike="noStrike" spc="-1">
+                <a:latin typeface="Arial" panose="020B0604020202020204"/>
+              </a:rPr>
+              <a:t>Sixth Outline Level</a:t>
+            </a:r>
+            <a:endParaRPr lang="en-US" sz="2000" b="0" strike="noStrike" spc="-1">
+              <a:latin typeface="Arial" panose="020B0604020202020204"/>
+            </a:endParaRPr>
+          </a:p>
+          <a:p>
+            <a:pPr marL="3023870" lvl="6" indent="-215900">
+              <a:spcBef>
+                <a:spcPts val="285"/>
+              </a:spcBef>
+              <a:buClr>
+                <a:srgbClr val="000000"/>
+              </a:buClr>
+              <a:buSzPct val="45000"/>
+              <a:buFont typeface="Wingdings" panose="05000000000000000000" pitchFamily="2" charset="2"/>
+              <a:buChar char=""/>
+            </a:pPr>
+            <a:r>
+              <a:rPr lang="en-US" sz="2000" b="0" strike="noStrike" spc="-1">
+                <a:latin typeface="Arial" panose="020B0604020202020204"/>
+              </a:rPr>
+              <a:t>Seventh Outline Level</a:t>
+            </a:r>
+            <a:endParaRPr lang="en-US" sz="2000" b="0" strike="noStrike" spc="-1">
+              <a:latin typeface="Arial" panose="020B0604020202020204"/>
+            </a:endParaRPr>
+          </a:p>
+        </p:txBody>
+      </p:sp>
+    </p:spTree>
+  </p:cSld>
+  <p:clrMap bg1="lt1" tx1="dk1" bg2="lt2" tx2="dk2" accent1="accent1" accent2="accent2" accent3="accent3" accent4="accent4" accent5="accent5" accent6="accent6" hlink="hlink" folHlink="folHlink"/>
+  <p:sldLayoutIdLst>
+    <p:sldLayoutId id="2147483649" r:id="rId1"/>
+    <p:sldLayoutId id="2147483650" r:id="rId2"/>
+    <p:sldLayoutId id="2147483651" r:id="rId3"/>
+    <p:sldLayoutId id="2147483652" r:id="rId4"/>
+    <p:sldLayoutId id="2147483653" r:id="rId5"/>
+    <p:sldLayoutId id="2147483654" r:id="rId6"/>
+    <p:sldLayoutId id="2147483655" r:id="rId7"/>
+    <p:sldLayoutId id="2147483656" r:id="rId8"/>
+    <p:sldLayoutId id="2147483657" r:id="rId9"/>
+    <p:sldLayoutId id="2147483658" r:id="rId10"/>
+    <p:sldLayoutId id="2147483659" r:id="rId11"/>
+    <p:sldLayoutId id="2147483660" r:id="rId12"/>
+  </p:sldLayoutIdLst>
+  <p:txStyles>
+    <p:titleStyle/>
+    <p:bodyStyle/>
+    <p:otherStyle/>
+  </p:txStyles>
+</p:sldMaster>
+</file>
+
+<file path=ppt/slideMasters/slideMaster2.xml><?xml version="1.0" encoding="utf-8"?>
+<p:sldMaster xmlns:a="http://schemas.openxmlformats.org/drawingml/2006/main" xmlns:r="http://schemas.openxmlformats.org/officeDocument/2006/relationships" xmlns:p="http://schemas.openxmlformats.org/presentationml/2006/main">
+  <p:cSld>
+    <p:bg>
+      <p:bgRef idx="1001">
+        <a:schemeClr val="bg1"/>
+      </p:bgRef>
+    </p:bg>
+    <p:spTree>
+      <p:nvGrpSpPr>
+        <p:cNvPr id="1" name=""/>
+        <p:cNvGrpSpPr/>
+        <p:nvPr/>
+      </p:nvGrpSpPr>
+      <p:grpSpPr>
+        <a:xfrm>
+          <a:off x="0" y="0"/>
+          <a:ext cx="0" cy="0"/>
+          <a:chOff x="0" y="0"/>
+          <a:chExt cx="0" cy="0"/>
+        </a:xfrm>
+      </p:grpSpPr>
+      <p:sp>
+        <p:nvSpPr>
+          <p:cNvPr id="38" name="PlaceHolder 1"/>
+          <p:cNvSpPr>
+            <a:spLocks noGrp="1"/>
+          </p:cNvSpPr>
+          <p:nvPr>
+            <p:ph type="title"/>
+          </p:nvPr>
+        </p:nvSpPr>
+        <p:spPr>
+          <a:xfrm>
+            <a:off x="504000" y="226080"/>
+            <a:ext cx="9071280" cy="946080"/>
+          </a:xfrm>
+          <a:prstGeom prst="rect">
+            <a:avLst/>
+          </a:prstGeom>
+        </p:spPr>
+        <p:txBody>
+          <a:bodyPr lIns="0" tIns="0" rIns="0" bIns="0" anchor="ctr">
+            <a:noAutofit/>
+          </a:bodyPr>
+          <a:p>
+            <a:r>
+              <a:rPr lang="en-US" sz="1800" b="0" strike="noStrike" spc="-1">
+                <a:latin typeface="Arial" panose="020B0604020202020204"/>
+              </a:rPr>
+              <a:t>Click to edit the title text format</a:t>
+            </a:r>
+            <a:endParaRPr lang="en-US" sz="1800" b="0" strike="noStrike" spc="-1">
+              <a:latin typeface="Arial" panose="020B0604020202020204"/>
+            </a:endParaRPr>
+          </a:p>
+        </p:txBody>
+      </p:sp>
+      <p:sp>
+        <p:nvSpPr>
+          <p:cNvPr id="39" name="PlaceHolder 2"/>
+          <p:cNvSpPr>
+            <a:spLocks noGrp="1"/>
+          </p:cNvSpPr>
+          <p:nvPr>
+            <p:ph type="body"/>
+          </p:nvPr>
+        </p:nvSpPr>
+        <p:spPr>
+          <a:xfrm>
+            <a:off x="504000" y="1326600"/>
+            <a:ext cx="9071280" cy="3287880"/>
+          </a:xfrm>
+          <a:prstGeom prst="rect">
+            <a:avLst/>
+          </a:prstGeom>
+        </p:spPr>
+        <p:txBody>
+          <a:bodyPr lIns="0" tIns="0" rIns="0" bIns="0">
+            <a:normAutofit/>
+          </a:bodyPr>
+          <a:p>
+            <a:pPr marL="431800" indent="-323850">
+              <a:spcBef>
+                <a:spcPts val="1415"/>
+              </a:spcBef>
+              <a:buClr>
+                <a:srgbClr val="000000"/>
+              </a:buClr>
+              <a:buSzPct val="45000"/>
+              <a:buFont typeface="Wingdings" panose="05000000000000000000" pitchFamily="2" charset="2"/>
+              <a:buChar char=""/>
+            </a:pPr>
+            <a:r>
+              <a:rPr lang="en-US" sz="1800" b="0" strike="noStrike" spc="-1">
+                <a:latin typeface="Arial" panose="020B0604020202020204"/>
+              </a:rPr>
+              <a:t>Click to edit the outline text format</a:t>
+            </a:r>
+            <a:endParaRPr lang="en-US" sz="1800" b="0" strike="noStrike" spc="-1">
+              <a:latin typeface="Arial" panose="020B0604020202020204"/>
+            </a:endParaRPr>
+          </a:p>
+          <a:p>
+            <a:pPr marL="864235" lvl="1" indent="-323850">
+              <a:spcBef>
+                <a:spcPts val="1135"/>
+              </a:spcBef>
+              <a:buClr>
+                <a:srgbClr val="000000"/>
+              </a:buClr>
+              <a:buSzPct val="75000"/>
+              <a:buFont typeface="Symbol" panose="05050102010706020507" charset="2"/>
+              <a:buChar char=""/>
+            </a:pPr>
+            <a:r>
+              <a:rPr lang="en-US" sz="1800" b="0" strike="noStrike" spc="-1">
+                <a:latin typeface="Arial" panose="020B0604020202020204"/>
+              </a:rPr>
+              <a:t>Second Outline Level</a:t>
+            </a:r>
+            <a:endParaRPr lang="en-US" sz="1800" b="0" strike="noStrike" spc="-1">
+              <a:latin typeface="Arial" panose="020B0604020202020204"/>
+            </a:endParaRPr>
+          </a:p>
+          <a:p>
+            <a:pPr marL="1296035" lvl="2" indent="-288290">
+              <a:spcBef>
+                <a:spcPts val="850"/>
+              </a:spcBef>
+              <a:buClr>
+                <a:srgbClr val="000000"/>
+              </a:buClr>
+              <a:buSzPct val="45000"/>
+              <a:buFont typeface="Wingdings" panose="05000000000000000000" pitchFamily="2" charset="2"/>
+              <a:buChar char=""/>
+            </a:pPr>
+            <a:r>
+              <a:rPr lang="en-US" sz="1800" b="0" strike="noStrike" spc="-1">
+                <a:latin typeface="Arial" panose="020B0604020202020204"/>
+              </a:rPr>
+              <a:t>Third Outline Level</a:t>
+            </a:r>
+            <a:endParaRPr lang="en-US" sz="1800" b="0" strike="noStrike" spc="-1">
+              <a:latin typeface="Arial" panose="020B0604020202020204"/>
+            </a:endParaRPr>
+          </a:p>
+          <a:p>
+            <a:pPr marL="1727835" lvl="3" indent="-215900">
+              <a:spcBef>
+                <a:spcPts val="565"/>
+              </a:spcBef>
+              <a:buClr>
+                <a:srgbClr val="000000"/>
+              </a:buClr>
+              <a:buSzPct val="75000"/>
+              <a:buFont typeface="Symbol" panose="05050102010706020507" charset="2"/>
+              <a:buChar char=""/>
+            </a:pPr>
+            <a:r>
+              <a:rPr lang="en-US" sz="1800" b="0" strike="noStrike" spc="-1">
+                <a:latin typeface="Arial" panose="020B0604020202020204"/>
+              </a:rPr>
+              <a:t>Fourth Outline Level</a:t>
+            </a:r>
+            <a:endParaRPr lang="en-US" sz="1800" b="0" strike="noStrike" spc="-1">
+              <a:latin typeface="Arial" panose="020B0604020202020204"/>
+            </a:endParaRPr>
+          </a:p>
+          <a:p>
+            <a:pPr marL="2160270" lvl="4" indent="-215900">
+              <a:spcBef>
+                <a:spcPts val="285"/>
+              </a:spcBef>
+              <a:buClr>
+                <a:srgbClr val="000000"/>
+              </a:buClr>
+              <a:buSzPct val="45000"/>
+              <a:buFont typeface="Wingdings" panose="05000000000000000000" pitchFamily="2" charset="2"/>
+              <a:buChar char=""/>
+            </a:pPr>
+            <a:r>
+              <a:rPr lang="en-US" sz="1800" b="0" strike="noStrike" spc="-1">
+                <a:latin typeface="Arial" panose="020B0604020202020204"/>
+              </a:rPr>
+              <a:t>Fifth Outline Level</a:t>
+            </a:r>
+            <a:endParaRPr lang="en-US" sz="1800" b="0" strike="noStrike" spc="-1">
+              <a:latin typeface="Arial" panose="020B0604020202020204"/>
+            </a:endParaRPr>
+          </a:p>
+          <a:p>
+            <a:pPr marL="2592070" lvl="5" indent="-215900">
+              <a:spcBef>
+                <a:spcPts val="285"/>
+              </a:spcBef>
+              <a:buClr>
+                <a:srgbClr val="000000"/>
+              </a:buClr>
+              <a:buSzPct val="45000"/>
+              <a:buFont typeface="Wingdings" panose="05000000000000000000" pitchFamily="2" charset="2"/>
+              <a:buChar char=""/>
+            </a:pPr>
+            <a:r>
+              <a:rPr lang="en-US" sz="1800" b="0" strike="noStrike" spc="-1">
+                <a:latin typeface="Arial" panose="020B0604020202020204"/>
+              </a:rPr>
+              <a:t>Sixth Outline Level</a:t>
+            </a:r>
+            <a:endParaRPr lang="en-US" sz="1800" b="0" strike="noStrike" spc="-1">
+              <a:latin typeface="Arial" panose="020B0604020202020204"/>
+            </a:endParaRPr>
+          </a:p>
+          <a:p>
+            <a:pPr marL="3023870" lvl="6" indent="-215900">
+              <a:spcBef>
+                <a:spcPts val="285"/>
+              </a:spcBef>
+              <a:buClr>
+                <a:srgbClr val="000000"/>
+              </a:buClr>
+              <a:buSzPct val="45000"/>
+              <a:buFont typeface="Wingdings" panose="05000000000000000000" pitchFamily="2" charset="2"/>
+              <a:buChar char=""/>
+            </a:pPr>
+            <a:r>
+              <a:rPr lang="en-US" sz="1800" b="0" strike="noStrike" spc="-1">
+                <a:latin typeface="Arial" panose="020B0604020202020204"/>
+              </a:rPr>
+              <a:t>Seventh Outline Level</a:t>
+            </a:r>
+            <a:endParaRPr lang="en-US" sz="1800" b="0" strike="noStrike" spc="-1">
+              <a:latin typeface="Arial" panose="020B0604020202020204"/>
+            </a:endParaRPr>
+          </a:p>
+        </p:txBody>
+      </p:sp>
+    </p:spTree>
+  </p:cSld>
+  <p:clrMap bg1="lt1" tx1="dk1" bg2="lt2" tx2="dk2" accent1="accent1" accent2="accent2" accent3="accent3" accent4="accent4" accent5="accent5" accent6="accent6" hlink="hlink" folHlink="folHlink"/>
+  <p:sldLayoutIdLst>
+    <p:sldLayoutId id="2147483662" r:id="rId1"/>
+    <p:sldLayoutId id="2147483663" r:id="rId2"/>
+    <p:sldLayoutId id="2147483664" r:id="rId3"/>
+    <p:sldLayoutId id="2147483665" r:id="rId4"/>
+    <p:sldLayoutId id="2147483666" r:id="rId5"/>
+    <p:sldLayoutId id="2147483667" r:id="rId6"/>
+    <p:sldLayoutId id="2147483668" r:id="rId7"/>
+    <p:sldLayoutId id="2147483669" r:id="rId8"/>
+    <p:sldLayoutId id="2147483670" r:id="rId9"/>
+    <p:sldLayoutId id="2147483671" r:id="rId10"/>
+    <p:sldLayoutId id="2147483672" r:id="rId11"/>
+    <p:sldLayoutId id="2147483673" r:id="rId12"/>
+  </p:sldLayoutIdLst>
+  <p:txStyles>
+    <p:titleStyle/>
+    <p:bodyStyle/>
+    <p:otherStyle/>
+  </p:txStyles>
+</p:sldMaster>
+</file>
+
+<file path=ppt/slideMasters/slideMaster3.xml><?xml version="1.0" encoding="utf-8"?>
+<p:sldMaster xmlns:a="http://schemas.openxmlformats.org/drawingml/2006/main" xmlns:r="http://schemas.openxmlformats.org/officeDocument/2006/relationships" xmlns:p="http://schemas.openxmlformats.org/presentationml/2006/main">
+  <p:cSld>
+    <p:bg>
+      <p:bgRef idx="1001">
+        <a:schemeClr val="bg1"/>
+      </p:bgRef>
+    </p:bg>
+    <p:spTree>
+      <p:nvGrpSpPr>
+        <p:cNvPr id="1" name=""/>
+        <p:cNvGrpSpPr/>
+        <p:nvPr/>
+      </p:nvGrpSpPr>
+      <p:grpSpPr>
+        <a:xfrm>
+          <a:off x="0" y="0"/>
+          <a:ext cx="0" cy="0"/>
+          <a:chOff x="0" y="0"/>
+          <a:chExt cx="0" cy="0"/>
+        </a:xfrm>
+      </p:grpSpPr>
+      <p:sp>
+        <p:nvSpPr>
+          <p:cNvPr id="38" name="PlaceHolder 1"/>
+          <p:cNvSpPr>
+            <a:spLocks noGrp="1"/>
+          </p:cNvSpPr>
+          <p:nvPr>
+            <p:ph type="title"/>
+          </p:nvPr>
+        </p:nvSpPr>
+        <p:spPr>
+          <a:xfrm>
+            <a:off x="504000" y="226080"/>
+            <a:ext cx="9071280" cy="946080"/>
+          </a:xfrm>
+          <a:prstGeom prst="rect">
+            <a:avLst/>
+          </a:prstGeom>
+        </p:spPr>
+        <p:txBody>
+          <a:bodyPr lIns="0" tIns="0" rIns="0" bIns="0" anchor="ctr">
+            <a:noAutofit/>
+          </a:bodyPr>
+          <a:p>
+            <a:r>
+              <a:rPr lang="en-US" sz="1800" b="0" strike="noStrike" spc="-1">
+                <a:latin typeface="Arial" panose="020B0604020202020204"/>
+              </a:rPr>
+              <a:t>Click to edit the title text format</a:t>
+            </a:r>
+            <a:endParaRPr lang="en-US" sz="1800" b="0" strike="noStrike" spc="-1">
+              <a:latin typeface="Arial" panose="020B0604020202020204"/>
+            </a:endParaRPr>
+          </a:p>
+        </p:txBody>
+      </p:sp>
+      <p:sp>
+        <p:nvSpPr>
+          <p:cNvPr id="39" name="PlaceHolder 2"/>
+          <p:cNvSpPr>
+            <a:spLocks noGrp="1"/>
+          </p:cNvSpPr>
+          <p:nvPr>
+            <p:ph type="body"/>
+          </p:nvPr>
+        </p:nvSpPr>
+        <p:spPr>
+          <a:xfrm>
+            <a:off x="504000" y="1326600"/>
+            <a:ext cx="9071280" cy="3287880"/>
+          </a:xfrm>
+          <a:prstGeom prst="rect">
+            <a:avLst/>
+          </a:prstGeom>
+        </p:spPr>
+        <p:txBody>
+          <a:bodyPr lIns="0" tIns="0" rIns="0" bIns="0">
+            <a:normAutofit/>
+          </a:bodyPr>
+          <a:p>
+            <a:pPr marL="431800" indent="-323850">
+              <a:spcBef>
+                <a:spcPts val="1415"/>
+              </a:spcBef>
+              <a:buClr>
+                <a:srgbClr val="000000"/>
+              </a:buClr>
+              <a:buSzPct val="45000"/>
+              <a:buFont typeface="Wingdings" panose="05000000000000000000" pitchFamily="2" charset="2"/>
+              <a:buChar char=""/>
+            </a:pPr>
+            <a:r>
+              <a:rPr lang="en-US" sz="1800" b="0" strike="noStrike" spc="-1">
+                <a:latin typeface="Arial" panose="020B0604020202020204"/>
+              </a:rPr>
+              <a:t>Click to edit the outline text format</a:t>
+            </a:r>
+            <a:endParaRPr lang="en-US" sz="1800" b="0" strike="noStrike" spc="-1">
+              <a:latin typeface="Arial" panose="020B0604020202020204"/>
+            </a:endParaRPr>
+          </a:p>
+          <a:p>
+            <a:pPr marL="864235" lvl="1" indent="-323850">
+              <a:spcBef>
+                <a:spcPts val="1135"/>
+              </a:spcBef>
+              <a:buClr>
+                <a:srgbClr val="000000"/>
+              </a:buClr>
+              <a:buSzPct val="75000"/>
+              <a:buFont typeface="Symbol" panose="05050102010706020507" charset="2"/>
+              <a:buChar char=""/>
+            </a:pPr>
+            <a:r>
+              <a:rPr lang="en-US" sz="1800" b="0" strike="noStrike" spc="-1">
+                <a:latin typeface="Arial" panose="020B0604020202020204"/>
+              </a:rPr>
+              <a:t>Second Outline Level</a:t>
+            </a:r>
+            <a:endParaRPr lang="en-US" sz="1800" b="0" strike="noStrike" spc="-1">
+              <a:latin typeface="Arial" panose="020B0604020202020204"/>
+            </a:endParaRPr>
+          </a:p>
+          <a:p>
+            <a:pPr marL="1296035" lvl="2" indent="-288290">
+              <a:spcBef>
+                <a:spcPts val="850"/>
+              </a:spcBef>
+              <a:buClr>
+                <a:srgbClr val="000000"/>
+              </a:buClr>
+              <a:buSzPct val="45000"/>
+              <a:buFont typeface="Wingdings" panose="05000000000000000000" pitchFamily="2" charset="2"/>
+              <a:buChar char=""/>
+            </a:pPr>
+            <a:r>
+              <a:rPr lang="en-US" sz="1800" b="0" strike="noStrike" spc="-1">
+                <a:latin typeface="Arial" panose="020B0604020202020204"/>
+              </a:rPr>
+              <a:t>Third Outline Level</a:t>
+            </a:r>
+            <a:endParaRPr lang="en-US" sz="1800" b="0" strike="noStrike" spc="-1">
+              <a:latin typeface="Arial" panose="020B0604020202020204"/>
+            </a:endParaRPr>
+          </a:p>
+          <a:p>
+            <a:pPr marL="1727835" lvl="3" indent="-215900">
+              <a:spcBef>
+                <a:spcPts val="565"/>
+              </a:spcBef>
+              <a:buClr>
+                <a:srgbClr val="000000"/>
+              </a:buClr>
+              <a:buSzPct val="75000"/>
+              <a:buFont typeface="Symbol" panose="05050102010706020507" charset="2"/>
+              <a:buChar char=""/>
+            </a:pPr>
+            <a:r>
+              <a:rPr lang="en-US" sz="1800" b="0" strike="noStrike" spc="-1">
+                <a:latin typeface="Arial" panose="020B0604020202020204"/>
+              </a:rPr>
+              <a:t>Fourth Outline Level</a:t>
+            </a:r>
+            <a:endParaRPr lang="en-US" sz="1800" b="0" strike="noStrike" spc="-1">
+              <a:latin typeface="Arial" panose="020B0604020202020204"/>
+            </a:endParaRPr>
+          </a:p>
+          <a:p>
+            <a:pPr marL="2160270" lvl="4" indent="-215900">
+              <a:spcBef>
+                <a:spcPts val="285"/>
+              </a:spcBef>
+              <a:buClr>
+                <a:srgbClr val="000000"/>
+              </a:buClr>
+              <a:buSzPct val="45000"/>
+              <a:buFont typeface="Wingdings" panose="05000000000000000000" pitchFamily="2" charset="2"/>
+              <a:buChar char=""/>
+            </a:pPr>
+            <a:r>
+              <a:rPr lang="en-US" sz="1800" b="0" strike="noStrike" spc="-1">
+                <a:latin typeface="Arial" panose="020B0604020202020204"/>
+              </a:rPr>
+              <a:t>Fifth Outline Level</a:t>
+            </a:r>
+            <a:endParaRPr lang="en-US" sz="1800" b="0" strike="noStrike" spc="-1">
+              <a:latin typeface="Arial" panose="020B0604020202020204"/>
+            </a:endParaRPr>
+          </a:p>
+          <a:p>
+            <a:pPr marL="2592070" lvl="5" indent="-215900">
+              <a:spcBef>
+                <a:spcPts val="285"/>
+              </a:spcBef>
+              <a:buClr>
+                <a:srgbClr val="000000"/>
+              </a:buClr>
+              <a:buSzPct val="45000"/>
+              <a:buFont typeface="Wingdings" panose="05000000000000000000" pitchFamily="2" charset="2"/>
+              <a:buChar char=""/>
+            </a:pPr>
+            <a:r>
+              <a:rPr lang="en-US" sz="1800" b="0" strike="noStrike" spc="-1">
+                <a:latin typeface="Arial" panose="020B0604020202020204"/>
+              </a:rPr>
+              <a:t>Sixth Outline Level</a:t>
+            </a:r>
+            <a:endParaRPr lang="en-US" sz="1800" b="0" strike="noStrike" spc="-1">
+              <a:latin typeface="Arial" panose="020B0604020202020204"/>
+            </a:endParaRPr>
+          </a:p>
+          <a:p>
+            <a:pPr marL="3023870" lvl="6" indent="-215900">
+              <a:spcBef>
+                <a:spcPts val="285"/>
+              </a:spcBef>
+              <a:buClr>
+                <a:srgbClr val="000000"/>
+              </a:buClr>
+              <a:buSzPct val="45000"/>
+              <a:buFont typeface="Wingdings" panose="05000000000000000000" pitchFamily="2" charset="2"/>
+              <a:buChar char=""/>
+            </a:pPr>
+            <a:r>
+              <a:rPr lang="en-US" sz="1800" b="0" strike="noStrike" spc="-1">
+                <a:latin typeface="Arial" panose="020B0604020202020204"/>
+              </a:rPr>
+              <a:t>Seventh Outline Level</a:t>
+            </a:r>
+            <a:endParaRPr lang="en-US" sz="1800" b="0" strike="noStrike" spc="-1">
+              <a:latin typeface="Arial" panose="020B0604020202020204"/>
+            </a:endParaRPr>
+          </a:p>
+        </p:txBody>
+      </p:sp>
+    </p:spTree>
+  </p:cSld>
+  <p:clrMap bg1="lt1" tx1="dk1" bg2="lt2" tx2="dk2" accent1="accent1" accent2="accent2" accent3="accent3" accent4="accent4" accent5="accent5" accent6="accent6" hlink="hlink" folHlink="folHlink"/>
+  <p:sldLayoutIdLst>
+    <p:sldLayoutId id="2147483675" r:id="rId1"/>
+    <p:sldLayoutId id="2147483676" r:id="rId2"/>
+    <p:sldLayoutId id="2147483677" r:id="rId3"/>
+    <p:sldLayoutId id="2147483678" r:id="rId4"/>
+    <p:sldLayoutId id="2147483679" r:id="rId5"/>
+    <p:sldLayoutId id="2147483680" r:id="rId6"/>
+    <p:sldLayoutId id="2147483681" r:id="rId7"/>
+    <p:sldLayoutId id="2147483682" r:id="rId8"/>
+    <p:sldLayoutId id="2147483683" r:id="rId9"/>
+    <p:sldLayoutId id="2147483684" r:id="rId10"/>
+    <p:sldLayoutId id="2147483685" r:id="rId11"/>
+    <p:sldLayoutId id="2147483686" r:id="rId12"/>
+  </p:sldLayoutIdLst>
+  <p:txStyles>
+    <p:titleStyle/>
+    <p:bodyStyle/>
+    <p:otherStyle/>
+  </p:txStyles>
+</p:sldMaster>
+</file>
+
+<file path=ppt/slides/slide1.xml><?xml version="1.0" encoding="utf-8"?>
+<p:sld xmlns:a="http://schemas.openxmlformats.org/drawingml/2006/main" xmlns:r="http://schemas.openxmlformats.org/officeDocument/2006/relationships" xmlns:p="http://schemas.openxmlformats.org/presentationml/2006/main">
   <p:cSld>
     <p:spTree>
       <p:nvGrpSpPr>
@@ -2748,241 +5092,140 @@
       </p:grpSpPr>
       <p:sp>
         <p:nvSpPr>
-          <p:cNvPr id="0" name="PlaceHolder 1"/>
-          <p:cNvSpPr>
-            <a:spLocks noGrp="1"/>
-          </p:cNvSpPr>
-          <p:nvPr>
-            <p:ph type="title"/>
-          </p:nvPr>
+          <p:cNvPr id="76" name="Rectangles 75"/>
+          <p:cNvSpPr/>
+          <p:nvPr/>
         </p:nvSpPr>
         <p:spPr>
           <a:xfrm>
             <a:off x="504000" y="226080"/>
-            <a:ext cx="9071280" cy="946080"/>
-          </a:xfrm>
-          <a:prstGeom prst="rect">
-            <a:avLst/>
-          </a:prstGeom>
-        </p:spPr>
-        <p:txBody>
-          <a:bodyPr lIns="0" rIns="0" tIns="0" bIns="0" anchor="ctr">
+            <a:ext cx="9071280" cy="2288160"/>
+          </a:xfrm>
+          <a:prstGeom prst="rect">
+            <a:avLst/>
+          </a:prstGeom>
+          <a:noFill/>
+          <a:ln w="0">
+            <a:noFill/>
+          </a:ln>
+        </p:spPr>
+        <p:style>
+          <a:lnRef idx="0">
+            <a:srgbClr val="FFFFFF"/>
+          </a:lnRef>
+          <a:fillRef idx="0">
+            <a:srgbClr val="FFFFFF"/>
+          </a:fillRef>
+          <a:effectRef idx="0">
+            <a:srgbClr val="FFFFFF"/>
+          </a:effectRef>
+          <a:fontRef idx="minor"/>
+        </p:style>
+        <p:txBody>
+          <a:bodyPr lIns="0" tIns="0" rIns="0" bIns="0" anchor="ctr">
             <a:noAutofit/>
           </a:bodyPr>
           <a:p>
-            <a:r>
-              <a:rPr b="0" lang="en-US" sz="1800" spc="-1" strike="noStrike">
-                <a:latin typeface="Arial"/>
-              </a:rPr>
-              <a:t>Click to edit the title text format</a:t>
-            </a:r>
-            <a:endParaRPr b="0" lang="en-US" sz="1800" spc="-1" strike="noStrike">
-              <a:latin typeface="Arial"/>
-            </a:endParaRPr>
-          </a:p>
-        </p:txBody>
-      </p:sp>
-      <p:sp>
-        <p:nvSpPr>
-          <p:cNvPr id="1" name="PlaceHolder 2"/>
-          <p:cNvSpPr>
-            <a:spLocks noGrp="1"/>
-          </p:cNvSpPr>
-          <p:nvPr>
-            <p:ph type="body"/>
-          </p:nvPr>
-        </p:nvSpPr>
-        <p:spPr>
-          <a:xfrm>
-            <a:off x="504000" y="1326600"/>
-            <a:ext cx="9072000" cy="3288600"/>
-          </a:xfrm>
-          <a:prstGeom prst="rect">
-            <a:avLst/>
-          </a:prstGeom>
-        </p:spPr>
-        <p:txBody>
-          <a:bodyPr lIns="0" rIns="0" tIns="0" bIns="0">
-            <a:normAutofit/>
-          </a:bodyPr>
-          <a:p>
-            <a:pPr marL="432000" indent="-324000">
-              <a:spcBef>
-                <a:spcPts val="1417"/>
-              </a:spcBef>
-              <a:buClr>
-                <a:srgbClr val="000000"/>
-              </a:buClr>
-              <a:buSzPct val="45000"/>
-              <a:buFont typeface="Wingdings" charset="2"/>
-              <a:buChar char=""/>
+            <a:pPr algn="ctr">
+              <a:lnSpc>
+                <a:spcPct val="100000"/>
+              </a:lnSpc>
             </a:pPr>
             <a:r>
-              <a:rPr b="0" lang="en-US" sz="3200" spc="-1" strike="noStrike">
-                <a:latin typeface="Arial"/>
+              <a:rPr lang="en-US" sz="8000" b="1" strike="noStrike" spc="-1">
+                <a:solidFill>
+                  <a:srgbClr val="2A6099"/>
+                </a:solidFill>
+                <a:latin typeface="Arial" panose="020B0604020202020204"/>
               </a:rPr>
-              <a:t>Click to edit the outline text format</a:t>
+              <a:t>Học Java cơ bản bằng Tiếng Việt</a:t>
             </a:r>
-            <a:endParaRPr b="0" lang="en-US" sz="3200" spc="-1" strike="noStrike">
-              <a:latin typeface="Arial"/>
-            </a:endParaRPr>
-          </a:p>
-          <a:p>
-            <a:pPr lvl="1" marL="864000" indent="-324000">
-              <a:spcBef>
-                <a:spcPts val="1134"/>
-              </a:spcBef>
-              <a:buClr>
-                <a:srgbClr val="000000"/>
-              </a:buClr>
-              <a:buSzPct val="75000"/>
-              <a:buFont typeface="Symbol" charset="2"/>
-              <a:buChar char=""/>
+            <a:r>
+              <a:rPr lang="en-US" sz="4400" b="0" strike="noStrike" spc="-1">
+                <a:solidFill>
+                  <a:srgbClr val="2A6099"/>
+                </a:solidFill>
+                <a:latin typeface="Arial" panose="020B0604020202020204"/>
+              </a:rPr>
+              <a:t> </a:t>
+            </a:r>
+            <a:endParaRPr lang="en-US" sz="4400" b="0" strike="noStrike" spc="-1">
+              <a:latin typeface="Arial" panose="020B0604020202020204"/>
+            </a:endParaRPr>
+          </a:p>
+        </p:txBody>
+      </p:sp>
+      <p:sp>
+        <p:nvSpPr>
+          <p:cNvPr id="77" name="Rectangles 76"/>
+          <p:cNvSpPr/>
+          <p:nvPr/>
+        </p:nvSpPr>
+        <p:spPr>
+          <a:xfrm>
+            <a:off x="504000" y="2971800"/>
+            <a:ext cx="9071280" cy="1642680"/>
+          </a:xfrm>
+          <a:prstGeom prst="rect">
+            <a:avLst/>
+          </a:prstGeom>
+          <a:noFill/>
+          <a:ln w="0">
+            <a:noFill/>
+          </a:ln>
+        </p:spPr>
+        <p:style>
+          <a:lnRef idx="0">
+            <a:srgbClr val="FFFFFF"/>
+          </a:lnRef>
+          <a:fillRef idx="0">
+            <a:srgbClr val="FFFFFF"/>
+          </a:fillRef>
+          <a:effectRef idx="0">
+            <a:srgbClr val="FFFFFF"/>
+          </a:effectRef>
+          <a:fontRef idx="minor"/>
+        </p:style>
+        <p:txBody>
+          <a:bodyPr lIns="0" tIns="0" rIns="0" bIns="0" anchor="ctr">
+            <a:noAutofit/>
+          </a:bodyPr>
+          <a:p>
+            <a:pPr algn="ctr">
+              <a:lnSpc>
+                <a:spcPct val="100000"/>
+              </a:lnSpc>
             </a:pPr>
             <a:r>
-              <a:rPr b="0" lang="en-US" sz="2800" spc="-1" strike="noStrike">
-                <a:latin typeface="Arial"/>
+              <a:rPr lang="en-US" sz="3200" b="0" strike="noStrike" spc="-1">
+                <a:latin typeface="Arial" panose="020B0604020202020204"/>
               </a:rPr>
-              <a:t>Second Outline Level</a:t>
+              <a:t>Bài 5: Các bước cơ bản để xây dựng 1 lớp trong Java  </a:t>
             </a:r>
-            <a:endParaRPr b="0" lang="en-US" sz="2800" spc="-1" strike="noStrike">
-              <a:latin typeface="Arial"/>
-            </a:endParaRPr>
-          </a:p>
-          <a:p>
-            <a:pPr lvl="2" marL="1296000" indent="-288000">
-              <a:spcBef>
-                <a:spcPts val="850"/>
-              </a:spcBef>
-              <a:buClr>
-                <a:srgbClr val="000000"/>
-              </a:buClr>
-              <a:buSzPct val="45000"/>
-              <a:buFont typeface="Wingdings" charset="2"/>
-              <a:buChar char=""/>
-            </a:pPr>
-            <a:r>
-              <a:rPr b="0" lang="en-US" sz="2400" spc="-1" strike="noStrike">
-                <a:latin typeface="Arial"/>
-              </a:rPr>
-              <a:t>Third Outline Level</a:t>
-            </a:r>
-            <a:endParaRPr b="0" lang="en-US" sz="2400" spc="-1" strike="noStrike">
-              <a:latin typeface="Arial"/>
-            </a:endParaRPr>
-          </a:p>
-          <a:p>
-            <a:pPr lvl="3" marL="1728000" indent="-216000">
-              <a:spcBef>
-                <a:spcPts val="567"/>
-              </a:spcBef>
-              <a:buClr>
-                <a:srgbClr val="000000"/>
-              </a:buClr>
-              <a:buSzPct val="75000"/>
-              <a:buFont typeface="Symbol" charset="2"/>
-              <a:buChar char=""/>
-            </a:pPr>
-            <a:r>
-              <a:rPr b="0" lang="en-US" sz="2000" spc="-1" strike="noStrike">
-                <a:latin typeface="Arial"/>
-              </a:rPr>
-              <a:t>Fourth Outline Level</a:t>
-            </a:r>
-            <a:endParaRPr b="0" lang="en-US" sz="2000" spc="-1" strike="noStrike">
-              <a:latin typeface="Arial"/>
-            </a:endParaRPr>
-          </a:p>
-          <a:p>
-            <a:pPr lvl="4" marL="2160000" indent="-216000">
-              <a:spcBef>
-                <a:spcPts val="283"/>
-              </a:spcBef>
-              <a:buClr>
-                <a:srgbClr val="000000"/>
-              </a:buClr>
-              <a:buSzPct val="45000"/>
-              <a:buFont typeface="Wingdings" charset="2"/>
-              <a:buChar char=""/>
-            </a:pPr>
-            <a:r>
-              <a:rPr b="0" lang="en-US" sz="2000" spc="-1" strike="noStrike">
-                <a:latin typeface="Arial"/>
-              </a:rPr>
-              <a:t>Fifth Outline Level</a:t>
-            </a:r>
-            <a:endParaRPr b="0" lang="en-US" sz="2000" spc="-1" strike="noStrike">
-              <a:latin typeface="Arial"/>
-            </a:endParaRPr>
-          </a:p>
-          <a:p>
-            <a:pPr lvl="5" marL="2592000" indent="-216000">
-              <a:spcBef>
-                <a:spcPts val="283"/>
-              </a:spcBef>
-              <a:buClr>
-                <a:srgbClr val="000000"/>
-              </a:buClr>
-              <a:buSzPct val="45000"/>
-              <a:buFont typeface="Wingdings" charset="2"/>
-              <a:buChar char=""/>
-            </a:pPr>
-            <a:r>
-              <a:rPr b="0" lang="en-US" sz="2000" spc="-1" strike="noStrike">
-                <a:latin typeface="Arial"/>
-              </a:rPr>
-              <a:t>Sixth Outline Level</a:t>
-            </a:r>
-            <a:endParaRPr b="0" lang="en-US" sz="2000" spc="-1" strike="noStrike">
-              <a:latin typeface="Arial"/>
-            </a:endParaRPr>
-          </a:p>
-          <a:p>
-            <a:pPr lvl="6" marL="3024000" indent="-216000">
-              <a:spcBef>
-                <a:spcPts val="283"/>
-              </a:spcBef>
-              <a:buClr>
-                <a:srgbClr val="000000"/>
-              </a:buClr>
-              <a:buSzPct val="45000"/>
-              <a:buFont typeface="Wingdings" charset="2"/>
-              <a:buChar char=""/>
-            </a:pPr>
-            <a:r>
-              <a:rPr b="0" lang="en-US" sz="2000" spc="-1" strike="noStrike">
-                <a:latin typeface="Arial"/>
-              </a:rPr>
-              <a:t>Seventh Outline Level</a:t>
-            </a:r>
-            <a:endParaRPr b="0" lang="en-US" sz="2000" spc="-1" strike="noStrike">
-              <a:latin typeface="Arial"/>
+            <a:endParaRPr lang="en-US" sz="3200" b="0" strike="noStrike" spc="-1">
+              <a:latin typeface="Arial" panose="020B0604020202020204"/>
             </a:endParaRPr>
           </a:p>
         </p:txBody>
       </p:sp>
     </p:spTree>
   </p:cSld>
-  <p:clrMap bg1="lt1" bg2="lt2" tx1="dk1" tx2="dk2" accent1="accent1" accent2="accent2" accent3="accent3" accent4="accent4" accent5="accent5" accent6="accent6" hlink="hlink" folHlink="folHlink"/>
-  <p:sldLayoutIdLst>
-    <p:sldLayoutId id="2147483649" r:id="rId2"/>
-    <p:sldLayoutId id="2147483650" r:id="rId3"/>
-    <p:sldLayoutId id="2147483651" r:id="rId4"/>
-    <p:sldLayoutId id="2147483652" r:id="rId5"/>
-    <p:sldLayoutId id="2147483653" r:id="rId6"/>
-    <p:sldLayoutId id="2147483654" r:id="rId7"/>
-    <p:sldLayoutId id="2147483655" r:id="rId8"/>
-    <p:sldLayoutId id="2147483656" r:id="rId9"/>
-    <p:sldLayoutId id="2147483657" r:id="rId10"/>
-    <p:sldLayoutId id="2147483658" r:id="rId11"/>
-    <p:sldLayoutId id="2147483659" r:id="rId12"/>
-    <p:sldLayoutId id="2147483660" r:id="rId13"/>
-  </p:sldLayoutIdLst>
-</p:sldMaster>
+  <p:clrMapOvr>
+    <a:masterClrMapping/>
+  </p:clrMapOvr>
+  <mc:AlternateContent xmlns:mc="http://schemas.openxmlformats.org/markup-compatibility/2006">
+    <mc:Choice xmlns:p14="http://schemas.microsoft.com/office/powerpoint/2010/main" Requires="p14">
+      <p:transition spd="slow" p14:dur="2000"/>
+    </mc:Choice>
+    <mc:Fallback>
+      <p:transition spd="slow"/>
+    </mc:Fallback>
+  </mc:AlternateContent>
+</p:sld>
 </file>
 
-<file path=ppt/slideMasters/slideMaster2.xml><?xml version="1.0" encoding="utf-8"?>
-<p:sldMaster xmlns:a="http://schemas.openxmlformats.org/drawingml/2006/main" xmlns:p="http://schemas.openxmlformats.org/presentationml/2006/main" xmlns:r="http://schemas.openxmlformats.org/officeDocument/2006/relationships" xmlns:p14="http://schemas.microsoft.com/office/powerpoint/2010/main" xmlns:p15="http://schemas.microsoft.com/office/powerpoint/2012/main" xmlns:mc="http://schemas.openxmlformats.org/markup-compatibility/2006">
+<file path=ppt/slides/slide2.xml><?xml version="1.0" encoding="utf-8"?>
+<p:sld xmlns:a="http://schemas.openxmlformats.org/drawingml/2006/main" xmlns:r="http://schemas.openxmlformats.org/officeDocument/2006/relationships" xmlns:p="http://schemas.openxmlformats.org/presentationml/2006/main">
   <p:cSld>
     <p:spTree>
       <p:nvGrpSpPr>
@@ -3000,13 +5243,9 @@
       </p:grpSpPr>
       <p:sp>
         <p:nvSpPr>
-          <p:cNvPr id="38" name="PlaceHolder 1"/>
-          <p:cNvSpPr>
-            <a:spLocks noGrp="1"/>
-          </p:cNvSpPr>
-          <p:nvPr>
-            <p:ph type="title"/>
-          </p:nvPr>
+          <p:cNvPr id="78" name="Rectangles 77"/>
+          <p:cNvSpPr/>
+          <p:nvPr/>
         </p:nvSpPr>
         <p:spPr>
           <a:xfrm>
@@ -3016,33 +5255,50 @@
           <a:prstGeom prst="rect">
             <a:avLst/>
           </a:prstGeom>
-        </p:spPr>
-        <p:txBody>
-          <a:bodyPr lIns="0" rIns="0" tIns="0" bIns="0" anchor="ctr">
+          <a:noFill/>
+          <a:ln w="0">
+            <a:noFill/>
+          </a:ln>
+        </p:spPr>
+        <p:style>
+          <a:lnRef idx="0">
+            <a:srgbClr val="FFFFFF"/>
+          </a:lnRef>
+          <a:fillRef idx="0">
+            <a:srgbClr val="FFFFFF"/>
+          </a:fillRef>
+          <a:effectRef idx="0">
+            <a:srgbClr val="FFFFFF"/>
+          </a:effectRef>
+          <a:fontRef idx="minor"/>
+        </p:style>
+        <p:txBody>
+          <a:bodyPr lIns="0" tIns="0" rIns="0" bIns="0" anchor="ctr">
             <a:noAutofit/>
           </a:bodyPr>
           <a:p>
+            <a:pPr algn="ctr">
+              <a:lnSpc>
+                <a:spcPct val="100000"/>
+              </a:lnSpc>
+            </a:pPr>
             <a:r>
-              <a:rPr b="0" lang="en-US" sz="1800" spc="-1" strike="noStrike">
-                <a:latin typeface="Arial"/>
+              <a:rPr lang="en-US" sz="3600" b="0" strike="noStrike" spc="-1">
+                <a:latin typeface="Arial" panose="020B0604020202020204"/>
               </a:rPr>
-              <a:t>Click to edit the title text format</a:t>
+              <a:t>Tóm tắt nội dung của </a:t>
             </a:r>
-            <a:endParaRPr b="0" lang="en-US" sz="1800" spc="-1" strike="noStrike">
-              <a:latin typeface="Arial"/>
-            </a:endParaRPr>
-          </a:p>
-        </p:txBody>
-      </p:sp>
-      <p:sp>
-        <p:nvSpPr>
-          <p:cNvPr id="39" name="PlaceHolder 2"/>
-          <p:cNvSpPr>
-            <a:spLocks noGrp="1"/>
-          </p:cNvSpPr>
-          <p:nvPr>
-            <p:ph type="body"/>
-          </p:nvPr>
+            <a:endParaRPr lang="en-US" sz="4400" b="0" strike="noStrike" spc="-1">
+              <a:latin typeface="Arial" panose="020B0604020202020204"/>
+            </a:endParaRPr>
+          </a:p>
+        </p:txBody>
+      </p:sp>
+      <p:sp>
+        <p:nvSpPr>
+          <p:cNvPr id="79" name="Rectangles 78"/>
+          <p:cNvSpPr/>
+          <p:nvPr/>
         </p:nvSpPr>
         <p:spPr>
           <a:xfrm>
@@ -3052,189 +5308,172 @@
           <a:prstGeom prst="rect">
             <a:avLst/>
           </a:prstGeom>
-        </p:spPr>
-        <p:txBody>
-          <a:bodyPr lIns="0" rIns="0" tIns="0" bIns="0">
-            <a:normAutofit/>
-          </a:bodyPr>
-          <a:p>
-            <a:pPr marL="432000" indent="-324000">
+          <a:noFill/>
+          <a:ln w="0">
+            <a:noFill/>
+          </a:ln>
+        </p:spPr>
+        <p:style>
+          <a:lnRef idx="0">
+            <a:srgbClr val="FFFFFF"/>
+          </a:lnRef>
+          <a:fillRef idx="0">
+            <a:srgbClr val="FFFFFF"/>
+          </a:fillRef>
+          <a:effectRef idx="0">
+            <a:srgbClr val="FFFFFF"/>
+          </a:effectRef>
+          <a:fontRef idx="minor"/>
+        </p:style>
+        <p:txBody>
+          <a:bodyPr lIns="0" tIns="0" rIns="0" bIns="0">
+            <a:normAutofit fontScale="90000" lnSpcReduction="20000"/>
+          </a:bodyPr>
+          <a:p>
+            <a:pPr marL="431800" indent="-323850">
+              <a:lnSpc>
+                <a:spcPct val="100000"/>
+              </a:lnSpc>
               <a:spcBef>
-                <a:spcPts val="1417"/>
+                <a:spcPts val="1415"/>
               </a:spcBef>
               <a:buClr>
                 <a:srgbClr val="000000"/>
               </a:buClr>
               <a:buSzPct val="45000"/>
-              <a:buFont typeface="Wingdings" charset="2"/>
+              <a:buFont typeface="Wingdings" panose="05000000000000000000" pitchFamily="2" charset="2"/>
               <a:buChar char=""/>
             </a:pPr>
             <a:r>
-              <a:rPr b="0" lang="en-US" sz="1800" spc="-1" strike="noStrike">
-                <a:latin typeface="Arial"/>
+              <a:rPr lang="en-US" sz="3200" b="0" strike="noStrike" spc="-1">
+                <a:latin typeface="Arial" panose="020B0604020202020204"/>
               </a:rPr>
-              <a:t>Click to edit the outline text format</a:t>
+              <a:t>Cấu trúc chung của các lớp trong Java</a:t>
             </a:r>
-            <a:endParaRPr b="0" lang="en-US" sz="1800" spc="-1" strike="noStrike">
-              <a:latin typeface="Arial"/>
-            </a:endParaRPr>
-          </a:p>
-          <a:p>
-            <a:pPr lvl="1" marL="864000" indent="-324000">
+            <a:endParaRPr lang="en-US" sz="3200" b="0" strike="noStrike" spc="-1">
+              <a:latin typeface="Arial" panose="020B0604020202020204"/>
+            </a:endParaRPr>
+          </a:p>
+          <a:p>
+            <a:pPr marL="431800" indent="-323850">
+              <a:lnSpc>
+                <a:spcPct val="100000"/>
+              </a:lnSpc>
               <a:spcBef>
-                <a:spcPts val="1134"/>
-              </a:spcBef>
-              <a:buClr>
-                <a:srgbClr val="000000"/>
-              </a:buClr>
-              <a:buSzPct val="75000"/>
-              <a:buFont typeface="Symbol" charset="2"/>
-              <a:buChar char=""/>
-            </a:pPr>
-            <a:r>
-              <a:rPr b="0" lang="en-US" sz="1800" spc="-1" strike="noStrike">
-                <a:latin typeface="Arial"/>
-              </a:rPr>
-              <a:t>Second Outline Level</a:t>
-            </a:r>
-            <a:endParaRPr b="0" lang="en-US" sz="1800" spc="-1" strike="noStrike">
-              <a:latin typeface="Arial"/>
-            </a:endParaRPr>
-          </a:p>
-          <a:p>
-            <a:pPr lvl="2" marL="1296000" indent="-288000">
-              <a:spcBef>
-                <a:spcPts val="850"/>
+                <a:spcPts val="1415"/>
               </a:spcBef>
               <a:buClr>
                 <a:srgbClr val="000000"/>
               </a:buClr>
               <a:buSzPct val="45000"/>
-              <a:buFont typeface="Wingdings" charset="2"/>
+              <a:buFont typeface="Wingdings" panose="05000000000000000000" pitchFamily="2" charset="2"/>
               <a:buChar char=""/>
             </a:pPr>
             <a:r>
-              <a:rPr b="0" lang="en-US" sz="1800" spc="-1" strike="noStrike">
-                <a:latin typeface="Arial"/>
+              <a:rPr lang="en-US" sz="3200" b="0" strike="noStrike" spc="-1">
+                <a:latin typeface="Arial" panose="020B0604020202020204"/>
               </a:rPr>
-              <a:t>Third Outline Level</a:t>
+              <a:t>Scope Phạm vi truy cập đến thành phần trong lớp là như thế nào</a:t>
             </a:r>
-            <a:endParaRPr b="0" lang="en-US" sz="1800" spc="-1" strike="noStrike">
-              <a:latin typeface="Arial"/>
-            </a:endParaRPr>
-          </a:p>
-          <a:p>
-            <a:pPr lvl="3" marL="1728000" indent="-216000">
+            <a:endParaRPr lang="en-US" sz="3200" b="0" strike="noStrike" spc="-1">
+              <a:latin typeface="Arial" panose="020B0604020202020204"/>
+            </a:endParaRPr>
+          </a:p>
+          <a:p>
+            <a:pPr marL="431800" indent="-323850">
+              <a:lnSpc>
+                <a:spcPct val="100000"/>
+              </a:lnSpc>
               <a:spcBef>
-                <a:spcPts val="567"/>
-              </a:spcBef>
-              <a:buClr>
-                <a:srgbClr val="000000"/>
-              </a:buClr>
-              <a:buSzPct val="75000"/>
-              <a:buFont typeface="Symbol" charset="2"/>
-              <a:buChar char=""/>
-            </a:pPr>
-            <a:r>
-              <a:rPr b="0" lang="en-US" sz="1800" spc="-1" strike="noStrike">
-                <a:latin typeface="Arial"/>
-              </a:rPr>
-              <a:t>Fourth Outline Level</a:t>
-            </a:r>
-            <a:endParaRPr b="0" lang="en-US" sz="1800" spc="-1" strike="noStrike">
-              <a:latin typeface="Arial"/>
-            </a:endParaRPr>
-          </a:p>
-          <a:p>
-            <a:pPr lvl="4" marL="2160000" indent="-216000">
-              <a:spcBef>
-                <a:spcPts val="283"/>
+                <a:spcPts val="1415"/>
               </a:spcBef>
               <a:buClr>
                 <a:srgbClr val="000000"/>
               </a:buClr>
               <a:buSzPct val="45000"/>
-              <a:buFont typeface="Wingdings" charset="2"/>
+              <a:buFont typeface="Wingdings" panose="05000000000000000000" pitchFamily="2" charset="2"/>
               <a:buChar char=""/>
             </a:pPr>
             <a:r>
-              <a:rPr b="0" lang="en-US" sz="1800" spc="-1" strike="noStrike">
-                <a:latin typeface="Arial"/>
+              <a:rPr lang="en-US" sz="3200" b="0" strike="noStrike" spc="-1">
+                <a:latin typeface="Arial" panose="020B0604020202020204"/>
               </a:rPr>
-              <a:t>Fifth Outline Level</a:t>
+              <a:t>Tản mạn cách định nghĩa phương thức trong Java với C++, nội tuyến hay ngoại tuyến</a:t>
             </a:r>
-            <a:endParaRPr b="0" lang="en-US" sz="1800" spc="-1" strike="noStrike">
-              <a:latin typeface="Arial"/>
-            </a:endParaRPr>
-          </a:p>
-          <a:p>
-            <a:pPr lvl="5" marL="2592000" indent="-216000">
+            <a:endParaRPr lang="en-US" sz="3200" b="0" strike="noStrike" spc="-1">
+              <a:latin typeface="Arial" panose="020B0604020202020204"/>
+            </a:endParaRPr>
+          </a:p>
+          <a:p>
+            <a:pPr marL="431800" indent="-323850">
+              <a:lnSpc>
+                <a:spcPct val="100000"/>
+              </a:lnSpc>
               <a:spcBef>
-                <a:spcPts val="283"/>
+                <a:spcPts val="1415"/>
               </a:spcBef>
               <a:buClr>
                 <a:srgbClr val="000000"/>
               </a:buClr>
               <a:buSzPct val="45000"/>
-              <a:buFont typeface="Wingdings" charset="2"/>
+              <a:buFont typeface="Wingdings" panose="05000000000000000000" pitchFamily="2" charset="2"/>
               <a:buChar char=""/>
             </a:pPr>
             <a:r>
-              <a:rPr b="0" lang="en-US" sz="1800" spc="-1" strike="noStrike">
-                <a:latin typeface="Arial"/>
+              <a:rPr lang="en-US" sz="3200" b="0" strike="noStrike" spc="-1">
+                <a:latin typeface="Arial" panose="020B0604020202020204"/>
               </a:rPr>
-              <a:t>Sixth Outline Level</a:t>
+              <a:t>Làm thế nào để so sánh 2 đối tượng trong Java </a:t>
             </a:r>
-            <a:endParaRPr b="0" lang="en-US" sz="1800" spc="-1" strike="noStrike">
-              <a:latin typeface="Arial"/>
-            </a:endParaRPr>
-          </a:p>
-          <a:p>
-            <a:pPr lvl="6" marL="3024000" indent="-216000">
+            <a:endParaRPr lang="en-US" sz="3200" b="0" strike="noStrike" spc="-1">
+              <a:latin typeface="Arial" panose="020B0604020202020204"/>
+            </a:endParaRPr>
+          </a:p>
+          <a:p>
+            <a:pPr marL="431800" indent="-323850">
+              <a:lnSpc>
+                <a:spcPct val="100000"/>
+              </a:lnSpc>
               <a:spcBef>
-                <a:spcPts val="283"/>
+                <a:spcPts val="1415"/>
               </a:spcBef>
               <a:buClr>
                 <a:srgbClr val="000000"/>
               </a:buClr>
               <a:buSzPct val="45000"/>
-              <a:buFont typeface="Wingdings" charset="2"/>
+              <a:buFont typeface="Wingdings" panose="05000000000000000000" pitchFamily="2" charset="2"/>
               <a:buChar char=""/>
             </a:pPr>
             <a:r>
-              <a:rPr b="0" lang="en-US" sz="1800" spc="-1" strike="noStrike">
-                <a:latin typeface="Arial"/>
+              <a:rPr lang="en-US" sz="3200" b="0" strike="noStrike" spc="-1">
+                <a:latin typeface="Arial" panose="020B0604020202020204"/>
               </a:rPr>
-              <a:t>Seventh Outline Level</a:t>
+              <a:t>Khai báo 1 hằng số trong Java như thế nào</a:t>
             </a:r>
-            <a:endParaRPr b="0" lang="en-US" sz="1800" spc="-1" strike="noStrike">
-              <a:latin typeface="Arial"/>
+            <a:endParaRPr lang="en-US" sz="3200" b="0" strike="noStrike" spc="-1">
+              <a:latin typeface="Arial" panose="020B0604020202020204"/>
             </a:endParaRPr>
           </a:p>
         </p:txBody>
       </p:sp>
     </p:spTree>
   </p:cSld>
-  <p:clrMap bg1="lt1" bg2="lt2" tx1="dk1" tx2="dk2" accent1="accent1" accent2="accent2" accent3="accent3" accent4="accent4" accent5="accent5" accent6="accent6" hlink="hlink" folHlink="folHlink"/>
-  <p:sldLayoutIdLst>
-    <p:sldLayoutId id="2147483662" r:id="rId2"/>
-    <p:sldLayoutId id="2147483663" r:id="rId3"/>
-    <p:sldLayoutId id="2147483664" r:id="rId4"/>
-    <p:sldLayoutId id="2147483665" r:id="rId5"/>
-    <p:sldLayoutId id="2147483666" r:id="rId6"/>
-    <p:sldLayoutId id="2147483667" r:id="rId7"/>
-    <p:sldLayoutId id="2147483668" r:id="rId8"/>
-    <p:sldLayoutId id="2147483669" r:id="rId9"/>
-    <p:sldLayoutId id="2147483670" r:id="rId10"/>
-    <p:sldLayoutId id="2147483671" r:id="rId11"/>
-    <p:sldLayoutId id="2147483672" r:id="rId12"/>
-    <p:sldLayoutId id="2147483673" r:id="rId13"/>
-  </p:sldLayoutIdLst>
-</p:sldMaster>
+  <p:clrMapOvr>
+    <a:masterClrMapping/>
+  </p:clrMapOvr>
+  <mc:AlternateContent xmlns:mc="http://schemas.openxmlformats.org/markup-compatibility/2006">
+    <mc:Choice xmlns:p14="http://schemas.microsoft.com/office/powerpoint/2010/main" Requires="p14">
+      <p:transition spd="slow" p14:dur="2000"/>
+    </mc:Choice>
+    <mc:Fallback>
+      <p:transition spd="slow"/>
+    </mc:Fallback>
+  </mc:AlternateContent>
+</p:sld>
 </file>
 
-<file path=ppt/slides/slide1.xml><?xml version="1.0" encoding="utf-8"?>
-<p:sld xmlns:a="http://schemas.openxmlformats.org/drawingml/2006/main" xmlns:p="http://schemas.openxmlformats.org/presentationml/2006/main" xmlns:r="http://schemas.openxmlformats.org/officeDocument/2006/relationships" xmlns:p14="http://schemas.microsoft.com/office/powerpoint/2010/main" xmlns:p15="http://schemas.microsoft.com/office/powerpoint/2012/main" xmlns:mc="http://schemas.openxmlformats.org/markup-compatibility/2006">
+<file path=ppt/slides/slide3.xml><?xml version="1.0" encoding="utf-8"?>
+<p:sld xmlns:a="http://schemas.openxmlformats.org/drawingml/2006/main" xmlns:r="http://schemas.openxmlformats.org/officeDocument/2006/relationships" xmlns:p="http://schemas.openxmlformats.org/presentationml/2006/main">
   <p:cSld>
     <p:spTree>
       <p:nvGrpSpPr>
@@ -3252,14 +5491,14 @@
       </p:grpSpPr>
       <p:sp>
         <p:nvSpPr>
-          <p:cNvPr id="76" name=""/>
+          <p:cNvPr id="78" name="Rectangles 77"/>
           <p:cNvSpPr/>
           <p:nvPr/>
         </p:nvSpPr>
         <p:spPr>
           <a:xfrm>
             <a:off x="504000" y="226080"/>
-            <a:ext cx="9071280" cy="2288160"/>
+            <a:ext cx="9071280" cy="946080"/>
           </a:xfrm>
           <a:prstGeom prst="rect">
             <a:avLst/>
@@ -3270,13 +5509,19 @@
           </a:ln>
         </p:spPr>
         <p:style>
-          <a:lnRef idx="0"/>
-          <a:fillRef idx="0"/>
-          <a:effectRef idx="0"/>
+          <a:lnRef idx="0">
+            <a:srgbClr val="FFFFFF"/>
+          </a:lnRef>
+          <a:fillRef idx="0">
+            <a:srgbClr val="FFFFFF"/>
+          </a:fillRef>
+          <a:effectRef idx="0">
+            <a:srgbClr val="FFFFFF"/>
+          </a:effectRef>
           <a:fontRef idx="minor"/>
         </p:style>
         <p:txBody>
-          <a:bodyPr lIns="0" rIns="0" tIns="0" bIns="0" anchor="ctr">
+          <a:bodyPr lIns="0" tIns="0" rIns="0" bIns="0" anchor="ctr">
             <a:noAutofit/>
           </a:bodyPr>
           <a:p>
@@ -3286,39 +5531,33 @@
               </a:lnSpc>
             </a:pPr>
             <a:r>
-              <a:rPr b="1" lang="en-US" sz="8000" spc="-1" strike="noStrike">
-                <a:solidFill>
-                  <a:srgbClr val="2a6099"/>
-                </a:solidFill>
-                <a:latin typeface="Arial"/>
+              <a:rPr lang="en-US" sz="3600" b="0" strike="noStrike" spc="-1">
+                <a:latin typeface="Arial" panose="020B0604020202020204"/>
               </a:rPr>
-              <a:t>Học Java cơ bản bằng Tiếng Việt</a:t>
+              <a:t>Cấu trúc chung của các lớp trong Java</a:t>
             </a:r>
             <a:r>
-              <a:rPr b="0" lang="en-US" sz="4400" spc="-1" strike="noStrike">
-                <a:solidFill>
-                  <a:srgbClr val="2a6099"/>
-                </a:solidFill>
-                <a:latin typeface="Arial"/>
+              <a:rPr lang="en-US" sz="4400" b="0" strike="noStrike" spc="-1">
+                <a:latin typeface="Arial" panose="020B0604020202020204"/>
               </a:rPr>
               <a:t> </a:t>
             </a:r>
-            <a:endParaRPr b="0" lang="en-US" sz="4400" spc="-1" strike="noStrike">
-              <a:latin typeface="Arial"/>
-            </a:endParaRPr>
-          </a:p>
-        </p:txBody>
-      </p:sp>
-      <p:sp>
-        <p:nvSpPr>
-          <p:cNvPr id="77" name=""/>
+            <a:endParaRPr lang="en-US" sz="4400" b="0" strike="noStrike" spc="-1">
+              <a:latin typeface="Arial" panose="020B0604020202020204"/>
+            </a:endParaRPr>
+          </a:p>
+        </p:txBody>
+      </p:sp>
+      <p:sp>
+        <p:nvSpPr>
+          <p:cNvPr id="79" name="Rectangles 78"/>
           <p:cNvSpPr/>
           <p:nvPr/>
         </p:nvSpPr>
         <p:spPr>
           <a:xfrm>
-            <a:off x="504000" y="2971800"/>
-            <a:ext cx="9071280" cy="1642680"/>
+            <a:off x="504000" y="1326600"/>
+            <a:ext cx="9071280" cy="3287880"/>
           </a:xfrm>
           <a:prstGeom prst="rect">
             <a:avLst/>
@@ -3329,37 +5568,242 @@
           </a:ln>
         </p:spPr>
         <p:style>
-          <a:lnRef idx="0"/>
-          <a:fillRef idx="0"/>
-          <a:effectRef idx="0"/>
+          <a:lnRef idx="0">
+            <a:srgbClr val="FFFFFF"/>
+          </a:lnRef>
+          <a:fillRef idx="0">
+            <a:srgbClr val="FFFFFF"/>
+          </a:fillRef>
+          <a:effectRef idx="0">
+            <a:srgbClr val="FFFFFF"/>
+          </a:effectRef>
           <a:fontRef idx="minor"/>
         </p:style>
         <p:txBody>
-          <a:bodyPr lIns="0" rIns="0" tIns="0" bIns="0" anchor="ctr">
-            <a:noAutofit/>
-          </a:bodyPr>
-          <a:p>
-            <a:pPr algn="ctr">
+          <a:bodyPr lIns="0" tIns="0" rIns="0" bIns="0">
+            <a:normAutofit fontScale="65000"/>
+          </a:bodyPr>
+          <a:p>
+            <a:pPr marL="431800" indent="-323850">
               <a:lnSpc>
                 <a:spcPct val="100000"/>
               </a:lnSpc>
+              <a:spcBef>
+                <a:spcPts val="1415"/>
+              </a:spcBef>
+              <a:buClr>
+                <a:srgbClr val="000000"/>
+              </a:buClr>
+              <a:buSzPct val="45000"/>
+              <a:buFont typeface="Wingdings" panose="05000000000000000000" pitchFamily="2" charset="2"/>
+              <a:buChar char=""/>
             </a:pPr>
             <a:r>
-              <a:rPr b="0" lang="en-US" sz="3200" spc="-1" strike="noStrike">
-                <a:latin typeface="Arial"/>
+              <a:rPr lang="en-US" sz="3200" b="0" strike="noStrike" spc="-1">
+                <a:latin typeface="Arial" panose="020B0604020202020204"/>
               </a:rPr>
-              <a:t>Bài 5: Các bước cơ bản để xây dựng 1 lớp trong Java  </a:t>
+              <a:t>class tên lớp{</a:t>
             </a:r>
-            <a:endParaRPr b="0" lang="en-US" sz="3200" spc="-1" strike="noStrike">
-              <a:latin typeface="Arial"/>
+            <a:endParaRPr lang="en-US" sz="3200" b="0" strike="noStrike" spc="-1">
+              <a:latin typeface="Arial" panose="020B0604020202020204"/>
+            </a:endParaRPr>
+          </a:p>
+          <a:p>
+            <a:pPr marL="864235" lvl="1" indent="-323850">
+              <a:lnSpc>
+                <a:spcPct val="100000"/>
+              </a:lnSpc>
+              <a:spcBef>
+                <a:spcPts val="1135"/>
+              </a:spcBef>
+              <a:buClr>
+                <a:srgbClr val="000000"/>
+              </a:buClr>
+              <a:buSzPct val="75000"/>
+              <a:buFont typeface="Symbol" panose="05050102010706020507"/>
+              <a:buChar char=""/>
+            </a:pPr>
+            <a:r>
+              <a:rPr lang="en-US" sz="2800" b="0" strike="noStrike" spc="-1">
+                <a:latin typeface="Arial" panose="020B0604020202020204"/>
+              </a:rPr>
+              <a:t>trường dữ liệu 1</a:t>
+            </a:r>
+            <a:endParaRPr lang="en-US" sz="2800" b="0" strike="noStrike" spc="-1">
+              <a:latin typeface="Arial" panose="020B0604020202020204"/>
+            </a:endParaRPr>
+          </a:p>
+          <a:p>
+            <a:pPr marL="864235" lvl="1" indent="-323850">
+              <a:lnSpc>
+                <a:spcPct val="100000"/>
+              </a:lnSpc>
+              <a:spcBef>
+                <a:spcPts val="1135"/>
+              </a:spcBef>
+              <a:buClr>
+                <a:srgbClr val="000000"/>
+              </a:buClr>
+              <a:buSzPct val="75000"/>
+              <a:buFont typeface="Symbol" panose="05050102010706020507"/>
+              <a:buChar char=""/>
+            </a:pPr>
+            <a:r>
+              <a:rPr lang="en-US" sz="2800" b="0" strike="noStrike" spc="-1">
+                <a:latin typeface="Arial" panose="020B0604020202020204"/>
+              </a:rPr>
+              <a:t>trường dữ liệu 2</a:t>
+            </a:r>
+            <a:endParaRPr lang="en-US" sz="2800" b="0" strike="noStrike" spc="-1">
+              <a:latin typeface="Arial" panose="020B0604020202020204"/>
+            </a:endParaRPr>
+          </a:p>
+          <a:p>
+            <a:pPr marL="864235" lvl="1" indent="-323850">
+              <a:lnSpc>
+                <a:spcPct val="100000"/>
+              </a:lnSpc>
+              <a:spcBef>
+                <a:spcPts val="1135"/>
+              </a:spcBef>
+              <a:buClr>
+                <a:srgbClr val="000000"/>
+              </a:buClr>
+              <a:buSzPct val="75000"/>
+              <a:buFont typeface="Symbol" panose="05050102010706020507"/>
+              <a:buChar char=""/>
+            </a:pPr>
+            <a:r>
+              <a:rPr lang="en-US" sz="2800" b="0" strike="noStrike" spc="-1">
+                <a:latin typeface="Arial" panose="020B0604020202020204"/>
+              </a:rPr>
+              <a:t>……</a:t>
+            </a:r>
+            <a:r>
+              <a:rPr lang="en-US" sz="2800" b="0" strike="noStrike" spc="-1">
+                <a:latin typeface="Arial" panose="020B0604020202020204"/>
+              </a:rPr>
+              <a:t>..</a:t>
+            </a:r>
+            <a:endParaRPr lang="en-US" sz="2800" b="0" strike="noStrike" spc="-1">
+              <a:latin typeface="Arial" panose="020B0604020202020204"/>
+            </a:endParaRPr>
+          </a:p>
+          <a:p>
+            <a:pPr marL="864235" lvl="1" indent="-323850">
+              <a:lnSpc>
+                <a:spcPct val="100000"/>
+              </a:lnSpc>
+              <a:spcBef>
+                <a:spcPts val="1135"/>
+              </a:spcBef>
+              <a:buClr>
+                <a:srgbClr val="000000"/>
+              </a:buClr>
+              <a:buSzPct val="75000"/>
+              <a:buFont typeface="Symbol" panose="05050102010706020507"/>
+              <a:buChar char=""/>
+            </a:pPr>
+            <a:r>
+              <a:rPr lang="en-US" sz="2800" b="0" strike="noStrike" spc="-1">
+                <a:latin typeface="Arial" panose="020B0604020202020204"/>
+              </a:rPr>
+              <a:t>phương thức 1</a:t>
+            </a:r>
+            <a:endParaRPr lang="en-US" sz="2800" b="0" strike="noStrike" spc="-1">
+              <a:latin typeface="Arial" panose="020B0604020202020204"/>
+            </a:endParaRPr>
+          </a:p>
+          <a:p>
+            <a:pPr marL="864235" lvl="1" indent="-323850">
+              <a:lnSpc>
+                <a:spcPct val="100000"/>
+              </a:lnSpc>
+              <a:spcBef>
+                <a:spcPts val="1135"/>
+              </a:spcBef>
+              <a:buClr>
+                <a:srgbClr val="000000"/>
+              </a:buClr>
+              <a:buSzPct val="75000"/>
+              <a:buFont typeface="Symbol" panose="05050102010706020507"/>
+              <a:buChar char=""/>
+            </a:pPr>
+            <a:r>
+              <a:rPr lang="en-US" sz="2800" b="0" strike="noStrike" spc="-1">
+                <a:latin typeface="Arial" panose="020B0604020202020204"/>
+              </a:rPr>
+              <a:t>phương thức 2</a:t>
+            </a:r>
+            <a:endParaRPr lang="en-US" sz="2800" b="0" strike="noStrike" spc="-1">
+              <a:latin typeface="Arial" panose="020B0604020202020204"/>
+            </a:endParaRPr>
+          </a:p>
+          <a:p>
+            <a:pPr marL="864235" lvl="1" indent="-323850">
+              <a:lnSpc>
+                <a:spcPct val="100000"/>
+              </a:lnSpc>
+              <a:spcBef>
+                <a:spcPts val="1135"/>
+              </a:spcBef>
+              <a:buClr>
+                <a:srgbClr val="000000"/>
+              </a:buClr>
+              <a:buSzPct val="75000"/>
+              <a:buFont typeface="Symbol" panose="05050102010706020507"/>
+              <a:buChar char=""/>
+            </a:pPr>
+            <a:r>
+              <a:rPr lang="en-US" sz="2800" b="0" strike="noStrike" spc="-1">
+                <a:latin typeface="Arial" panose="020B0604020202020204"/>
+              </a:rPr>
+              <a:t>………</a:t>
+            </a:r>
+            <a:r>
+              <a:rPr lang="en-US" sz="2800" b="0" strike="noStrike" spc="-1">
+                <a:latin typeface="Arial" panose="020B0604020202020204"/>
+              </a:rPr>
+              <a:t>.</a:t>
+            </a:r>
+            <a:endParaRPr lang="en-US" sz="2800" b="0" strike="noStrike" spc="-1">
+              <a:latin typeface="Arial" panose="020B0604020202020204"/>
+            </a:endParaRPr>
+          </a:p>
+          <a:p>
+            <a:pPr marL="431800" indent="-323850">
+              <a:lnSpc>
+                <a:spcPct val="100000"/>
+              </a:lnSpc>
+              <a:spcBef>
+                <a:spcPts val="1415"/>
+              </a:spcBef>
+              <a:buClr>
+                <a:srgbClr val="000000"/>
+              </a:buClr>
+              <a:buSzPct val="45000"/>
+              <a:buFont typeface="Wingdings" panose="05000000000000000000" pitchFamily="2" charset="2"/>
+              <a:buChar char=""/>
+            </a:pPr>
+            <a:r>
+              <a:rPr lang="en-US" sz="3200" b="0" strike="noStrike" spc="-1">
+                <a:latin typeface="Arial" panose="020B0604020202020204"/>
+              </a:rPr>
+              <a:t>} </a:t>
+            </a:r>
+            <a:endParaRPr lang="en-US" sz="3200" b="0" strike="noStrike" spc="-1">
+              <a:latin typeface="Arial" panose="020B0604020202020204"/>
             </a:endParaRPr>
           </a:p>
         </p:txBody>
       </p:sp>
     </p:spTree>
   </p:cSld>
-  <mc:AlternateContent>
-    <mc:Choice Requires="p14">
+  <p:clrMapOvr>
+    <a:masterClrMapping/>
+  </p:clrMapOvr>
+  <mc:AlternateContent xmlns:mc="http://schemas.openxmlformats.org/markup-compatibility/2006">
+    <mc:Choice xmlns:p14="http://schemas.microsoft.com/office/powerpoint/2010/main" Requires="p14">
       <p:transition spd="slow" p14:dur="2000"/>
     </mc:Choice>
     <mc:Fallback>
@@ -3369,8 +5813,8 @@
 </p:sld>
 </file>
 
-<file path=ppt/slides/slide2.xml><?xml version="1.0" encoding="utf-8"?>
-<p:sld xmlns:a="http://schemas.openxmlformats.org/drawingml/2006/main" xmlns:p="http://schemas.openxmlformats.org/presentationml/2006/main" xmlns:r="http://schemas.openxmlformats.org/officeDocument/2006/relationships" xmlns:p14="http://schemas.microsoft.com/office/powerpoint/2010/main" xmlns:p15="http://schemas.microsoft.com/office/powerpoint/2012/main" xmlns:mc="http://schemas.openxmlformats.org/markup-compatibility/2006">
+<file path=ppt/slides/slide4.xml><?xml version="1.0" encoding="utf-8"?>
+<p:sld xmlns:a="http://schemas.openxmlformats.org/drawingml/2006/main" xmlns:r="http://schemas.openxmlformats.org/officeDocument/2006/relationships" xmlns:p="http://schemas.openxmlformats.org/presentationml/2006/main">
   <p:cSld>
     <p:spTree>
       <p:nvGrpSpPr>
@@ -3388,7 +5832,7 @@
       </p:grpSpPr>
       <p:sp>
         <p:nvSpPr>
-          <p:cNvPr id="78" name=""/>
+          <p:cNvPr id="80" name="Rectangles 79"/>
           <p:cNvSpPr/>
           <p:nvPr/>
         </p:nvSpPr>
@@ -3406,13 +5850,19 @@
           </a:ln>
         </p:spPr>
         <p:style>
-          <a:lnRef idx="0"/>
-          <a:fillRef idx="0"/>
-          <a:effectRef idx="0"/>
+          <a:lnRef idx="0">
+            <a:srgbClr val="FFFFFF"/>
+          </a:lnRef>
+          <a:fillRef idx="0">
+            <a:srgbClr val="FFFFFF"/>
+          </a:fillRef>
+          <a:effectRef idx="0">
+            <a:srgbClr val="FFFFFF"/>
+          </a:effectRef>
           <a:fontRef idx="minor"/>
         </p:style>
         <p:txBody>
-          <a:bodyPr lIns="0" rIns="0" tIns="0" bIns="0" anchor="ctr">
+          <a:bodyPr lIns="0" tIns="0" rIns="0" bIns="0" anchor="ctr">
             <a:noAutofit/>
           </a:bodyPr>
           <a:p>
@@ -3422,33 +5872,27 @@
               </a:lnSpc>
             </a:pPr>
             <a:r>
-              <a:rPr b="0" lang="en-US" sz="3600" spc="-1" strike="noStrike">
-                <a:latin typeface="Arial"/>
+              <a:rPr lang="en-US" sz="4400" b="0" strike="noStrike" spc="-1">
+                <a:latin typeface="Arial" panose="020B0604020202020204"/>
               </a:rPr>
-              <a:t>Cấu trúc chung của các lớp trong Java</a:t>
+              <a:t>Một vài lưu ý  </a:t>
             </a:r>
-            <a:r>
-              <a:rPr b="0" lang="en-US" sz="4400" spc="-1" strike="noStrike">
-                <a:latin typeface="Arial"/>
-              </a:rPr>
-              <a:t> </a:t>
-            </a:r>
-            <a:endParaRPr b="0" lang="en-US" sz="4400" spc="-1" strike="noStrike">
-              <a:latin typeface="Arial"/>
-            </a:endParaRPr>
-          </a:p>
-        </p:txBody>
-      </p:sp>
-      <p:sp>
-        <p:nvSpPr>
-          <p:cNvPr id="79" name=""/>
+            <a:endParaRPr lang="en-US" sz="4400" b="0" strike="noStrike" spc="-1">
+              <a:latin typeface="Arial" panose="020B0604020202020204"/>
+            </a:endParaRPr>
+          </a:p>
+        </p:txBody>
+      </p:sp>
+      <p:sp>
+        <p:nvSpPr>
+          <p:cNvPr id="81" name="Rectangles 80"/>
           <p:cNvSpPr/>
           <p:nvPr/>
         </p:nvSpPr>
         <p:spPr>
           <a:xfrm>
-            <a:off x="504000" y="1326600"/>
-            <a:ext cx="9071280" cy="3287880"/>
+            <a:off x="504190" y="1326515"/>
+            <a:ext cx="9070975" cy="3785235"/>
           </a:xfrm>
           <a:prstGeom prst="rect">
             <a:avLst/>
@@ -3459,233 +5903,180 @@
           </a:ln>
         </p:spPr>
         <p:style>
-          <a:lnRef idx="0"/>
-          <a:fillRef idx="0"/>
-          <a:effectRef idx="0"/>
+          <a:lnRef idx="0">
+            <a:srgbClr val="FFFFFF"/>
+          </a:lnRef>
+          <a:fillRef idx="0">
+            <a:srgbClr val="FFFFFF"/>
+          </a:fillRef>
+          <a:effectRef idx="0">
+            <a:srgbClr val="FFFFFF"/>
+          </a:effectRef>
           <a:fontRef idx="minor"/>
         </p:style>
         <p:txBody>
-          <a:bodyPr lIns="0" rIns="0" tIns="0" bIns="0">
-            <a:normAutofit fontScale="65000"/>
-          </a:bodyPr>
-          <a:p>
-            <a:pPr marL="432000" indent="-323640">
+          <a:bodyPr lIns="0" tIns="0" rIns="0" bIns="0">
+            <a:normAutofit fontScale="25000"/>
+          </a:bodyPr>
+          <a:p>
+            <a:pPr marL="431800" indent="-323850">
               <a:lnSpc>
                 <a:spcPct val="100000"/>
               </a:lnSpc>
               <a:spcBef>
-                <a:spcPts val="1417"/>
+                <a:spcPts val="1415"/>
               </a:spcBef>
               <a:buClr>
                 <a:srgbClr val="000000"/>
               </a:buClr>
               <a:buSzPct val="45000"/>
-              <a:buFont typeface="Wingdings" charset="2"/>
+              <a:buFont typeface="Wingdings" panose="05000000000000000000" pitchFamily="2" charset="2"/>
               <a:buChar char=""/>
             </a:pPr>
             <a:r>
-              <a:rPr b="0" lang="en-US" sz="3200" spc="-1" strike="noStrike">
-                <a:latin typeface="Arial"/>
+              <a:rPr lang="en-US" sz="6665" b="0" strike="noStrike" spc="-1">
+                <a:latin typeface="Arial" panose="020B0604020202020204"/>
               </a:rPr>
-              <a:t>class tên lớp{</a:t>
+              <a:t>Nếu trước đây các bạn đã từng lập trình C++</a:t>
             </a:r>
-            <a:endParaRPr b="0" lang="en-US" sz="3200" spc="-1" strike="noStrike">
-              <a:latin typeface="Arial"/>
-            </a:endParaRPr>
-          </a:p>
-          <a:p>
-            <a:pPr lvl="1" marL="864000" indent="-323640">
+            <a:endParaRPr lang="en-US" sz="6665" b="0" strike="noStrike" spc="-1">
+              <a:latin typeface="Arial" panose="020B0604020202020204"/>
+            </a:endParaRPr>
+          </a:p>
+          <a:p>
+            <a:pPr marL="431800" indent="-323850">
               <a:lnSpc>
                 <a:spcPct val="100000"/>
               </a:lnSpc>
               <a:spcBef>
-                <a:spcPts val="1134"/>
-              </a:spcBef>
-              <a:buClr>
-                <a:srgbClr val="000000"/>
-              </a:buClr>
-              <a:buSzPct val="75000"/>
-              <a:buFont typeface="Symbol"/>
-              <a:buChar char=""/>
-            </a:pPr>
-            <a:r>
-              <a:rPr b="0" lang="en-US" sz="2800" spc="-1" strike="noStrike">
-                <a:latin typeface="Arial"/>
-              </a:rPr>
-              <a:t>trường dữ liệu 1</a:t>
-            </a:r>
-            <a:endParaRPr b="0" lang="en-US" sz="2800" spc="-1" strike="noStrike">
-              <a:latin typeface="Arial"/>
-            </a:endParaRPr>
-          </a:p>
-          <a:p>
-            <a:pPr lvl="1" marL="864000" indent="-323640">
-              <a:lnSpc>
-                <a:spcPct val="100000"/>
-              </a:lnSpc>
-              <a:spcBef>
-                <a:spcPts val="1134"/>
-              </a:spcBef>
-              <a:buClr>
-                <a:srgbClr val="000000"/>
-              </a:buClr>
-              <a:buSzPct val="75000"/>
-              <a:buFont typeface="Symbol"/>
-              <a:buChar char=""/>
-            </a:pPr>
-            <a:r>
-              <a:rPr b="0" lang="en-US" sz="2800" spc="-1" strike="noStrike">
-                <a:latin typeface="Arial"/>
-              </a:rPr>
-              <a:t>trường dữ liệu 2</a:t>
-            </a:r>
-            <a:endParaRPr b="0" lang="en-US" sz="2800" spc="-1" strike="noStrike">
-              <a:latin typeface="Arial"/>
-            </a:endParaRPr>
-          </a:p>
-          <a:p>
-            <a:pPr lvl="1" marL="864000" indent="-323640">
-              <a:lnSpc>
-                <a:spcPct val="100000"/>
-              </a:lnSpc>
-              <a:spcBef>
-                <a:spcPts val="1134"/>
-              </a:spcBef>
-              <a:buClr>
-                <a:srgbClr val="000000"/>
-              </a:buClr>
-              <a:buSzPct val="75000"/>
-              <a:buFont typeface="Symbol"/>
-              <a:buChar char=""/>
-            </a:pPr>
-            <a:r>
-              <a:rPr b="0" lang="en-US" sz="2800" spc="-1" strike="noStrike">
-                <a:latin typeface="Arial"/>
-              </a:rPr>
-              <a:t>……</a:t>
-            </a:r>
-            <a:r>
-              <a:rPr b="0" lang="en-US" sz="2800" spc="-1" strike="noStrike">
-                <a:latin typeface="Arial"/>
-              </a:rPr>
-              <a:t>..</a:t>
-            </a:r>
-            <a:endParaRPr b="0" lang="en-US" sz="2800" spc="-1" strike="noStrike">
-              <a:latin typeface="Arial"/>
-            </a:endParaRPr>
-          </a:p>
-          <a:p>
-            <a:pPr lvl="1" marL="864000" indent="-323640">
-              <a:lnSpc>
-                <a:spcPct val="100000"/>
-              </a:lnSpc>
-              <a:spcBef>
-                <a:spcPts val="1134"/>
-              </a:spcBef>
-              <a:buClr>
-                <a:srgbClr val="000000"/>
-              </a:buClr>
-              <a:buSzPct val="75000"/>
-              <a:buFont typeface="Symbol"/>
-              <a:buChar char=""/>
-            </a:pPr>
-            <a:r>
-              <a:rPr b="0" lang="en-US" sz="2800" spc="-1" strike="noStrike">
-                <a:latin typeface="Arial"/>
-              </a:rPr>
-              <a:t>phương thức 1</a:t>
-            </a:r>
-            <a:endParaRPr b="0" lang="en-US" sz="2800" spc="-1" strike="noStrike">
-              <a:latin typeface="Arial"/>
-            </a:endParaRPr>
-          </a:p>
-          <a:p>
-            <a:pPr lvl="1" marL="864000" indent="-323640">
-              <a:lnSpc>
-                <a:spcPct val="100000"/>
-              </a:lnSpc>
-              <a:spcBef>
-                <a:spcPts val="1134"/>
-              </a:spcBef>
-              <a:buClr>
-                <a:srgbClr val="000000"/>
-              </a:buClr>
-              <a:buSzPct val="75000"/>
-              <a:buFont typeface="Symbol"/>
-              <a:buChar char=""/>
-            </a:pPr>
-            <a:r>
-              <a:rPr b="0" lang="en-US" sz="2800" spc="-1" strike="noStrike">
-                <a:latin typeface="Arial"/>
-              </a:rPr>
-              <a:t>phương thức 2</a:t>
-            </a:r>
-            <a:endParaRPr b="0" lang="en-US" sz="2800" spc="-1" strike="noStrike">
-              <a:latin typeface="Arial"/>
-            </a:endParaRPr>
-          </a:p>
-          <a:p>
-            <a:pPr lvl="1" marL="864000" indent="-323640">
-              <a:lnSpc>
-                <a:spcPct val="100000"/>
-              </a:lnSpc>
-              <a:spcBef>
-                <a:spcPts val="1134"/>
-              </a:spcBef>
-              <a:buClr>
-                <a:srgbClr val="000000"/>
-              </a:buClr>
-              <a:buSzPct val="75000"/>
-              <a:buFont typeface="Symbol"/>
-              <a:buChar char=""/>
-            </a:pPr>
-            <a:r>
-              <a:rPr b="0" lang="en-US" sz="2800" spc="-1" strike="noStrike">
-                <a:latin typeface="Arial"/>
-              </a:rPr>
-              <a:t>………</a:t>
-            </a:r>
-            <a:r>
-              <a:rPr b="0" lang="en-US" sz="2800" spc="-1" strike="noStrike">
-                <a:latin typeface="Arial"/>
-              </a:rPr>
-              <a:t>.</a:t>
-            </a:r>
-            <a:endParaRPr b="0" lang="en-US" sz="2800" spc="-1" strike="noStrike">
-              <a:latin typeface="Arial"/>
-            </a:endParaRPr>
-          </a:p>
-          <a:p>
-            <a:pPr marL="432000" indent="-323640">
-              <a:lnSpc>
-                <a:spcPct val="100000"/>
-              </a:lnSpc>
-              <a:spcBef>
-                <a:spcPts val="1417"/>
+                <a:spcPts val="1415"/>
               </a:spcBef>
               <a:buClr>
                 <a:srgbClr val="000000"/>
               </a:buClr>
               <a:buSzPct val="45000"/>
-              <a:buFont typeface="Wingdings" charset="2"/>
+              <a:buFont typeface="Wingdings" panose="05000000000000000000" pitchFamily="2" charset="2"/>
               <a:buChar char=""/>
             </a:pPr>
             <a:r>
-              <a:rPr b="0" lang="en-US" sz="3200" spc="-1" strike="noStrike">
-                <a:latin typeface="Arial"/>
+              <a:rPr lang="en-US" sz="6665" b="0" strike="noStrike" spc="-1">
+                <a:latin typeface="Arial" panose="020B0604020202020204"/>
               </a:rPr>
-              <a:t>} </a:t>
+              <a:t>thì các bạn sẽ thấy rằng Java định nghĩa các phương thức ngay trong lớp chứ không định nghĩa ở bên ngoài như C++</a:t>
             </a:r>
-            <a:endParaRPr b="0" lang="en-US" sz="3200" spc="-1" strike="noStrike">
-              <a:latin typeface="Arial"/>
+            <a:endParaRPr lang="en-US" sz="6665" b="0" strike="noStrike" spc="-1">
+              <a:latin typeface="Arial" panose="020B0604020202020204"/>
+            </a:endParaRPr>
+          </a:p>
+          <a:p>
+            <a:pPr marL="431800" indent="-323850">
+              <a:lnSpc>
+                <a:spcPct val="100000"/>
+              </a:lnSpc>
+              <a:spcBef>
+                <a:spcPts val="1415"/>
+              </a:spcBef>
+              <a:buClr>
+                <a:srgbClr val="000000"/>
+              </a:buClr>
+              <a:buSzPct val="45000"/>
+              <a:buFont typeface="Wingdings" panose="05000000000000000000" pitchFamily="2" charset="2"/>
+              <a:buChar char=""/>
+            </a:pPr>
+            <a:r>
+              <a:rPr lang="en-US" sz="6665" b="0" strike="noStrike" spc="-1">
+                <a:latin typeface="Arial" panose="020B0604020202020204"/>
+              </a:rPr>
+              <a:t>C++ có khái niệm inline “nội tuyến” để thiết lập cho những hàm ngắn và hay sử dụng có thể được nằm ngay trong vùng gần với vị trí hiện tại của con trỏ chương trình PC hay là program counter, cái này thì nó có chút liên quan đến hợp ngữ “assembly” và máy turing </a:t>
+            </a:r>
+            <a:endParaRPr lang="en-US" sz="6665" b="0" strike="noStrike" spc="-1">
+              <a:latin typeface="Arial" panose="020B0604020202020204"/>
+            </a:endParaRPr>
+          </a:p>
+          <a:p>
+            <a:pPr marL="431800" indent="-323850">
+              <a:lnSpc>
+                <a:spcPct val="100000"/>
+              </a:lnSpc>
+              <a:spcBef>
+                <a:spcPts val="1415"/>
+              </a:spcBef>
+              <a:buClr>
+                <a:srgbClr val="000000"/>
+              </a:buClr>
+              <a:buSzPct val="45000"/>
+              <a:buFont typeface="Wingdings" panose="05000000000000000000" pitchFamily="2" charset="2"/>
+              <a:buChar char=""/>
+            </a:pPr>
+            <a:r>
+              <a:rPr lang="en-US" sz="6665" b="0" strike="noStrike" spc="-1">
+                <a:latin typeface="Arial" panose="020B0604020202020204"/>
+              </a:rPr>
+              <a:t>trong Java thì JIT - just-in-time  compiler sẽ tự động chọn những phương thức nào phù hợp để thiết lập thành nội tuyến còn không sẽ để là ngoại tuyến , JIT dùng để biến mã byte code thành mã máy </a:t>
+            </a:r>
+            <a:endParaRPr lang="en-US" sz="6665" b="0" strike="noStrike" spc="-1">
+              <a:latin typeface="Arial" panose="020B0604020202020204"/>
+            </a:endParaRPr>
+          </a:p>
+          <a:p>
+            <a:pPr marL="431800" indent="-323850">
+              <a:lnSpc>
+                <a:spcPct val="100000"/>
+              </a:lnSpc>
+              <a:spcBef>
+                <a:spcPts val="1415"/>
+              </a:spcBef>
+              <a:buClr>
+                <a:srgbClr val="000000"/>
+              </a:buClr>
+              <a:buSzPct val="45000"/>
+              <a:buFont typeface="Wingdings" panose="05000000000000000000" pitchFamily="2" charset="2"/>
+              <a:buChar char=""/>
+            </a:pPr>
+            <a:r>
+              <a:rPr lang="en-US" sz="6665" b="0" strike="noStrike" spc="-1">
+                <a:latin typeface="Arial" panose="020B0604020202020204"/>
+              </a:rPr>
+              <a:t>chính vì lý do đó mà Oracle jdk luôn chạy nhanh và êm hơn openjdk</a:t>
+            </a:r>
+            <a:endParaRPr lang="en-US" sz="6665" b="0" strike="noStrike" spc="-1">
+              <a:latin typeface="Arial" panose="020B0604020202020204"/>
+            </a:endParaRPr>
+          </a:p>
+          <a:p>
+            <a:pPr marL="431800" indent="-323850">
+              <a:lnSpc>
+                <a:spcPct val="100000"/>
+              </a:lnSpc>
+              <a:spcBef>
+                <a:spcPts val="1415"/>
+              </a:spcBef>
+              <a:buClr>
+                <a:srgbClr val="000000"/>
+              </a:buClr>
+              <a:buSzPct val="45000"/>
+              <a:buFont typeface="Wingdings" panose="05000000000000000000" pitchFamily="2" charset="2"/>
+              <a:buChar char=""/>
+            </a:pPr>
+            <a:r>
+              <a:rPr lang="en-US" sz="6665" b="0" strike="noStrike" spc="-1">
+                <a:latin typeface="Arial" panose="020B0604020202020204"/>
+              </a:rPr>
+              <a:t>họ không mở mã nguồn JIT của oracle jdk  </a:t>
+            </a:r>
+            <a:endParaRPr lang="en-US" sz="6665" b="0" strike="noStrike" spc="-1">
+              <a:latin typeface="Arial" panose="020B0604020202020204"/>
             </a:endParaRPr>
           </a:p>
         </p:txBody>
       </p:sp>
     </p:spTree>
   </p:cSld>
-  <mc:AlternateContent>
-    <mc:Choice Requires="p14">
+  <p:clrMapOvr>
+    <a:masterClrMapping/>
+  </p:clrMapOvr>
+  <mc:AlternateContent xmlns:mc="http://schemas.openxmlformats.org/markup-compatibility/2006">
+    <mc:Choice xmlns:p14="http://schemas.microsoft.com/office/powerpoint/2010/main" Requires="p14">
       <p:transition spd="slow" p14:dur="2000"/>
     </mc:Choice>
     <mc:Fallback>
@@ -3695,8 +6086,8 @@
 </p:sld>
 </file>
 
-<file path=ppt/slides/slide3.xml><?xml version="1.0" encoding="utf-8"?>
-<p:sld xmlns:a="http://schemas.openxmlformats.org/drawingml/2006/main" xmlns:p="http://schemas.openxmlformats.org/presentationml/2006/main" xmlns:r="http://schemas.openxmlformats.org/officeDocument/2006/relationships" xmlns:p14="http://schemas.microsoft.com/office/powerpoint/2010/main" xmlns:p15="http://schemas.microsoft.com/office/powerpoint/2012/main" xmlns:mc="http://schemas.openxmlformats.org/markup-compatibility/2006">
+<file path=ppt/slides/slide5.xml><?xml version="1.0" encoding="utf-8"?>
+<p:sld xmlns:a="http://schemas.openxmlformats.org/drawingml/2006/main" xmlns:r="http://schemas.openxmlformats.org/officeDocument/2006/relationships" xmlns:p="http://schemas.openxmlformats.org/presentationml/2006/main">
   <p:cSld>
     <p:spTree>
       <p:nvGrpSpPr>
@@ -3714,7 +6105,7 @@
       </p:grpSpPr>
       <p:sp>
         <p:nvSpPr>
-          <p:cNvPr id="80" name=""/>
+          <p:cNvPr id="82" name="Rectangles 81"/>
           <p:cNvSpPr/>
           <p:nvPr/>
         </p:nvSpPr>
@@ -3732,13 +6123,19 @@
           </a:ln>
         </p:spPr>
         <p:style>
-          <a:lnRef idx="0"/>
-          <a:fillRef idx="0"/>
-          <a:effectRef idx="0"/>
+          <a:lnRef idx="0">
+            <a:srgbClr val="FFFFFF"/>
+          </a:lnRef>
+          <a:fillRef idx="0">
+            <a:srgbClr val="FFFFFF"/>
+          </a:fillRef>
+          <a:effectRef idx="0">
+            <a:srgbClr val="FFFFFF"/>
+          </a:effectRef>
           <a:fontRef idx="minor"/>
         </p:style>
         <p:txBody>
-          <a:bodyPr lIns="0" rIns="0" tIns="0" bIns="0" anchor="ctr">
+          <a:bodyPr lIns="0" tIns="0" rIns="0" bIns="0" anchor="ctr">
             <a:noAutofit/>
           </a:bodyPr>
           <a:p>
@@ -3748,20 +6145,20 @@
               </a:lnSpc>
             </a:pPr>
             <a:r>
-              <a:rPr b="0" lang="en-US" sz="4400" spc="-1" strike="noStrike">
-                <a:latin typeface="Arial"/>
+              <a:rPr lang="en-US" sz="4400" b="0" strike="noStrike" spc="-1">
+                <a:latin typeface="Arial" panose="020B0604020202020204"/>
               </a:rPr>
-              <a:t>Một vài lưu ý  </a:t>
+              <a:t>So sánh 2 đối tượng cùng 1 lớp    </a:t>
             </a:r>
-            <a:endParaRPr b="0" lang="en-US" sz="4400" spc="-1" strike="noStrike">
-              <a:latin typeface="Arial"/>
-            </a:endParaRPr>
-          </a:p>
-        </p:txBody>
-      </p:sp>
-      <p:sp>
-        <p:nvSpPr>
-          <p:cNvPr id="81" name=""/>
+            <a:endParaRPr lang="en-US" sz="4400" b="0" strike="noStrike" spc="-1">
+              <a:latin typeface="Arial" panose="020B0604020202020204"/>
+            </a:endParaRPr>
+          </a:p>
+        </p:txBody>
+      </p:sp>
+      <p:sp>
+        <p:nvSpPr>
+          <p:cNvPr id="83" name="Rectangles 82"/>
           <p:cNvSpPr/>
           <p:nvPr/>
         </p:nvSpPr>
@@ -3779,171 +6176,236 @@
           </a:ln>
         </p:spPr>
         <p:style>
-          <a:lnRef idx="0"/>
-          <a:fillRef idx="0"/>
-          <a:effectRef idx="0"/>
+          <a:lnRef idx="0">
+            <a:srgbClr val="FFFFFF"/>
+          </a:lnRef>
+          <a:fillRef idx="0">
+            <a:srgbClr val="FFFFFF"/>
+          </a:fillRef>
+          <a:effectRef idx="0">
+            <a:srgbClr val="FFFFFF"/>
+          </a:effectRef>
           <a:fontRef idx="minor"/>
         </p:style>
         <p:txBody>
-          <a:bodyPr lIns="0" rIns="0" tIns="0" bIns="0">
-            <a:normAutofit fontScale="21000"/>
-          </a:bodyPr>
-          <a:p>
-            <a:pPr marL="432000" indent="-323640">
+          <a:bodyPr lIns="0" tIns="0" rIns="0" bIns="0">
+            <a:normAutofit fontScale="44000"/>
+          </a:bodyPr>
+          <a:p>
+            <a:pPr marL="431800" indent="-323850">
               <a:lnSpc>
                 <a:spcPct val="100000"/>
               </a:lnSpc>
               <a:spcBef>
-                <a:spcPts val="1417"/>
+                <a:spcPts val="1415"/>
               </a:spcBef>
               <a:buClr>
                 <a:srgbClr val="000000"/>
               </a:buClr>
               <a:buSzPct val="45000"/>
-              <a:buFont typeface="Wingdings" charset="2"/>
+              <a:buFont typeface="Wingdings" panose="05000000000000000000" pitchFamily="2" charset="2"/>
               <a:buChar char=""/>
             </a:pPr>
             <a:r>
-              <a:rPr b="0" lang="en-US" sz="3200" spc="-1" strike="noStrike">
-                <a:latin typeface="Arial"/>
+              <a:rPr lang="en-US" sz="3200" b="0" strike="noStrike" spc="-1">
+                <a:latin typeface="Arial" panose="020B0604020202020204"/>
               </a:rPr>
-              <a:t>Nếu trước đây các bạn đã từng lập trình C++</a:t>
+              <a:t>chúng ta thực hiện việc quá tải phương thức equals</a:t>
             </a:r>
-            <a:endParaRPr b="0" lang="en-US" sz="3200" spc="-1" strike="noStrike">
-              <a:latin typeface="Arial"/>
-            </a:endParaRPr>
-          </a:p>
-          <a:p>
-            <a:pPr marL="432000" indent="-323640">
+            <a:endParaRPr lang="en-US" sz="3200" b="0" strike="noStrike" spc="-1">
+              <a:latin typeface="Arial" panose="020B0604020202020204"/>
+            </a:endParaRPr>
+          </a:p>
+          <a:p>
+            <a:pPr marL="431800" indent="-323850">
               <a:lnSpc>
                 <a:spcPct val="100000"/>
               </a:lnSpc>
               <a:spcBef>
-                <a:spcPts val="1417"/>
+                <a:spcPts val="1415"/>
               </a:spcBef>
               <a:buClr>
                 <a:srgbClr val="000000"/>
               </a:buClr>
               <a:buSzPct val="45000"/>
-              <a:buFont typeface="Wingdings" charset="2"/>
+              <a:buFont typeface="Wingdings" panose="05000000000000000000" pitchFamily="2" charset="2"/>
               <a:buChar char=""/>
             </a:pPr>
             <a:r>
-              <a:rPr b="0" lang="en-US" sz="3200" spc="-1" strike="noStrike">
-                <a:latin typeface="Arial"/>
+              <a:rPr lang="en-US" sz="3200" b="0" strike="noStrike" spc="-1">
+                <a:latin typeface="Arial" panose="020B0604020202020204"/>
               </a:rPr>
-              <a:t>thì các bạn sẽ thấy rằng Java định nghĩa các phương thức ngay trong lớp chứ không định nghĩa ở bên ngoài như C++</a:t>
+              <a:t>  </a:t>
             </a:r>
-            <a:endParaRPr b="0" lang="en-US" sz="3200" spc="-1" strike="noStrike">
-              <a:latin typeface="Arial"/>
-            </a:endParaRPr>
-          </a:p>
-          <a:p>
-            <a:pPr marL="432000" indent="-323640">
+            <a:r>
+              <a:rPr lang="en-US" sz="3200" b="0" strike="noStrike" spc="-1">
+                <a:latin typeface="Arial" panose="020B0604020202020204"/>
+              </a:rPr>
+              <a:t>class Employee</a:t>
+            </a:r>
+            <a:endParaRPr lang="en-US" sz="3200" b="0" strike="noStrike" spc="-1">
+              <a:latin typeface="Arial" panose="020B0604020202020204"/>
+            </a:endParaRPr>
+          </a:p>
+          <a:p>
+            <a:pPr marL="431800" indent="-323850">
               <a:lnSpc>
                 <a:spcPct val="100000"/>
               </a:lnSpc>
               <a:spcBef>
-                <a:spcPts val="1417"/>
+                <a:spcPts val="1415"/>
               </a:spcBef>
               <a:buClr>
                 <a:srgbClr val="000000"/>
               </a:buClr>
               <a:buSzPct val="45000"/>
-              <a:buFont typeface="Wingdings" charset="2"/>
+              <a:buFont typeface="Wingdings" panose="05000000000000000000" pitchFamily="2" charset="2"/>
               <a:buChar char=""/>
             </a:pPr>
             <a:r>
-              <a:rPr b="0" lang="en-US" sz="3200" spc="-1" strike="noStrike">
-                <a:latin typeface="Arial"/>
+              <a:rPr lang="en-US" sz="3200" b="0" strike="noStrike" spc="-1">
+                <a:latin typeface="Arial" panose="020B0604020202020204"/>
               </a:rPr>
-              <a:t>C++ có khái niệm inline “nội tuyến” để thiết lập cho những hàm ngắn và hay sử dụng có thể được nằm ngay trong vùng gần với vị trí hiện tại của con trỏ chương trình PC hay là program counter, cái này thì nó có chút liên quan đến hợp ngữ “assembly” và máy turing </a:t>
+              <a:t>{. . .</a:t>
             </a:r>
-            <a:endParaRPr b="0" lang="en-US" sz="3200" spc="-1" strike="noStrike">
-              <a:latin typeface="Arial"/>
-            </a:endParaRPr>
-          </a:p>
-          <a:p>
-            <a:pPr marL="432000" indent="-323640">
+            <a:endParaRPr lang="en-US" sz="3200" b="0" strike="noStrike" spc="-1">
+              <a:latin typeface="Arial" panose="020B0604020202020204"/>
+            </a:endParaRPr>
+          </a:p>
+          <a:p>
+            <a:pPr marL="431800" indent="-323850">
               <a:lnSpc>
                 <a:spcPct val="100000"/>
               </a:lnSpc>
               <a:spcBef>
-                <a:spcPts val="1417"/>
+                <a:spcPts val="1415"/>
               </a:spcBef>
               <a:buClr>
                 <a:srgbClr val="000000"/>
               </a:buClr>
               <a:buSzPct val="45000"/>
-              <a:buFont typeface="Wingdings" charset="2"/>
+              <a:buFont typeface="Wingdings" panose="05000000000000000000" pitchFamily="2" charset="2"/>
               <a:buChar char=""/>
             </a:pPr>
             <a:r>
-              <a:rPr b="0" lang="en-US" sz="3200" spc="-1" strike="noStrike">
-                <a:latin typeface="Arial"/>
+              <a:rPr lang="en-US" sz="3200" b="0" strike="noStrike" spc="-1">
+                <a:latin typeface="Arial" panose="020B0604020202020204"/>
               </a:rPr>
-              <a:t>trong Java thì JIT - just-in-time  compiler sẽ tự động chọn những phương thức nào phù hợp để thiết lập thành nội tuyến còn không sẽ để là ngoại tuyến , JIT dùng để biến mã byte code thành mã máy </a:t>
+              <a:t>public boolean equals(Employee other)</a:t>
             </a:r>
-            <a:endParaRPr b="0" lang="en-US" sz="3200" spc="-1" strike="noStrike">
-              <a:latin typeface="Arial"/>
-            </a:endParaRPr>
-          </a:p>
-          <a:p>
-            <a:pPr marL="432000" indent="-323640">
+            <a:endParaRPr lang="en-US" sz="3200" b="0" strike="noStrike" spc="-1">
+              <a:latin typeface="Arial" panose="020B0604020202020204"/>
+            </a:endParaRPr>
+          </a:p>
+          <a:p>
+            <a:pPr marL="431800" indent="-323850">
               <a:lnSpc>
                 <a:spcPct val="100000"/>
               </a:lnSpc>
               <a:spcBef>
-                <a:spcPts val="1417"/>
+                <a:spcPts val="1415"/>
               </a:spcBef>
               <a:buClr>
                 <a:srgbClr val="000000"/>
               </a:buClr>
               <a:buSzPct val="45000"/>
-              <a:buFont typeface="Wingdings" charset="2"/>
+              <a:buFont typeface="Wingdings" panose="05000000000000000000" pitchFamily="2" charset="2"/>
               <a:buChar char=""/>
             </a:pPr>
             <a:r>
-              <a:rPr b="0" lang="en-US" sz="3200" spc="-1" strike="noStrike">
-                <a:latin typeface="Arial"/>
+              <a:rPr lang="en-US" sz="3200" b="0" strike="noStrike" spc="-1">
+                <a:latin typeface="Arial" panose="020B0604020202020204"/>
               </a:rPr>
-              <a:t>chính vì lý do đó mà Oracle jdk luôn chạy nhanh và êm hơn openjdk</a:t>
+              <a:t>{</a:t>
             </a:r>
-            <a:endParaRPr b="0" lang="en-US" sz="3200" spc="-1" strike="noStrike">
-              <a:latin typeface="Arial"/>
-            </a:endParaRPr>
-          </a:p>
-          <a:p>
-            <a:pPr marL="432000" indent="-323640">
+            <a:endParaRPr lang="en-US" sz="3200" b="0" strike="noStrike" spc="-1">
+              <a:latin typeface="Arial" panose="020B0604020202020204"/>
+            </a:endParaRPr>
+          </a:p>
+          <a:p>
+            <a:pPr marL="431800" indent="-323850">
               <a:lnSpc>
                 <a:spcPct val="100000"/>
               </a:lnSpc>
               <a:spcBef>
-                <a:spcPts val="1417"/>
+                <a:spcPts val="1415"/>
               </a:spcBef>
               <a:buClr>
                 <a:srgbClr val="000000"/>
               </a:buClr>
               <a:buSzPct val="45000"/>
-              <a:buFont typeface="Wingdings" charset="2"/>
+              <a:buFont typeface="Wingdings" panose="05000000000000000000" pitchFamily="2" charset="2"/>
               <a:buChar char=""/>
             </a:pPr>
             <a:r>
-              <a:rPr b="0" lang="en-US" sz="3200" spc="-1" strike="noStrike">
-                <a:latin typeface="Arial"/>
+              <a:rPr lang="en-US" sz="3200" b="0" strike="noStrike" spc="-1">
+                <a:latin typeface="Arial" panose="020B0604020202020204"/>
               </a:rPr>
-              <a:t>họ không mở mã nguồn JIT của oracle jdk  </a:t>
+              <a:t>return name.equals(other.name);</a:t>
             </a:r>
-            <a:endParaRPr b="0" lang="en-US" sz="3200" spc="-1" strike="noStrike">
-              <a:latin typeface="Arial"/>
+            <a:endParaRPr lang="en-US" sz="3200" b="0" strike="noStrike" spc="-1">
+              <a:latin typeface="Arial" panose="020B0604020202020204"/>
+            </a:endParaRPr>
+          </a:p>
+          <a:p>
+            <a:pPr marL="431800" indent="-323850">
+              <a:lnSpc>
+                <a:spcPct val="100000"/>
+              </a:lnSpc>
+              <a:spcBef>
+                <a:spcPts val="1415"/>
+              </a:spcBef>
+              <a:buClr>
+                <a:srgbClr val="000000"/>
+              </a:buClr>
+              <a:buSzPct val="45000"/>
+              <a:buFont typeface="Wingdings" panose="05000000000000000000" pitchFamily="2" charset="2"/>
+              <a:buChar char=""/>
+            </a:pPr>
+            <a:r>
+              <a:rPr lang="en-US" sz="3200" b="0" strike="noStrike" spc="-1">
+                <a:latin typeface="Arial" panose="020B0604020202020204"/>
+              </a:rPr>
+              <a:t>}</a:t>
+            </a:r>
+            <a:endParaRPr lang="en-US" sz="3200" b="0" strike="noStrike" spc="-1">
+              <a:latin typeface="Arial" panose="020B0604020202020204"/>
+            </a:endParaRPr>
+          </a:p>
+          <a:p>
+            <a:pPr marL="431800" indent="-323850">
+              <a:lnSpc>
+                <a:spcPct val="100000"/>
+              </a:lnSpc>
+              <a:spcBef>
+                <a:spcPts val="1415"/>
+              </a:spcBef>
+              <a:buClr>
+                <a:srgbClr val="000000"/>
+              </a:buClr>
+              <a:buSzPct val="45000"/>
+              <a:buFont typeface="Wingdings" panose="05000000000000000000" pitchFamily="2" charset="2"/>
+              <a:buChar char=""/>
+            </a:pPr>
+            <a:r>
+              <a:rPr lang="en-US" sz="3200" b="0" strike="noStrike" spc="-1">
+                <a:latin typeface="Arial" panose="020B0604020202020204"/>
+              </a:rPr>
+              <a:t>}</a:t>
+            </a:r>
+            <a:endParaRPr lang="en-US" sz="3200" b="0" strike="noStrike" spc="-1">
+              <a:latin typeface="Arial" panose="020B0604020202020204"/>
             </a:endParaRPr>
           </a:p>
         </p:txBody>
       </p:sp>
     </p:spTree>
   </p:cSld>
-  <mc:AlternateContent>
-    <mc:Choice Requires="p14">
+  <p:clrMapOvr>
+    <a:masterClrMapping/>
+  </p:clrMapOvr>
+  <mc:AlternateContent xmlns:mc="http://schemas.openxmlformats.org/markup-compatibility/2006">
+    <mc:Choice xmlns:p14="http://schemas.microsoft.com/office/powerpoint/2010/main" Requires="p14">
       <p:transition spd="slow" p14:dur="2000"/>
     </mc:Choice>
     <mc:Fallback>
@@ -3953,8 +6415,8 @@
 </p:sld>
 </file>
 
-<file path=ppt/slides/slide4.xml><?xml version="1.0" encoding="utf-8"?>
-<p:sld xmlns:a="http://schemas.openxmlformats.org/drawingml/2006/main" xmlns:p="http://schemas.openxmlformats.org/presentationml/2006/main" xmlns:r="http://schemas.openxmlformats.org/officeDocument/2006/relationships" xmlns:p14="http://schemas.microsoft.com/office/powerpoint/2010/main" xmlns:p15="http://schemas.microsoft.com/office/powerpoint/2012/main" xmlns:mc="http://schemas.openxmlformats.org/markup-compatibility/2006">
+<file path=ppt/slides/slide6.xml><?xml version="1.0" encoding="utf-8"?>
+<p:sld xmlns:a="http://schemas.openxmlformats.org/drawingml/2006/main" xmlns:r="http://schemas.openxmlformats.org/officeDocument/2006/relationships" xmlns:p="http://schemas.openxmlformats.org/presentationml/2006/main">
   <p:cSld>
     <p:spTree>
       <p:nvGrpSpPr>
@@ -3972,7 +6434,7 @@
       </p:grpSpPr>
       <p:sp>
         <p:nvSpPr>
-          <p:cNvPr id="82" name=""/>
+          <p:cNvPr id="84" name="Rectangles 83"/>
           <p:cNvSpPr/>
           <p:nvPr/>
         </p:nvSpPr>
@@ -3990,13 +6452,19 @@
           </a:ln>
         </p:spPr>
         <p:style>
-          <a:lnRef idx="0"/>
-          <a:fillRef idx="0"/>
-          <a:effectRef idx="0"/>
+          <a:lnRef idx="0">
+            <a:srgbClr val="FFFFFF"/>
+          </a:lnRef>
+          <a:fillRef idx="0">
+            <a:srgbClr val="FFFFFF"/>
+          </a:fillRef>
+          <a:effectRef idx="0">
+            <a:srgbClr val="FFFFFF"/>
+          </a:effectRef>
           <a:fontRef idx="minor"/>
         </p:style>
         <p:txBody>
-          <a:bodyPr lIns="0" rIns="0" tIns="0" bIns="0" anchor="ctr">
+          <a:bodyPr lIns="0" tIns="0" rIns="0" bIns="0" anchor="ctr">
             <a:noAutofit/>
           </a:bodyPr>
           <a:p>
@@ -4006,20 +6474,20 @@
               </a:lnSpc>
             </a:pPr>
             <a:r>
-              <a:rPr b="0" lang="en-US" sz="4400" spc="-1" strike="noStrike">
-                <a:latin typeface="Arial"/>
+              <a:rPr lang="en-US" sz="4400" b="0" strike="noStrike" spc="-1">
+                <a:latin typeface="Arial" panose="020B0604020202020204"/>
               </a:rPr>
-              <a:t>So sánh 2 đối tượng cùng 1 lớp    </a:t>
+              <a:t>từ khóa final     </a:t>
             </a:r>
-            <a:endParaRPr b="0" lang="en-US" sz="4400" spc="-1" strike="noStrike">
-              <a:latin typeface="Arial"/>
-            </a:endParaRPr>
-          </a:p>
-        </p:txBody>
-      </p:sp>
-      <p:sp>
-        <p:nvSpPr>
-          <p:cNvPr id="83" name=""/>
+            <a:endParaRPr lang="en-US" sz="4400" b="0" strike="noStrike" spc="-1">
+              <a:latin typeface="Arial" panose="020B0604020202020204"/>
+            </a:endParaRPr>
+          </a:p>
+        </p:txBody>
+      </p:sp>
+      <p:sp>
+        <p:nvSpPr>
+          <p:cNvPr id="85" name="Rectangles 84"/>
           <p:cNvSpPr/>
           <p:nvPr/>
         </p:nvSpPr>
@@ -4037,435 +6505,80 @@
           </a:ln>
         </p:spPr>
         <p:style>
-          <a:lnRef idx="0"/>
-          <a:fillRef idx="0"/>
-          <a:effectRef idx="0"/>
+          <a:lnRef idx="0">
+            <a:srgbClr val="FFFFFF"/>
+          </a:lnRef>
+          <a:fillRef idx="0">
+            <a:srgbClr val="FFFFFF"/>
+          </a:fillRef>
+          <a:effectRef idx="0">
+            <a:srgbClr val="FFFFFF"/>
+          </a:effectRef>
           <a:fontRef idx="minor"/>
         </p:style>
         <p:txBody>
-          <a:bodyPr lIns="0" rIns="0" tIns="0" bIns="0">
-            <a:normAutofit fontScale="34000"/>
-          </a:bodyPr>
-          <a:p>
-            <a:pPr marL="432000" indent="-323640">
+          <a:bodyPr lIns="0" tIns="0" rIns="0" bIns="0">
+            <a:normAutofit/>
+          </a:bodyPr>
+          <a:p>
+            <a:pPr marL="431800" indent="-323850">
               <a:lnSpc>
                 <a:spcPct val="100000"/>
               </a:lnSpc>
               <a:spcBef>
-                <a:spcPts val="1417"/>
+                <a:spcPts val="1415"/>
               </a:spcBef>
               <a:buClr>
                 <a:srgbClr val="000000"/>
               </a:buClr>
               <a:buSzPct val="45000"/>
-              <a:buFont typeface="Wingdings" charset="2"/>
+              <a:buFont typeface="Wingdings" panose="05000000000000000000" pitchFamily="2" charset="2"/>
               <a:buChar char=""/>
             </a:pPr>
             <a:r>
-              <a:rPr b="0" lang="en-US" sz="3200" spc="-1" strike="noStrike">
-                <a:latin typeface="Arial"/>
+              <a:rPr lang="en-US" sz="3200" b="0" strike="noStrike" spc="-1">
+                <a:latin typeface="Arial" panose="020B0604020202020204"/>
               </a:rPr>
-              <a:t>chúng ta thực hiện việc quá tải phương thức equals</a:t>
+              <a:t>Đôi khi chúng ta phải thiết lập 1 biến có giá trị không đổi, chúng ta sẽ dùng từ khóa final</a:t>
             </a:r>
-            <a:endParaRPr b="0" lang="en-US" sz="3200" spc="-1" strike="noStrike">
-              <a:latin typeface="Arial"/>
-            </a:endParaRPr>
-          </a:p>
-          <a:p>
-            <a:pPr marL="432000" indent="-323640">
+            <a:endParaRPr lang="en-US" sz="3200" b="0" strike="noStrike" spc="-1">
+              <a:latin typeface="Arial" panose="020B0604020202020204"/>
+            </a:endParaRPr>
+          </a:p>
+          <a:p>
+            <a:pPr marL="431800" indent="-323850">
               <a:lnSpc>
                 <a:spcPct val="100000"/>
               </a:lnSpc>
               <a:spcBef>
-                <a:spcPts val="1417"/>
+                <a:spcPts val="1415"/>
               </a:spcBef>
               <a:buClr>
                 <a:srgbClr val="000000"/>
               </a:buClr>
               <a:buSzPct val="45000"/>
-              <a:buFont typeface="Wingdings" charset="2"/>
+              <a:buFont typeface="Wingdings" panose="05000000000000000000" pitchFamily="2" charset="2"/>
               <a:buChar char=""/>
             </a:pPr>
             <a:r>
-              <a:rPr b="0" lang="en-US" sz="3200" spc="-1" strike="noStrike">
-                <a:latin typeface="Arial"/>
-              </a:rPr>
-              <a:t> </a:t>
-            </a:r>
-            <a:endParaRPr b="0" lang="en-US" sz="3200" spc="-1" strike="noStrike">
-              <a:latin typeface="Arial"/>
-            </a:endParaRPr>
-          </a:p>
-          <a:p>
-            <a:pPr marL="432000" indent="-323640">
-              <a:lnSpc>
-                <a:spcPct val="100000"/>
-              </a:lnSpc>
-              <a:spcBef>
-                <a:spcPts val="1417"/>
-              </a:spcBef>
-              <a:buClr>
-                <a:srgbClr val="000000"/>
-              </a:buClr>
-              <a:buSzPct val="45000"/>
-              <a:buFont typeface="Wingdings" charset="2"/>
-              <a:buChar char=""/>
-            </a:pPr>
-            <a:r>
-              <a:rPr b="0" lang="en-US" sz="3200" spc="-1" strike="noStrike">
-                <a:latin typeface="Arial"/>
-              </a:rPr>
-              <a:t> </a:t>
-            </a:r>
-            <a:r>
-              <a:rPr b="0" lang="en-US" sz="3200" spc="-1" strike="noStrike">
-                <a:latin typeface="Arial"/>
-              </a:rPr>
-              <a:t>class Employee</a:t>
-            </a:r>
-            <a:endParaRPr b="0" lang="en-US" sz="3200" spc="-1" strike="noStrike">
-              <a:latin typeface="Arial"/>
-            </a:endParaRPr>
-          </a:p>
-          <a:p>
-            <a:pPr marL="432000" indent="-323640">
-              <a:lnSpc>
-                <a:spcPct val="100000"/>
-              </a:lnSpc>
-              <a:spcBef>
-                <a:spcPts val="1417"/>
-              </a:spcBef>
-              <a:buClr>
-                <a:srgbClr val="000000"/>
-              </a:buClr>
-              <a:buSzPct val="45000"/>
-              <a:buFont typeface="Wingdings" charset="2"/>
-              <a:buChar char=""/>
-            </a:pPr>
-            <a:r>
-              <a:rPr b="0" lang="en-US" sz="3200" spc="-1" strike="noStrike">
-                <a:latin typeface="Arial"/>
-              </a:rPr>
-              <a:t>{</a:t>
-            </a:r>
-            <a:endParaRPr b="0" lang="en-US" sz="3200" spc="-1" strike="noStrike">
-              <a:latin typeface="Arial"/>
-            </a:endParaRPr>
-          </a:p>
-          <a:p>
-            <a:pPr marL="432000" indent="-323640">
-              <a:lnSpc>
-                <a:spcPct val="100000"/>
-              </a:lnSpc>
-              <a:spcBef>
-                <a:spcPts val="1417"/>
-              </a:spcBef>
-              <a:buClr>
-                <a:srgbClr val="000000"/>
-              </a:buClr>
-              <a:buSzPct val="45000"/>
-              <a:buFont typeface="Wingdings" charset="2"/>
-              <a:buChar char=""/>
-            </a:pPr>
-            <a:r>
-              <a:rPr b="0" lang="en-US" sz="3200" spc="-1" strike="noStrike">
-                <a:latin typeface="Arial"/>
-              </a:rPr>
-              <a:t>. . .</a:t>
-            </a:r>
-            <a:endParaRPr b="0" lang="en-US" sz="3200" spc="-1" strike="noStrike">
-              <a:latin typeface="Arial"/>
-            </a:endParaRPr>
-          </a:p>
-          <a:p>
-            <a:pPr marL="432000" indent="-323640">
-              <a:lnSpc>
-                <a:spcPct val="100000"/>
-              </a:lnSpc>
-              <a:spcBef>
-                <a:spcPts val="1417"/>
-              </a:spcBef>
-              <a:buClr>
-                <a:srgbClr val="000000"/>
-              </a:buClr>
-              <a:buSzPct val="45000"/>
-              <a:buFont typeface="Wingdings" charset="2"/>
-              <a:buChar char=""/>
-            </a:pPr>
-            <a:r>
-              <a:rPr b="0" lang="en-US" sz="3200" spc="-1" strike="noStrike">
-                <a:latin typeface="Arial"/>
-              </a:rPr>
-              <a:t>public boolean equals(Employee other)</a:t>
-            </a:r>
-            <a:endParaRPr b="0" lang="en-US" sz="3200" spc="-1" strike="noStrike">
-              <a:latin typeface="Arial"/>
-            </a:endParaRPr>
-          </a:p>
-          <a:p>
-            <a:pPr marL="432000" indent="-323640">
-              <a:lnSpc>
-                <a:spcPct val="100000"/>
-              </a:lnSpc>
-              <a:spcBef>
-                <a:spcPts val="1417"/>
-              </a:spcBef>
-              <a:buClr>
-                <a:srgbClr val="000000"/>
-              </a:buClr>
-              <a:buSzPct val="45000"/>
-              <a:buFont typeface="Wingdings" charset="2"/>
-              <a:buChar char=""/>
-            </a:pPr>
-            <a:r>
-              <a:rPr b="0" lang="en-US" sz="3200" spc="-1" strike="noStrike">
-                <a:latin typeface="Arial"/>
-              </a:rPr>
-              <a:t>{</a:t>
-            </a:r>
-            <a:endParaRPr b="0" lang="en-US" sz="3200" spc="-1" strike="noStrike">
-              <a:latin typeface="Arial"/>
-            </a:endParaRPr>
-          </a:p>
-          <a:p>
-            <a:pPr marL="432000" indent="-323640">
-              <a:lnSpc>
-                <a:spcPct val="100000"/>
-              </a:lnSpc>
-              <a:spcBef>
-                <a:spcPts val="1417"/>
-              </a:spcBef>
-              <a:buClr>
-                <a:srgbClr val="000000"/>
-              </a:buClr>
-              <a:buSzPct val="45000"/>
-              <a:buFont typeface="Wingdings" charset="2"/>
-              <a:buChar char=""/>
-            </a:pPr>
-            <a:r>
-              <a:rPr b="0" lang="en-US" sz="3200" spc="-1" strike="noStrike">
-                <a:latin typeface="Arial"/>
-              </a:rPr>
-              <a:t>return name.equals(other.name);</a:t>
-            </a:r>
-            <a:endParaRPr b="0" lang="en-US" sz="3200" spc="-1" strike="noStrike">
-              <a:latin typeface="Arial"/>
-            </a:endParaRPr>
-          </a:p>
-          <a:p>
-            <a:pPr marL="432000" indent="-323640">
-              <a:lnSpc>
-                <a:spcPct val="100000"/>
-              </a:lnSpc>
-              <a:spcBef>
-                <a:spcPts val="1417"/>
-              </a:spcBef>
-              <a:buClr>
-                <a:srgbClr val="000000"/>
-              </a:buClr>
-              <a:buSzPct val="45000"/>
-              <a:buFont typeface="Wingdings" charset="2"/>
-              <a:buChar char=""/>
-            </a:pPr>
-            <a:r>
-              <a:rPr b="0" lang="en-US" sz="3200" spc="-1" strike="noStrike">
-                <a:latin typeface="Arial"/>
-              </a:rPr>
-              <a:t>}</a:t>
-            </a:r>
-            <a:endParaRPr b="0" lang="en-US" sz="3200" spc="-1" strike="noStrike">
-              <a:latin typeface="Arial"/>
-            </a:endParaRPr>
-          </a:p>
-          <a:p>
-            <a:pPr marL="432000" indent="-323640">
-              <a:lnSpc>
-                <a:spcPct val="100000"/>
-              </a:lnSpc>
-              <a:spcBef>
-                <a:spcPts val="1417"/>
-              </a:spcBef>
-              <a:buClr>
-                <a:srgbClr val="000000"/>
-              </a:buClr>
-              <a:buSzPct val="45000"/>
-              <a:buFont typeface="Wingdings" charset="2"/>
-              <a:buChar char=""/>
-            </a:pPr>
-            <a:r>
-              <a:rPr b="0" lang="en-US" sz="3200" spc="-1" strike="noStrike">
-                <a:latin typeface="Arial"/>
-              </a:rPr>
-              <a:t>}</a:t>
-            </a:r>
-            <a:endParaRPr b="0" lang="en-US" sz="3200" spc="-1" strike="noStrike">
-              <a:latin typeface="Arial"/>
-            </a:endParaRPr>
-          </a:p>
-        </p:txBody>
-      </p:sp>
-    </p:spTree>
-  </p:cSld>
-  <mc:AlternateContent>
-    <mc:Choice Requires="p14">
-      <p:transition spd="slow" p14:dur="2000"/>
-    </mc:Choice>
-    <mc:Fallback>
-      <p:transition spd="slow"/>
-    </mc:Fallback>
-  </mc:AlternateContent>
-</p:sld>
-</file>
-
-<file path=ppt/slides/slide5.xml><?xml version="1.0" encoding="utf-8"?>
-<p:sld xmlns:a="http://schemas.openxmlformats.org/drawingml/2006/main" xmlns:p="http://schemas.openxmlformats.org/presentationml/2006/main" xmlns:r="http://schemas.openxmlformats.org/officeDocument/2006/relationships" xmlns:p14="http://schemas.microsoft.com/office/powerpoint/2010/main" xmlns:p15="http://schemas.microsoft.com/office/powerpoint/2012/main" xmlns:mc="http://schemas.openxmlformats.org/markup-compatibility/2006">
-  <p:cSld>
-    <p:spTree>
-      <p:nvGrpSpPr>
-        <p:cNvPr id="1" name=""/>
-        <p:cNvGrpSpPr/>
-        <p:nvPr/>
-      </p:nvGrpSpPr>
-      <p:grpSpPr>
-        <a:xfrm>
-          <a:off x="0" y="0"/>
-          <a:ext cx="0" cy="0"/>
-          <a:chOff x="0" y="0"/>
-          <a:chExt cx="0" cy="0"/>
-        </a:xfrm>
-      </p:grpSpPr>
-      <p:sp>
-        <p:nvSpPr>
-          <p:cNvPr id="84" name=""/>
-          <p:cNvSpPr/>
-          <p:nvPr/>
-        </p:nvSpPr>
-        <p:spPr>
-          <a:xfrm>
-            <a:off x="504000" y="226080"/>
-            <a:ext cx="9071280" cy="946080"/>
-          </a:xfrm>
-          <a:prstGeom prst="rect">
-            <a:avLst/>
-          </a:prstGeom>
-          <a:noFill/>
-          <a:ln w="0">
-            <a:noFill/>
-          </a:ln>
-        </p:spPr>
-        <p:style>
-          <a:lnRef idx="0"/>
-          <a:fillRef idx="0"/>
-          <a:effectRef idx="0"/>
-          <a:fontRef idx="minor"/>
-        </p:style>
-        <p:txBody>
-          <a:bodyPr lIns="0" rIns="0" tIns="0" bIns="0" anchor="ctr">
-            <a:noAutofit/>
-          </a:bodyPr>
-          <a:p>
-            <a:pPr algn="ctr">
-              <a:lnSpc>
-                <a:spcPct val="100000"/>
-              </a:lnSpc>
-            </a:pPr>
-            <a:r>
-              <a:rPr b="0" lang="en-US" sz="4400" spc="-1" strike="noStrike">
-                <a:latin typeface="Arial"/>
-              </a:rPr>
-              <a:t>từ khóa final     </a:t>
-            </a:r>
-            <a:endParaRPr b="0" lang="en-US" sz="4400" spc="-1" strike="noStrike">
-              <a:latin typeface="Arial"/>
-            </a:endParaRPr>
-          </a:p>
-        </p:txBody>
-      </p:sp>
-      <p:sp>
-        <p:nvSpPr>
-          <p:cNvPr id="85" name=""/>
-          <p:cNvSpPr/>
-          <p:nvPr/>
-        </p:nvSpPr>
-        <p:spPr>
-          <a:xfrm>
-            <a:off x="504000" y="1326600"/>
-            <a:ext cx="9071280" cy="3287880"/>
-          </a:xfrm>
-          <a:prstGeom prst="rect">
-            <a:avLst/>
-          </a:prstGeom>
-          <a:noFill/>
-          <a:ln w="0">
-            <a:noFill/>
-          </a:ln>
-        </p:spPr>
-        <p:style>
-          <a:lnRef idx="0"/>
-          <a:fillRef idx="0"/>
-          <a:effectRef idx="0"/>
-          <a:fontRef idx="minor"/>
-        </p:style>
-        <p:txBody>
-          <a:bodyPr lIns="0" rIns="0" tIns="0" bIns="0">
-            <a:normAutofit/>
-          </a:bodyPr>
-          <a:p>
-            <a:pPr marL="432000" indent="-323640">
-              <a:lnSpc>
-                <a:spcPct val="100000"/>
-              </a:lnSpc>
-              <a:spcBef>
-                <a:spcPts val="1417"/>
-              </a:spcBef>
-              <a:buClr>
-                <a:srgbClr val="000000"/>
-              </a:buClr>
-              <a:buSzPct val="45000"/>
-              <a:buFont typeface="Wingdings" charset="2"/>
-              <a:buChar char=""/>
-            </a:pPr>
-            <a:r>
-              <a:rPr b="0" lang="en-US" sz="3200" spc="-1" strike="noStrike">
-                <a:latin typeface="Arial"/>
-              </a:rPr>
-              <a:t>Đôi khi chúng ta phải thiết lập 1 biến có giá trị không đổi, chúng ta sẽ dùng từ khóa final</a:t>
-            </a:r>
-            <a:endParaRPr b="0" lang="en-US" sz="3200" spc="-1" strike="noStrike">
-              <a:latin typeface="Arial"/>
-            </a:endParaRPr>
-          </a:p>
-          <a:p>
-            <a:pPr marL="432000" indent="-323640">
-              <a:lnSpc>
-                <a:spcPct val="100000"/>
-              </a:lnSpc>
-              <a:spcBef>
-                <a:spcPts val="1417"/>
-              </a:spcBef>
-              <a:buClr>
-                <a:srgbClr val="000000"/>
-              </a:buClr>
-              <a:buSzPct val="45000"/>
-              <a:buFont typeface="Wingdings" charset="2"/>
-              <a:buChar char=""/>
-            </a:pPr>
-            <a:r>
-              <a:rPr b="0" lang="en-US" sz="3200" spc="-1" strike="noStrike">
-                <a:latin typeface="Arial"/>
+              <a:rPr lang="en-US" sz="3200" b="0" strike="noStrike" spc="-1">
+                <a:latin typeface="Arial" panose="020B0604020202020204"/>
               </a:rPr>
               <a:t>từ khóa final cho phép biến được thiết lập giá trị 1 lần duy nhất  </a:t>
             </a:r>
-            <a:endParaRPr b="0" lang="en-US" sz="3200" spc="-1" strike="noStrike">
-              <a:latin typeface="Arial"/>
+            <a:endParaRPr lang="en-US" sz="3200" b="0" strike="noStrike" spc="-1">
+              <a:latin typeface="Arial" panose="020B0604020202020204"/>
             </a:endParaRPr>
           </a:p>
         </p:txBody>
       </p:sp>
     </p:spTree>
   </p:cSld>
-  <mc:AlternateContent>
-    <mc:Choice Requires="p14">
+  <p:clrMapOvr>
+    <a:masterClrMapping/>
+  </p:clrMapOvr>
+  <mc:AlternateContent xmlns:mc="http://schemas.openxmlformats.org/markup-compatibility/2006">
+    <mc:Choice xmlns:p14="http://schemas.microsoft.com/office/powerpoint/2010/main" Requires="p14">
       <p:transition spd="slow" p14:dur="2000"/>
     </mc:Choice>
     <mc:Fallback>
@@ -4486,31 +6599,31 @@
         <a:sysClr val="window" lastClr="FFFFFF"/>
       </a:lt1>
       <a:dk2>
-        <a:srgbClr val="1f497d"/>
+        <a:srgbClr val="1F497D"/>
       </a:dk2>
       <a:lt2>
-        <a:srgbClr val="eeece1"/>
+        <a:srgbClr val="EEECE1"/>
       </a:lt2>
       <a:accent1>
-        <a:srgbClr val="4f81bd"/>
+        <a:srgbClr val="4F81BD"/>
       </a:accent1>
       <a:accent2>
-        <a:srgbClr val="c0504d"/>
+        <a:srgbClr val="C0504D"/>
       </a:accent2>
       <a:accent3>
-        <a:srgbClr val="9bbb59"/>
+        <a:srgbClr val="9BBB59"/>
       </a:accent3>
       <a:accent4>
-        <a:srgbClr val="8064a2"/>
+        <a:srgbClr val="8064A2"/>
       </a:accent4>
       <a:accent5>
-        <a:srgbClr val="4bacc6"/>
+        <a:srgbClr val="4BACC6"/>
       </a:accent5>
       <a:accent6>
-        <a:srgbClr val="f79646"/>
+        <a:srgbClr val="F79646"/>
       </a:accent6>
       <a:hlink>
-        <a:srgbClr val="0000ff"/>
+        <a:srgbClr val="0000FF"/>
       </a:hlink>
       <a:folHlink>
         <a:srgbClr val="800080"/>
@@ -4698,6 +6811,11 @@
       </a:bgFillStyleLst>
     </a:fmtScheme>
   </a:themeElements>
+  <a:extLst>
+    <a:ext uri="{05A4C25C-085E-4340-85A3-A5531E510DB2}">
+      <thm15:themeFamily xmlns:thm15="http://schemas.microsoft.com/office/thememl/2012/main" name="Office Theme" id="{62F939B6-93AF-4DB8-9C6B-D6C7DFDC589F}" vid="{4A3C46E8-61CC-4603-A589-7422A47A8E4A}"/>
+    </a:ext>
+  </a:extLst>
 </a:theme>
 </file>
 
@@ -4712,31 +6830,31 @@
         <a:sysClr val="window" lastClr="FFFFFF"/>
       </a:lt1>
       <a:dk2>
-        <a:srgbClr val="1f497d"/>
+        <a:srgbClr val="1F497D"/>
       </a:dk2>
       <a:lt2>
-        <a:srgbClr val="eeece1"/>
+        <a:srgbClr val="EEECE1"/>
       </a:lt2>
       <a:accent1>
-        <a:srgbClr val="4f81bd"/>
+        <a:srgbClr val="4F81BD"/>
       </a:accent1>
       <a:accent2>
-        <a:srgbClr val="c0504d"/>
+        <a:srgbClr val="C0504D"/>
       </a:accent2>
       <a:accent3>
-        <a:srgbClr val="9bbb59"/>
+        <a:srgbClr val="9BBB59"/>
       </a:accent3>
       <a:accent4>
-        <a:srgbClr val="8064a2"/>
+        <a:srgbClr val="8064A2"/>
       </a:accent4>
       <a:accent5>
-        <a:srgbClr val="4bacc6"/>
+        <a:srgbClr val="4BACC6"/>
       </a:accent5>
       <a:accent6>
-        <a:srgbClr val="f79646"/>
+        <a:srgbClr val="F79646"/>
       </a:accent6>
       <a:hlink>
-        <a:srgbClr val="0000ff"/>
+        <a:srgbClr val="0000FF"/>
       </a:hlink>
       <a:folHlink>
         <a:srgbClr val="800080"/>
@@ -4924,5 +7042,241 @@
       </a:bgFillStyleLst>
     </a:fmtScheme>
   </a:themeElements>
+  <a:extLst>
+    <a:ext uri="{05A4C25C-085E-4340-85A3-A5531E510DB2}">
+      <thm15:themeFamily xmlns:thm15="http://schemas.microsoft.com/office/thememl/2012/main" name="Office Theme" id="{62F939B6-93AF-4DB8-9C6B-D6C7DFDC589F}" vid="{4A3C46E8-61CC-4603-A589-7422A47A8E4A}"/>
+    </a:ext>
+  </a:extLst>
+</a:theme>
+</file>
+
+<file path=ppt/theme/theme3.xml><?xml version="1.0" encoding="utf-8"?>
+<a:theme xmlns:a="http://schemas.openxmlformats.org/drawingml/2006/main" name="1_Office Theme">
+  <a:themeElements>
+    <a:clrScheme name="Office">
+      <a:dk1>
+        <a:sysClr val="windowText" lastClr="000000"/>
+      </a:dk1>
+      <a:lt1>
+        <a:sysClr val="window" lastClr="FFFFFF"/>
+      </a:lt1>
+      <a:dk2>
+        <a:srgbClr val="1F497D"/>
+      </a:dk2>
+      <a:lt2>
+        <a:srgbClr val="EEECE1"/>
+      </a:lt2>
+      <a:accent1>
+        <a:srgbClr val="4F81BD"/>
+      </a:accent1>
+      <a:accent2>
+        <a:srgbClr val="C0504D"/>
+      </a:accent2>
+      <a:accent3>
+        <a:srgbClr val="9BBB59"/>
+      </a:accent3>
+      <a:accent4>
+        <a:srgbClr val="8064A2"/>
+      </a:accent4>
+      <a:accent5>
+        <a:srgbClr val="4BACC6"/>
+      </a:accent5>
+      <a:accent6>
+        <a:srgbClr val="F79646"/>
+      </a:accent6>
+      <a:hlink>
+        <a:srgbClr val="0000FF"/>
+      </a:hlink>
+      <a:folHlink>
+        <a:srgbClr val="800080"/>
+      </a:folHlink>
+    </a:clrScheme>
+    <a:fontScheme name="Office">
+      <a:majorFont>
+        <a:latin typeface="Arial"/>
+        <a:ea typeface="DejaVu Sans"/>
+        <a:cs typeface="DejaVu Sans"/>
+      </a:majorFont>
+      <a:minorFont>
+        <a:latin typeface="Arial"/>
+        <a:ea typeface="DejaVu Sans"/>
+        <a:cs typeface="DejaVu Sans"/>
+      </a:minorFont>
+    </a:fontScheme>
+    <a:fmtScheme name="Office">
+      <a:fillStyleLst>
+        <a:solidFill>
+          <a:schemeClr val="phClr"/>
+        </a:solidFill>
+        <a:gradFill rotWithShape="1">
+          <a:gsLst>
+            <a:gs pos="0">
+              <a:schemeClr val="phClr">
+                <a:tint val="50000"/>
+                <a:satMod val="300000"/>
+              </a:schemeClr>
+            </a:gs>
+            <a:gs pos="35000">
+              <a:schemeClr val="phClr">
+                <a:tint val="37000"/>
+                <a:satMod val="300000"/>
+              </a:schemeClr>
+            </a:gs>
+            <a:gs pos="100000">
+              <a:schemeClr val="phClr">
+                <a:tint val="15000"/>
+                <a:satMod val="350000"/>
+              </a:schemeClr>
+            </a:gs>
+          </a:gsLst>
+          <a:lin ang="16200000" scaled="1"/>
+        </a:gradFill>
+        <a:gradFill rotWithShape="1">
+          <a:gsLst>
+            <a:gs pos="0">
+              <a:schemeClr val="phClr">
+                <a:shade val="51000"/>
+                <a:satMod val="130000"/>
+              </a:schemeClr>
+            </a:gs>
+            <a:gs pos="80000">
+              <a:schemeClr val="phClr">
+                <a:shade val="93000"/>
+                <a:satMod val="130000"/>
+              </a:schemeClr>
+            </a:gs>
+            <a:gs pos="100000">
+              <a:schemeClr val="phClr">
+                <a:shade val="94000"/>
+                <a:satMod val="135000"/>
+              </a:schemeClr>
+            </a:gs>
+          </a:gsLst>
+          <a:lin ang="16200000" scaled="0"/>
+        </a:gradFill>
+      </a:fillStyleLst>
+      <a:lnStyleLst>
+        <a:ln w="9525" cap="flat" cmpd="sng" algn="ctr">
+          <a:solidFill>
+            <a:schemeClr val="phClr">
+              <a:shade val="95000"/>
+              <a:satMod val="105000"/>
+            </a:schemeClr>
+          </a:solidFill>
+          <a:prstDash val="solid"/>
+          <a:miter/>
+        </a:ln>
+        <a:ln w="25400" cap="flat" cmpd="sng" algn="ctr">
+          <a:solidFill>
+            <a:schemeClr val="phClr"/>
+          </a:solidFill>
+          <a:prstDash val="solid"/>
+          <a:miter/>
+        </a:ln>
+        <a:ln w="38100" cap="flat" cmpd="sng" algn="ctr">
+          <a:solidFill>
+            <a:schemeClr val="phClr"/>
+          </a:solidFill>
+          <a:prstDash val="solid"/>
+          <a:miter/>
+        </a:ln>
+      </a:lnStyleLst>
+      <a:effectStyleLst>
+        <a:effectStyle>
+          <a:effectLst>
+            <a:outerShdw blurRad="40000" dist="20000" dir="5400000" rotWithShape="0">
+              <a:srgbClr val="000000">
+                <a:alpha val="38000"/>
+              </a:srgbClr>
+            </a:outerShdw>
+          </a:effectLst>
+        </a:effectStyle>
+        <a:effectStyle>
+          <a:effectLst>
+            <a:outerShdw blurRad="40000" dist="23000" dir="5400000" rotWithShape="0">
+              <a:srgbClr val="000000">
+                <a:alpha val="35000"/>
+              </a:srgbClr>
+            </a:outerShdw>
+          </a:effectLst>
+        </a:effectStyle>
+        <a:effectStyle>
+          <a:effectLst>
+            <a:outerShdw blurRad="40000" dist="23000" dir="5400000" rotWithShape="0">
+              <a:srgbClr val="000000">
+                <a:alpha val="35000"/>
+              </a:srgbClr>
+            </a:outerShdw>
+          </a:effectLst>
+          <a:scene3d>
+            <a:camera prst="orthographicFront">
+              <a:rot lat="0" lon="0" rev="0"/>
+            </a:camera>
+            <a:lightRig rig="threePt" dir="t">
+              <a:rot lat="0" lon="0" rev="1200000"/>
+            </a:lightRig>
+          </a:scene3d>
+          <a:sp3d>
+            <a:bevelT w="63500" h="25400"/>
+          </a:sp3d>
+        </a:effectStyle>
+      </a:effectStyleLst>
+      <a:bgFillStyleLst>
+        <a:solidFill>
+          <a:schemeClr val="phClr"/>
+        </a:solidFill>
+        <a:gradFill rotWithShape="1">
+          <a:gsLst>
+            <a:gs pos="0">
+              <a:schemeClr val="phClr">
+                <a:tint val="40000"/>
+                <a:satMod val="350000"/>
+              </a:schemeClr>
+            </a:gs>
+            <a:gs pos="40000">
+              <a:schemeClr val="phClr">
+                <a:tint val="45000"/>
+                <a:shade val="99000"/>
+                <a:satMod val="350000"/>
+              </a:schemeClr>
+            </a:gs>
+            <a:gs pos="100000">
+              <a:schemeClr val="phClr">
+                <a:shade val="20000"/>
+                <a:satMod val="255000"/>
+              </a:schemeClr>
+            </a:gs>
+          </a:gsLst>
+          <a:path path="circle">
+            <a:fillToRect l="50000" t="-80000" r="50000" b="180000"/>
+          </a:path>
+        </a:gradFill>
+        <a:gradFill rotWithShape="1">
+          <a:gsLst>
+            <a:gs pos="0">
+              <a:schemeClr val="phClr">
+                <a:tint val="80000"/>
+                <a:satMod val="300000"/>
+              </a:schemeClr>
+            </a:gs>
+            <a:gs pos="100000">
+              <a:schemeClr val="phClr">
+                <a:shade val="30000"/>
+                <a:satMod val="200000"/>
+              </a:schemeClr>
+            </a:gs>
+          </a:gsLst>
+          <a:path path="circle">
+            <a:fillToRect l="50000" t="50000" r="50000" b="50000"/>
+          </a:path>
+        </a:gradFill>
+      </a:bgFillStyleLst>
+    </a:fmtScheme>
+  </a:themeElements>
+  <a:extLst>
+    <a:ext uri="{05A4C25C-085E-4340-85A3-A5531E510DB2}">
+      <thm15:themeFamily xmlns:thm15="http://schemas.microsoft.com/office/thememl/2012/main" name="Office Theme" id="{62F939B6-93AF-4DB8-9C6B-D6C7DFDC589F}" vid="{4A3C46E8-61CC-4603-A589-7422A47A8E4A}"/>
+    </a:ext>
+  </a:extLst>
 </a:theme>
 </file>